--- a/presentation.pptx
+++ b/presentation.pptx
@@ -30,14 +30,6 @@
     <p:sldId id="264" r:id="rId25"/>
     <p:sldId id="265" r:id="rId26"/>
     <p:sldId id="266" r:id="rId27"/>
-    <p:sldId id="267" r:id="rId28"/>
-    <p:sldId id="268" r:id="rId29"/>
-    <p:sldId id="269" r:id="rId30"/>
-    <p:sldId id="270" r:id="rId31"/>
-    <p:sldId id="271" r:id="rId32"/>
-    <p:sldId id="272" r:id="rId33"/>
-    <p:sldId id="273" r:id="rId34"/>
-    <p:sldId id="274" r:id="rId35"/>
   </p:sldIdLst>
   <p:sldSz cx="10080625" cy="5670550"/>
   <p:notesSz cx="7559675" cy="10691813"/>
@@ -74,7 +66,7 @@
         <p:spPr>
           <a:xfrm>
             <a:off x="468000" y="468000"/>
-            <a:ext cx="9071640" cy="946080"/>
+            <a:ext cx="9071280" cy="945720"/>
           </a:xfrm>
           <a:prstGeom prst="rect">
             <a:avLst/>
@@ -114,7 +106,7 @@
         <p:spPr>
           <a:xfrm>
             <a:off x="468000" y="1800000"/>
-            <a:ext cx="9071640" cy="3287880"/>
+            <a:ext cx="9071280" cy="3287520"/>
           </a:xfrm>
           <a:prstGeom prst="rect">
             <a:avLst/>
@@ -178,7 +170,7 @@
         <p:txBody>
           <a:bodyPr/>
           <a:p>
-            <a:fld id="{80F835C7-2C09-4A23-9269-CB99FDB2E21A}" type="slidenum">
+            <a:fld id="{22D58435-6F42-4323-836F-3CEDDF105878}" type="slidenum">
               <a:t>&lt;#&gt;</a:t>
             </a:fld>
           </a:p>
@@ -261,7 +253,7 @@
         <p:txBody>
           <a:bodyPr/>
           <a:p>
-            <a:fld id="{CD4DE9FF-D67C-46CE-B881-14EE94F70797}" type="slidenum">
+            <a:fld id="{EF7FD358-CBAC-4753-83E8-0DAC86E302B9}" type="slidenum">
               <a:t>&lt;#&gt;</a:t>
             </a:fld>
           </a:p>
@@ -323,7 +315,7 @@
         <p:spPr>
           <a:xfrm>
             <a:off x="468000" y="468000"/>
-            <a:ext cx="9071640" cy="946080"/>
+            <a:ext cx="9071280" cy="945720"/>
           </a:xfrm>
           <a:prstGeom prst="rect">
             <a:avLst/>
@@ -363,7 +355,7 @@
         <p:spPr>
           <a:xfrm>
             <a:off x="468000" y="1800000"/>
-            <a:ext cx="9071640" cy="3287880"/>
+            <a:ext cx="9071280" cy="3287520"/>
           </a:xfrm>
           <a:prstGeom prst="rect">
             <a:avLst/>
@@ -427,7 +419,7 @@
         <p:txBody>
           <a:bodyPr/>
           <a:p>
-            <a:fld id="{B5232756-8E70-4440-8D23-827B30566DB0}" type="slidenum">
+            <a:fld id="{10EE5C8D-4BE1-4F56-824B-E201FD361960}" type="slidenum">
               <a:t>&lt;#&gt;</a:t>
             </a:fld>
           </a:p>
@@ -510,7 +502,7 @@
         <p:txBody>
           <a:bodyPr/>
           <a:p>
-            <a:fld id="{73912837-D884-44A9-9EC4-4652FE1EC46A}" type="slidenum">
+            <a:fld id="{19AE7821-F1B1-44C3-BF3A-764EAD7243AD}" type="slidenum">
               <a:t>&lt;#&gt;</a:t>
             </a:fld>
           </a:p>
@@ -572,7 +564,7 @@
         <p:spPr>
           <a:xfrm>
             <a:off x="468000" y="468000"/>
-            <a:ext cx="9071640" cy="946080"/>
+            <a:ext cx="9071280" cy="945720"/>
           </a:xfrm>
           <a:prstGeom prst="rect">
             <a:avLst/>
@@ -612,7 +604,7 @@
         <p:spPr>
           <a:xfrm>
             <a:off x="468000" y="1800000"/>
-            <a:ext cx="9071640" cy="3287880"/>
+            <a:ext cx="9071280" cy="3287520"/>
           </a:xfrm>
           <a:prstGeom prst="rect">
             <a:avLst/>
@@ -676,7 +668,7 @@
         <p:txBody>
           <a:bodyPr/>
           <a:p>
-            <a:fld id="{DF881C9A-8A37-4408-B925-5DD80C55A3E3}" type="slidenum">
+            <a:fld id="{280BD533-82A6-4E83-B40B-9B5EC1BCCCB1}" type="slidenum">
               <a:t>&lt;#&gt;</a:t>
             </a:fld>
           </a:p>
@@ -738,7 +730,7 @@
         <p:spPr>
           <a:xfrm>
             <a:off x="468000" y="468000"/>
-            <a:ext cx="9071640" cy="946080"/>
+            <a:ext cx="9071280" cy="945720"/>
           </a:xfrm>
           <a:prstGeom prst="rect">
             <a:avLst/>
@@ -799,7 +791,7 @@
         <p:txBody>
           <a:bodyPr/>
           <a:p>
-            <a:fld id="{94CB2C99-D02F-4520-AB2B-E141FD2AE962}" type="slidenum">
+            <a:fld id="{3732600E-5142-4812-A93D-133D5ECE517E}" type="slidenum">
               <a:t>&lt;#&gt;</a:t>
             </a:fld>
           </a:p>
@@ -861,7 +853,7 @@
         <p:spPr>
           <a:xfrm>
             <a:off x="468000" y="468000"/>
-            <a:ext cx="9071640" cy="946080"/>
+            <a:ext cx="9071280" cy="945720"/>
           </a:xfrm>
           <a:prstGeom prst="rect">
             <a:avLst/>
@@ -901,7 +893,7 @@
         <p:spPr>
           <a:xfrm>
             <a:off x="468000" y="1800000"/>
-            <a:ext cx="9071640" cy="3287880"/>
+            <a:ext cx="9071280" cy="3287520"/>
           </a:xfrm>
           <a:prstGeom prst="rect">
             <a:avLst/>
@@ -965,7 +957,7 @@
         <p:txBody>
           <a:bodyPr/>
           <a:p>
-            <a:fld id="{CAD4DAE2-E9DE-485D-BBFE-CB6531C00399}" type="slidenum">
+            <a:fld id="{693E6280-240B-4778-BC37-3C1161910C38}" type="slidenum">
               <a:t>&lt;#&gt;</a:t>
             </a:fld>
           </a:p>
@@ -1027,7 +1019,7 @@
         <p:spPr>
           <a:xfrm>
             <a:off x="468000" y="468000"/>
-            <a:ext cx="9071640" cy="946080"/>
+            <a:ext cx="9071280" cy="945720"/>
           </a:xfrm>
           <a:prstGeom prst="rect">
             <a:avLst/>
@@ -1067,7 +1059,7 @@
         <p:spPr>
           <a:xfrm>
             <a:off x="468000" y="1800000"/>
-            <a:ext cx="9071640" cy="3287880"/>
+            <a:ext cx="9071280" cy="3287520"/>
           </a:xfrm>
           <a:prstGeom prst="rect">
             <a:avLst/>
@@ -1128,7 +1120,7 @@
         <p:txBody>
           <a:bodyPr/>
           <a:p>
-            <a:fld id="{F216FF1A-0C0B-4F91-BC50-3E54B0B03DD9}" type="slidenum">
+            <a:fld id="{38617087-C05C-49BD-9E65-DB5009013D53}" type="slidenum">
               <a:t>&lt;#&gt;</a:t>
             </a:fld>
           </a:p>
@@ -1190,7 +1182,7 @@
         <p:spPr>
           <a:xfrm>
             <a:off x="468000" y="468000"/>
-            <a:ext cx="9071640" cy="946080"/>
+            <a:ext cx="9071280" cy="945720"/>
           </a:xfrm>
           <a:prstGeom prst="rect">
             <a:avLst/>
@@ -1230,7 +1222,7 @@
         <p:spPr>
           <a:xfrm>
             <a:off x="468000" y="1800000"/>
-            <a:ext cx="9071640" cy="3287880"/>
+            <a:ext cx="9071280" cy="3287520"/>
           </a:xfrm>
           <a:prstGeom prst="rect">
             <a:avLst/>
@@ -1294,7 +1286,7 @@
         <p:txBody>
           <a:bodyPr/>
           <a:p>
-            <a:fld id="{89E15E2D-4B9F-490D-99B4-D17EEEF55154}" type="slidenum">
+            <a:fld id="{F7DE9BB9-6C89-4D2B-9417-6E1782C0AD3C}" type="slidenum">
               <a:t>&lt;#&gt;</a:t>
             </a:fld>
           </a:p>
@@ -1356,7 +1348,7 @@
         <p:spPr>
           <a:xfrm>
             <a:off x="468000" y="468000"/>
-            <a:ext cx="9071640" cy="946080"/>
+            <a:ext cx="9071280" cy="945720"/>
           </a:xfrm>
           <a:prstGeom prst="rect">
             <a:avLst/>
@@ -1396,7 +1388,7 @@
         <p:spPr>
           <a:xfrm>
             <a:off x="468000" y="1800000"/>
-            <a:ext cx="9071640" cy="3287880"/>
+            <a:ext cx="9071280" cy="3287520"/>
           </a:xfrm>
           <a:prstGeom prst="rect">
             <a:avLst/>
@@ -1460,7 +1452,7 @@
         <p:txBody>
           <a:bodyPr/>
           <a:p>
-            <a:fld id="{1B4BCBA1-1A8D-47DC-A282-835885B68DCA}" type="slidenum">
+            <a:fld id="{5EC9590C-7C30-44C4-8BF5-0A064B79DC49}" type="slidenum">
               <a:t>&lt;#&gt;</a:t>
             </a:fld>
           </a:p>
@@ -1522,7 +1514,7 @@
         <p:spPr>
           <a:xfrm>
             <a:off x="468000" y="468000"/>
-            <a:ext cx="9071640" cy="946080"/>
+            <a:ext cx="9071280" cy="945720"/>
           </a:xfrm>
           <a:prstGeom prst="rect">
             <a:avLst/>
@@ -1562,7 +1554,7 @@
         <p:spPr>
           <a:xfrm>
             <a:off x="468000" y="1800000"/>
-            <a:ext cx="9071640" cy="3287880"/>
+            <a:ext cx="9071280" cy="3287520"/>
           </a:xfrm>
           <a:prstGeom prst="rect">
             <a:avLst/>
@@ -1626,7 +1618,7 @@
         <p:txBody>
           <a:bodyPr/>
           <a:p>
-            <a:fld id="{5A6928E2-0494-4EAC-A5C8-CC71D4A5677D}" type="slidenum">
+            <a:fld id="{51BCA297-10DF-4A6B-B393-7F19C0A8B732}" type="slidenum">
               <a:t>&lt;#&gt;</a:t>
             </a:fld>
           </a:p>
@@ -1709,7 +1701,7 @@
         <p:txBody>
           <a:bodyPr/>
           <a:p>
-            <a:fld id="{7C588502-1E38-490C-886C-8E6F0980C721}" type="slidenum">
+            <a:fld id="{E4DDE56E-A0D6-4805-BC89-18E5D534F1E3}" type="slidenum">
               <a:t>&lt;#&gt;</a:t>
             </a:fld>
           </a:p>
@@ -1771,7 +1763,7 @@
         <p:spPr>
           <a:xfrm>
             <a:off x="468000" y="468000"/>
-            <a:ext cx="9071640" cy="946080"/>
+            <a:ext cx="9071280" cy="945720"/>
           </a:xfrm>
           <a:prstGeom prst="rect">
             <a:avLst/>
@@ -1811,7 +1803,7 @@
         <p:spPr>
           <a:xfrm>
             <a:off x="468000" y="1800000"/>
-            <a:ext cx="9071640" cy="3287880"/>
+            <a:ext cx="9071280" cy="3287520"/>
           </a:xfrm>
           <a:prstGeom prst="rect">
             <a:avLst/>
@@ -1875,7 +1867,7 @@
         <p:txBody>
           <a:bodyPr/>
           <a:p>
-            <a:fld id="{0ADB8DA7-4B17-4F12-AE6D-770BC9BF031E}" type="slidenum">
+            <a:fld id="{E7959B0A-B080-4A69-98AB-BF4C98E67507}" type="slidenum">
               <a:t>&lt;#&gt;</a:t>
             </a:fld>
           </a:p>
@@ -1958,7 +1950,7 @@
         <p:txBody>
           <a:bodyPr/>
           <a:p>
-            <a:fld id="{2C42379A-FE0C-4476-9AD1-DD098C38C48D}" type="slidenum">
+            <a:fld id="{8F11C32C-6535-46F6-A93B-4924A4A3C887}" type="slidenum">
               <a:t>&lt;#&gt;</a:t>
             </a:fld>
           </a:p>
@@ -2020,7 +2012,7 @@
         <p:spPr>
           <a:xfrm>
             <a:off x="468000" y="468000"/>
-            <a:ext cx="9071640" cy="946080"/>
+            <a:ext cx="9071280" cy="945720"/>
           </a:xfrm>
           <a:prstGeom prst="rect">
             <a:avLst/>
@@ -2060,7 +2052,7 @@
         <p:spPr>
           <a:xfrm>
             <a:off x="468000" y="1800000"/>
-            <a:ext cx="9071640" cy="3287880"/>
+            <a:ext cx="9071280" cy="3287520"/>
           </a:xfrm>
           <a:prstGeom prst="rect">
             <a:avLst/>
@@ -2124,7 +2116,7 @@
         <p:txBody>
           <a:bodyPr/>
           <a:p>
-            <a:fld id="{C3B94F66-22DA-42F6-AAF8-E7296E393CE1}" type="slidenum">
+            <a:fld id="{788FB84E-1EE1-44E9-82A9-F7153F784891}" type="slidenum">
               <a:t>&lt;#&gt;</a:t>
             </a:fld>
           </a:p>
@@ -2182,9 +2174,9 @@
         <p:grpSpPr>
           <a:xfrm>
             <a:off x="0" y="0"/>
-            <a:ext cx="10080360" cy="4114440"/>
+            <a:ext cx="10080000" cy="4114080"/>
             <a:chOff x="0" y="0"/>
-            <a:chExt cx="10080360" cy="4114440"/>
+            <a:chExt cx="10080000" cy="4114080"/>
           </a:xfrm>
         </p:grpSpPr>
         <p:sp>
@@ -2196,7 +2188,7 @@
           <p:spPr>
             <a:xfrm>
               <a:off x="0" y="0"/>
-              <a:ext cx="10080360" cy="4114440"/>
+              <a:ext cx="10080000" cy="4114080"/>
             </a:xfrm>
             <a:prstGeom prst="rect">
               <a:avLst/>
@@ -2243,7 +2235,7 @@
           <p:spPr>
             <a:xfrm>
               <a:off x="0" y="0"/>
-              <a:ext cx="10080360" cy="4114440"/>
+              <a:ext cx="10080000" cy="4114080"/>
             </a:xfrm>
             <a:prstGeom prst="rect">
               <a:avLst/>
@@ -2290,7 +2282,7 @@
           <p:spPr>
             <a:xfrm>
               <a:off x="0" y="1280160"/>
-              <a:ext cx="1554120" cy="639720"/>
+              <a:ext cx="1553760" cy="639360"/>
             </a:xfrm>
             <a:prstGeom prst="rect">
               <a:avLst/>
@@ -2339,7 +2331,7 @@
           <p:spPr>
             <a:xfrm>
               <a:off x="914400" y="1920240"/>
-              <a:ext cx="1279800" cy="1828440"/>
+              <a:ext cx="1279440" cy="1828080"/>
             </a:xfrm>
             <a:prstGeom prst="rect">
               <a:avLst/>
@@ -2386,7 +2378,7 @@
           <p:spPr>
             <a:xfrm>
               <a:off x="2194560" y="548640"/>
-              <a:ext cx="1279800" cy="1828440"/>
+              <a:ext cx="1279440" cy="1828080"/>
             </a:xfrm>
             <a:prstGeom prst="rect">
               <a:avLst/>
@@ -2433,7 +2425,7 @@
           <p:spPr>
             <a:xfrm>
               <a:off x="3474720" y="1188720"/>
-              <a:ext cx="365400" cy="365400"/>
+              <a:ext cx="365040" cy="365040"/>
             </a:xfrm>
             <a:prstGeom prst="rect">
               <a:avLst/>
@@ -2480,7 +2472,7 @@
           <p:spPr>
             <a:xfrm>
               <a:off x="4206240" y="0"/>
-              <a:ext cx="1462680" cy="914040"/>
+              <a:ext cx="1462320" cy="913680"/>
             </a:xfrm>
             <a:prstGeom prst="rect">
               <a:avLst/>
@@ -2527,7 +2519,7 @@
           <p:spPr>
             <a:xfrm>
               <a:off x="4663440" y="914400"/>
-              <a:ext cx="1005480" cy="456840"/>
+              <a:ext cx="1005120" cy="456480"/>
             </a:xfrm>
             <a:prstGeom prst="rect">
               <a:avLst/>
@@ -2574,7 +2566,7 @@
           <p:spPr>
             <a:xfrm>
               <a:off x="3474720" y="1737360"/>
-              <a:ext cx="3108600" cy="1005480"/>
+              <a:ext cx="3108240" cy="1005120"/>
             </a:xfrm>
             <a:prstGeom prst="rect">
               <a:avLst/>
@@ -2621,7 +2613,7 @@
           <p:spPr>
             <a:xfrm>
               <a:off x="4114800" y="2743200"/>
-              <a:ext cx="1462680" cy="1005480"/>
+              <a:ext cx="1462320" cy="1005120"/>
             </a:xfrm>
             <a:prstGeom prst="rect">
               <a:avLst/>
@@ -2668,7 +2660,7 @@
           <p:spPr>
             <a:xfrm>
               <a:off x="6583680" y="1463040"/>
-              <a:ext cx="1554120" cy="456840"/>
+              <a:ext cx="1553760" cy="456480"/>
             </a:xfrm>
             <a:prstGeom prst="rect">
               <a:avLst/>
@@ -2717,7 +2709,7 @@
           <p:spPr>
             <a:xfrm>
               <a:off x="7315200" y="1920240"/>
-              <a:ext cx="1462680" cy="1645560"/>
+              <a:ext cx="1462320" cy="1645200"/>
             </a:xfrm>
             <a:prstGeom prst="rect">
               <a:avLst/>
@@ -2766,7 +2758,7 @@
           <p:spPr>
             <a:xfrm>
               <a:off x="2743200" y="2377440"/>
-              <a:ext cx="548280" cy="822600"/>
+              <a:ext cx="547920" cy="822240"/>
             </a:xfrm>
             <a:prstGeom prst="rect">
               <a:avLst/>
@@ -2813,7 +2805,7 @@
           <p:spPr>
             <a:xfrm>
               <a:off x="8595360" y="0"/>
-              <a:ext cx="1485000" cy="1462680"/>
+              <a:ext cx="1484640" cy="1462320"/>
             </a:xfrm>
             <a:prstGeom prst="rect">
               <a:avLst/>
@@ -2860,7 +2852,7 @@
           <p:spPr>
             <a:xfrm>
               <a:off x="6766560" y="0"/>
-              <a:ext cx="273960" cy="1005480"/>
+              <a:ext cx="273600" cy="1005120"/>
             </a:xfrm>
             <a:prstGeom prst="rect">
               <a:avLst/>
@@ -2909,7 +2901,7 @@
           <p:spPr>
             <a:xfrm>
               <a:off x="1554480" y="0"/>
-              <a:ext cx="182520" cy="914040"/>
+              <a:ext cx="182160" cy="913680"/>
             </a:xfrm>
             <a:prstGeom prst="rect">
               <a:avLst/>
@@ -2956,7 +2948,7 @@
           <p:spPr>
             <a:xfrm>
               <a:off x="0" y="3017520"/>
-              <a:ext cx="365400" cy="1096920"/>
+              <a:ext cx="365040" cy="1096560"/>
             </a:xfrm>
             <a:prstGeom prst="rect">
               <a:avLst/>
@@ -3003,7 +2995,7 @@
           <p:spPr>
             <a:xfrm>
               <a:off x="9601200" y="2560320"/>
-              <a:ext cx="365400" cy="1554120"/>
+              <a:ext cx="365040" cy="1553760"/>
             </a:xfrm>
             <a:prstGeom prst="rect">
               <a:avLst/>
@@ -3050,7 +3042,7 @@
           <p:spPr>
             <a:xfrm>
               <a:off x="8778240" y="1828800"/>
-              <a:ext cx="365400" cy="365400"/>
+              <a:ext cx="365040" cy="365040"/>
             </a:xfrm>
             <a:prstGeom prst="rect">
               <a:avLst/>
@@ -3102,7 +3094,7 @@
         <p:spPr>
           <a:xfrm>
             <a:off x="468000" y="468000"/>
-            <a:ext cx="9071640" cy="946080"/>
+            <a:ext cx="9071280" cy="945720"/>
           </a:xfrm>
           <a:prstGeom prst="rect">
             <a:avLst/>
@@ -3151,7 +3143,7 @@
         <p:spPr>
           <a:xfrm>
             <a:off x="468000" y="1800000"/>
-            <a:ext cx="9071640" cy="3287880"/>
+            <a:ext cx="9071280" cy="3287520"/>
           </a:xfrm>
           <a:prstGeom prst="rect">
             <a:avLst/>
@@ -3376,7 +3368,7 @@
         <p:spPr>
           <a:xfrm>
             <a:off x="3442680" y="5166000"/>
-            <a:ext cx="3194640" cy="390240"/>
+            <a:ext cx="3194280" cy="389880"/>
           </a:xfrm>
           <a:prstGeom prst="rect">
             <a:avLst/>
@@ -3448,7 +3440,7 @@
         <p:spPr>
           <a:xfrm>
             <a:off x="7227360" y="5166000"/>
-            <a:ext cx="2347920" cy="390240"/>
+            <a:ext cx="2347560" cy="389880"/>
           </a:xfrm>
           <a:prstGeom prst="rect">
             <a:avLst/>
@@ -3489,7 +3481,7 @@
                 <a:tab algn="l" pos="0"/>
               </a:tabLst>
             </a:pPr>
-            <a:fld id="{9BE0E783-CA59-4C11-AF40-823410DFAC56}" type="slidenum">
+            <a:fld id="{E309DB04-9C89-4144-9FE5-F5B5937373A4}" type="slidenum">
               <a:rPr b="0" lang="en-US" sz="1400" spc="-1" strike="noStrike">
                 <a:solidFill>
                   <a:srgbClr val="000000"/>
@@ -3520,7 +3512,7 @@
         <p:spPr>
           <a:xfrm>
             <a:off x="468000" y="5166000"/>
-            <a:ext cx="2347920" cy="390240"/>
+            <a:ext cx="2347560" cy="389880"/>
           </a:xfrm>
           <a:prstGeom prst="rect">
             <a:avLst/>
@@ -3602,7 +3594,7 @@
         <p:spPr>
           <a:xfrm>
             <a:off x="6771960" y="1300320"/>
-            <a:ext cx="861480" cy="182520"/>
+            <a:ext cx="861120" cy="182160"/>
           </a:xfrm>
           <a:prstGeom prst="rect">
             <a:avLst/>
@@ -3656,7 +3648,7 @@
         <p:spPr>
           <a:xfrm>
             <a:off x="5813280" y="3854880"/>
-            <a:ext cx="861480" cy="182520"/>
+            <a:ext cx="861120" cy="182160"/>
           </a:xfrm>
           <a:prstGeom prst="rect">
             <a:avLst/>
@@ -3710,7 +3702,7 @@
         <p:spPr>
           <a:xfrm>
             <a:off x="7589520" y="2560320"/>
-            <a:ext cx="2194200" cy="2194200"/>
+            <a:ext cx="2193840" cy="2193840"/>
           </a:xfrm>
           <a:prstGeom prst="ellipse">
             <a:avLst/>
@@ -3759,7 +3751,7 @@
         <p:spPr>
           <a:xfrm>
             <a:off x="3200400" y="731520"/>
-            <a:ext cx="1684440" cy="1645560"/>
+            <a:ext cx="1684080" cy="1645200"/>
           </a:xfrm>
           <a:prstGeom prst="ellipse">
             <a:avLst/>
@@ -3808,7 +3800,7 @@
         <p:spPr>
           <a:xfrm>
             <a:off x="1424160" y="3489120"/>
-            <a:ext cx="1684440" cy="1645560"/>
+            <a:ext cx="1684080" cy="1645200"/>
           </a:xfrm>
           <a:prstGeom prst="ellipse">
             <a:avLst/>
@@ -3857,15 +3849,15 @@
         <p:spPr>
           <a:xfrm>
             <a:off x="700920" y="1900080"/>
-            <a:ext cx="1401840" cy="1848600"/>
+            <a:ext cx="1401480" cy="1848240"/>
           </a:xfrm>
           <a:custGeom>
             <a:avLst/>
             <a:gdLst>
-              <a:gd name="textAreaLeft" fmla="*/ 0 w 1401840"/>
-              <a:gd name="textAreaRight" fmla="*/ 1402200 w 1401840"/>
-              <a:gd name="textAreaTop" fmla="*/ 0 h 1848600"/>
-              <a:gd name="textAreaBottom" fmla="*/ 1848960 h 1848600"/>
+              <a:gd name="textAreaLeft" fmla="*/ 0 w 1401480"/>
+              <a:gd name="textAreaRight" fmla="*/ 1402200 w 1401480"/>
+              <a:gd name="textAreaTop" fmla="*/ 0 h 1848240"/>
+              <a:gd name="textAreaBottom" fmla="*/ 1848960 h 1848240"/>
             </a:gdLst>
             <a:ahLst/>
             <a:rect l="textAreaLeft" t="textAreaTop" r="textAreaRight" b="textAreaBottom"/>
@@ -3916,6 +3908,7 @@
                 <a:srgbClr val="000000"/>
               </a:solidFill>
               <a:latin typeface="Noto Sans"/>
+              <a:ea typeface="DejaVu Sans"/>
             </a:endParaRPr>
           </a:p>
         </p:txBody>
@@ -3929,15 +3922,15 @@
         <p:spPr>
           <a:xfrm>
             <a:off x="3931920" y="2011680"/>
-            <a:ext cx="975600" cy="1371240"/>
+            <a:ext cx="975240" cy="1370880"/>
           </a:xfrm>
           <a:custGeom>
             <a:avLst/>
             <a:gdLst>
-              <a:gd name="textAreaLeft" fmla="*/ 0 w 975600"/>
-              <a:gd name="textAreaRight" fmla="*/ 975960 w 975600"/>
-              <a:gd name="textAreaTop" fmla="*/ 0 h 1371240"/>
-              <a:gd name="textAreaBottom" fmla="*/ 1371600 h 1371240"/>
+              <a:gd name="textAreaLeft" fmla="*/ 0 w 975240"/>
+              <a:gd name="textAreaRight" fmla="*/ 975960 w 975240"/>
+              <a:gd name="textAreaTop" fmla="*/ 0 h 1370880"/>
+              <a:gd name="textAreaBottom" fmla="*/ 1371600 h 1370880"/>
             </a:gdLst>
             <a:ahLst/>
             <a:rect l="textAreaLeft" t="textAreaTop" r="textAreaRight" b="textAreaBottom"/>
@@ -3998,6 +3991,7 @@
                 <a:srgbClr val="000000"/>
               </a:solidFill>
               <a:latin typeface="Noto Sans"/>
+              <a:ea typeface="DejaVu Sans"/>
             </a:endParaRPr>
           </a:p>
         </p:txBody>
@@ -4011,15 +4005,15 @@
         <p:spPr>
           <a:xfrm>
             <a:off x="7724880" y="2103120"/>
-            <a:ext cx="778680" cy="1462680"/>
+            <a:ext cx="778320" cy="1462320"/>
           </a:xfrm>
           <a:custGeom>
             <a:avLst/>
             <a:gdLst>
-              <a:gd name="textAreaLeft" fmla="*/ 0 w 778680"/>
-              <a:gd name="textAreaRight" fmla="*/ 779040 w 778680"/>
-              <a:gd name="textAreaTop" fmla="*/ 0 h 1462680"/>
-              <a:gd name="textAreaBottom" fmla="*/ 1463040 h 1462680"/>
+              <a:gd name="textAreaLeft" fmla="*/ 0 w 778320"/>
+              <a:gd name="textAreaRight" fmla="*/ 779040 w 778320"/>
+              <a:gd name="textAreaTop" fmla="*/ 0 h 1462320"/>
+              <a:gd name="textAreaBottom" fmla="*/ 1463040 h 1462320"/>
             </a:gdLst>
             <a:ahLst/>
             <a:rect l="textAreaLeft" t="textAreaTop" r="textAreaRight" b="textAreaBottom"/>
@@ -4080,6 +4074,7 @@
                 <a:srgbClr val="000000"/>
               </a:solidFill>
               <a:latin typeface="Noto Sans"/>
+              <a:ea typeface="DejaVu Sans"/>
             </a:endParaRPr>
           </a:p>
         </p:txBody>
@@ -4093,7 +4088,7 @@
         <p:spPr>
           <a:xfrm>
             <a:off x="1424160" y="4754880"/>
-            <a:ext cx="861480" cy="182520"/>
+            <a:ext cx="861120" cy="182160"/>
           </a:xfrm>
           <a:prstGeom prst="rect">
             <a:avLst/>
@@ -4147,7 +4142,7 @@
         <p:spPr>
           <a:xfrm>
             <a:off x="2887200" y="1300320"/>
-            <a:ext cx="861480" cy="182520"/>
+            <a:ext cx="861120" cy="182160"/>
           </a:xfrm>
           <a:prstGeom prst="rect">
             <a:avLst/>
@@ -4205,7 +4200,7 @@
         <p:spPr>
           <a:xfrm>
             <a:off x="3442680" y="5166000"/>
-            <a:ext cx="3194640" cy="390240"/>
+            <a:ext cx="3194280" cy="389880"/>
           </a:xfrm>
           <a:prstGeom prst="rect">
             <a:avLst/>
@@ -4277,7 +4272,7 @@
         <p:spPr>
           <a:xfrm>
             <a:off x="7227360" y="5166000"/>
-            <a:ext cx="2347920" cy="390240"/>
+            <a:ext cx="2347560" cy="389880"/>
           </a:xfrm>
           <a:prstGeom prst="rect">
             <a:avLst/>
@@ -4318,7 +4313,7 @@
                 <a:tab algn="l" pos="0"/>
               </a:tabLst>
             </a:pPr>
-            <a:fld id="{EAC1BE9E-F649-41FD-8BA9-B6EB6A78B908}" type="slidenum">
+            <a:fld id="{91DA9D29-6944-41F1-B79D-5DA423105A8F}" type="slidenum">
               <a:rPr b="0" lang="en-US" sz="1400" spc="-1" strike="noStrike">
                 <a:solidFill>
                   <a:srgbClr val="000000"/>
@@ -4349,7 +4344,7 @@
         <p:spPr>
           <a:xfrm>
             <a:off x="468000" y="5166000"/>
-            <a:ext cx="2347920" cy="390240"/>
+            <a:ext cx="2347560" cy="389880"/>
           </a:xfrm>
           <a:prstGeom prst="rect">
             <a:avLst/>
@@ -4705,9 +4700,9 @@
         <p:grpSpPr>
           <a:xfrm>
             <a:off x="2982960" y="1585440"/>
-            <a:ext cx="5982120" cy="3149640"/>
+            <a:ext cx="5981760" cy="3149280"/>
             <a:chOff x="2982960" y="1585440"/>
-            <a:chExt cx="5982120" cy="3149640"/>
+            <a:chExt cx="5981760" cy="3149280"/>
           </a:xfrm>
         </p:grpSpPr>
         <p:sp>
@@ -4719,7 +4714,7 @@
           <p:spPr>
             <a:xfrm>
               <a:off x="3570480" y="1888200"/>
-              <a:ext cx="4926960" cy="2622960"/>
+              <a:ext cx="4926600" cy="2622600"/>
             </a:xfrm>
             <a:prstGeom prst="rect">
               <a:avLst/>
@@ -4766,7 +4761,7 @@
           <p:spPr>
             <a:xfrm>
               <a:off x="3763800" y="1585440"/>
-              <a:ext cx="4926960" cy="2622960"/>
+              <a:ext cx="4926600" cy="2622600"/>
             </a:xfrm>
             <a:prstGeom prst="rect">
               <a:avLst/>
@@ -4814,7 +4809,7 @@
           <p:spPr>
             <a:xfrm>
               <a:off x="3844800" y="1768320"/>
-              <a:ext cx="1096920" cy="1473840"/>
+              <a:ext cx="1096560" cy="1473480"/>
             </a:xfrm>
             <a:prstGeom prst="rect">
               <a:avLst/>
@@ -4846,6 +4841,7 @@
                     <a:srgbClr val="000000"/>
                   </a:solidFill>
                   <a:latin typeface="Noto Sans"/>
+                  <a:ea typeface="DejaVu Sans"/>
                 </a:rPr>
                 <a:t>“</a:t>
               </a:r>
@@ -4867,7 +4863,7 @@
           <p:spPr>
             <a:xfrm>
               <a:off x="7868160" y="3399840"/>
-              <a:ext cx="1096920" cy="1335240"/>
+              <a:ext cx="1096560" cy="1334880"/>
             </a:xfrm>
             <a:prstGeom prst="rect">
               <a:avLst/>
@@ -4899,6 +4895,7 @@
                     <a:srgbClr val="000000"/>
                   </a:solidFill>
                   <a:latin typeface="Noto Sans"/>
+                  <a:ea typeface="DejaVu Sans"/>
                 </a:rPr>
                 <a:t>”</a:t>
               </a:r>
@@ -4920,7 +4917,7 @@
           <p:spPr>
             <a:xfrm>
               <a:off x="2982960" y="4117320"/>
-              <a:ext cx="1044360" cy="302400"/>
+              <a:ext cx="1044000" cy="302040"/>
             </a:xfrm>
             <a:prstGeom prst="rect">
               <a:avLst/>
@@ -4974,10 +4971,10 @@
         </p:nvGrpSpPr>
         <p:grpSpPr>
           <a:xfrm>
-            <a:off x="-2093400" y="-402120"/>
-            <a:ext cx="4945680" cy="8521200"/>
-            <a:chOff x="-2093400" y="-402120"/>
-            <a:chExt cx="4945680" cy="8521200"/>
+            <a:off x="-2092680" y="-402120"/>
+            <a:ext cx="4944600" cy="8520840"/>
+            <a:chOff x="-2092680" y="-402120"/>
+            <a:chExt cx="4944600" cy="8520840"/>
           </a:xfrm>
         </p:grpSpPr>
         <p:sp>
@@ -4989,15 +4986,15 @@
           <p:spPr>
             <a:xfrm>
               <a:off x="-893160" y="4486680"/>
-              <a:ext cx="1072800" cy="766080"/>
+              <a:ext cx="1072440" cy="765720"/>
             </a:xfrm>
             <a:custGeom>
               <a:avLst/>
               <a:gdLst>
-                <a:gd name="textAreaLeft" fmla="*/ 278280 w 1072800"/>
-                <a:gd name="textAreaRight" fmla="*/ 794880 w 1072800"/>
-                <a:gd name="textAreaTop" fmla="*/ 258840 h 766080"/>
-                <a:gd name="textAreaBottom" fmla="*/ 507600 h 766080"/>
+                <a:gd name="textAreaLeft" fmla="*/ 278280 w 1072440"/>
+                <a:gd name="textAreaRight" fmla="*/ 794880 w 1072440"/>
+                <a:gd name="textAreaTop" fmla="*/ 258840 h 765720"/>
+                <a:gd name="textAreaBottom" fmla="*/ 507600 h 765720"/>
               </a:gdLst>
               <a:ahLst/>
               <a:rect l="textAreaLeft" t="textAreaTop" r="textAreaRight" b="textAreaBottom"/>
@@ -5392,16 +5389,16 @@
           </p:nvSpPr>
           <p:spPr>
             <a:xfrm rot="5358000">
-              <a:off x="-896760" y="5153040"/>
-              <a:ext cx="1068480" cy="766080"/>
+              <a:off x="-896040" y="5152680"/>
+              <a:ext cx="1068120" cy="765720"/>
             </a:xfrm>
             <a:custGeom>
               <a:avLst/>
               <a:gdLst>
-                <a:gd name="textAreaLeft" fmla="*/ 277200 w 1068480"/>
-                <a:gd name="textAreaRight" fmla="*/ 792000 w 1068480"/>
-                <a:gd name="textAreaTop" fmla="*/ 258840 h 766080"/>
-                <a:gd name="textAreaBottom" fmla="*/ 507600 h 766080"/>
+                <a:gd name="textAreaLeft" fmla="*/ 277200 w 1068120"/>
+                <a:gd name="textAreaRight" fmla="*/ 792000 w 1068120"/>
+                <a:gd name="textAreaTop" fmla="*/ 258840 h 765720"/>
+                <a:gd name="textAreaBottom" fmla="*/ 507600 h 765720"/>
               </a:gdLst>
               <a:ahLst/>
               <a:rect l="textAreaLeft" t="textAreaTop" r="textAreaRight" b="textAreaBottom"/>
@@ -5797,15 +5794,15 @@
           <p:spPr>
             <a:xfrm>
               <a:off x="-228960" y="5161680"/>
-              <a:ext cx="1072800" cy="766080"/>
+              <a:ext cx="1072440" cy="765720"/>
             </a:xfrm>
             <a:custGeom>
               <a:avLst/>
               <a:gdLst>
-                <a:gd name="textAreaLeft" fmla="*/ 278280 w 1072800"/>
-                <a:gd name="textAreaRight" fmla="*/ 794880 w 1072800"/>
-                <a:gd name="textAreaTop" fmla="*/ 258840 h 766080"/>
-                <a:gd name="textAreaBottom" fmla="*/ 507600 h 766080"/>
+                <a:gd name="textAreaLeft" fmla="*/ 278280 w 1072440"/>
+                <a:gd name="textAreaRight" fmla="*/ 794880 w 1072440"/>
+                <a:gd name="textAreaTop" fmla="*/ 258840 h 765720"/>
+                <a:gd name="textAreaBottom" fmla="*/ 507600 h 765720"/>
               </a:gdLst>
               <a:ahLst/>
               <a:rect l="textAreaLeft" t="textAreaTop" r="textAreaRight" b="textAreaBottom"/>
@@ -6200,16 +6197,16 @@
           </p:nvSpPr>
           <p:spPr>
             <a:xfrm rot="5358000">
-              <a:off x="-219600" y="4488840"/>
-              <a:ext cx="1068120" cy="766080"/>
+              <a:off x="-219240" y="4488840"/>
+              <a:ext cx="1067760" cy="765720"/>
             </a:xfrm>
             <a:custGeom>
               <a:avLst/>
               <a:gdLst>
-                <a:gd name="textAreaLeft" fmla="*/ 276840 w 1068120"/>
-                <a:gd name="textAreaRight" fmla="*/ 791640 w 1068120"/>
-                <a:gd name="textAreaTop" fmla="*/ 258840 h 766080"/>
-                <a:gd name="textAreaBottom" fmla="*/ 507600 h 766080"/>
+                <a:gd name="textAreaLeft" fmla="*/ 276840 w 1067760"/>
+                <a:gd name="textAreaRight" fmla="*/ 791640 w 1067760"/>
+                <a:gd name="textAreaTop" fmla="*/ 258840 h 765720"/>
+                <a:gd name="textAreaBottom" fmla="*/ 507600 h 765720"/>
               </a:gdLst>
               <a:ahLst/>
               <a:rect l="textAreaLeft" t="textAreaTop" r="textAreaRight" b="textAreaBottom"/>
@@ -6605,15 +6602,15 @@
           <p:spPr>
             <a:xfrm>
               <a:off x="-228960" y="3826080"/>
-              <a:ext cx="1072800" cy="766080"/>
+              <a:ext cx="1072440" cy="765720"/>
             </a:xfrm>
             <a:custGeom>
               <a:avLst/>
               <a:gdLst>
-                <a:gd name="textAreaLeft" fmla="*/ 278280 w 1072800"/>
-                <a:gd name="textAreaRight" fmla="*/ 794880 w 1072800"/>
-                <a:gd name="textAreaTop" fmla="*/ 258840 h 766080"/>
-                <a:gd name="textAreaBottom" fmla="*/ 507600 h 766080"/>
+                <a:gd name="textAreaLeft" fmla="*/ 278280 w 1072440"/>
+                <a:gd name="textAreaRight" fmla="*/ 794880 w 1072440"/>
+                <a:gd name="textAreaTop" fmla="*/ 258840 h 765720"/>
+                <a:gd name="textAreaBottom" fmla="*/ 507600 h 765720"/>
               </a:gdLst>
               <a:ahLst/>
               <a:rect l="textAreaLeft" t="textAreaTop" r="textAreaRight" b="textAreaBottom"/>
@@ -6961,7 +6958,7 @@
             <a:blipFill rotWithShape="0">
               <a:blip r:embed="rId2"/>
               <a:srcRect/>
-              <a:tile tx="0" ty="0" sx="74468" sy="74468" algn="ctr"/>
+              <a:tile tx="0" ty="0" sx="74113" sy="74113" algn="ctr"/>
             </a:blipFill>
             <a:ln w="0">
               <a:solidFill>
@@ -7010,16 +7007,16 @@
           </p:nvSpPr>
           <p:spPr>
             <a:xfrm rot="5358000">
-              <a:off x="-1585440" y="4494240"/>
-              <a:ext cx="1068480" cy="766080"/>
+              <a:off x="-1584720" y="4493880"/>
+              <a:ext cx="1068120" cy="765720"/>
             </a:xfrm>
             <a:custGeom>
               <a:avLst/>
               <a:gdLst>
-                <a:gd name="textAreaLeft" fmla="*/ 277200 w 1068480"/>
-                <a:gd name="textAreaRight" fmla="*/ 792000 w 1068480"/>
-                <a:gd name="textAreaTop" fmla="*/ 258840 h 766080"/>
-                <a:gd name="textAreaBottom" fmla="*/ 507600 h 766080"/>
+                <a:gd name="textAreaLeft" fmla="*/ 277200 w 1068120"/>
+                <a:gd name="textAreaRight" fmla="*/ 792000 w 1068120"/>
+                <a:gd name="textAreaTop" fmla="*/ 258840 h 765720"/>
+                <a:gd name="textAreaBottom" fmla="*/ 507600 h 765720"/>
               </a:gdLst>
               <a:ahLst/>
               <a:rect l="textAreaLeft" t="textAreaTop" r="textAreaRight" b="textAreaBottom"/>
@@ -7367,7 +7364,7 @@
             <a:blipFill rotWithShape="0">
               <a:blip r:embed="rId3"/>
               <a:srcRect/>
-              <a:tile tx="0" ty="0" sx="74468" sy="74468" algn="ctr"/>
+              <a:tile tx="0" ty="0" sx="74113" sy="74113" algn="ctr"/>
             </a:blipFill>
             <a:ln w="0">
               <a:solidFill>
@@ -7416,16 +7413,16 @@
           </p:nvSpPr>
           <p:spPr>
             <a:xfrm rot="5358000">
-              <a:off x="-2237760" y="5170320"/>
-              <a:ext cx="1068480" cy="766080"/>
+              <a:off x="-2237040" y="5169960"/>
+              <a:ext cx="1068120" cy="765720"/>
             </a:xfrm>
             <a:custGeom>
               <a:avLst/>
               <a:gdLst>
-                <a:gd name="textAreaLeft" fmla="*/ 277200 w 1068480"/>
-                <a:gd name="textAreaRight" fmla="*/ 792000 w 1068480"/>
-                <a:gd name="textAreaTop" fmla="*/ 258840 h 766080"/>
-                <a:gd name="textAreaBottom" fmla="*/ 507600 h 766080"/>
+                <a:gd name="textAreaLeft" fmla="*/ 277200 w 1068120"/>
+                <a:gd name="textAreaRight" fmla="*/ 792000 w 1068120"/>
+                <a:gd name="textAreaTop" fmla="*/ 258840 h 765720"/>
+                <a:gd name="textAreaBottom" fmla="*/ 507600 h 765720"/>
               </a:gdLst>
               <a:ahLst/>
               <a:rect l="textAreaLeft" t="textAreaTop" r="textAreaRight" b="textAreaBottom"/>
@@ -7820,16 +7817,16 @@
           </p:nvSpPr>
           <p:spPr>
             <a:xfrm rot="5358000">
-              <a:off x="-896400" y="3821040"/>
-              <a:ext cx="1068480" cy="766080"/>
+              <a:off x="-895680" y="3820680"/>
+              <a:ext cx="1068120" cy="765720"/>
             </a:xfrm>
             <a:custGeom>
               <a:avLst/>
               <a:gdLst>
-                <a:gd name="textAreaLeft" fmla="*/ 277200 w 1068480"/>
-                <a:gd name="textAreaRight" fmla="*/ 792000 w 1068480"/>
-                <a:gd name="textAreaTop" fmla="*/ 258840 h 766080"/>
-                <a:gd name="textAreaBottom" fmla="*/ 507600 h 766080"/>
+                <a:gd name="textAreaLeft" fmla="*/ 277200 w 1068120"/>
+                <a:gd name="textAreaRight" fmla="*/ 792000 w 1068120"/>
+                <a:gd name="textAreaTop" fmla="*/ 258840 h 765720"/>
+                <a:gd name="textAreaBottom" fmla="*/ 507600 h 765720"/>
               </a:gdLst>
               <a:ahLst/>
               <a:rect l="textAreaLeft" t="textAreaTop" r="textAreaRight" b="textAreaBottom"/>
@@ -8224,16 +8221,16 @@
           </p:nvSpPr>
           <p:spPr>
             <a:xfrm rot="5358000">
-              <a:off x="-221400" y="3154320"/>
-              <a:ext cx="1068480" cy="766080"/>
+              <a:off x="-220680" y="3153960"/>
+              <a:ext cx="1068120" cy="765720"/>
             </a:xfrm>
             <a:custGeom>
               <a:avLst/>
               <a:gdLst>
-                <a:gd name="textAreaLeft" fmla="*/ 277200 w 1068480"/>
-                <a:gd name="textAreaRight" fmla="*/ 792000 w 1068480"/>
-                <a:gd name="textAreaTop" fmla="*/ 258840 h 766080"/>
-                <a:gd name="textAreaBottom" fmla="*/ 507600 h 766080"/>
+                <a:gd name="textAreaLeft" fmla="*/ 277200 w 1068120"/>
+                <a:gd name="textAreaRight" fmla="*/ 792000 w 1068120"/>
+                <a:gd name="textAreaTop" fmla="*/ 258840 h 765720"/>
+                <a:gd name="textAreaBottom" fmla="*/ 507600 h 765720"/>
               </a:gdLst>
               <a:ahLst/>
               <a:rect l="textAreaLeft" t="textAreaTop" r="textAreaRight" b="textAreaBottom"/>
@@ -8629,15 +8626,15 @@
           <p:spPr>
             <a:xfrm>
               <a:off x="455040" y="4477680"/>
-              <a:ext cx="1072800" cy="766080"/>
+              <a:ext cx="1072440" cy="765720"/>
             </a:xfrm>
             <a:custGeom>
               <a:avLst/>
               <a:gdLst>
-                <a:gd name="textAreaLeft" fmla="*/ 278280 w 1072800"/>
-                <a:gd name="textAreaRight" fmla="*/ 794880 w 1072800"/>
-                <a:gd name="textAreaTop" fmla="*/ 258840 h 766080"/>
-                <a:gd name="textAreaBottom" fmla="*/ 507600 h 766080"/>
+                <a:gd name="textAreaLeft" fmla="*/ 278280 w 1072440"/>
+                <a:gd name="textAreaRight" fmla="*/ 794880 w 1072440"/>
+                <a:gd name="textAreaTop" fmla="*/ 258840 h 765720"/>
+                <a:gd name="textAreaBottom" fmla="*/ 507600 h 765720"/>
               </a:gdLst>
               <a:ahLst/>
               <a:rect l="textAreaLeft" t="textAreaTop" r="textAreaRight" b="textAreaBottom"/>
@@ -9032,16 +9029,16 @@
           </p:nvSpPr>
           <p:spPr>
             <a:xfrm rot="5358000">
-              <a:off x="470880" y="3821040"/>
-              <a:ext cx="1068480" cy="766080"/>
+              <a:off x="471240" y="3820680"/>
+              <a:ext cx="1068120" cy="765720"/>
             </a:xfrm>
             <a:custGeom>
               <a:avLst/>
               <a:gdLst>
-                <a:gd name="textAreaLeft" fmla="*/ 277200 w 1068480"/>
-                <a:gd name="textAreaRight" fmla="*/ 792000 w 1068480"/>
-                <a:gd name="textAreaTop" fmla="*/ 258840 h 766080"/>
-                <a:gd name="textAreaBottom" fmla="*/ 507600 h 766080"/>
+                <a:gd name="textAreaLeft" fmla="*/ 277200 w 1068120"/>
+                <a:gd name="textAreaRight" fmla="*/ 792000 w 1068120"/>
+                <a:gd name="textAreaTop" fmla="*/ 258840 h 765720"/>
+                <a:gd name="textAreaBottom" fmla="*/ 507600 h 765720"/>
               </a:gdLst>
               <a:ahLst/>
               <a:rect l="textAreaLeft" t="textAreaTop" r="textAreaRight" b="textAreaBottom"/>
@@ -9437,15 +9434,15 @@
           <p:spPr>
             <a:xfrm>
               <a:off x="1158840" y="5170680"/>
-              <a:ext cx="1072800" cy="766080"/>
+              <a:ext cx="1072440" cy="765720"/>
             </a:xfrm>
             <a:custGeom>
               <a:avLst/>
               <a:gdLst>
-                <a:gd name="textAreaLeft" fmla="*/ 278280 w 1072800"/>
-                <a:gd name="textAreaRight" fmla="*/ 794880 w 1072800"/>
-                <a:gd name="textAreaTop" fmla="*/ 258840 h 766080"/>
-                <a:gd name="textAreaBottom" fmla="*/ 507600 h 766080"/>
+                <a:gd name="textAreaLeft" fmla="*/ 278280 w 1072440"/>
+                <a:gd name="textAreaRight" fmla="*/ 794880 w 1072440"/>
+                <a:gd name="textAreaTop" fmla="*/ 258840 h 765720"/>
+                <a:gd name="textAreaBottom" fmla="*/ 507600 h 765720"/>
               </a:gdLst>
               <a:ahLst/>
               <a:rect l="textAreaLeft" t="textAreaTop" r="textAreaRight" b="textAreaBottom"/>
@@ -9841,15 +9838,15 @@
           <p:spPr>
             <a:xfrm>
               <a:off x="-1561680" y="5162760"/>
-              <a:ext cx="1072800" cy="766080"/>
+              <a:ext cx="1072440" cy="765720"/>
             </a:xfrm>
             <a:custGeom>
               <a:avLst/>
               <a:gdLst>
-                <a:gd name="textAreaLeft" fmla="*/ 278280 w 1072800"/>
-                <a:gd name="textAreaRight" fmla="*/ 794880 w 1072800"/>
-                <a:gd name="textAreaTop" fmla="*/ 258840 h 766080"/>
-                <a:gd name="textAreaBottom" fmla="*/ 507600 h 766080"/>
+                <a:gd name="textAreaLeft" fmla="*/ 278280 w 1072440"/>
+                <a:gd name="textAreaRight" fmla="*/ 794880 w 1072440"/>
+                <a:gd name="textAreaTop" fmla="*/ 258840 h 765720"/>
+                <a:gd name="textAreaBottom" fmla="*/ 507600 h 765720"/>
               </a:gdLst>
               <a:ahLst/>
               <a:rect l="textAreaLeft" t="textAreaTop" r="textAreaRight" b="textAreaBottom"/>
@@ -10244,16 +10241,16 @@
           </p:nvSpPr>
           <p:spPr>
             <a:xfrm rot="5358000">
-              <a:off x="461880" y="5170320"/>
-              <a:ext cx="1068480" cy="766080"/>
+              <a:off x="462240" y="5169960"/>
+              <a:ext cx="1068120" cy="765720"/>
             </a:xfrm>
             <a:custGeom>
               <a:avLst/>
               <a:gdLst>
-                <a:gd name="textAreaLeft" fmla="*/ 277200 w 1068480"/>
-                <a:gd name="textAreaRight" fmla="*/ 792000 w 1068480"/>
-                <a:gd name="textAreaTop" fmla="*/ 258840 h 766080"/>
-                <a:gd name="textAreaBottom" fmla="*/ 507600 h 766080"/>
+                <a:gd name="textAreaLeft" fmla="*/ 277200 w 1068120"/>
+                <a:gd name="textAreaRight" fmla="*/ 792000 w 1068120"/>
+                <a:gd name="textAreaTop" fmla="*/ 258840 h 765720"/>
+                <a:gd name="textAreaBottom" fmla="*/ 507600 h 765720"/>
               </a:gdLst>
               <a:ahLst/>
               <a:rect l="textAreaLeft" t="textAreaTop" r="textAreaRight" b="textAreaBottom"/>
@@ -10648,16 +10645,16 @@
           </p:nvSpPr>
           <p:spPr>
             <a:xfrm flipH="1" rot="16242000">
-              <a:off x="-231840" y="1793520"/>
-              <a:ext cx="1068480" cy="766080"/>
+              <a:off x="-231840" y="1793160"/>
+              <a:ext cx="1068120" cy="765720"/>
             </a:xfrm>
             <a:custGeom>
               <a:avLst/>
               <a:gdLst>
-                <a:gd name="textAreaLeft" fmla="*/ 276840 w 1068480"/>
-                <a:gd name="textAreaRight" fmla="*/ 791640 w 1068480"/>
-                <a:gd name="textAreaTop" fmla="*/ 258840 h 766080"/>
-                <a:gd name="textAreaBottom" fmla="*/ 507600 h 766080"/>
+                <a:gd name="textAreaLeft" fmla="*/ 276480 w 1068120"/>
+                <a:gd name="textAreaRight" fmla="*/ 791280 w 1068120"/>
+                <a:gd name="textAreaTop" fmla="*/ 258840 h 765720"/>
+                <a:gd name="textAreaBottom" fmla="*/ 507600 h 765720"/>
               </a:gdLst>
               <a:ahLst/>
               <a:rect l="textAreaLeft" t="textAreaTop" r="textAreaRight" b="textAreaBottom"/>
@@ -11052,16 +11049,16 @@
           </p:nvSpPr>
           <p:spPr>
             <a:xfrm flipH="1" rot="16242000">
-              <a:off x="419760" y="2469600"/>
-              <a:ext cx="1068480" cy="766080"/>
+              <a:off x="419400" y="2469240"/>
+              <a:ext cx="1068120" cy="765720"/>
             </a:xfrm>
             <a:custGeom>
               <a:avLst/>
               <a:gdLst>
-                <a:gd name="textAreaLeft" fmla="*/ 276840 w 1068480"/>
-                <a:gd name="textAreaRight" fmla="*/ 791640 w 1068480"/>
-                <a:gd name="textAreaTop" fmla="*/ 258840 h 766080"/>
-                <a:gd name="textAreaBottom" fmla="*/ 507600 h 766080"/>
+                <a:gd name="textAreaLeft" fmla="*/ 276480 w 1068120"/>
+                <a:gd name="textAreaRight" fmla="*/ 791280 w 1068120"/>
+                <a:gd name="textAreaTop" fmla="*/ 258840 h 765720"/>
+                <a:gd name="textAreaBottom" fmla="*/ 507600 h 765720"/>
               </a:gdLst>
               <a:ahLst/>
               <a:rect l="textAreaLeft" t="textAreaTop" r="textAreaRight" b="textAreaBottom"/>
@@ -11456,16 +11453,16 @@
           </p:nvSpPr>
           <p:spPr>
             <a:xfrm flipH="1">
-              <a:off x="-246600" y="2462040"/>
-              <a:ext cx="1072800" cy="766080"/>
+              <a:off x="-247320" y="2462040"/>
+              <a:ext cx="1072440" cy="765720"/>
             </a:xfrm>
             <a:custGeom>
               <a:avLst/>
               <a:gdLst>
-                <a:gd name="textAreaLeft" fmla="*/ 278640 w 1072800"/>
-                <a:gd name="textAreaRight" fmla="*/ 795240 w 1072800"/>
-                <a:gd name="textAreaTop" fmla="*/ 258840 h 766080"/>
-                <a:gd name="textAreaBottom" fmla="*/ 507600 h 766080"/>
+                <a:gd name="textAreaLeft" fmla="*/ 278640 w 1072440"/>
+                <a:gd name="textAreaRight" fmla="*/ 795240 w 1072440"/>
+                <a:gd name="textAreaTop" fmla="*/ 258840 h 765720"/>
+                <a:gd name="textAreaBottom" fmla="*/ 507600 h 765720"/>
               </a:gdLst>
               <a:ahLst/>
               <a:rect l="textAreaLeft" t="textAreaTop" r="textAreaRight" b="textAreaBottom"/>
@@ -11861,15 +11858,15 @@
           <p:spPr>
             <a:xfrm>
               <a:off x="1107720" y="1135080"/>
-              <a:ext cx="1072800" cy="766080"/>
+              <a:ext cx="1072440" cy="765720"/>
             </a:xfrm>
             <a:custGeom>
               <a:avLst/>
               <a:gdLst>
-                <a:gd name="textAreaLeft" fmla="*/ 278280 w 1072800"/>
-                <a:gd name="textAreaRight" fmla="*/ 794880 w 1072800"/>
-                <a:gd name="textAreaTop" fmla="*/ 258840 h 766080"/>
-                <a:gd name="textAreaBottom" fmla="*/ 507600 h 766080"/>
+                <a:gd name="textAreaLeft" fmla="*/ 278280 w 1072440"/>
+                <a:gd name="textAreaRight" fmla="*/ 794880 w 1072440"/>
+                <a:gd name="textAreaTop" fmla="*/ 258840 h 765720"/>
+                <a:gd name="textAreaBottom" fmla="*/ 507600 h 765720"/>
               </a:gdLst>
               <a:ahLst/>
               <a:rect l="textAreaLeft" t="textAreaTop" r="textAreaRight" b="textAreaBottom"/>
@@ -12264,16 +12261,16 @@
           </p:nvSpPr>
           <p:spPr>
             <a:xfrm rot="5358000">
-              <a:off x="1103400" y="1801440"/>
-              <a:ext cx="1068480" cy="766080"/>
+              <a:off x="1103760" y="1801080"/>
+              <a:ext cx="1068120" cy="765720"/>
             </a:xfrm>
             <a:custGeom>
               <a:avLst/>
               <a:gdLst>
-                <a:gd name="textAreaLeft" fmla="*/ 277200 w 1068480"/>
-                <a:gd name="textAreaRight" fmla="*/ 792000 w 1068480"/>
-                <a:gd name="textAreaTop" fmla="*/ 258840 h 766080"/>
-                <a:gd name="textAreaBottom" fmla="*/ 507600 h 766080"/>
+                <a:gd name="textAreaLeft" fmla="*/ 277200 w 1068120"/>
+                <a:gd name="textAreaRight" fmla="*/ 792000 w 1068120"/>
+                <a:gd name="textAreaTop" fmla="*/ 258840 h 765720"/>
+                <a:gd name="textAreaBottom" fmla="*/ 507600 h 765720"/>
               </a:gdLst>
               <a:ahLst/>
               <a:rect l="textAreaLeft" t="textAreaTop" r="textAreaRight" b="textAreaBottom"/>
@@ -12668,16 +12665,16 @@
           </p:nvSpPr>
           <p:spPr>
             <a:xfrm rot="5358000">
-              <a:off x="414720" y="1142640"/>
-              <a:ext cx="1068480" cy="766080"/>
+              <a:off x="415080" y="1142280"/>
+              <a:ext cx="1068120" cy="765720"/>
             </a:xfrm>
             <a:custGeom>
               <a:avLst/>
               <a:gdLst>
-                <a:gd name="textAreaLeft" fmla="*/ 277200 w 1068480"/>
-                <a:gd name="textAreaRight" fmla="*/ 792000 w 1068480"/>
-                <a:gd name="textAreaTop" fmla="*/ 258840 h 766080"/>
-                <a:gd name="textAreaBottom" fmla="*/ 507600 h 766080"/>
+                <a:gd name="textAreaLeft" fmla="*/ 277200 w 1068120"/>
+                <a:gd name="textAreaRight" fmla="*/ 792000 w 1068120"/>
+                <a:gd name="textAreaTop" fmla="*/ 258840 h 765720"/>
+                <a:gd name="textAreaBottom" fmla="*/ 507600 h 765720"/>
               </a:gdLst>
               <a:ahLst/>
               <a:rect l="textAreaLeft" t="textAreaTop" r="textAreaRight" b="textAreaBottom"/>
@@ -13025,7 +13022,7 @@
             <a:blipFill rotWithShape="0">
               <a:blip r:embed="rId4"/>
               <a:srcRect/>
-              <a:tile tx="0" ty="0" sx="74468" sy="74468" algn="ctr"/>
+              <a:tile tx="0" ty="0" sx="74113" sy="74113" algn="ctr"/>
             </a:blipFill>
             <a:ln w="0">
               <a:solidFill>
@@ -13075,15 +13072,15 @@
           <p:spPr>
             <a:xfrm>
               <a:off x="439200" y="1811160"/>
-              <a:ext cx="1072800" cy="766080"/>
+              <a:ext cx="1072440" cy="765720"/>
             </a:xfrm>
             <a:custGeom>
               <a:avLst/>
               <a:gdLst>
-                <a:gd name="textAreaLeft" fmla="*/ 278280 w 1072800"/>
-                <a:gd name="textAreaRight" fmla="*/ 794880 w 1072800"/>
-                <a:gd name="textAreaTop" fmla="*/ 258840 h 766080"/>
-                <a:gd name="textAreaBottom" fmla="*/ 507600 h 766080"/>
+                <a:gd name="textAreaLeft" fmla="*/ 278280 w 1072440"/>
+                <a:gd name="textAreaRight" fmla="*/ 794880 w 1072440"/>
+                <a:gd name="textAreaTop" fmla="*/ 258840 h 765720"/>
+                <a:gd name="textAreaBottom" fmla="*/ 507600 h 765720"/>
               </a:gdLst>
               <a:ahLst/>
               <a:rect l="textAreaLeft" t="textAreaTop" r="textAreaRight" b="textAreaBottom"/>
@@ -13479,15 +13476,15 @@
           <p:spPr>
             <a:xfrm>
               <a:off x="423720" y="451080"/>
-              <a:ext cx="1072800" cy="766080"/>
+              <a:ext cx="1072440" cy="765720"/>
             </a:xfrm>
             <a:custGeom>
               <a:avLst/>
               <a:gdLst>
-                <a:gd name="textAreaLeft" fmla="*/ 278280 w 1072800"/>
-                <a:gd name="textAreaRight" fmla="*/ 794880 w 1072800"/>
-                <a:gd name="textAreaTop" fmla="*/ 258840 h 766080"/>
-                <a:gd name="textAreaBottom" fmla="*/ 507600 h 766080"/>
+                <a:gd name="textAreaLeft" fmla="*/ 278280 w 1072440"/>
+                <a:gd name="textAreaRight" fmla="*/ 794880 w 1072440"/>
+                <a:gd name="textAreaTop" fmla="*/ 258840 h 765720"/>
+                <a:gd name="textAreaBottom" fmla="*/ 507600 h 765720"/>
               </a:gdLst>
               <a:ahLst/>
               <a:rect l="textAreaLeft" t="textAreaTop" r="textAreaRight" b="textAreaBottom"/>
@@ -13882,16 +13879,16 @@
           </p:nvSpPr>
           <p:spPr>
             <a:xfrm rot="5358000">
-              <a:off x="-245880" y="438480"/>
-              <a:ext cx="1068480" cy="766080"/>
+              <a:off x="-245160" y="438120"/>
+              <a:ext cx="1068120" cy="765720"/>
             </a:xfrm>
             <a:custGeom>
               <a:avLst/>
               <a:gdLst>
-                <a:gd name="textAreaLeft" fmla="*/ 277200 w 1068480"/>
-                <a:gd name="textAreaRight" fmla="*/ 792000 w 1068480"/>
-                <a:gd name="textAreaTop" fmla="*/ 258840 h 766080"/>
-                <a:gd name="textAreaBottom" fmla="*/ 507600 h 766080"/>
+                <a:gd name="textAreaLeft" fmla="*/ 277200 w 1068120"/>
+                <a:gd name="textAreaRight" fmla="*/ 792000 w 1068120"/>
+                <a:gd name="textAreaTop" fmla="*/ 258840 h 765720"/>
+                <a:gd name="textAreaBottom" fmla="*/ 507600 h 765720"/>
               </a:gdLst>
               <a:ahLst/>
               <a:rect l="textAreaLeft" t="textAreaTop" r="textAreaRight" b="textAreaBottom"/>
@@ -14286,16 +14283,16 @@
           </p:nvSpPr>
           <p:spPr>
             <a:xfrm rot="5358000">
-              <a:off x="435240" y="-246240"/>
-              <a:ext cx="1068480" cy="766080"/>
+              <a:off x="435600" y="-246240"/>
+              <a:ext cx="1068120" cy="765720"/>
             </a:xfrm>
             <a:custGeom>
               <a:avLst/>
               <a:gdLst>
-                <a:gd name="textAreaLeft" fmla="*/ 277200 w 1068480"/>
-                <a:gd name="textAreaRight" fmla="*/ 792000 w 1068480"/>
-                <a:gd name="textAreaTop" fmla="*/ 258840 h 766080"/>
-                <a:gd name="textAreaBottom" fmla="*/ 507600 h 766080"/>
+                <a:gd name="textAreaLeft" fmla="*/ 277200 w 1068120"/>
+                <a:gd name="textAreaRight" fmla="*/ 792000 w 1068120"/>
+                <a:gd name="textAreaTop" fmla="*/ 258840 h 765720"/>
+                <a:gd name="textAreaBottom" fmla="*/ 507600 h 765720"/>
               </a:gdLst>
               <a:ahLst/>
               <a:rect l="textAreaLeft" t="textAreaTop" r="textAreaRight" b="textAreaBottom"/>
@@ -14691,15 +14688,15 @@
           <p:spPr>
             <a:xfrm>
               <a:off x="1779480" y="1794600"/>
-              <a:ext cx="1072800" cy="766080"/>
+              <a:ext cx="1072440" cy="765720"/>
             </a:xfrm>
             <a:custGeom>
               <a:avLst/>
               <a:gdLst>
-                <a:gd name="textAreaLeft" fmla="*/ 278280 w 1072800"/>
-                <a:gd name="textAreaRight" fmla="*/ 794880 w 1072800"/>
-                <a:gd name="textAreaTop" fmla="*/ 258840 h 766080"/>
-                <a:gd name="textAreaBottom" fmla="*/ 507600 h 766080"/>
+                <a:gd name="textAreaLeft" fmla="*/ 278280 w 1072440"/>
+                <a:gd name="textAreaRight" fmla="*/ 794880 w 1072440"/>
+                <a:gd name="textAreaTop" fmla="*/ 258840 h 765720"/>
+                <a:gd name="textAreaBottom" fmla="*/ 507600 h 765720"/>
               </a:gdLst>
               <a:ahLst/>
               <a:rect l="textAreaLeft" t="textAreaTop" r="textAreaRight" b="textAreaBottom"/>
@@ -15095,15 +15092,15 @@
           <p:spPr>
             <a:xfrm>
               <a:off x="1106280" y="-257040"/>
-              <a:ext cx="1072800" cy="766080"/>
+              <a:ext cx="1072440" cy="765720"/>
             </a:xfrm>
             <a:custGeom>
               <a:avLst/>
               <a:gdLst>
-                <a:gd name="textAreaLeft" fmla="*/ 278280 w 1072800"/>
-                <a:gd name="textAreaRight" fmla="*/ 794880 w 1072800"/>
-                <a:gd name="textAreaTop" fmla="*/ 258840 h 766080"/>
-                <a:gd name="textAreaBottom" fmla="*/ 507600 h 766080"/>
+                <a:gd name="textAreaLeft" fmla="*/ 278280 w 1072440"/>
+                <a:gd name="textAreaRight" fmla="*/ 794880 w 1072440"/>
+                <a:gd name="textAreaTop" fmla="*/ 258840 h 765720"/>
+                <a:gd name="textAreaBottom" fmla="*/ 507600 h 765720"/>
               </a:gdLst>
               <a:ahLst/>
               <a:rect l="textAreaLeft" t="textAreaTop" r="textAreaRight" b="textAreaBottom"/>
@@ -15451,7 +15448,7 @@
             <a:blipFill rotWithShape="0">
               <a:blip r:embed="rId5"/>
               <a:srcRect/>
-              <a:tile tx="0" ty="0" sx="74468" sy="74468" algn="ctr"/>
+              <a:tile tx="0" ty="0" sx="74113" sy="74113" algn="ctr"/>
             </a:blipFill>
             <a:ln w="0">
               <a:solidFill>
@@ -15501,15 +15498,15 @@
           <p:spPr>
             <a:xfrm>
               <a:off x="-908280" y="1790640"/>
-              <a:ext cx="1072800" cy="766080"/>
+              <a:ext cx="1072440" cy="765720"/>
             </a:xfrm>
             <a:custGeom>
               <a:avLst/>
               <a:gdLst>
-                <a:gd name="textAreaLeft" fmla="*/ 278280 w 1072800"/>
-                <a:gd name="textAreaRight" fmla="*/ 794880 w 1072800"/>
-                <a:gd name="textAreaTop" fmla="*/ 258840 h 766080"/>
-                <a:gd name="textAreaBottom" fmla="*/ 507600 h 766080"/>
+                <a:gd name="textAreaLeft" fmla="*/ 278280 w 1072440"/>
+                <a:gd name="textAreaRight" fmla="*/ 794880 w 1072440"/>
+                <a:gd name="textAreaTop" fmla="*/ 258840 h 765720"/>
+                <a:gd name="textAreaBottom" fmla="*/ 507600 h 765720"/>
               </a:gdLst>
               <a:ahLst/>
               <a:rect l="textAreaLeft" t="textAreaTop" r="textAreaRight" b="textAreaBottom"/>
@@ -15857,7 +15854,7 @@
             <a:blipFill rotWithShape="0">
               <a:blip r:embed="rId6"/>
               <a:srcRect/>
-              <a:tile tx="0" ty="0" sx="74468" sy="74468" algn="ctr"/>
+              <a:tile tx="0" ty="0" sx="74113" sy="74113" algn="ctr"/>
             </a:blipFill>
             <a:ln w="0">
               <a:solidFill>
@@ -15906,16 +15903,16 @@
           </p:nvSpPr>
           <p:spPr>
             <a:xfrm rot="5358000">
-              <a:off x="-245160" y="5824800"/>
-              <a:ext cx="1068480" cy="766080"/>
+              <a:off x="-244440" y="5824440"/>
+              <a:ext cx="1068120" cy="765720"/>
             </a:xfrm>
             <a:custGeom>
               <a:avLst/>
               <a:gdLst>
-                <a:gd name="textAreaLeft" fmla="*/ 277200 w 1068480"/>
-                <a:gd name="textAreaRight" fmla="*/ 792000 w 1068480"/>
-                <a:gd name="textAreaTop" fmla="*/ 258840 h 766080"/>
-                <a:gd name="textAreaBottom" fmla="*/ 507600 h 766080"/>
+                <a:gd name="textAreaLeft" fmla="*/ 277200 w 1068120"/>
+                <a:gd name="textAreaRight" fmla="*/ 792000 w 1068120"/>
+                <a:gd name="textAreaTop" fmla="*/ 258840 h 765720"/>
+                <a:gd name="textAreaBottom" fmla="*/ 507600 h 765720"/>
               </a:gdLst>
               <a:ahLst/>
               <a:rect l="textAreaLeft" t="textAreaTop" r="textAreaRight" b="textAreaBottom"/>
@@ -16311,15 +16308,15 @@
           <p:spPr>
             <a:xfrm>
               <a:off x="427320" y="5853960"/>
-              <a:ext cx="1072800" cy="766080"/>
+              <a:ext cx="1072440" cy="765720"/>
             </a:xfrm>
             <a:custGeom>
               <a:avLst/>
               <a:gdLst>
-                <a:gd name="textAreaLeft" fmla="*/ 278280 w 1072800"/>
-                <a:gd name="textAreaRight" fmla="*/ 794880 w 1072800"/>
-                <a:gd name="textAreaTop" fmla="*/ 258840 h 766080"/>
-                <a:gd name="textAreaBottom" fmla="*/ 507600 h 766080"/>
+                <a:gd name="textAreaLeft" fmla="*/ 278280 w 1072440"/>
+                <a:gd name="textAreaRight" fmla="*/ 794880 w 1072440"/>
+                <a:gd name="textAreaTop" fmla="*/ 258840 h 765720"/>
+                <a:gd name="textAreaBottom" fmla="*/ 507600 h 765720"/>
               </a:gdLst>
               <a:ahLst/>
               <a:rect l="textAreaLeft" t="textAreaTop" r="textAreaRight" b="textAreaBottom"/>
@@ -16667,7 +16664,7 @@
             <a:blipFill rotWithShape="0">
               <a:blip r:embed="rId7"/>
               <a:srcRect/>
-              <a:tile tx="0" ty="0" sx="74468" sy="74468" algn="ctr"/>
+              <a:tile tx="0" ty="0" sx="74113" sy="74113" algn="ctr"/>
             </a:blipFill>
             <a:ln w="0">
               <a:solidFill>
@@ -16717,15 +16714,15 @@
           <p:spPr>
             <a:xfrm>
               <a:off x="-236880" y="6494040"/>
-              <a:ext cx="1072800" cy="766080"/>
+              <a:ext cx="1072440" cy="765720"/>
             </a:xfrm>
             <a:custGeom>
               <a:avLst/>
               <a:gdLst>
-                <a:gd name="textAreaLeft" fmla="*/ 278280 w 1072800"/>
-                <a:gd name="textAreaRight" fmla="*/ 794880 w 1072800"/>
-                <a:gd name="textAreaTop" fmla="*/ 258840 h 766080"/>
-                <a:gd name="textAreaBottom" fmla="*/ 507600 h 766080"/>
+                <a:gd name="textAreaLeft" fmla="*/ 278280 w 1072440"/>
+                <a:gd name="textAreaRight" fmla="*/ 794880 w 1072440"/>
+                <a:gd name="textAreaTop" fmla="*/ 258840 h 765720"/>
+                <a:gd name="textAreaBottom" fmla="*/ 507600 h 765720"/>
               </a:gdLst>
               <a:ahLst/>
               <a:rect l="textAreaLeft" t="textAreaTop" r="textAreaRight" b="textAreaBottom"/>
@@ -17120,16 +17117,16 @@
           </p:nvSpPr>
           <p:spPr>
             <a:xfrm rot="5358000">
-              <a:off x="-929160" y="6501600"/>
-              <a:ext cx="1068480" cy="766080"/>
+              <a:off x="-928440" y="6501240"/>
+              <a:ext cx="1068120" cy="765720"/>
             </a:xfrm>
             <a:custGeom>
               <a:avLst/>
               <a:gdLst>
-                <a:gd name="textAreaLeft" fmla="*/ 277200 w 1068480"/>
-                <a:gd name="textAreaRight" fmla="*/ 792000 w 1068480"/>
-                <a:gd name="textAreaTop" fmla="*/ 258840 h 766080"/>
-                <a:gd name="textAreaBottom" fmla="*/ 507600 h 766080"/>
+                <a:gd name="textAreaLeft" fmla="*/ 277200 w 1068120"/>
+                <a:gd name="textAreaRight" fmla="*/ 792000 w 1068120"/>
+                <a:gd name="textAreaTop" fmla="*/ 258840 h 765720"/>
+                <a:gd name="textAreaBottom" fmla="*/ 507600 h 765720"/>
               </a:gdLst>
               <a:ahLst/>
               <a:rect l="textAreaLeft" t="textAreaTop" r="textAreaRight" b="textAreaBottom"/>
@@ -17524,16 +17521,16 @@
           </p:nvSpPr>
           <p:spPr>
             <a:xfrm rot="5358000">
-              <a:off x="-246240" y="7197120"/>
-              <a:ext cx="1068120" cy="766080"/>
+              <a:off x="-245880" y="7197120"/>
+              <a:ext cx="1067760" cy="765720"/>
             </a:xfrm>
             <a:custGeom>
               <a:avLst/>
               <a:gdLst>
-                <a:gd name="textAreaLeft" fmla="*/ 276840 w 1068120"/>
-                <a:gd name="textAreaRight" fmla="*/ 791640 w 1068120"/>
-                <a:gd name="textAreaTop" fmla="*/ 258840 h 766080"/>
-                <a:gd name="textAreaBottom" fmla="*/ 507600 h 766080"/>
+                <a:gd name="textAreaLeft" fmla="*/ 276840 w 1067760"/>
+                <a:gd name="textAreaRight" fmla="*/ 791640 w 1067760"/>
+                <a:gd name="textAreaTop" fmla="*/ 258840 h 765720"/>
+                <a:gd name="textAreaBottom" fmla="*/ 507600 h 765720"/>
               </a:gdLst>
               <a:ahLst/>
               <a:rect l="textAreaLeft" t="textAreaTop" r="textAreaRight" b="textAreaBottom"/>
@@ -17928,16 +17925,16 @@
           </p:nvSpPr>
           <p:spPr>
             <a:xfrm rot="5358000">
-              <a:off x="426960" y="6518160"/>
-              <a:ext cx="1068480" cy="766080"/>
+              <a:off x="427320" y="6517800"/>
+              <a:ext cx="1068120" cy="765720"/>
             </a:xfrm>
             <a:custGeom>
               <a:avLst/>
               <a:gdLst>
-                <a:gd name="textAreaLeft" fmla="*/ 277200 w 1068480"/>
-                <a:gd name="textAreaRight" fmla="*/ 792000 w 1068480"/>
-                <a:gd name="textAreaTop" fmla="*/ 258840 h 766080"/>
-                <a:gd name="textAreaBottom" fmla="*/ 507600 h 766080"/>
+                <a:gd name="textAreaLeft" fmla="*/ 277200 w 1068120"/>
+                <a:gd name="textAreaRight" fmla="*/ 792000 w 1068120"/>
+                <a:gd name="textAreaTop" fmla="*/ 258840 h 765720"/>
+                <a:gd name="textAreaBottom" fmla="*/ 507600 h 765720"/>
               </a:gdLst>
               <a:ahLst/>
               <a:rect l="textAreaLeft" t="textAreaTop" r="textAreaRight" b="textAreaBottom"/>
@@ -18333,15 +18330,15 @@
           <p:spPr>
             <a:xfrm>
               <a:off x="1103400" y="6530040"/>
-              <a:ext cx="1072800" cy="766080"/>
+              <a:ext cx="1072440" cy="765720"/>
             </a:xfrm>
             <a:custGeom>
               <a:avLst/>
               <a:gdLst>
-                <a:gd name="textAreaLeft" fmla="*/ 278280 w 1072800"/>
-                <a:gd name="textAreaRight" fmla="*/ 794880 w 1072800"/>
-                <a:gd name="textAreaTop" fmla="*/ 258840 h 766080"/>
-                <a:gd name="textAreaBottom" fmla="*/ 507600 h 766080"/>
+                <a:gd name="textAreaLeft" fmla="*/ 278280 w 1072440"/>
+                <a:gd name="textAreaRight" fmla="*/ 794880 w 1072440"/>
+                <a:gd name="textAreaTop" fmla="*/ 258840 h 765720"/>
+                <a:gd name="textAreaBottom" fmla="*/ 507600 h 765720"/>
               </a:gdLst>
               <a:ahLst/>
               <a:rect l="textAreaLeft" t="textAreaTop" r="textAreaRight" b="textAreaBottom"/>
@@ -18738,15 +18735,15 @@
         <p:spPr>
           <a:xfrm>
             <a:off x="8538120" y="3877200"/>
-            <a:ext cx="975600" cy="1371240"/>
+            <a:ext cx="975240" cy="1370880"/>
           </a:xfrm>
           <a:custGeom>
             <a:avLst/>
             <a:gdLst>
-              <a:gd name="textAreaLeft" fmla="*/ 0 w 975600"/>
-              <a:gd name="textAreaRight" fmla="*/ 975960 w 975600"/>
-              <a:gd name="textAreaTop" fmla="*/ 0 h 1371240"/>
-              <a:gd name="textAreaBottom" fmla="*/ 1371600 h 1371240"/>
+              <a:gd name="textAreaLeft" fmla="*/ 0 w 975240"/>
+              <a:gd name="textAreaRight" fmla="*/ 975960 w 975240"/>
+              <a:gd name="textAreaTop" fmla="*/ 0 h 1370880"/>
+              <a:gd name="textAreaBottom" fmla="*/ 1371600 h 1370880"/>
             </a:gdLst>
             <a:ahLst/>
             <a:rect l="textAreaLeft" t="textAreaTop" r="textAreaRight" b="textAreaBottom"/>
@@ -18807,6 +18804,7 @@
                 <a:srgbClr val="000000"/>
               </a:solidFill>
               <a:latin typeface="Noto Sans"/>
+              <a:ea typeface="DejaVu Sans"/>
             </a:endParaRPr>
           </a:p>
         </p:txBody>
@@ -18820,7 +18818,7 @@
         <p:spPr>
           <a:xfrm>
             <a:off x="7372080" y="4974480"/>
-            <a:ext cx="1684440" cy="1645560"/>
+            <a:ext cx="1684080" cy="1645200"/>
           </a:xfrm>
           <a:prstGeom prst="ellipse">
             <a:avLst/>
@@ -18869,7 +18867,7 @@
         <p:spPr>
           <a:xfrm>
             <a:off x="7868160" y="-329040"/>
-            <a:ext cx="2011320" cy="2011320"/>
+            <a:ext cx="2010960" cy="2010960"/>
           </a:xfrm>
           <a:prstGeom prst="ellipse">
             <a:avLst/>
@@ -18922,7 +18920,7 @@
         <p:spPr>
           <a:xfrm>
             <a:off x="468000" y="468000"/>
-            <a:ext cx="9071640" cy="946080"/>
+            <a:ext cx="9071280" cy="945720"/>
           </a:xfrm>
           <a:prstGeom prst="rect">
             <a:avLst/>
@@ -18971,7 +18969,7 @@
         <p:spPr>
           <a:xfrm>
             <a:off x="468000" y="1800000"/>
-            <a:ext cx="9071640" cy="3287880"/>
+            <a:ext cx="9071280" cy="3287520"/>
           </a:xfrm>
           <a:prstGeom prst="rect">
             <a:avLst/>
@@ -19196,7 +19194,7 @@
         <p:spPr>
           <a:xfrm>
             <a:off x="3442680" y="5166000"/>
-            <a:ext cx="3194640" cy="390240"/>
+            <a:ext cx="3194280" cy="389880"/>
           </a:xfrm>
           <a:prstGeom prst="rect">
             <a:avLst/>
@@ -19268,7 +19266,7 @@
         <p:spPr>
           <a:xfrm>
             <a:off x="7227360" y="5166000"/>
-            <a:ext cx="2347920" cy="390240"/>
+            <a:ext cx="2347560" cy="389880"/>
           </a:xfrm>
           <a:prstGeom prst="rect">
             <a:avLst/>
@@ -19309,7 +19307,7 @@
                 <a:tab algn="l" pos="0"/>
               </a:tabLst>
             </a:pPr>
-            <a:fld id="{B9902311-3EAF-406A-AB81-B9781A18F013}" type="slidenum">
+            <a:fld id="{0EA79980-942B-49E4-A0D4-66748E26026C}" type="slidenum">
               <a:rPr b="0" lang="en-US" sz="1400" spc="-1" strike="noStrike">
                 <a:solidFill>
                   <a:srgbClr val="000000"/>
@@ -19340,7 +19338,7 @@
         <p:spPr>
           <a:xfrm>
             <a:off x="468000" y="5166000"/>
-            <a:ext cx="2347920" cy="390240"/>
+            <a:ext cx="2347560" cy="389880"/>
           </a:xfrm>
           <a:prstGeom prst="rect">
             <a:avLst/>
@@ -19422,9 +19420,9 @@
         <p:grpSpPr>
           <a:xfrm>
             <a:off x="2982960" y="1585440"/>
-            <a:ext cx="5982120" cy="3149640"/>
+            <a:ext cx="5981760" cy="3149280"/>
             <a:chOff x="2982960" y="1585440"/>
-            <a:chExt cx="5982120" cy="3149640"/>
+            <a:chExt cx="5981760" cy="3149280"/>
           </a:xfrm>
         </p:grpSpPr>
         <p:sp>
@@ -19436,7 +19434,7 @@
           <p:spPr>
             <a:xfrm>
               <a:off x="3570480" y="1888200"/>
-              <a:ext cx="4926960" cy="2622960"/>
+              <a:ext cx="4926600" cy="2622600"/>
             </a:xfrm>
             <a:prstGeom prst="rect">
               <a:avLst/>
@@ -19483,7 +19481,7 @@
           <p:spPr>
             <a:xfrm>
               <a:off x="3763800" y="1585440"/>
-              <a:ext cx="4926960" cy="2622960"/>
+              <a:ext cx="4926600" cy="2622600"/>
             </a:xfrm>
             <a:prstGeom prst="rect">
               <a:avLst/>
@@ -19531,7 +19529,7 @@
           <p:spPr>
             <a:xfrm>
               <a:off x="3844800" y="1768320"/>
-              <a:ext cx="1096920" cy="1473840"/>
+              <a:ext cx="1096560" cy="1473480"/>
             </a:xfrm>
             <a:prstGeom prst="rect">
               <a:avLst/>
@@ -19563,6 +19561,7 @@
                     <a:srgbClr val="000000"/>
                   </a:solidFill>
                   <a:latin typeface="Noto Sans"/>
+                  <a:ea typeface="DejaVu Sans"/>
                 </a:rPr>
                 <a:t>“</a:t>
               </a:r>
@@ -19584,7 +19583,7 @@
           <p:spPr>
             <a:xfrm>
               <a:off x="7868160" y="3399840"/>
-              <a:ext cx="1096920" cy="1335240"/>
+              <a:ext cx="1096560" cy="1334880"/>
             </a:xfrm>
             <a:prstGeom prst="rect">
               <a:avLst/>
@@ -19616,6 +19615,7 @@
                     <a:srgbClr val="000000"/>
                   </a:solidFill>
                   <a:latin typeface="Noto Sans"/>
+                  <a:ea typeface="DejaVu Sans"/>
                 </a:rPr>
                 <a:t>”</a:t>
               </a:r>
@@ -19637,7 +19637,7 @@
           <p:spPr>
             <a:xfrm>
               <a:off x="2982960" y="4117320"/>
-              <a:ext cx="1044360" cy="302400"/>
+              <a:ext cx="1044000" cy="302040"/>
             </a:xfrm>
             <a:prstGeom prst="rect">
               <a:avLst/>
@@ -19691,10 +19691,10 @@
         </p:nvGrpSpPr>
         <p:grpSpPr>
           <a:xfrm>
-            <a:off x="-2093400" y="-402120"/>
-            <a:ext cx="4945680" cy="8521200"/>
-            <a:chOff x="-2093400" y="-402120"/>
-            <a:chExt cx="4945680" cy="8521200"/>
+            <a:off x="-2092680" y="-402120"/>
+            <a:ext cx="4944600" cy="8520840"/>
+            <a:chOff x="-2092680" y="-402120"/>
+            <a:chExt cx="4944600" cy="8520840"/>
           </a:xfrm>
         </p:grpSpPr>
         <p:sp>
@@ -19706,15 +19706,15 @@
           <p:spPr>
             <a:xfrm>
               <a:off x="-893160" y="4486680"/>
-              <a:ext cx="1072800" cy="766080"/>
+              <a:ext cx="1072440" cy="765720"/>
             </a:xfrm>
             <a:custGeom>
               <a:avLst/>
               <a:gdLst>
-                <a:gd name="textAreaLeft" fmla="*/ 278280 w 1072800"/>
-                <a:gd name="textAreaRight" fmla="*/ 794880 w 1072800"/>
-                <a:gd name="textAreaTop" fmla="*/ 258840 h 766080"/>
-                <a:gd name="textAreaBottom" fmla="*/ 507600 h 766080"/>
+                <a:gd name="textAreaLeft" fmla="*/ 278280 w 1072440"/>
+                <a:gd name="textAreaRight" fmla="*/ 794880 w 1072440"/>
+                <a:gd name="textAreaTop" fmla="*/ 258840 h 765720"/>
+                <a:gd name="textAreaBottom" fmla="*/ 507600 h 765720"/>
               </a:gdLst>
               <a:ahLst/>
               <a:rect l="textAreaLeft" t="textAreaTop" r="textAreaRight" b="textAreaBottom"/>
@@ -20109,16 +20109,16 @@
           </p:nvSpPr>
           <p:spPr>
             <a:xfrm rot="5358000">
-              <a:off x="-896760" y="5153040"/>
-              <a:ext cx="1068480" cy="766080"/>
+              <a:off x="-896040" y="5152680"/>
+              <a:ext cx="1068120" cy="765720"/>
             </a:xfrm>
             <a:custGeom>
               <a:avLst/>
               <a:gdLst>
-                <a:gd name="textAreaLeft" fmla="*/ 277200 w 1068480"/>
-                <a:gd name="textAreaRight" fmla="*/ 792000 w 1068480"/>
-                <a:gd name="textAreaTop" fmla="*/ 258840 h 766080"/>
-                <a:gd name="textAreaBottom" fmla="*/ 507600 h 766080"/>
+                <a:gd name="textAreaLeft" fmla="*/ 277200 w 1068120"/>
+                <a:gd name="textAreaRight" fmla="*/ 792000 w 1068120"/>
+                <a:gd name="textAreaTop" fmla="*/ 258840 h 765720"/>
+                <a:gd name="textAreaBottom" fmla="*/ 507600 h 765720"/>
               </a:gdLst>
               <a:ahLst/>
               <a:rect l="textAreaLeft" t="textAreaTop" r="textAreaRight" b="textAreaBottom"/>
@@ -20514,15 +20514,15 @@
           <p:spPr>
             <a:xfrm>
               <a:off x="-228960" y="5161680"/>
-              <a:ext cx="1072800" cy="766080"/>
+              <a:ext cx="1072440" cy="765720"/>
             </a:xfrm>
             <a:custGeom>
               <a:avLst/>
               <a:gdLst>
-                <a:gd name="textAreaLeft" fmla="*/ 278280 w 1072800"/>
-                <a:gd name="textAreaRight" fmla="*/ 794880 w 1072800"/>
-                <a:gd name="textAreaTop" fmla="*/ 258840 h 766080"/>
-                <a:gd name="textAreaBottom" fmla="*/ 507600 h 766080"/>
+                <a:gd name="textAreaLeft" fmla="*/ 278280 w 1072440"/>
+                <a:gd name="textAreaRight" fmla="*/ 794880 w 1072440"/>
+                <a:gd name="textAreaTop" fmla="*/ 258840 h 765720"/>
+                <a:gd name="textAreaBottom" fmla="*/ 507600 h 765720"/>
               </a:gdLst>
               <a:ahLst/>
               <a:rect l="textAreaLeft" t="textAreaTop" r="textAreaRight" b="textAreaBottom"/>
@@ -20917,16 +20917,16 @@
           </p:nvSpPr>
           <p:spPr>
             <a:xfrm rot="5358000">
-              <a:off x="-219600" y="4488840"/>
-              <a:ext cx="1068120" cy="766080"/>
+              <a:off x="-219240" y="4488840"/>
+              <a:ext cx="1067760" cy="765720"/>
             </a:xfrm>
             <a:custGeom>
               <a:avLst/>
               <a:gdLst>
-                <a:gd name="textAreaLeft" fmla="*/ 276840 w 1068120"/>
-                <a:gd name="textAreaRight" fmla="*/ 791640 w 1068120"/>
-                <a:gd name="textAreaTop" fmla="*/ 258840 h 766080"/>
-                <a:gd name="textAreaBottom" fmla="*/ 507600 h 766080"/>
+                <a:gd name="textAreaLeft" fmla="*/ 276840 w 1067760"/>
+                <a:gd name="textAreaRight" fmla="*/ 791640 w 1067760"/>
+                <a:gd name="textAreaTop" fmla="*/ 258840 h 765720"/>
+                <a:gd name="textAreaBottom" fmla="*/ 507600 h 765720"/>
               </a:gdLst>
               <a:ahLst/>
               <a:rect l="textAreaLeft" t="textAreaTop" r="textAreaRight" b="textAreaBottom"/>
@@ -21322,15 +21322,15 @@
           <p:spPr>
             <a:xfrm>
               <a:off x="-228960" y="3826080"/>
-              <a:ext cx="1072800" cy="766080"/>
+              <a:ext cx="1072440" cy="765720"/>
             </a:xfrm>
             <a:custGeom>
               <a:avLst/>
               <a:gdLst>
-                <a:gd name="textAreaLeft" fmla="*/ 278280 w 1072800"/>
-                <a:gd name="textAreaRight" fmla="*/ 794880 w 1072800"/>
-                <a:gd name="textAreaTop" fmla="*/ 258840 h 766080"/>
-                <a:gd name="textAreaBottom" fmla="*/ 507600 h 766080"/>
+                <a:gd name="textAreaLeft" fmla="*/ 278280 w 1072440"/>
+                <a:gd name="textAreaRight" fmla="*/ 794880 w 1072440"/>
+                <a:gd name="textAreaTop" fmla="*/ 258840 h 765720"/>
+                <a:gd name="textAreaBottom" fmla="*/ 507600 h 765720"/>
               </a:gdLst>
               <a:ahLst/>
               <a:rect l="textAreaLeft" t="textAreaTop" r="textAreaRight" b="textAreaBottom"/>
@@ -21678,7 +21678,7 @@
             <a:blipFill rotWithShape="0">
               <a:blip r:embed="rId2"/>
               <a:srcRect/>
-              <a:tile tx="0" ty="0" sx="74468" sy="74468" algn="ctr"/>
+              <a:tile tx="0" ty="0" sx="74113" sy="74113" algn="ctr"/>
             </a:blipFill>
             <a:ln w="0">
               <a:solidFill>
@@ -21727,16 +21727,16 @@
           </p:nvSpPr>
           <p:spPr>
             <a:xfrm rot="5358000">
-              <a:off x="-1585440" y="4494240"/>
-              <a:ext cx="1068480" cy="766080"/>
+              <a:off x="-1584720" y="4493880"/>
+              <a:ext cx="1068120" cy="765720"/>
             </a:xfrm>
             <a:custGeom>
               <a:avLst/>
               <a:gdLst>
-                <a:gd name="textAreaLeft" fmla="*/ 277200 w 1068480"/>
-                <a:gd name="textAreaRight" fmla="*/ 792000 w 1068480"/>
-                <a:gd name="textAreaTop" fmla="*/ 258840 h 766080"/>
-                <a:gd name="textAreaBottom" fmla="*/ 507600 h 766080"/>
+                <a:gd name="textAreaLeft" fmla="*/ 277200 w 1068120"/>
+                <a:gd name="textAreaRight" fmla="*/ 792000 w 1068120"/>
+                <a:gd name="textAreaTop" fmla="*/ 258840 h 765720"/>
+                <a:gd name="textAreaBottom" fmla="*/ 507600 h 765720"/>
               </a:gdLst>
               <a:ahLst/>
               <a:rect l="textAreaLeft" t="textAreaTop" r="textAreaRight" b="textAreaBottom"/>
@@ -22084,7 +22084,7 @@
             <a:blipFill rotWithShape="0">
               <a:blip r:embed="rId3"/>
               <a:srcRect/>
-              <a:tile tx="0" ty="0" sx="74468" sy="74468" algn="ctr"/>
+              <a:tile tx="0" ty="0" sx="74113" sy="74113" algn="ctr"/>
             </a:blipFill>
             <a:ln w="0">
               <a:solidFill>
@@ -22133,16 +22133,16 @@
           </p:nvSpPr>
           <p:spPr>
             <a:xfrm rot="5358000">
-              <a:off x="-2237760" y="5170320"/>
-              <a:ext cx="1068480" cy="766080"/>
+              <a:off x="-2237040" y="5169960"/>
+              <a:ext cx="1068120" cy="765720"/>
             </a:xfrm>
             <a:custGeom>
               <a:avLst/>
               <a:gdLst>
-                <a:gd name="textAreaLeft" fmla="*/ 277200 w 1068480"/>
-                <a:gd name="textAreaRight" fmla="*/ 792000 w 1068480"/>
-                <a:gd name="textAreaTop" fmla="*/ 258840 h 766080"/>
-                <a:gd name="textAreaBottom" fmla="*/ 507600 h 766080"/>
+                <a:gd name="textAreaLeft" fmla="*/ 277200 w 1068120"/>
+                <a:gd name="textAreaRight" fmla="*/ 792000 w 1068120"/>
+                <a:gd name="textAreaTop" fmla="*/ 258840 h 765720"/>
+                <a:gd name="textAreaBottom" fmla="*/ 507600 h 765720"/>
               </a:gdLst>
               <a:ahLst/>
               <a:rect l="textAreaLeft" t="textAreaTop" r="textAreaRight" b="textAreaBottom"/>
@@ -22537,16 +22537,16 @@
           </p:nvSpPr>
           <p:spPr>
             <a:xfrm rot="5358000">
-              <a:off x="-896400" y="3821040"/>
-              <a:ext cx="1068480" cy="766080"/>
+              <a:off x="-895680" y="3820680"/>
+              <a:ext cx="1068120" cy="765720"/>
             </a:xfrm>
             <a:custGeom>
               <a:avLst/>
               <a:gdLst>
-                <a:gd name="textAreaLeft" fmla="*/ 277200 w 1068480"/>
-                <a:gd name="textAreaRight" fmla="*/ 792000 w 1068480"/>
-                <a:gd name="textAreaTop" fmla="*/ 258840 h 766080"/>
-                <a:gd name="textAreaBottom" fmla="*/ 507600 h 766080"/>
+                <a:gd name="textAreaLeft" fmla="*/ 277200 w 1068120"/>
+                <a:gd name="textAreaRight" fmla="*/ 792000 w 1068120"/>
+                <a:gd name="textAreaTop" fmla="*/ 258840 h 765720"/>
+                <a:gd name="textAreaBottom" fmla="*/ 507600 h 765720"/>
               </a:gdLst>
               <a:ahLst/>
               <a:rect l="textAreaLeft" t="textAreaTop" r="textAreaRight" b="textAreaBottom"/>
@@ -22941,16 +22941,16 @@
           </p:nvSpPr>
           <p:spPr>
             <a:xfrm rot="5358000">
-              <a:off x="-221400" y="3154320"/>
-              <a:ext cx="1068480" cy="766080"/>
+              <a:off x="-220680" y="3153960"/>
+              <a:ext cx="1068120" cy="765720"/>
             </a:xfrm>
             <a:custGeom>
               <a:avLst/>
               <a:gdLst>
-                <a:gd name="textAreaLeft" fmla="*/ 277200 w 1068480"/>
-                <a:gd name="textAreaRight" fmla="*/ 792000 w 1068480"/>
-                <a:gd name="textAreaTop" fmla="*/ 258840 h 766080"/>
-                <a:gd name="textAreaBottom" fmla="*/ 507600 h 766080"/>
+                <a:gd name="textAreaLeft" fmla="*/ 277200 w 1068120"/>
+                <a:gd name="textAreaRight" fmla="*/ 792000 w 1068120"/>
+                <a:gd name="textAreaTop" fmla="*/ 258840 h 765720"/>
+                <a:gd name="textAreaBottom" fmla="*/ 507600 h 765720"/>
               </a:gdLst>
               <a:ahLst/>
               <a:rect l="textAreaLeft" t="textAreaTop" r="textAreaRight" b="textAreaBottom"/>
@@ -23346,15 +23346,15 @@
           <p:spPr>
             <a:xfrm>
               <a:off x="455040" y="4477680"/>
-              <a:ext cx="1072800" cy="766080"/>
+              <a:ext cx="1072440" cy="765720"/>
             </a:xfrm>
             <a:custGeom>
               <a:avLst/>
               <a:gdLst>
-                <a:gd name="textAreaLeft" fmla="*/ 278280 w 1072800"/>
-                <a:gd name="textAreaRight" fmla="*/ 794880 w 1072800"/>
-                <a:gd name="textAreaTop" fmla="*/ 258840 h 766080"/>
-                <a:gd name="textAreaBottom" fmla="*/ 507600 h 766080"/>
+                <a:gd name="textAreaLeft" fmla="*/ 278280 w 1072440"/>
+                <a:gd name="textAreaRight" fmla="*/ 794880 w 1072440"/>
+                <a:gd name="textAreaTop" fmla="*/ 258840 h 765720"/>
+                <a:gd name="textAreaBottom" fmla="*/ 507600 h 765720"/>
               </a:gdLst>
               <a:ahLst/>
               <a:rect l="textAreaLeft" t="textAreaTop" r="textAreaRight" b="textAreaBottom"/>
@@ -23749,16 +23749,16 @@
           </p:nvSpPr>
           <p:spPr>
             <a:xfrm rot="5358000">
-              <a:off x="470880" y="3821040"/>
-              <a:ext cx="1068480" cy="766080"/>
+              <a:off x="471240" y="3820680"/>
+              <a:ext cx="1068120" cy="765720"/>
             </a:xfrm>
             <a:custGeom>
               <a:avLst/>
               <a:gdLst>
-                <a:gd name="textAreaLeft" fmla="*/ 277200 w 1068480"/>
-                <a:gd name="textAreaRight" fmla="*/ 792000 w 1068480"/>
-                <a:gd name="textAreaTop" fmla="*/ 258840 h 766080"/>
-                <a:gd name="textAreaBottom" fmla="*/ 507600 h 766080"/>
+                <a:gd name="textAreaLeft" fmla="*/ 277200 w 1068120"/>
+                <a:gd name="textAreaRight" fmla="*/ 792000 w 1068120"/>
+                <a:gd name="textAreaTop" fmla="*/ 258840 h 765720"/>
+                <a:gd name="textAreaBottom" fmla="*/ 507600 h 765720"/>
               </a:gdLst>
               <a:ahLst/>
               <a:rect l="textAreaLeft" t="textAreaTop" r="textAreaRight" b="textAreaBottom"/>
@@ -24154,15 +24154,15 @@
           <p:spPr>
             <a:xfrm>
               <a:off x="1158840" y="5170680"/>
-              <a:ext cx="1072800" cy="766080"/>
+              <a:ext cx="1072440" cy="765720"/>
             </a:xfrm>
             <a:custGeom>
               <a:avLst/>
               <a:gdLst>
-                <a:gd name="textAreaLeft" fmla="*/ 278280 w 1072800"/>
-                <a:gd name="textAreaRight" fmla="*/ 794880 w 1072800"/>
-                <a:gd name="textAreaTop" fmla="*/ 258840 h 766080"/>
-                <a:gd name="textAreaBottom" fmla="*/ 507600 h 766080"/>
+                <a:gd name="textAreaLeft" fmla="*/ 278280 w 1072440"/>
+                <a:gd name="textAreaRight" fmla="*/ 794880 w 1072440"/>
+                <a:gd name="textAreaTop" fmla="*/ 258840 h 765720"/>
+                <a:gd name="textAreaBottom" fmla="*/ 507600 h 765720"/>
               </a:gdLst>
               <a:ahLst/>
               <a:rect l="textAreaLeft" t="textAreaTop" r="textAreaRight" b="textAreaBottom"/>
@@ -24558,15 +24558,15 @@
           <p:spPr>
             <a:xfrm>
               <a:off x="-1561680" y="5162760"/>
-              <a:ext cx="1072800" cy="766080"/>
+              <a:ext cx="1072440" cy="765720"/>
             </a:xfrm>
             <a:custGeom>
               <a:avLst/>
               <a:gdLst>
-                <a:gd name="textAreaLeft" fmla="*/ 278280 w 1072800"/>
-                <a:gd name="textAreaRight" fmla="*/ 794880 w 1072800"/>
-                <a:gd name="textAreaTop" fmla="*/ 258840 h 766080"/>
-                <a:gd name="textAreaBottom" fmla="*/ 507600 h 766080"/>
+                <a:gd name="textAreaLeft" fmla="*/ 278280 w 1072440"/>
+                <a:gd name="textAreaRight" fmla="*/ 794880 w 1072440"/>
+                <a:gd name="textAreaTop" fmla="*/ 258840 h 765720"/>
+                <a:gd name="textAreaBottom" fmla="*/ 507600 h 765720"/>
               </a:gdLst>
               <a:ahLst/>
               <a:rect l="textAreaLeft" t="textAreaTop" r="textAreaRight" b="textAreaBottom"/>
@@ -24961,16 +24961,16 @@
           </p:nvSpPr>
           <p:spPr>
             <a:xfrm rot="5358000">
-              <a:off x="461880" y="5170320"/>
-              <a:ext cx="1068480" cy="766080"/>
+              <a:off x="462240" y="5169960"/>
+              <a:ext cx="1068120" cy="765720"/>
             </a:xfrm>
             <a:custGeom>
               <a:avLst/>
               <a:gdLst>
-                <a:gd name="textAreaLeft" fmla="*/ 277200 w 1068480"/>
-                <a:gd name="textAreaRight" fmla="*/ 792000 w 1068480"/>
-                <a:gd name="textAreaTop" fmla="*/ 258840 h 766080"/>
-                <a:gd name="textAreaBottom" fmla="*/ 507600 h 766080"/>
+                <a:gd name="textAreaLeft" fmla="*/ 277200 w 1068120"/>
+                <a:gd name="textAreaRight" fmla="*/ 792000 w 1068120"/>
+                <a:gd name="textAreaTop" fmla="*/ 258840 h 765720"/>
+                <a:gd name="textAreaBottom" fmla="*/ 507600 h 765720"/>
               </a:gdLst>
               <a:ahLst/>
               <a:rect l="textAreaLeft" t="textAreaTop" r="textAreaRight" b="textAreaBottom"/>
@@ -25365,16 +25365,16 @@
           </p:nvSpPr>
           <p:spPr>
             <a:xfrm flipH="1" rot="16242000">
-              <a:off x="-231840" y="1793520"/>
-              <a:ext cx="1068480" cy="766080"/>
+              <a:off x="-231840" y="1793160"/>
+              <a:ext cx="1068120" cy="765720"/>
             </a:xfrm>
             <a:custGeom>
               <a:avLst/>
               <a:gdLst>
-                <a:gd name="textAreaLeft" fmla="*/ 276840 w 1068480"/>
-                <a:gd name="textAreaRight" fmla="*/ 791640 w 1068480"/>
-                <a:gd name="textAreaTop" fmla="*/ 258840 h 766080"/>
-                <a:gd name="textAreaBottom" fmla="*/ 507600 h 766080"/>
+                <a:gd name="textAreaLeft" fmla="*/ 276480 w 1068120"/>
+                <a:gd name="textAreaRight" fmla="*/ 791280 w 1068120"/>
+                <a:gd name="textAreaTop" fmla="*/ 258840 h 765720"/>
+                <a:gd name="textAreaBottom" fmla="*/ 507600 h 765720"/>
               </a:gdLst>
               <a:ahLst/>
               <a:rect l="textAreaLeft" t="textAreaTop" r="textAreaRight" b="textAreaBottom"/>
@@ -25769,16 +25769,16 @@
           </p:nvSpPr>
           <p:spPr>
             <a:xfrm flipH="1" rot="16242000">
-              <a:off x="419760" y="2469600"/>
-              <a:ext cx="1068480" cy="766080"/>
+              <a:off x="419400" y="2469240"/>
+              <a:ext cx="1068120" cy="765720"/>
             </a:xfrm>
             <a:custGeom>
               <a:avLst/>
               <a:gdLst>
-                <a:gd name="textAreaLeft" fmla="*/ 276840 w 1068480"/>
-                <a:gd name="textAreaRight" fmla="*/ 791640 w 1068480"/>
-                <a:gd name="textAreaTop" fmla="*/ 258840 h 766080"/>
-                <a:gd name="textAreaBottom" fmla="*/ 507600 h 766080"/>
+                <a:gd name="textAreaLeft" fmla="*/ 276480 w 1068120"/>
+                <a:gd name="textAreaRight" fmla="*/ 791280 w 1068120"/>
+                <a:gd name="textAreaTop" fmla="*/ 258840 h 765720"/>
+                <a:gd name="textAreaBottom" fmla="*/ 507600 h 765720"/>
               </a:gdLst>
               <a:ahLst/>
               <a:rect l="textAreaLeft" t="textAreaTop" r="textAreaRight" b="textAreaBottom"/>
@@ -26173,16 +26173,16 @@
           </p:nvSpPr>
           <p:spPr>
             <a:xfrm flipH="1">
-              <a:off x="-246600" y="2462040"/>
-              <a:ext cx="1072800" cy="766080"/>
+              <a:off x="-247320" y="2462040"/>
+              <a:ext cx="1072440" cy="765720"/>
             </a:xfrm>
             <a:custGeom>
               <a:avLst/>
               <a:gdLst>
-                <a:gd name="textAreaLeft" fmla="*/ 278640 w 1072800"/>
-                <a:gd name="textAreaRight" fmla="*/ 795240 w 1072800"/>
-                <a:gd name="textAreaTop" fmla="*/ 258840 h 766080"/>
-                <a:gd name="textAreaBottom" fmla="*/ 507600 h 766080"/>
+                <a:gd name="textAreaLeft" fmla="*/ 278640 w 1072440"/>
+                <a:gd name="textAreaRight" fmla="*/ 795240 w 1072440"/>
+                <a:gd name="textAreaTop" fmla="*/ 258840 h 765720"/>
+                <a:gd name="textAreaBottom" fmla="*/ 507600 h 765720"/>
               </a:gdLst>
               <a:ahLst/>
               <a:rect l="textAreaLeft" t="textAreaTop" r="textAreaRight" b="textAreaBottom"/>
@@ -26578,15 +26578,15 @@
           <p:spPr>
             <a:xfrm>
               <a:off x="1107720" y="1135080"/>
-              <a:ext cx="1072800" cy="766080"/>
+              <a:ext cx="1072440" cy="765720"/>
             </a:xfrm>
             <a:custGeom>
               <a:avLst/>
               <a:gdLst>
-                <a:gd name="textAreaLeft" fmla="*/ 278280 w 1072800"/>
-                <a:gd name="textAreaRight" fmla="*/ 794880 w 1072800"/>
-                <a:gd name="textAreaTop" fmla="*/ 258840 h 766080"/>
-                <a:gd name="textAreaBottom" fmla="*/ 507600 h 766080"/>
+                <a:gd name="textAreaLeft" fmla="*/ 278280 w 1072440"/>
+                <a:gd name="textAreaRight" fmla="*/ 794880 w 1072440"/>
+                <a:gd name="textAreaTop" fmla="*/ 258840 h 765720"/>
+                <a:gd name="textAreaBottom" fmla="*/ 507600 h 765720"/>
               </a:gdLst>
               <a:ahLst/>
               <a:rect l="textAreaLeft" t="textAreaTop" r="textAreaRight" b="textAreaBottom"/>
@@ -26981,16 +26981,16 @@
           </p:nvSpPr>
           <p:spPr>
             <a:xfrm rot="5358000">
-              <a:off x="1103400" y="1801440"/>
-              <a:ext cx="1068480" cy="766080"/>
+              <a:off x="1103760" y="1801080"/>
+              <a:ext cx="1068120" cy="765720"/>
             </a:xfrm>
             <a:custGeom>
               <a:avLst/>
               <a:gdLst>
-                <a:gd name="textAreaLeft" fmla="*/ 277200 w 1068480"/>
-                <a:gd name="textAreaRight" fmla="*/ 792000 w 1068480"/>
-                <a:gd name="textAreaTop" fmla="*/ 258840 h 766080"/>
-                <a:gd name="textAreaBottom" fmla="*/ 507600 h 766080"/>
+                <a:gd name="textAreaLeft" fmla="*/ 277200 w 1068120"/>
+                <a:gd name="textAreaRight" fmla="*/ 792000 w 1068120"/>
+                <a:gd name="textAreaTop" fmla="*/ 258840 h 765720"/>
+                <a:gd name="textAreaBottom" fmla="*/ 507600 h 765720"/>
               </a:gdLst>
               <a:ahLst/>
               <a:rect l="textAreaLeft" t="textAreaTop" r="textAreaRight" b="textAreaBottom"/>
@@ -27385,16 +27385,16 @@
           </p:nvSpPr>
           <p:spPr>
             <a:xfrm rot="5358000">
-              <a:off x="414720" y="1142640"/>
-              <a:ext cx="1068480" cy="766080"/>
+              <a:off x="415080" y="1142280"/>
+              <a:ext cx="1068120" cy="765720"/>
             </a:xfrm>
             <a:custGeom>
               <a:avLst/>
               <a:gdLst>
-                <a:gd name="textAreaLeft" fmla="*/ 277200 w 1068480"/>
-                <a:gd name="textAreaRight" fmla="*/ 792000 w 1068480"/>
-                <a:gd name="textAreaTop" fmla="*/ 258840 h 766080"/>
-                <a:gd name="textAreaBottom" fmla="*/ 507600 h 766080"/>
+                <a:gd name="textAreaLeft" fmla="*/ 277200 w 1068120"/>
+                <a:gd name="textAreaRight" fmla="*/ 792000 w 1068120"/>
+                <a:gd name="textAreaTop" fmla="*/ 258840 h 765720"/>
+                <a:gd name="textAreaBottom" fmla="*/ 507600 h 765720"/>
               </a:gdLst>
               <a:ahLst/>
               <a:rect l="textAreaLeft" t="textAreaTop" r="textAreaRight" b="textAreaBottom"/>
@@ -27742,7 +27742,7 @@
             <a:blipFill rotWithShape="0">
               <a:blip r:embed="rId4"/>
               <a:srcRect/>
-              <a:tile tx="0" ty="0" sx="74468" sy="74468" algn="ctr"/>
+              <a:tile tx="0" ty="0" sx="74113" sy="74113" algn="ctr"/>
             </a:blipFill>
             <a:ln w="0">
               <a:solidFill>
@@ -27792,15 +27792,15 @@
           <p:spPr>
             <a:xfrm>
               <a:off x="439200" y="1811160"/>
-              <a:ext cx="1072800" cy="766080"/>
+              <a:ext cx="1072440" cy="765720"/>
             </a:xfrm>
             <a:custGeom>
               <a:avLst/>
               <a:gdLst>
-                <a:gd name="textAreaLeft" fmla="*/ 278280 w 1072800"/>
-                <a:gd name="textAreaRight" fmla="*/ 794880 w 1072800"/>
-                <a:gd name="textAreaTop" fmla="*/ 258840 h 766080"/>
-                <a:gd name="textAreaBottom" fmla="*/ 507600 h 766080"/>
+                <a:gd name="textAreaLeft" fmla="*/ 278280 w 1072440"/>
+                <a:gd name="textAreaRight" fmla="*/ 794880 w 1072440"/>
+                <a:gd name="textAreaTop" fmla="*/ 258840 h 765720"/>
+                <a:gd name="textAreaBottom" fmla="*/ 507600 h 765720"/>
               </a:gdLst>
               <a:ahLst/>
               <a:rect l="textAreaLeft" t="textAreaTop" r="textAreaRight" b="textAreaBottom"/>
@@ -28196,15 +28196,15 @@
           <p:spPr>
             <a:xfrm>
               <a:off x="423720" y="451080"/>
-              <a:ext cx="1072800" cy="766080"/>
+              <a:ext cx="1072440" cy="765720"/>
             </a:xfrm>
             <a:custGeom>
               <a:avLst/>
               <a:gdLst>
-                <a:gd name="textAreaLeft" fmla="*/ 278280 w 1072800"/>
-                <a:gd name="textAreaRight" fmla="*/ 794880 w 1072800"/>
-                <a:gd name="textAreaTop" fmla="*/ 258840 h 766080"/>
-                <a:gd name="textAreaBottom" fmla="*/ 507600 h 766080"/>
+                <a:gd name="textAreaLeft" fmla="*/ 278280 w 1072440"/>
+                <a:gd name="textAreaRight" fmla="*/ 794880 w 1072440"/>
+                <a:gd name="textAreaTop" fmla="*/ 258840 h 765720"/>
+                <a:gd name="textAreaBottom" fmla="*/ 507600 h 765720"/>
               </a:gdLst>
               <a:ahLst/>
               <a:rect l="textAreaLeft" t="textAreaTop" r="textAreaRight" b="textAreaBottom"/>
@@ -28599,16 +28599,16 @@
           </p:nvSpPr>
           <p:spPr>
             <a:xfrm rot="5358000">
-              <a:off x="-245880" y="438480"/>
-              <a:ext cx="1068480" cy="766080"/>
+              <a:off x="-245160" y="438120"/>
+              <a:ext cx="1068120" cy="765720"/>
             </a:xfrm>
             <a:custGeom>
               <a:avLst/>
               <a:gdLst>
-                <a:gd name="textAreaLeft" fmla="*/ 277200 w 1068480"/>
-                <a:gd name="textAreaRight" fmla="*/ 792000 w 1068480"/>
-                <a:gd name="textAreaTop" fmla="*/ 258840 h 766080"/>
-                <a:gd name="textAreaBottom" fmla="*/ 507600 h 766080"/>
+                <a:gd name="textAreaLeft" fmla="*/ 277200 w 1068120"/>
+                <a:gd name="textAreaRight" fmla="*/ 792000 w 1068120"/>
+                <a:gd name="textAreaTop" fmla="*/ 258840 h 765720"/>
+                <a:gd name="textAreaBottom" fmla="*/ 507600 h 765720"/>
               </a:gdLst>
               <a:ahLst/>
               <a:rect l="textAreaLeft" t="textAreaTop" r="textAreaRight" b="textAreaBottom"/>
@@ -29003,16 +29003,16 @@
           </p:nvSpPr>
           <p:spPr>
             <a:xfrm rot="5358000">
-              <a:off x="435240" y="-246240"/>
-              <a:ext cx="1068480" cy="766080"/>
+              <a:off x="435600" y="-246240"/>
+              <a:ext cx="1068120" cy="765720"/>
             </a:xfrm>
             <a:custGeom>
               <a:avLst/>
               <a:gdLst>
-                <a:gd name="textAreaLeft" fmla="*/ 277200 w 1068480"/>
-                <a:gd name="textAreaRight" fmla="*/ 792000 w 1068480"/>
-                <a:gd name="textAreaTop" fmla="*/ 258840 h 766080"/>
-                <a:gd name="textAreaBottom" fmla="*/ 507600 h 766080"/>
+                <a:gd name="textAreaLeft" fmla="*/ 277200 w 1068120"/>
+                <a:gd name="textAreaRight" fmla="*/ 792000 w 1068120"/>
+                <a:gd name="textAreaTop" fmla="*/ 258840 h 765720"/>
+                <a:gd name="textAreaBottom" fmla="*/ 507600 h 765720"/>
               </a:gdLst>
               <a:ahLst/>
               <a:rect l="textAreaLeft" t="textAreaTop" r="textAreaRight" b="textAreaBottom"/>
@@ -29408,15 +29408,15 @@
           <p:spPr>
             <a:xfrm>
               <a:off x="1779480" y="1794600"/>
-              <a:ext cx="1072800" cy="766080"/>
+              <a:ext cx="1072440" cy="765720"/>
             </a:xfrm>
             <a:custGeom>
               <a:avLst/>
               <a:gdLst>
-                <a:gd name="textAreaLeft" fmla="*/ 278280 w 1072800"/>
-                <a:gd name="textAreaRight" fmla="*/ 794880 w 1072800"/>
-                <a:gd name="textAreaTop" fmla="*/ 258840 h 766080"/>
-                <a:gd name="textAreaBottom" fmla="*/ 507600 h 766080"/>
+                <a:gd name="textAreaLeft" fmla="*/ 278280 w 1072440"/>
+                <a:gd name="textAreaRight" fmla="*/ 794880 w 1072440"/>
+                <a:gd name="textAreaTop" fmla="*/ 258840 h 765720"/>
+                <a:gd name="textAreaBottom" fmla="*/ 507600 h 765720"/>
               </a:gdLst>
               <a:ahLst/>
               <a:rect l="textAreaLeft" t="textAreaTop" r="textAreaRight" b="textAreaBottom"/>
@@ -29812,15 +29812,15 @@
           <p:spPr>
             <a:xfrm>
               <a:off x="1106280" y="-257040"/>
-              <a:ext cx="1072800" cy="766080"/>
+              <a:ext cx="1072440" cy="765720"/>
             </a:xfrm>
             <a:custGeom>
               <a:avLst/>
               <a:gdLst>
-                <a:gd name="textAreaLeft" fmla="*/ 278280 w 1072800"/>
-                <a:gd name="textAreaRight" fmla="*/ 794880 w 1072800"/>
-                <a:gd name="textAreaTop" fmla="*/ 258840 h 766080"/>
-                <a:gd name="textAreaBottom" fmla="*/ 507600 h 766080"/>
+                <a:gd name="textAreaLeft" fmla="*/ 278280 w 1072440"/>
+                <a:gd name="textAreaRight" fmla="*/ 794880 w 1072440"/>
+                <a:gd name="textAreaTop" fmla="*/ 258840 h 765720"/>
+                <a:gd name="textAreaBottom" fmla="*/ 507600 h 765720"/>
               </a:gdLst>
               <a:ahLst/>
               <a:rect l="textAreaLeft" t="textAreaTop" r="textAreaRight" b="textAreaBottom"/>
@@ -30168,7 +30168,7 @@
             <a:blipFill rotWithShape="0">
               <a:blip r:embed="rId5"/>
               <a:srcRect/>
-              <a:tile tx="0" ty="0" sx="74468" sy="74468" algn="ctr"/>
+              <a:tile tx="0" ty="0" sx="74113" sy="74113" algn="ctr"/>
             </a:blipFill>
             <a:ln w="0">
               <a:solidFill>
@@ -30218,15 +30218,15 @@
           <p:spPr>
             <a:xfrm>
               <a:off x="-908280" y="1790640"/>
-              <a:ext cx="1072800" cy="766080"/>
+              <a:ext cx="1072440" cy="765720"/>
             </a:xfrm>
             <a:custGeom>
               <a:avLst/>
               <a:gdLst>
-                <a:gd name="textAreaLeft" fmla="*/ 278280 w 1072800"/>
-                <a:gd name="textAreaRight" fmla="*/ 794880 w 1072800"/>
-                <a:gd name="textAreaTop" fmla="*/ 258840 h 766080"/>
-                <a:gd name="textAreaBottom" fmla="*/ 507600 h 766080"/>
+                <a:gd name="textAreaLeft" fmla="*/ 278280 w 1072440"/>
+                <a:gd name="textAreaRight" fmla="*/ 794880 w 1072440"/>
+                <a:gd name="textAreaTop" fmla="*/ 258840 h 765720"/>
+                <a:gd name="textAreaBottom" fmla="*/ 507600 h 765720"/>
               </a:gdLst>
               <a:ahLst/>
               <a:rect l="textAreaLeft" t="textAreaTop" r="textAreaRight" b="textAreaBottom"/>
@@ -30574,7 +30574,7 @@
             <a:blipFill rotWithShape="0">
               <a:blip r:embed="rId6"/>
               <a:srcRect/>
-              <a:tile tx="0" ty="0" sx="74468" sy="74468" algn="ctr"/>
+              <a:tile tx="0" ty="0" sx="74113" sy="74113" algn="ctr"/>
             </a:blipFill>
             <a:ln w="0">
               <a:solidFill>
@@ -30623,16 +30623,16 @@
           </p:nvSpPr>
           <p:spPr>
             <a:xfrm rot="5358000">
-              <a:off x="-245160" y="5824800"/>
-              <a:ext cx="1068480" cy="766080"/>
+              <a:off x="-244440" y="5824440"/>
+              <a:ext cx="1068120" cy="765720"/>
             </a:xfrm>
             <a:custGeom>
               <a:avLst/>
               <a:gdLst>
-                <a:gd name="textAreaLeft" fmla="*/ 277200 w 1068480"/>
-                <a:gd name="textAreaRight" fmla="*/ 792000 w 1068480"/>
-                <a:gd name="textAreaTop" fmla="*/ 258840 h 766080"/>
-                <a:gd name="textAreaBottom" fmla="*/ 507600 h 766080"/>
+                <a:gd name="textAreaLeft" fmla="*/ 277200 w 1068120"/>
+                <a:gd name="textAreaRight" fmla="*/ 792000 w 1068120"/>
+                <a:gd name="textAreaTop" fmla="*/ 258840 h 765720"/>
+                <a:gd name="textAreaBottom" fmla="*/ 507600 h 765720"/>
               </a:gdLst>
               <a:ahLst/>
               <a:rect l="textAreaLeft" t="textAreaTop" r="textAreaRight" b="textAreaBottom"/>
@@ -31028,15 +31028,15 @@
           <p:spPr>
             <a:xfrm>
               <a:off x="427320" y="5853960"/>
-              <a:ext cx="1072800" cy="766080"/>
+              <a:ext cx="1072440" cy="765720"/>
             </a:xfrm>
             <a:custGeom>
               <a:avLst/>
               <a:gdLst>
-                <a:gd name="textAreaLeft" fmla="*/ 278280 w 1072800"/>
-                <a:gd name="textAreaRight" fmla="*/ 794880 w 1072800"/>
-                <a:gd name="textAreaTop" fmla="*/ 258840 h 766080"/>
-                <a:gd name="textAreaBottom" fmla="*/ 507600 h 766080"/>
+                <a:gd name="textAreaLeft" fmla="*/ 278280 w 1072440"/>
+                <a:gd name="textAreaRight" fmla="*/ 794880 w 1072440"/>
+                <a:gd name="textAreaTop" fmla="*/ 258840 h 765720"/>
+                <a:gd name="textAreaBottom" fmla="*/ 507600 h 765720"/>
               </a:gdLst>
               <a:ahLst/>
               <a:rect l="textAreaLeft" t="textAreaTop" r="textAreaRight" b="textAreaBottom"/>
@@ -31384,7 +31384,7 @@
             <a:blipFill rotWithShape="0">
               <a:blip r:embed="rId7"/>
               <a:srcRect/>
-              <a:tile tx="0" ty="0" sx="74468" sy="74468" algn="ctr"/>
+              <a:tile tx="0" ty="0" sx="74113" sy="74113" algn="ctr"/>
             </a:blipFill>
             <a:ln w="0">
               <a:solidFill>
@@ -31434,15 +31434,15 @@
           <p:spPr>
             <a:xfrm>
               <a:off x="-236880" y="6494040"/>
-              <a:ext cx="1072800" cy="766080"/>
+              <a:ext cx="1072440" cy="765720"/>
             </a:xfrm>
             <a:custGeom>
               <a:avLst/>
               <a:gdLst>
-                <a:gd name="textAreaLeft" fmla="*/ 278280 w 1072800"/>
-                <a:gd name="textAreaRight" fmla="*/ 794880 w 1072800"/>
-                <a:gd name="textAreaTop" fmla="*/ 258840 h 766080"/>
-                <a:gd name="textAreaBottom" fmla="*/ 507600 h 766080"/>
+                <a:gd name="textAreaLeft" fmla="*/ 278280 w 1072440"/>
+                <a:gd name="textAreaRight" fmla="*/ 794880 w 1072440"/>
+                <a:gd name="textAreaTop" fmla="*/ 258840 h 765720"/>
+                <a:gd name="textAreaBottom" fmla="*/ 507600 h 765720"/>
               </a:gdLst>
               <a:ahLst/>
               <a:rect l="textAreaLeft" t="textAreaTop" r="textAreaRight" b="textAreaBottom"/>
@@ -31837,16 +31837,16 @@
           </p:nvSpPr>
           <p:spPr>
             <a:xfrm rot="5358000">
-              <a:off x="-929160" y="6501600"/>
-              <a:ext cx="1068480" cy="766080"/>
+              <a:off x="-928440" y="6501240"/>
+              <a:ext cx="1068120" cy="765720"/>
             </a:xfrm>
             <a:custGeom>
               <a:avLst/>
               <a:gdLst>
-                <a:gd name="textAreaLeft" fmla="*/ 277200 w 1068480"/>
-                <a:gd name="textAreaRight" fmla="*/ 792000 w 1068480"/>
-                <a:gd name="textAreaTop" fmla="*/ 258840 h 766080"/>
-                <a:gd name="textAreaBottom" fmla="*/ 507600 h 766080"/>
+                <a:gd name="textAreaLeft" fmla="*/ 277200 w 1068120"/>
+                <a:gd name="textAreaRight" fmla="*/ 792000 w 1068120"/>
+                <a:gd name="textAreaTop" fmla="*/ 258840 h 765720"/>
+                <a:gd name="textAreaBottom" fmla="*/ 507600 h 765720"/>
               </a:gdLst>
               <a:ahLst/>
               <a:rect l="textAreaLeft" t="textAreaTop" r="textAreaRight" b="textAreaBottom"/>
@@ -32241,16 +32241,16 @@
           </p:nvSpPr>
           <p:spPr>
             <a:xfrm rot="5358000">
-              <a:off x="-246240" y="7197120"/>
-              <a:ext cx="1068120" cy="766080"/>
+              <a:off x="-245880" y="7197120"/>
+              <a:ext cx="1067760" cy="765720"/>
             </a:xfrm>
             <a:custGeom>
               <a:avLst/>
               <a:gdLst>
-                <a:gd name="textAreaLeft" fmla="*/ 276840 w 1068120"/>
-                <a:gd name="textAreaRight" fmla="*/ 791640 w 1068120"/>
-                <a:gd name="textAreaTop" fmla="*/ 258840 h 766080"/>
-                <a:gd name="textAreaBottom" fmla="*/ 507600 h 766080"/>
+                <a:gd name="textAreaLeft" fmla="*/ 276840 w 1067760"/>
+                <a:gd name="textAreaRight" fmla="*/ 791640 w 1067760"/>
+                <a:gd name="textAreaTop" fmla="*/ 258840 h 765720"/>
+                <a:gd name="textAreaBottom" fmla="*/ 507600 h 765720"/>
               </a:gdLst>
               <a:ahLst/>
               <a:rect l="textAreaLeft" t="textAreaTop" r="textAreaRight" b="textAreaBottom"/>
@@ -32645,16 +32645,16 @@
           </p:nvSpPr>
           <p:spPr>
             <a:xfrm rot="5358000">
-              <a:off x="426960" y="6518160"/>
-              <a:ext cx="1068480" cy="766080"/>
+              <a:off x="427320" y="6517800"/>
+              <a:ext cx="1068120" cy="765720"/>
             </a:xfrm>
             <a:custGeom>
               <a:avLst/>
               <a:gdLst>
-                <a:gd name="textAreaLeft" fmla="*/ 277200 w 1068480"/>
-                <a:gd name="textAreaRight" fmla="*/ 792000 w 1068480"/>
-                <a:gd name="textAreaTop" fmla="*/ 258840 h 766080"/>
-                <a:gd name="textAreaBottom" fmla="*/ 507600 h 766080"/>
+                <a:gd name="textAreaLeft" fmla="*/ 277200 w 1068120"/>
+                <a:gd name="textAreaRight" fmla="*/ 792000 w 1068120"/>
+                <a:gd name="textAreaTop" fmla="*/ 258840 h 765720"/>
+                <a:gd name="textAreaBottom" fmla="*/ 507600 h 765720"/>
               </a:gdLst>
               <a:ahLst/>
               <a:rect l="textAreaLeft" t="textAreaTop" r="textAreaRight" b="textAreaBottom"/>
@@ -33050,15 +33050,15 @@
           <p:spPr>
             <a:xfrm>
               <a:off x="1103400" y="6530040"/>
-              <a:ext cx="1072800" cy="766080"/>
+              <a:ext cx="1072440" cy="765720"/>
             </a:xfrm>
             <a:custGeom>
               <a:avLst/>
               <a:gdLst>
-                <a:gd name="textAreaLeft" fmla="*/ 278280 w 1072800"/>
-                <a:gd name="textAreaRight" fmla="*/ 794880 w 1072800"/>
-                <a:gd name="textAreaTop" fmla="*/ 258840 h 766080"/>
-                <a:gd name="textAreaBottom" fmla="*/ 507600 h 766080"/>
+                <a:gd name="textAreaLeft" fmla="*/ 278280 w 1072440"/>
+                <a:gd name="textAreaRight" fmla="*/ 794880 w 1072440"/>
+                <a:gd name="textAreaTop" fmla="*/ 258840 h 765720"/>
+                <a:gd name="textAreaBottom" fmla="*/ 507600 h 765720"/>
               </a:gdLst>
               <a:ahLst/>
               <a:rect l="textAreaLeft" t="textAreaTop" r="textAreaRight" b="textAreaBottom"/>
@@ -33455,15 +33455,15 @@
         <p:spPr>
           <a:xfrm>
             <a:off x="8538120" y="3877200"/>
-            <a:ext cx="975600" cy="1371240"/>
+            <a:ext cx="975240" cy="1370880"/>
           </a:xfrm>
           <a:custGeom>
             <a:avLst/>
             <a:gdLst>
-              <a:gd name="textAreaLeft" fmla="*/ 0 w 975600"/>
-              <a:gd name="textAreaRight" fmla="*/ 975960 w 975600"/>
-              <a:gd name="textAreaTop" fmla="*/ 0 h 1371240"/>
-              <a:gd name="textAreaBottom" fmla="*/ 1371600 h 1371240"/>
+              <a:gd name="textAreaLeft" fmla="*/ 0 w 975240"/>
+              <a:gd name="textAreaRight" fmla="*/ 975960 w 975240"/>
+              <a:gd name="textAreaTop" fmla="*/ 0 h 1370880"/>
+              <a:gd name="textAreaBottom" fmla="*/ 1371600 h 1370880"/>
             </a:gdLst>
             <a:ahLst/>
             <a:rect l="textAreaLeft" t="textAreaTop" r="textAreaRight" b="textAreaBottom"/>
@@ -33524,6 +33524,7 @@
                 <a:srgbClr val="000000"/>
               </a:solidFill>
               <a:latin typeface="Noto Sans"/>
+              <a:ea typeface="DejaVu Sans"/>
             </a:endParaRPr>
           </a:p>
         </p:txBody>
@@ -33537,7 +33538,7 @@
         <p:spPr>
           <a:xfrm>
             <a:off x="7372080" y="4974480"/>
-            <a:ext cx="1684440" cy="1645560"/>
+            <a:ext cx="1684080" cy="1645200"/>
           </a:xfrm>
           <a:prstGeom prst="ellipse">
             <a:avLst/>
@@ -33586,7 +33587,7 @@
         <p:spPr>
           <a:xfrm>
             <a:off x="7868160" y="-329040"/>
-            <a:ext cx="2011320" cy="2011320"/>
+            <a:ext cx="2010960" cy="2010960"/>
           </a:xfrm>
           <a:prstGeom prst="ellipse">
             <a:avLst/>
@@ -33639,7 +33640,7 @@
         <p:spPr>
           <a:xfrm>
             <a:off x="3442680" y="5166000"/>
-            <a:ext cx="3194640" cy="390240"/>
+            <a:ext cx="3194280" cy="389880"/>
           </a:xfrm>
           <a:prstGeom prst="rect">
             <a:avLst/>
@@ -33711,7 +33712,7 @@
         <p:spPr>
           <a:xfrm>
             <a:off x="7227360" y="5166000"/>
-            <a:ext cx="2347920" cy="390240"/>
+            <a:ext cx="2347560" cy="389880"/>
           </a:xfrm>
           <a:prstGeom prst="rect">
             <a:avLst/>
@@ -33752,7 +33753,7 @@
                 <a:tab algn="l" pos="0"/>
               </a:tabLst>
             </a:pPr>
-            <a:fld id="{BA0F9EBE-0FDF-43DD-A176-D48DCBE924C0}" type="slidenum">
+            <a:fld id="{BD673844-C99E-4B9E-9DCC-9E8DB0206A3D}" type="slidenum">
               <a:rPr b="0" lang="en-US" sz="1400" spc="-1" strike="noStrike">
                 <a:solidFill>
                   <a:srgbClr val="000000"/>
@@ -33783,7 +33784,7 @@
         <p:spPr>
           <a:xfrm>
             <a:off x="468000" y="5166000"/>
-            <a:ext cx="2347920" cy="390240"/>
+            <a:ext cx="2347560" cy="389880"/>
           </a:xfrm>
           <a:prstGeom prst="rect">
             <a:avLst/>
@@ -34139,7 +34140,7 @@
         <p:spPr>
           <a:xfrm>
             <a:off x="8266320" y="4115520"/>
-            <a:ext cx="1919880" cy="1919880"/>
+            <a:ext cx="1919520" cy="1919520"/>
           </a:xfrm>
           <a:prstGeom prst="ellipse">
             <a:avLst/>
@@ -34188,7 +34189,7 @@
         <p:spPr>
           <a:xfrm>
             <a:off x="7717680" y="-548280"/>
-            <a:ext cx="1919880" cy="1919880"/>
+            <a:ext cx="1919520" cy="1919520"/>
           </a:xfrm>
           <a:prstGeom prst="ellipse">
             <a:avLst/>
@@ -34236,10 +34237,10 @@
         </p:nvGrpSpPr>
         <p:grpSpPr>
           <a:xfrm>
-            <a:off x="-147240" y="-295920"/>
-            <a:ext cx="915120" cy="1280520"/>
-            <a:chOff x="-147240" y="-295920"/>
-            <a:chExt cx="915120" cy="1280520"/>
+            <a:off x="-146880" y="-295560"/>
+            <a:ext cx="914400" cy="1279800"/>
+            <a:chOff x="-146880" y="-295560"/>
+            <a:chExt cx="914400" cy="1279800"/>
           </a:xfrm>
         </p:grpSpPr>
         <p:sp>
@@ -34250,8 +34251,8 @@
           </p:nvSpPr>
           <p:spPr>
             <a:xfrm flipV="1" rot="5395800">
-              <a:off x="219240" y="801360"/>
-              <a:ext cx="182520" cy="182520"/>
+              <a:off x="219240" y="801000"/>
+              <a:ext cx="182160" cy="182160"/>
             </a:xfrm>
             <a:prstGeom prst="ellipse">
               <a:avLst/>
@@ -34259,7 +34260,7 @@
             <a:blipFill rotWithShape="0">
               <a:blip r:embed="rId2"/>
               <a:srcRect/>
-              <a:tile tx="0" ty="0" sx="74468" sy="74468" algn="ctr"/>
+              <a:tile tx="0" ty="0" sx="74113" sy="74113" algn="ctr"/>
             </a:blipFill>
             <a:ln w="0">
               <a:noFill/>
@@ -34306,8 +34307,8 @@
           </p:nvSpPr>
           <p:spPr>
             <a:xfrm flipV="1" rot="5395800">
-              <a:off x="218880" y="435600"/>
-              <a:ext cx="182520" cy="182520"/>
+              <a:off x="218880" y="435240"/>
+              <a:ext cx="182160" cy="182160"/>
             </a:xfrm>
             <a:prstGeom prst="ellipse">
               <a:avLst/>
@@ -34315,7 +34316,7 @@
             <a:blipFill rotWithShape="0">
               <a:blip r:embed="rId3"/>
               <a:srcRect/>
-              <a:tile tx="0" ty="0" sx="74468" sy="74468" algn="ctr"/>
+              <a:tile tx="0" ty="0" sx="74113" sy="74113" algn="ctr"/>
             </a:blipFill>
             <a:ln w="0">
               <a:noFill/>
@@ -34362,8 +34363,8 @@
           </p:nvSpPr>
           <p:spPr>
             <a:xfrm flipV="1" rot="5395800">
-              <a:off x="218520" y="70200"/>
-              <a:ext cx="182520" cy="182520"/>
+              <a:off x="218520" y="69840"/>
+              <a:ext cx="182160" cy="182160"/>
             </a:xfrm>
             <a:prstGeom prst="ellipse">
               <a:avLst/>
@@ -34371,7 +34372,7 @@
             <a:blipFill rotWithShape="0">
               <a:blip r:embed="rId4"/>
               <a:srcRect/>
-              <a:tile tx="0" ty="0" sx="74468" sy="74468" algn="ctr"/>
+              <a:tile tx="0" ty="0" sx="74113" sy="74113" algn="ctr"/>
             </a:blipFill>
             <a:ln w="0">
               <a:noFill/>
@@ -34419,7 +34420,7 @@
           <p:spPr>
             <a:xfrm flipV="1" rot="5395800">
               <a:off x="217800" y="-295200"/>
-              <a:ext cx="182520" cy="182520"/>
+              <a:ext cx="182160" cy="182160"/>
             </a:xfrm>
             <a:prstGeom prst="ellipse">
               <a:avLst/>
@@ -34427,7 +34428,7 @@
             <a:blipFill rotWithShape="0">
               <a:blip r:embed="rId5"/>
               <a:srcRect/>
-              <a:tile tx="0" ty="0" sx="74468" sy="74468" algn="ctr"/>
+              <a:tile tx="0" ty="0" sx="74113" sy="74113" algn="ctr"/>
             </a:blipFill>
             <a:ln w="0">
               <a:noFill/>
@@ -34475,7 +34476,7 @@
           <p:spPr>
             <a:xfrm flipV="1" rot="5395800">
               <a:off x="583920" y="-295560"/>
-              <a:ext cx="182520" cy="182520"/>
+              <a:ext cx="182160" cy="182160"/>
             </a:xfrm>
             <a:prstGeom prst="ellipse">
               <a:avLst/>
@@ -34483,7 +34484,7 @@
             <a:blipFill rotWithShape="0">
               <a:blip r:embed="rId6"/>
               <a:srcRect/>
-              <a:tile tx="0" ty="0" sx="74468" sy="74468" algn="ctr"/>
+              <a:tile tx="0" ty="0" sx="74113" sy="74113" algn="ctr"/>
             </a:blipFill>
             <a:ln w="0">
               <a:noFill/>
@@ -34530,8 +34531,8 @@
           </p:nvSpPr>
           <p:spPr>
             <a:xfrm flipV="1" rot="5395800">
-              <a:off x="584280" y="69480"/>
-              <a:ext cx="182520" cy="182520"/>
+              <a:off x="584280" y="69120"/>
+              <a:ext cx="182160" cy="182160"/>
             </a:xfrm>
             <a:prstGeom prst="ellipse">
               <a:avLst/>
@@ -34539,7 +34540,7 @@
             <a:blipFill rotWithShape="0">
               <a:blip r:embed="rId7"/>
               <a:srcRect/>
-              <a:tile tx="0" ty="0" sx="74468" sy="74468" algn="ctr"/>
+              <a:tile tx="0" ty="0" sx="74113" sy="74113" algn="ctr"/>
             </a:blipFill>
             <a:ln w="0">
               <a:noFill/>
@@ -34586,8 +34587,8 @@
           </p:nvSpPr>
           <p:spPr>
             <a:xfrm flipV="1" rot="5395800">
-              <a:off x="584280" y="435240"/>
-              <a:ext cx="182520" cy="182520"/>
+              <a:off x="584280" y="434880"/>
+              <a:ext cx="182160" cy="182160"/>
             </a:xfrm>
             <a:prstGeom prst="ellipse">
               <a:avLst/>
@@ -34595,7 +34596,7 @@
             <a:blipFill rotWithShape="0">
               <a:blip r:embed="rId8"/>
               <a:srcRect/>
-              <a:tile tx="0" ty="0" sx="74468" sy="74468" algn="ctr"/>
+              <a:tile tx="0" ty="0" sx="74113" sy="74113" algn="ctr"/>
             </a:blipFill>
             <a:ln w="0">
               <a:noFill/>
@@ -34642,8 +34643,8 @@
           </p:nvSpPr>
           <p:spPr>
             <a:xfrm flipV="1" rot="5395800">
-              <a:off x="585000" y="801360"/>
-              <a:ext cx="182520" cy="182520"/>
+              <a:off x="585000" y="801000"/>
+              <a:ext cx="182160" cy="182160"/>
             </a:xfrm>
             <a:prstGeom prst="ellipse">
               <a:avLst/>
@@ -34651,7 +34652,7 @@
             <a:blipFill rotWithShape="0">
               <a:blip r:embed="rId9"/>
               <a:srcRect/>
-              <a:tile tx="0" ty="0" sx="74468" sy="74468" algn="ctr"/>
+              <a:tile tx="0" ty="0" sx="74113" sy="74113" algn="ctr"/>
             </a:blipFill>
             <a:ln w="0">
               <a:noFill/>
@@ -34698,8 +34699,8 @@
           </p:nvSpPr>
           <p:spPr>
             <a:xfrm flipV="1" rot="5395800">
-              <a:off x="-145800" y="801720"/>
-              <a:ext cx="182520" cy="182520"/>
+              <a:off x="-145440" y="801360"/>
+              <a:ext cx="182160" cy="182160"/>
             </a:xfrm>
             <a:prstGeom prst="ellipse">
               <a:avLst/>
@@ -34707,7 +34708,7 @@
             <a:blipFill rotWithShape="0">
               <a:blip r:embed="rId10"/>
               <a:srcRect/>
-              <a:tile tx="0" ty="0" sx="74468" sy="74468" algn="ctr"/>
+              <a:tile tx="0" ty="0" sx="74113" sy="74113" algn="ctr"/>
             </a:blipFill>
             <a:ln w="0">
               <a:noFill/>
@@ -34754,8 +34755,8 @@
           </p:nvSpPr>
           <p:spPr>
             <a:xfrm flipV="1" rot="5395800">
-              <a:off x="-146520" y="436320"/>
-              <a:ext cx="182520" cy="182520"/>
+              <a:off x="-146160" y="435960"/>
+              <a:ext cx="182160" cy="182160"/>
             </a:xfrm>
             <a:prstGeom prst="ellipse">
               <a:avLst/>
@@ -34763,7 +34764,7 @@
             <a:blipFill rotWithShape="0">
               <a:blip r:embed="rId11"/>
               <a:srcRect/>
-              <a:tile tx="0" ty="0" sx="74468" sy="74468" algn="ctr"/>
+              <a:tile tx="0" ty="0" sx="74113" sy="74113" algn="ctr"/>
             </a:blipFill>
             <a:ln w="0">
               <a:noFill/>
@@ -34810,8 +34811,8 @@
           </p:nvSpPr>
           <p:spPr>
             <a:xfrm flipV="1" rot="5395800">
-              <a:off x="-146520" y="70200"/>
-              <a:ext cx="182520" cy="182520"/>
+              <a:off x="-146160" y="69840"/>
+              <a:ext cx="182160" cy="182160"/>
             </a:xfrm>
             <a:prstGeom prst="ellipse">
               <a:avLst/>
@@ -34819,7 +34820,7 @@
             <a:blipFill rotWithShape="0">
               <a:blip r:embed="rId12"/>
               <a:srcRect/>
-              <a:tile tx="0" ty="0" sx="74468" sy="74468" algn="ctr"/>
+              <a:tile tx="0" ty="0" sx="74113" sy="74113" algn="ctr"/>
             </a:blipFill>
             <a:ln w="0">
               <a:noFill/>
@@ -34866,8 +34867,8 @@
           </p:nvSpPr>
           <p:spPr>
             <a:xfrm flipV="1" rot="5395800">
-              <a:off x="-146880" y="-294840"/>
-              <a:ext cx="182520" cy="182520"/>
+              <a:off x="-146520" y="-294840"/>
+              <a:ext cx="182160" cy="182160"/>
             </a:xfrm>
             <a:prstGeom prst="ellipse">
               <a:avLst/>
@@ -34875,7 +34876,7 @@
             <a:blipFill rotWithShape="0">
               <a:blip r:embed="rId13"/>
               <a:srcRect/>
-              <a:tile tx="0" ty="0" sx="74468" sy="74468" algn="ctr"/>
+              <a:tile tx="0" ty="0" sx="74113" sy="74113" algn="ctr"/>
             </a:blipFill>
             <a:ln w="0">
               <a:noFill/>
@@ -34924,9 +34925,9 @@
         <p:grpSpPr>
           <a:xfrm>
             <a:off x="9545040" y="4645800"/>
-            <a:ext cx="915480" cy="1280880"/>
+            <a:ext cx="915120" cy="1280520"/>
             <a:chOff x="9545040" y="4645800"/>
-            <a:chExt cx="915480" cy="1280880"/>
+            <a:chExt cx="915120" cy="1280520"/>
           </a:xfrm>
         </p:grpSpPr>
         <p:sp>
@@ -34937,8 +34938,8 @@
           </p:nvSpPr>
           <p:spPr>
             <a:xfrm flipV="1" rot="5395800">
-              <a:off x="9911880" y="5743440"/>
-              <a:ext cx="182520" cy="182520"/>
+              <a:off x="9911880" y="5743080"/>
+              <a:ext cx="182160" cy="182160"/>
             </a:xfrm>
             <a:prstGeom prst="ellipse">
               <a:avLst/>
@@ -34946,7 +34947,7 @@
             <a:blipFill rotWithShape="0">
               <a:blip r:embed="rId14"/>
               <a:srcRect/>
-              <a:tile tx="0" ty="0" sx="74468" sy="74468" algn="ctr"/>
+              <a:tile tx="0" ty="0" sx="74113" sy="74113" algn="ctr"/>
             </a:blipFill>
             <a:ln w="0">
               <a:noFill/>
@@ -34993,8 +34994,8 @@
           </p:nvSpPr>
           <p:spPr>
             <a:xfrm flipV="1" rot="5395800">
-              <a:off x="9911520" y="5377680"/>
-              <a:ext cx="182520" cy="182520"/>
+              <a:off x="9911520" y="5377320"/>
+              <a:ext cx="182160" cy="182160"/>
             </a:xfrm>
             <a:prstGeom prst="ellipse">
               <a:avLst/>
@@ -35002,7 +35003,7 @@
             <a:blipFill rotWithShape="0">
               <a:blip r:embed="rId15"/>
               <a:srcRect/>
-              <a:tile tx="0" ty="0" sx="74468" sy="74468" algn="ctr"/>
+              <a:tile tx="0" ty="0" sx="74113" sy="74113" algn="ctr"/>
             </a:blipFill>
             <a:ln w="0">
               <a:noFill/>
@@ -35049,8 +35050,8 @@
           </p:nvSpPr>
           <p:spPr>
             <a:xfrm flipV="1" rot="5395800">
-              <a:off x="9911160" y="5012280"/>
-              <a:ext cx="182520" cy="182520"/>
+              <a:off x="9911160" y="5011920"/>
+              <a:ext cx="182160" cy="182160"/>
             </a:xfrm>
             <a:prstGeom prst="ellipse">
               <a:avLst/>
@@ -35058,7 +35059,7 @@
             <a:blipFill rotWithShape="0">
               <a:blip r:embed="rId16"/>
               <a:srcRect/>
-              <a:tile tx="0" ty="0" sx="74468" sy="74468" algn="ctr"/>
+              <a:tile tx="0" ty="0" sx="74113" sy="74113" algn="ctr"/>
             </a:blipFill>
             <a:ln w="0">
               <a:noFill/>
@@ -35105,8 +35106,8 @@
           </p:nvSpPr>
           <p:spPr>
             <a:xfrm flipV="1" rot="5395800">
-              <a:off x="9910440" y="4646160"/>
-              <a:ext cx="182520" cy="182520"/>
+              <a:off x="9910440" y="4645800"/>
+              <a:ext cx="182160" cy="182160"/>
             </a:xfrm>
             <a:prstGeom prst="ellipse">
               <a:avLst/>
@@ -35114,7 +35115,7 @@
             <a:blipFill rotWithShape="0">
               <a:blip r:embed="rId17"/>
               <a:srcRect/>
-              <a:tile tx="0" ty="0" sx="74468" sy="74468" algn="ctr"/>
+              <a:tile tx="0" ty="0" sx="74113" sy="74113" algn="ctr"/>
             </a:blipFill>
             <a:ln w="0">
               <a:noFill/>
@@ -35161,8 +35162,8 @@
           </p:nvSpPr>
           <p:spPr>
             <a:xfrm flipV="1" rot="5395800">
-              <a:off x="10276560" y="4645800"/>
-              <a:ext cx="182520" cy="182520"/>
+              <a:off x="10276560" y="4645440"/>
+              <a:ext cx="182160" cy="182160"/>
             </a:xfrm>
             <a:prstGeom prst="ellipse">
               <a:avLst/>
@@ -35170,7 +35171,7 @@
             <a:blipFill rotWithShape="0">
               <a:blip r:embed="rId18"/>
               <a:srcRect/>
-              <a:tile tx="0" ty="0" sx="74468" sy="74468" algn="ctr"/>
+              <a:tile tx="0" ty="0" sx="74113" sy="74113" algn="ctr"/>
             </a:blipFill>
             <a:ln w="0">
               <a:noFill/>
@@ -35217,8 +35218,8 @@
           </p:nvSpPr>
           <p:spPr>
             <a:xfrm flipV="1" rot="5395800">
-              <a:off x="10276920" y="5011560"/>
-              <a:ext cx="182520" cy="182520"/>
+              <a:off x="10276920" y="5011200"/>
+              <a:ext cx="182160" cy="182160"/>
             </a:xfrm>
             <a:prstGeom prst="ellipse">
               <a:avLst/>
@@ -35226,7 +35227,7 @@
             <a:blipFill rotWithShape="0">
               <a:blip r:embed="rId19"/>
               <a:srcRect/>
-              <a:tile tx="0" ty="0" sx="74468" sy="74468" algn="ctr"/>
+              <a:tile tx="0" ty="0" sx="74113" sy="74113" algn="ctr"/>
             </a:blipFill>
             <a:ln w="0">
               <a:noFill/>
@@ -35273,8 +35274,8 @@
           </p:nvSpPr>
           <p:spPr>
             <a:xfrm flipV="1" rot="5395800">
-              <a:off x="10276920" y="5377320"/>
-              <a:ext cx="182520" cy="182520"/>
+              <a:off x="10276920" y="5376960"/>
+              <a:ext cx="182160" cy="182160"/>
             </a:xfrm>
             <a:prstGeom prst="ellipse">
               <a:avLst/>
@@ -35282,7 +35283,7 @@
             <a:blipFill rotWithShape="0">
               <a:blip r:embed="rId20"/>
               <a:srcRect/>
-              <a:tile tx="0" ty="0" sx="74468" sy="74468" algn="ctr"/>
+              <a:tile tx="0" ty="0" sx="74113" sy="74113" algn="ctr"/>
             </a:blipFill>
             <a:ln w="0">
               <a:noFill/>
@@ -35329,8 +35330,8 @@
           </p:nvSpPr>
           <p:spPr>
             <a:xfrm flipV="1" rot="5395800">
-              <a:off x="10277640" y="5743440"/>
-              <a:ext cx="182520" cy="182520"/>
+              <a:off x="10277640" y="5743080"/>
+              <a:ext cx="182160" cy="182160"/>
             </a:xfrm>
             <a:prstGeom prst="ellipse">
               <a:avLst/>
@@ -35338,7 +35339,7 @@
             <a:blipFill rotWithShape="0">
               <a:blip r:embed="rId21"/>
               <a:srcRect/>
-              <a:tile tx="0" ty="0" sx="74468" sy="74468" algn="ctr"/>
+              <a:tile tx="0" ty="0" sx="74113" sy="74113" algn="ctr"/>
             </a:blipFill>
             <a:ln w="0">
               <a:noFill/>
@@ -35385,8 +35386,8 @@
           </p:nvSpPr>
           <p:spPr>
             <a:xfrm flipV="1" rot="5395800">
-              <a:off x="9546120" y="5743800"/>
-              <a:ext cx="182520" cy="182520"/>
+              <a:off x="9546120" y="5743440"/>
+              <a:ext cx="182160" cy="182160"/>
             </a:xfrm>
             <a:prstGeom prst="ellipse">
               <a:avLst/>
@@ -35394,7 +35395,7 @@
             <a:blipFill rotWithShape="0">
               <a:blip r:embed="rId22"/>
               <a:srcRect/>
-              <a:tile tx="0" ty="0" sx="74468" sy="74468" algn="ctr"/>
+              <a:tile tx="0" ty="0" sx="74113" sy="74113" algn="ctr"/>
             </a:blipFill>
             <a:ln w="0">
               <a:noFill/>
@@ -35441,8 +35442,8 @@
           </p:nvSpPr>
           <p:spPr>
             <a:xfrm flipV="1" rot="5395800">
-              <a:off x="9545400" y="5378400"/>
-              <a:ext cx="182520" cy="182520"/>
+              <a:off x="9545400" y="5378040"/>
+              <a:ext cx="182160" cy="182160"/>
             </a:xfrm>
             <a:prstGeom prst="ellipse">
               <a:avLst/>
@@ -35450,7 +35451,7 @@
             <a:blipFill rotWithShape="0">
               <a:blip r:embed="rId23"/>
               <a:srcRect/>
-              <a:tile tx="0" ty="0" sx="74468" sy="74468" algn="ctr"/>
+              <a:tile tx="0" ty="0" sx="74113" sy="74113" algn="ctr"/>
             </a:blipFill>
             <a:ln w="0">
               <a:noFill/>
@@ -35497,8 +35498,8 @@
           </p:nvSpPr>
           <p:spPr>
             <a:xfrm flipV="1" rot="5395800">
-              <a:off x="9545400" y="5012280"/>
-              <a:ext cx="182520" cy="182520"/>
+              <a:off x="9545400" y="5011920"/>
+              <a:ext cx="182160" cy="182160"/>
             </a:xfrm>
             <a:prstGeom prst="ellipse">
               <a:avLst/>
@@ -35506,7 +35507,7 @@
             <a:blipFill rotWithShape="0">
               <a:blip r:embed="rId24"/>
               <a:srcRect/>
-              <a:tile tx="0" ty="0" sx="74468" sy="74468" algn="ctr"/>
+              <a:tile tx="0" ty="0" sx="74113" sy="74113" algn="ctr"/>
             </a:blipFill>
             <a:ln w="0">
               <a:noFill/>
@@ -35553,8 +35554,8 @@
           </p:nvSpPr>
           <p:spPr>
             <a:xfrm flipV="1" rot="5395800">
-              <a:off x="9545040" y="4646520"/>
-              <a:ext cx="182520" cy="182520"/>
+              <a:off x="9545040" y="4646160"/>
+              <a:ext cx="182160" cy="182160"/>
             </a:xfrm>
             <a:prstGeom prst="ellipse">
               <a:avLst/>
@@ -35562,7 +35563,7 @@
             <a:blipFill rotWithShape="0">
               <a:blip r:embed="rId25"/>
               <a:srcRect/>
-              <a:tile tx="0" ty="0" sx="74468" sy="74468" algn="ctr"/>
+              <a:tile tx="0" ty="0" sx="74113" sy="74113" algn="ctr"/>
             </a:blipFill>
             <a:ln w="0">
               <a:noFill/>
@@ -35611,7 +35612,7 @@
         <p:spPr>
           <a:xfrm>
             <a:off x="-146160" y="3109320"/>
-            <a:ext cx="1919880" cy="1919880"/>
+            <a:ext cx="1919520" cy="1919520"/>
           </a:xfrm>
           <a:prstGeom prst="ellipse">
             <a:avLst/>
@@ -35664,7 +35665,7 @@
         <p:spPr>
           <a:xfrm>
             <a:off x="468000" y="468000"/>
-            <a:ext cx="9071640" cy="946080"/>
+            <a:ext cx="9071280" cy="945720"/>
           </a:xfrm>
           <a:prstGeom prst="rect">
             <a:avLst/>
@@ -35713,7 +35714,7 @@
         <p:spPr>
           <a:xfrm>
             <a:off x="468000" y="1800000"/>
-            <a:ext cx="9071640" cy="3287880"/>
+            <a:ext cx="9071280" cy="3287520"/>
           </a:xfrm>
           <a:prstGeom prst="rect">
             <a:avLst/>
@@ -35938,7 +35939,7 @@
         <p:spPr>
           <a:xfrm>
             <a:off x="3442680" y="5166000"/>
-            <a:ext cx="3194640" cy="390240"/>
+            <a:ext cx="3194280" cy="389880"/>
           </a:xfrm>
           <a:prstGeom prst="rect">
             <a:avLst/>
@@ -36010,7 +36011,7 @@
         <p:spPr>
           <a:xfrm>
             <a:off x="7227360" y="5166000"/>
-            <a:ext cx="2347920" cy="390240"/>
+            <a:ext cx="2347560" cy="389880"/>
           </a:xfrm>
           <a:prstGeom prst="rect">
             <a:avLst/>
@@ -36051,7 +36052,7 @@
                 <a:tab algn="l" pos="0"/>
               </a:tabLst>
             </a:pPr>
-            <a:fld id="{CA55E09E-091A-4D6A-89AC-80AFF0F16DD7}" type="slidenum">
+            <a:fld id="{A69C3C09-C098-4350-B925-CC696FD458CD}" type="slidenum">
               <a:rPr b="0" lang="en-US" sz="1400" spc="-1" strike="noStrike">
                 <a:solidFill>
                   <a:srgbClr val="000000"/>
@@ -36082,7 +36083,7 @@
         <p:spPr>
           <a:xfrm>
             <a:off x="468000" y="5166000"/>
-            <a:ext cx="2347920" cy="390240"/>
+            <a:ext cx="2347560" cy="389880"/>
           </a:xfrm>
           <a:prstGeom prst="rect">
             <a:avLst/>
@@ -36164,7 +36165,7 @@
         <p:spPr>
           <a:xfrm>
             <a:off x="8266320" y="4115520"/>
-            <a:ext cx="1919880" cy="1919880"/>
+            <a:ext cx="1919520" cy="1919520"/>
           </a:xfrm>
           <a:prstGeom prst="ellipse">
             <a:avLst/>
@@ -36213,7 +36214,7 @@
         <p:spPr>
           <a:xfrm>
             <a:off x="7717680" y="-548280"/>
-            <a:ext cx="1919880" cy="1919880"/>
+            <a:ext cx="1919520" cy="1919520"/>
           </a:xfrm>
           <a:prstGeom prst="ellipse">
             <a:avLst/>
@@ -36261,10 +36262,10 @@
         </p:nvGrpSpPr>
         <p:grpSpPr>
           <a:xfrm>
-            <a:off x="-147240" y="-295920"/>
-            <a:ext cx="915120" cy="1280520"/>
-            <a:chOff x="-147240" y="-295920"/>
-            <a:chExt cx="915120" cy="1280520"/>
+            <a:off x="-146880" y="-295560"/>
+            <a:ext cx="914400" cy="1279800"/>
+            <a:chOff x="-146880" y="-295560"/>
+            <a:chExt cx="914400" cy="1279800"/>
           </a:xfrm>
         </p:grpSpPr>
         <p:sp>
@@ -36275,8 +36276,8 @@
           </p:nvSpPr>
           <p:spPr>
             <a:xfrm flipV="1" rot="5395800">
-              <a:off x="219240" y="801360"/>
-              <a:ext cx="182520" cy="182520"/>
+              <a:off x="219240" y="801000"/>
+              <a:ext cx="182160" cy="182160"/>
             </a:xfrm>
             <a:prstGeom prst="ellipse">
               <a:avLst/>
@@ -36284,7 +36285,7 @@
             <a:blipFill rotWithShape="0">
               <a:blip r:embed="rId2"/>
               <a:srcRect/>
-              <a:tile tx="0" ty="0" sx="74468" sy="74468" algn="ctr"/>
+              <a:tile tx="0" ty="0" sx="74113" sy="74113" algn="ctr"/>
             </a:blipFill>
             <a:ln w="0">
               <a:noFill/>
@@ -36331,8 +36332,8 @@
           </p:nvSpPr>
           <p:spPr>
             <a:xfrm flipV="1" rot="5395800">
-              <a:off x="218880" y="435600"/>
-              <a:ext cx="182520" cy="182520"/>
+              <a:off x="218880" y="435240"/>
+              <a:ext cx="182160" cy="182160"/>
             </a:xfrm>
             <a:prstGeom prst="ellipse">
               <a:avLst/>
@@ -36340,7 +36341,7 @@
             <a:blipFill rotWithShape="0">
               <a:blip r:embed="rId3"/>
               <a:srcRect/>
-              <a:tile tx="0" ty="0" sx="74468" sy="74468" algn="ctr"/>
+              <a:tile tx="0" ty="0" sx="74113" sy="74113" algn="ctr"/>
             </a:blipFill>
             <a:ln w="0">
               <a:noFill/>
@@ -36387,8 +36388,8 @@
           </p:nvSpPr>
           <p:spPr>
             <a:xfrm flipV="1" rot="5395800">
-              <a:off x="218520" y="70200"/>
-              <a:ext cx="182520" cy="182520"/>
+              <a:off x="218520" y="69840"/>
+              <a:ext cx="182160" cy="182160"/>
             </a:xfrm>
             <a:prstGeom prst="ellipse">
               <a:avLst/>
@@ -36396,7 +36397,7 @@
             <a:blipFill rotWithShape="0">
               <a:blip r:embed="rId4"/>
               <a:srcRect/>
-              <a:tile tx="0" ty="0" sx="74468" sy="74468" algn="ctr"/>
+              <a:tile tx="0" ty="0" sx="74113" sy="74113" algn="ctr"/>
             </a:blipFill>
             <a:ln w="0">
               <a:noFill/>
@@ -36444,7 +36445,7 @@
           <p:spPr>
             <a:xfrm flipV="1" rot="5395800">
               <a:off x="217800" y="-295200"/>
-              <a:ext cx="182520" cy="182520"/>
+              <a:ext cx="182160" cy="182160"/>
             </a:xfrm>
             <a:prstGeom prst="ellipse">
               <a:avLst/>
@@ -36452,7 +36453,7 @@
             <a:blipFill rotWithShape="0">
               <a:blip r:embed="rId5"/>
               <a:srcRect/>
-              <a:tile tx="0" ty="0" sx="74468" sy="74468" algn="ctr"/>
+              <a:tile tx="0" ty="0" sx="74113" sy="74113" algn="ctr"/>
             </a:blipFill>
             <a:ln w="0">
               <a:noFill/>
@@ -36500,7 +36501,7 @@
           <p:spPr>
             <a:xfrm flipV="1" rot="5395800">
               <a:off x="583920" y="-295560"/>
-              <a:ext cx="182520" cy="182520"/>
+              <a:ext cx="182160" cy="182160"/>
             </a:xfrm>
             <a:prstGeom prst="ellipse">
               <a:avLst/>
@@ -36508,7 +36509,7 @@
             <a:blipFill rotWithShape="0">
               <a:blip r:embed="rId6"/>
               <a:srcRect/>
-              <a:tile tx="0" ty="0" sx="74468" sy="74468" algn="ctr"/>
+              <a:tile tx="0" ty="0" sx="74113" sy="74113" algn="ctr"/>
             </a:blipFill>
             <a:ln w="0">
               <a:noFill/>
@@ -36555,8 +36556,8 @@
           </p:nvSpPr>
           <p:spPr>
             <a:xfrm flipV="1" rot="5395800">
-              <a:off x="584280" y="69480"/>
-              <a:ext cx="182520" cy="182520"/>
+              <a:off x="584280" y="69120"/>
+              <a:ext cx="182160" cy="182160"/>
             </a:xfrm>
             <a:prstGeom prst="ellipse">
               <a:avLst/>
@@ -36564,7 +36565,7 @@
             <a:blipFill rotWithShape="0">
               <a:blip r:embed="rId7"/>
               <a:srcRect/>
-              <a:tile tx="0" ty="0" sx="74468" sy="74468" algn="ctr"/>
+              <a:tile tx="0" ty="0" sx="74113" sy="74113" algn="ctr"/>
             </a:blipFill>
             <a:ln w="0">
               <a:noFill/>
@@ -36611,8 +36612,8 @@
           </p:nvSpPr>
           <p:spPr>
             <a:xfrm flipV="1" rot="5395800">
-              <a:off x="584280" y="435240"/>
-              <a:ext cx="182520" cy="182520"/>
+              <a:off x="584280" y="434880"/>
+              <a:ext cx="182160" cy="182160"/>
             </a:xfrm>
             <a:prstGeom prst="ellipse">
               <a:avLst/>
@@ -36620,7 +36621,7 @@
             <a:blipFill rotWithShape="0">
               <a:blip r:embed="rId8"/>
               <a:srcRect/>
-              <a:tile tx="0" ty="0" sx="74468" sy="74468" algn="ctr"/>
+              <a:tile tx="0" ty="0" sx="74113" sy="74113" algn="ctr"/>
             </a:blipFill>
             <a:ln w="0">
               <a:noFill/>
@@ -36667,8 +36668,8 @@
           </p:nvSpPr>
           <p:spPr>
             <a:xfrm flipV="1" rot="5395800">
-              <a:off x="585000" y="801360"/>
-              <a:ext cx="182520" cy="182520"/>
+              <a:off x="585000" y="801000"/>
+              <a:ext cx="182160" cy="182160"/>
             </a:xfrm>
             <a:prstGeom prst="ellipse">
               <a:avLst/>
@@ -36676,7 +36677,7 @@
             <a:blipFill rotWithShape="0">
               <a:blip r:embed="rId9"/>
               <a:srcRect/>
-              <a:tile tx="0" ty="0" sx="74468" sy="74468" algn="ctr"/>
+              <a:tile tx="0" ty="0" sx="74113" sy="74113" algn="ctr"/>
             </a:blipFill>
             <a:ln w="0">
               <a:noFill/>
@@ -36723,8 +36724,8 @@
           </p:nvSpPr>
           <p:spPr>
             <a:xfrm flipV="1" rot="5395800">
-              <a:off x="-145800" y="801720"/>
-              <a:ext cx="182520" cy="182520"/>
+              <a:off x="-145440" y="801360"/>
+              <a:ext cx="182160" cy="182160"/>
             </a:xfrm>
             <a:prstGeom prst="ellipse">
               <a:avLst/>
@@ -36732,7 +36733,7 @@
             <a:blipFill rotWithShape="0">
               <a:blip r:embed="rId10"/>
               <a:srcRect/>
-              <a:tile tx="0" ty="0" sx="74468" sy="74468" algn="ctr"/>
+              <a:tile tx="0" ty="0" sx="74113" sy="74113" algn="ctr"/>
             </a:blipFill>
             <a:ln w="0">
               <a:noFill/>
@@ -36779,8 +36780,8 @@
           </p:nvSpPr>
           <p:spPr>
             <a:xfrm flipV="1" rot="5395800">
-              <a:off x="-146520" y="436320"/>
-              <a:ext cx="182520" cy="182520"/>
+              <a:off x="-146160" y="435960"/>
+              <a:ext cx="182160" cy="182160"/>
             </a:xfrm>
             <a:prstGeom prst="ellipse">
               <a:avLst/>
@@ -36788,7 +36789,7 @@
             <a:blipFill rotWithShape="0">
               <a:blip r:embed="rId11"/>
               <a:srcRect/>
-              <a:tile tx="0" ty="0" sx="74468" sy="74468" algn="ctr"/>
+              <a:tile tx="0" ty="0" sx="74113" sy="74113" algn="ctr"/>
             </a:blipFill>
             <a:ln w="0">
               <a:noFill/>
@@ -36835,8 +36836,8 @@
           </p:nvSpPr>
           <p:spPr>
             <a:xfrm flipV="1" rot="5395800">
-              <a:off x="-146520" y="70200"/>
-              <a:ext cx="182520" cy="182520"/>
+              <a:off x="-146160" y="69840"/>
+              <a:ext cx="182160" cy="182160"/>
             </a:xfrm>
             <a:prstGeom prst="ellipse">
               <a:avLst/>
@@ -36844,7 +36845,7 @@
             <a:blipFill rotWithShape="0">
               <a:blip r:embed="rId12"/>
               <a:srcRect/>
-              <a:tile tx="0" ty="0" sx="74468" sy="74468" algn="ctr"/>
+              <a:tile tx="0" ty="0" sx="74113" sy="74113" algn="ctr"/>
             </a:blipFill>
             <a:ln w="0">
               <a:noFill/>
@@ -36891,8 +36892,8 @@
           </p:nvSpPr>
           <p:spPr>
             <a:xfrm flipV="1" rot="5395800">
-              <a:off x="-146880" y="-294840"/>
-              <a:ext cx="182520" cy="182520"/>
+              <a:off x="-146520" y="-294840"/>
+              <a:ext cx="182160" cy="182160"/>
             </a:xfrm>
             <a:prstGeom prst="ellipse">
               <a:avLst/>
@@ -36900,7 +36901,7 @@
             <a:blipFill rotWithShape="0">
               <a:blip r:embed="rId13"/>
               <a:srcRect/>
-              <a:tile tx="0" ty="0" sx="74468" sy="74468" algn="ctr"/>
+              <a:tile tx="0" ty="0" sx="74113" sy="74113" algn="ctr"/>
             </a:blipFill>
             <a:ln w="0">
               <a:noFill/>
@@ -36949,9 +36950,9 @@
         <p:grpSpPr>
           <a:xfrm>
             <a:off x="9545040" y="4645800"/>
-            <a:ext cx="915480" cy="1280880"/>
+            <a:ext cx="915120" cy="1280520"/>
             <a:chOff x="9545040" y="4645800"/>
-            <a:chExt cx="915480" cy="1280880"/>
+            <a:chExt cx="915120" cy="1280520"/>
           </a:xfrm>
         </p:grpSpPr>
         <p:sp>
@@ -36962,8 +36963,8 @@
           </p:nvSpPr>
           <p:spPr>
             <a:xfrm flipV="1" rot="5395800">
-              <a:off x="9911880" y="5743440"/>
-              <a:ext cx="182520" cy="182520"/>
+              <a:off x="9911880" y="5743080"/>
+              <a:ext cx="182160" cy="182160"/>
             </a:xfrm>
             <a:prstGeom prst="ellipse">
               <a:avLst/>
@@ -36971,7 +36972,7 @@
             <a:blipFill rotWithShape="0">
               <a:blip r:embed="rId14"/>
               <a:srcRect/>
-              <a:tile tx="0" ty="0" sx="74468" sy="74468" algn="ctr"/>
+              <a:tile tx="0" ty="0" sx="74113" sy="74113" algn="ctr"/>
             </a:blipFill>
             <a:ln w="0">
               <a:noFill/>
@@ -37018,8 +37019,8 @@
           </p:nvSpPr>
           <p:spPr>
             <a:xfrm flipV="1" rot="5395800">
-              <a:off x="9911520" y="5377680"/>
-              <a:ext cx="182520" cy="182520"/>
+              <a:off x="9911520" y="5377320"/>
+              <a:ext cx="182160" cy="182160"/>
             </a:xfrm>
             <a:prstGeom prst="ellipse">
               <a:avLst/>
@@ -37027,7 +37028,7 @@
             <a:blipFill rotWithShape="0">
               <a:blip r:embed="rId15"/>
               <a:srcRect/>
-              <a:tile tx="0" ty="0" sx="74468" sy="74468" algn="ctr"/>
+              <a:tile tx="0" ty="0" sx="74113" sy="74113" algn="ctr"/>
             </a:blipFill>
             <a:ln w="0">
               <a:noFill/>
@@ -37074,8 +37075,8 @@
           </p:nvSpPr>
           <p:spPr>
             <a:xfrm flipV="1" rot="5395800">
-              <a:off x="9911160" y="5012280"/>
-              <a:ext cx="182520" cy="182520"/>
+              <a:off x="9911160" y="5011920"/>
+              <a:ext cx="182160" cy="182160"/>
             </a:xfrm>
             <a:prstGeom prst="ellipse">
               <a:avLst/>
@@ -37083,7 +37084,7 @@
             <a:blipFill rotWithShape="0">
               <a:blip r:embed="rId16"/>
               <a:srcRect/>
-              <a:tile tx="0" ty="0" sx="74468" sy="74468" algn="ctr"/>
+              <a:tile tx="0" ty="0" sx="74113" sy="74113" algn="ctr"/>
             </a:blipFill>
             <a:ln w="0">
               <a:noFill/>
@@ -37130,8 +37131,8 @@
           </p:nvSpPr>
           <p:spPr>
             <a:xfrm flipV="1" rot="5395800">
-              <a:off x="9910440" y="4646160"/>
-              <a:ext cx="182520" cy="182520"/>
+              <a:off x="9910440" y="4645800"/>
+              <a:ext cx="182160" cy="182160"/>
             </a:xfrm>
             <a:prstGeom prst="ellipse">
               <a:avLst/>
@@ -37139,7 +37140,7 @@
             <a:blipFill rotWithShape="0">
               <a:blip r:embed="rId17"/>
               <a:srcRect/>
-              <a:tile tx="0" ty="0" sx="74468" sy="74468" algn="ctr"/>
+              <a:tile tx="0" ty="0" sx="74113" sy="74113" algn="ctr"/>
             </a:blipFill>
             <a:ln w="0">
               <a:noFill/>
@@ -37186,8 +37187,8 @@
           </p:nvSpPr>
           <p:spPr>
             <a:xfrm flipV="1" rot="5395800">
-              <a:off x="10276560" y="4645800"/>
-              <a:ext cx="182520" cy="182520"/>
+              <a:off x="10276560" y="4645440"/>
+              <a:ext cx="182160" cy="182160"/>
             </a:xfrm>
             <a:prstGeom prst="ellipse">
               <a:avLst/>
@@ -37195,7 +37196,7 @@
             <a:blipFill rotWithShape="0">
               <a:blip r:embed="rId18"/>
               <a:srcRect/>
-              <a:tile tx="0" ty="0" sx="74468" sy="74468" algn="ctr"/>
+              <a:tile tx="0" ty="0" sx="74113" sy="74113" algn="ctr"/>
             </a:blipFill>
             <a:ln w="0">
               <a:noFill/>
@@ -37242,8 +37243,8 @@
           </p:nvSpPr>
           <p:spPr>
             <a:xfrm flipV="1" rot="5395800">
-              <a:off x="10276920" y="5011560"/>
-              <a:ext cx="182520" cy="182520"/>
+              <a:off x="10276920" y="5011200"/>
+              <a:ext cx="182160" cy="182160"/>
             </a:xfrm>
             <a:prstGeom prst="ellipse">
               <a:avLst/>
@@ -37251,7 +37252,7 @@
             <a:blipFill rotWithShape="0">
               <a:blip r:embed="rId19"/>
               <a:srcRect/>
-              <a:tile tx="0" ty="0" sx="74468" sy="74468" algn="ctr"/>
+              <a:tile tx="0" ty="0" sx="74113" sy="74113" algn="ctr"/>
             </a:blipFill>
             <a:ln w="0">
               <a:noFill/>
@@ -37298,8 +37299,8 @@
           </p:nvSpPr>
           <p:spPr>
             <a:xfrm flipV="1" rot="5395800">
-              <a:off x="10276920" y="5377320"/>
-              <a:ext cx="182520" cy="182520"/>
+              <a:off x="10276920" y="5376960"/>
+              <a:ext cx="182160" cy="182160"/>
             </a:xfrm>
             <a:prstGeom prst="ellipse">
               <a:avLst/>
@@ -37307,7 +37308,7 @@
             <a:blipFill rotWithShape="0">
               <a:blip r:embed="rId20"/>
               <a:srcRect/>
-              <a:tile tx="0" ty="0" sx="74468" sy="74468" algn="ctr"/>
+              <a:tile tx="0" ty="0" sx="74113" sy="74113" algn="ctr"/>
             </a:blipFill>
             <a:ln w="0">
               <a:noFill/>
@@ -37354,8 +37355,8 @@
           </p:nvSpPr>
           <p:spPr>
             <a:xfrm flipV="1" rot="5395800">
-              <a:off x="10277640" y="5743440"/>
-              <a:ext cx="182520" cy="182520"/>
+              <a:off x="10277640" y="5743080"/>
+              <a:ext cx="182160" cy="182160"/>
             </a:xfrm>
             <a:prstGeom prst="ellipse">
               <a:avLst/>
@@ -37363,7 +37364,7 @@
             <a:blipFill rotWithShape="0">
               <a:blip r:embed="rId21"/>
               <a:srcRect/>
-              <a:tile tx="0" ty="0" sx="74468" sy="74468" algn="ctr"/>
+              <a:tile tx="0" ty="0" sx="74113" sy="74113" algn="ctr"/>
             </a:blipFill>
             <a:ln w="0">
               <a:noFill/>
@@ -37410,8 +37411,8 @@
           </p:nvSpPr>
           <p:spPr>
             <a:xfrm flipV="1" rot="5395800">
-              <a:off x="9546120" y="5743800"/>
-              <a:ext cx="182520" cy="182520"/>
+              <a:off x="9546120" y="5743440"/>
+              <a:ext cx="182160" cy="182160"/>
             </a:xfrm>
             <a:prstGeom prst="ellipse">
               <a:avLst/>
@@ -37419,7 +37420,7 @@
             <a:blipFill rotWithShape="0">
               <a:blip r:embed="rId22"/>
               <a:srcRect/>
-              <a:tile tx="0" ty="0" sx="74468" sy="74468" algn="ctr"/>
+              <a:tile tx="0" ty="0" sx="74113" sy="74113" algn="ctr"/>
             </a:blipFill>
             <a:ln w="0">
               <a:noFill/>
@@ -37466,8 +37467,8 @@
           </p:nvSpPr>
           <p:spPr>
             <a:xfrm flipV="1" rot="5395800">
-              <a:off x="9545400" y="5378400"/>
-              <a:ext cx="182520" cy="182520"/>
+              <a:off x="9545400" y="5378040"/>
+              <a:ext cx="182160" cy="182160"/>
             </a:xfrm>
             <a:prstGeom prst="ellipse">
               <a:avLst/>
@@ -37475,7 +37476,7 @@
             <a:blipFill rotWithShape="0">
               <a:blip r:embed="rId23"/>
               <a:srcRect/>
-              <a:tile tx="0" ty="0" sx="74468" sy="74468" algn="ctr"/>
+              <a:tile tx="0" ty="0" sx="74113" sy="74113" algn="ctr"/>
             </a:blipFill>
             <a:ln w="0">
               <a:noFill/>
@@ -37522,8 +37523,8 @@
           </p:nvSpPr>
           <p:spPr>
             <a:xfrm flipV="1" rot="5395800">
-              <a:off x="9545400" y="5012280"/>
-              <a:ext cx="182520" cy="182520"/>
+              <a:off x="9545400" y="5011920"/>
+              <a:ext cx="182160" cy="182160"/>
             </a:xfrm>
             <a:prstGeom prst="ellipse">
               <a:avLst/>
@@ -37531,7 +37532,7 @@
             <a:blipFill rotWithShape="0">
               <a:blip r:embed="rId24"/>
               <a:srcRect/>
-              <a:tile tx="0" ty="0" sx="74468" sy="74468" algn="ctr"/>
+              <a:tile tx="0" ty="0" sx="74113" sy="74113" algn="ctr"/>
             </a:blipFill>
             <a:ln w="0">
               <a:noFill/>
@@ -37578,8 +37579,8 @@
           </p:nvSpPr>
           <p:spPr>
             <a:xfrm flipV="1" rot="5395800">
-              <a:off x="9545040" y="4646520"/>
-              <a:ext cx="182520" cy="182520"/>
+              <a:off x="9545040" y="4646160"/>
+              <a:ext cx="182160" cy="182160"/>
             </a:xfrm>
             <a:prstGeom prst="ellipse">
               <a:avLst/>
@@ -37587,7 +37588,7 @@
             <a:blipFill rotWithShape="0">
               <a:blip r:embed="rId25"/>
               <a:srcRect/>
-              <a:tile tx="0" ty="0" sx="74468" sy="74468" algn="ctr"/>
+              <a:tile tx="0" ty="0" sx="74113" sy="74113" algn="ctr"/>
             </a:blipFill>
             <a:ln w="0">
               <a:noFill/>
@@ -37636,7 +37637,7 @@
         <p:spPr>
           <a:xfrm>
             <a:off x="-146160" y="3109320"/>
-            <a:ext cx="1919880" cy="1919880"/>
+            <a:ext cx="1919520" cy="1919520"/>
           </a:xfrm>
           <a:prstGeom prst="ellipse">
             <a:avLst/>
@@ -37689,7 +37690,7 @@
         <p:spPr>
           <a:xfrm>
             <a:off x="468000" y="468000"/>
-            <a:ext cx="9071640" cy="946080"/>
+            <a:ext cx="9071280" cy="945720"/>
           </a:xfrm>
           <a:prstGeom prst="rect">
             <a:avLst/>
@@ -37738,7 +37739,7 @@
         <p:spPr>
           <a:xfrm>
             <a:off x="3442680" y="5166000"/>
-            <a:ext cx="3194640" cy="390240"/>
+            <a:ext cx="3194280" cy="389880"/>
           </a:xfrm>
           <a:prstGeom prst="rect">
             <a:avLst/>
@@ -37810,7 +37811,7 @@
         <p:spPr>
           <a:xfrm>
             <a:off x="7227360" y="5166000"/>
-            <a:ext cx="2347920" cy="390240"/>
+            <a:ext cx="2347560" cy="389880"/>
           </a:xfrm>
           <a:prstGeom prst="rect">
             <a:avLst/>
@@ -37851,7 +37852,7 @@
                 <a:tab algn="l" pos="0"/>
               </a:tabLst>
             </a:pPr>
-            <a:fld id="{4DE99248-6AE8-44BA-8D60-DAEC00F8C714}" type="slidenum">
+            <a:fld id="{FA1CA134-47F2-487F-885A-486366AAB0DE}" type="slidenum">
               <a:rPr b="0" lang="en-US" sz="1400" spc="-1" strike="noStrike">
                 <a:solidFill>
                   <a:srgbClr val="000000"/>
@@ -37882,7 +37883,7 @@
         <p:spPr>
           <a:xfrm>
             <a:off x="468000" y="5166000"/>
-            <a:ext cx="2347920" cy="390240"/>
+            <a:ext cx="2347560" cy="389880"/>
           </a:xfrm>
           <a:prstGeom prst="rect">
             <a:avLst/>
@@ -38188,8 +38189,8 @@
         </p:nvSpPr>
         <p:spPr>
           <a:xfrm rot="18876000">
-            <a:off x="8645760" y="-405360"/>
-            <a:ext cx="2895120" cy="2895120"/>
+            <a:off x="8645760" y="-405000"/>
+            <a:ext cx="2894760" cy="2894760"/>
           </a:xfrm>
           <a:prstGeom prst="rect">
             <a:avLst/>
@@ -38236,7 +38237,7 @@
         <p:spPr>
           <a:xfrm rot="18876000">
             <a:off x="8665920" y="3983040"/>
-            <a:ext cx="2895120" cy="2895120"/>
+            <a:ext cx="2894760" cy="2894760"/>
           </a:xfrm>
           <a:prstGeom prst="rect">
             <a:avLst/>
@@ -38282,8 +38283,8 @@
         </p:nvSpPr>
         <p:spPr>
           <a:xfrm rot="18964800">
-            <a:off x="993960" y="5915880"/>
-            <a:ext cx="2588400" cy="731160"/>
+            <a:off x="993600" y="5915880"/>
+            <a:ext cx="2588040" cy="730800"/>
           </a:xfrm>
           <a:prstGeom prst="rect">
             <a:avLst/>
@@ -38332,7 +38333,7 @@
         <p:spPr>
           <a:xfrm rot="18964800">
             <a:off x="-1296720" y="5513760"/>
-            <a:ext cx="2588400" cy="731160"/>
+            <a:ext cx="2588040" cy="730800"/>
           </a:xfrm>
           <a:prstGeom prst="rect">
             <a:avLst/>
@@ -38380,8 +38381,8 @@
         </p:nvSpPr>
         <p:spPr>
           <a:xfrm rot="18964800">
-            <a:off x="3682080" y="339480"/>
-            <a:ext cx="3457440" cy="921960"/>
+            <a:off x="3681720" y="339480"/>
+            <a:ext cx="3457080" cy="921600"/>
           </a:xfrm>
           <a:prstGeom prst="rect">
             <a:avLst/>
@@ -38429,8 +38430,8 @@
         </p:nvSpPr>
         <p:spPr>
           <a:xfrm rot="18964800">
-            <a:off x="1445760" y="-758160"/>
-            <a:ext cx="2588400" cy="731160"/>
+            <a:off x="1445400" y="-757800"/>
+            <a:ext cx="2588040" cy="730800"/>
           </a:xfrm>
           <a:prstGeom prst="rect">
             <a:avLst/>
@@ -38478,8 +38479,8 @@
         </p:nvSpPr>
         <p:spPr>
           <a:xfrm rot="18964800">
-            <a:off x="-727200" y="3295080"/>
-            <a:ext cx="2588400" cy="512640"/>
+            <a:off x="-726840" y="3295080"/>
+            <a:ext cx="2588040" cy="512280"/>
           </a:xfrm>
           <a:prstGeom prst="rect">
             <a:avLst/>
@@ -38532,7 +38533,7 @@
         <p:spPr>
           <a:xfrm>
             <a:off x="468000" y="468000"/>
-            <a:ext cx="9071640" cy="946080"/>
+            <a:ext cx="9071280" cy="945720"/>
           </a:xfrm>
           <a:prstGeom prst="rect">
             <a:avLst/>
@@ -38581,7 +38582,7 @@
         <p:spPr>
           <a:xfrm>
             <a:off x="468000" y="1800000"/>
-            <a:ext cx="9071640" cy="3287880"/>
+            <a:ext cx="9071280" cy="3287520"/>
           </a:xfrm>
           <a:prstGeom prst="rect">
             <a:avLst/>
@@ -38806,7 +38807,7 @@
         <p:spPr>
           <a:xfrm>
             <a:off x="3442680" y="5166000"/>
-            <a:ext cx="3194640" cy="390240"/>
+            <a:ext cx="3194280" cy="389880"/>
           </a:xfrm>
           <a:prstGeom prst="rect">
             <a:avLst/>
@@ -38878,7 +38879,7 @@
         <p:spPr>
           <a:xfrm>
             <a:off x="7227360" y="5166000"/>
-            <a:ext cx="2347920" cy="390240"/>
+            <a:ext cx="2347560" cy="389880"/>
           </a:xfrm>
           <a:prstGeom prst="rect">
             <a:avLst/>
@@ -38919,7 +38920,7 @@
                 <a:tab algn="l" pos="0"/>
               </a:tabLst>
             </a:pPr>
-            <a:fld id="{2FF49A9F-EF66-466F-BB75-06A1E4E44907}" type="slidenum">
+            <a:fld id="{12EEE976-0624-49B7-8666-988F2E75B31F}" type="slidenum">
               <a:rPr b="0" lang="en-US" sz="1400" spc="-1" strike="noStrike">
                 <a:solidFill>
                   <a:srgbClr val="000000"/>
@@ -38950,7 +38951,7 @@
         <p:spPr>
           <a:xfrm>
             <a:off x="468000" y="5166000"/>
-            <a:ext cx="2347920" cy="390240"/>
+            <a:ext cx="2347560" cy="389880"/>
           </a:xfrm>
           <a:prstGeom prst="rect">
             <a:avLst/>
@@ -39032,9 +39033,9 @@
         <p:grpSpPr>
           <a:xfrm>
             <a:off x="0" y="0"/>
-            <a:ext cx="10080360" cy="4114440"/>
+            <a:ext cx="10080000" cy="4114080"/>
             <a:chOff x="0" y="0"/>
-            <a:chExt cx="10080360" cy="4114440"/>
+            <a:chExt cx="10080000" cy="4114080"/>
           </a:xfrm>
         </p:grpSpPr>
         <p:sp>
@@ -39046,7 +39047,7 @@
           <p:spPr>
             <a:xfrm>
               <a:off x="0" y="0"/>
-              <a:ext cx="10080360" cy="4114440"/>
+              <a:ext cx="10080000" cy="4114080"/>
             </a:xfrm>
             <a:prstGeom prst="rect">
               <a:avLst/>
@@ -39093,7 +39094,7 @@
           <p:spPr>
             <a:xfrm>
               <a:off x="0" y="0"/>
-              <a:ext cx="10080360" cy="4114440"/>
+              <a:ext cx="10080000" cy="4114080"/>
             </a:xfrm>
             <a:prstGeom prst="rect">
               <a:avLst/>
@@ -39140,7 +39141,7 @@
           <p:spPr>
             <a:xfrm>
               <a:off x="0" y="1280160"/>
-              <a:ext cx="1554120" cy="639720"/>
+              <a:ext cx="1553760" cy="639360"/>
             </a:xfrm>
             <a:prstGeom prst="rect">
               <a:avLst/>
@@ -39189,7 +39190,7 @@
           <p:spPr>
             <a:xfrm>
               <a:off x="914400" y="1920240"/>
-              <a:ext cx="1279800" cy="1828440"/>
+              <a:ext cx="1279440" cy="1828080"/>
             </a:xfrm>
             <a:prstGeom prst="rect">
               <a:avLst/>
@@ -39236,7 +39237,7 @@
           <p:spPr>
             <a:xfrm>
               <a:off x="2194560" y="548640"/>
-              <a:ext cx="1279800" cy="1828440"/>
+              <a:ext cx="1279440" cy="1828080"/>
             </a:xfrm>
             <a:prstGeom prst="rect">
               <a:avLst/>
@@ -39283,7 +39284,7 @@
           <p:spPr>
             <a:xfrm>
               <a:off x="3474720" y="1188720"/>
-              <a:ext cx="365400" cy="365400"/>
+              <a:ext cx="365040" cy="365040"/>
             </a:xfrm>
             <a:prstGeom prst="rect">
               <a:avLst/>
@@ -39330,7 +39331,7 @@
           <p:spPr>
             <a:xfrm>
               <a:off x="4206240" y="0"/>
-              <a:ext cx="1462680" cy="914040"/>
+              <a:ext cx="1462320" cy="913680"/>
             </a:xfrm>
             <a:prstGeom prst="rect">
               <a:avLst/>
@@ -39377,7 +39378,7 @@
           <p:spPr>
             <a:xfrm>
               <a:off x="4663440" y="914400"/>
-              <a:ext cx="1005480" cy="456840"/>
+              <a:ext cx="1005120" cy="456480"/>
             </a:xfrm>
             <a:prstGeom prst="rect">
               <a:avLst/>
@@ -39424,7 +39425,7 @@
           <p:spPr>
             <a:xfrm>
               <a:off x="3474720" y="1737360"/>
-              <a:ext cx="3108600" cy="1005480"/>
+              <a:ext cx="3108240" cy="1005120"/>
             </a:xfrm>
             <a:prstGeom prst="rect">
               <a:avLst/>
@@ -39471,7 +39472,7 @@
           <p:spPr>
             <a:xfrm>
               <a:off x="4114800" y="2743200"/>
-              <a:ext cx="1462680" cy="1005480"/>
+              <a:ext cx="1462320" cy="1005120"/>
             </a:xfrm>
             <a:prstGeom prst="rect">
               <a:avLst/>
@@ -39518,7 +39519,7 @@
           <p:spPr>
             <a:xfrm>
               <a:off x="6583680" y="1463040"/>
-              <a:ext cx="1554120" cy="456840"/>
+              <a:ext cx="1553760" cy="456480"/>
             </a:xfrm>
             <a:prstGeom prst="rect">
               <a:avLst/>
@@ -39567,7 +39568,7 @@
           <p:spPr>
             <a:xfrm>
               <a:off x="7315200" y="1920240"/>
-              <a:ext cx="1462680" cy="1645560"/>
+              <a:ext cx="1462320" cy="1645200"/>
             </a:xfrm>
             <a:prstGeom prst="rect">
               <a:avLst/>
@@ -39616,7 +39617,7 @@
           <p:spPr>
             <a:xfrm>
               <a:off x="2743200" y="2377440"/>
-              <a:ext cx="548280" cy="822600"/>
+              <a:ext cx="547920" cy="822240"/>
             </a:xfrm>
             <a:prstGeom prst="rect">
               <a:avLst/>
@@ -39663,7 +39664,7 @@
           <p:spPr>
             <a:xfrm>
               <a:off x="8595360" y="0"/>
-              <a:ext cx="1485000" cy="1462680"/>
+              <a:ext cx="1484640" cy="1462320"/>
             </a:xfrm>
             <a:prstGeom prst="rect">
               <a:avLst/>
@@ -39710,7 +39711,7 @@
           <p:spPr>
             <a:xfrm>
               <a:off x="6766560" y="0"/>
-              <a:ext cx="273960" cy="1005480"/>
+              <a:ext cx="273600" cy="1005120"/>
             </a:xfrm>
             <a:prstGeom prst="rect">
               <a:avLst/>
@@ -39759,7 +39760,7 @@
           <p:spPr>
             <a:xfrm>
               <a:off x="1554480" y="0"/>
-              <a:ext cx="182520" cy="914040"/>
+              <a:ext cx="182160" cy="913680"/>
             </a:xfrm>
             <a:prstGeom prst="rect">
               <a:avLst/>
@@ -39806,7 +39807,7 @@
           <p:spPr>
             <a:xfrm>
               <a:off x="0" y="3017520"/>
-              <a:ext cx="365400" cy="1096920"/>
+              <a:ext cx="365040" cy="1096560"/>
             </a:xfrm>
             <a:prstGeom prst="rect">
               <a:avLst/>
@@ -39853,7 +39854,7 @@
           <p:spPr>
             <a:xfrm>
               <a:off x="9601200" y="2560320"/>
-              <a:ext cx="365400" cy="1554120"/>
+              <a:ext cx="365040" cy="1553760"/>
             </a:xfrm>
             <a:prstGeom prst="rect">
               <a:avLst/>
@@ -39900,7 +39901,7 @@
           <p:spPr>
             <a:xfrm>
               <a:off x="8778240" y="1828800"/>
-              <a:ext cx="365400" cy="365400"/>
+              <a:ext cx="365040" cy="365040"/>
             </a:xfrm>
             <a:prstGeom prst="rect">
               <a:avLst/>
@@ -39952,7 +39953,7 @@
         <p:spPr>
           <a:xfrm>
             <a:off x="468000" y="468000"/>
-            <a:ext cx="9071640" cy="946080"/>
+            <a:ext cx="9071280" cy="945720"/>
           </a:xfrm>
           <a:prstGeom prst="rect">
             <a:avLst/>
@@ -40001,7 +40002,7 @@
         <p:spPr>
           <a:xfrm>
             <a:off x="3442680" y="5166000"/>
-            <a:ext cx="3194640" cy="390240"/>
+            <a:ext cx="3194280" cy="389880"/>
           </a:xfrm>
           <a:prstGeom prst="rect">
             <a:avLst/>
@@ -40073,7 +40074,7 @@
         <p:spPr>
           <a:xfrm>
             <a:off x="7227360" y="5166000"/>
-            <a:ext cx="2347920" cy="390240"/>
+            <a:ext cx="2347560" cy="389880"/>
           </a:xfrm>
           <a:prstGeom prst="rect">
             <a:avLst/>
@@ -40114,7 +40115,7 @@
                 <a:tab algn="l" pos="0"/>
               </a:tabLst>
             </a:pPr>
-            <a:fld id="{BFF5371F-B2C2-47C3-98D3-1083E8E6C4A2}" type="slidenum">
+            <a:fld id="{65F0FF84-589A-4C54-807C-36F29B98D3D0}" type="slidenum">
               <a:rPr b="0" lang="en-US" sz="1400" spc="-1" strike="noStrike">
                 <a:solidFill>
                   <a:srgbClr val="000000"/>
@@ -40145,7 +40146,7 @@
         <p:spPr>
           <a:xfrm>
             <a:off x="468000" y="5166000"/>
-            <a:ext cx="2347920" cy="390240"/>
+            <a:ext cx="2347560" cy="389880"/>
           </a:xfrm>
           <a:prstGeom prst="rect">
             <a:avLst/>
@@ -40451,10 +40452,10 @@
         </p:nvGrpSpPr>
         <p:grpSpPr>
           <a:xfrm>
-            <a:off x="8540280" y="5065560"/>
-            <a:ext cx="1280160" cy="914400"/>
-            <a:chOff x="8540280" y="5065560"/>
-            <a:chExt cx="1280160" cy="914400"/>
+            <a:off x="8540280" y="5065200"/>
+            <a:ext cx="1279800" cy="914040"/>
+            <a:chOff x="8540280" y="5065200"/>
+            <a:chExt cx="1279800" cy="914040"/>
           </a:xfrm>
         </p:grpSpPr>
         <p:grpSp>
@@ -40465,10 +40466,10 @@
           </p:nvGrpSpPr>
           <p:grpSpPr>
             <a:xfrm>
-              <a:off x="8540280" y="5065560"/>
-              <a:ext cx="1280160" cy="914400"/>
-              <a:chOff x="8540280" y="5065560"/>
-              <a:chExt cx="1280160" cy="914400"/>
+              <a:off x="8540280" y="5065200"/>
+              <a:ext cx="1279800" cy="914040"/>
+              <a:chOff x="8540280" y="5065200"/>
+              <a:chExt cx="1279800" cy="914040"/>
             </a:xfrm>
           </p:grpSpPr>
           <p:sp>
@@ -40480,7 +40481,7 @@
             <p:spPr>
               <a:xfrm flipV="1" rot="21598800">
                 <a:off x="9637560" y="5430960"/>
-                <a:ext cx="182520" cy="182520"/>
+                <a:ext cx="182160" cy="182160"/>
               </a:xfrm>
               <a:prstGeom prst="ellipse">
                 <a:avLst/>
@@ -40488,7 +40489,7 @@
               <a:blipFill rotWithShape="0">
                 <a:blip r:embed="rId2"/>
                 <a:srcRect/>
-                <a:tile tx="0" ty="0" sx="74468" sy="74468" algn="ctr"/>
+                <a:tile tx="0" ty="0" sx="74113" sy="74113" algn="ctr"/>
               </a:blipFill>
               <a:ln w="0">
                 <a:noFill/>
@@ -40536,7 +40537,7 @@
             <p:spPr>
               <a:xfrm flipV="1" rot="21598800">
                 <a:off x="9271800" y="5430960"/>
-                <a:ext cx="182520" cy="182520"/>
+                <a:ext cx="182160" cy="182160"/>
               </a:xfrm>
               <a:prstGeom prst="ellipse">
                 <a:avLst/>
@@ -40544,7 +40545,7 @@
               <a:blipFill rotWithShape="0">
                 <a:blip r:embed="rId3"/>
                 <a:srcRect/>
-                <a:tile tx="0" ty="0" sx="74468" sy="74468" algn="ctr"/>
+                <a:tile tx="0" ty="0" sx="74113" sy="74113" algn="ctr"/>
               </a:blipFill>
               <a:ln w="0">
                 <a:noFill/>
@@ -40592,7 +40593,7 @@
             <p:spPr>
               <a:xfrm flipV="1" rot="21598800">
                 <a:off x="8906400" y="5430960"/>
-                <a:ext cx="182520" cy="182520"/>
+                <a:ext cx="182160" cy="182160"/>
               </a:xfrm>
               <a:prstGeom prst="ellipse">
                 <a:avLst/>
@@ -40600,7 +40601,7 @@
               <a:blipFill rotWithShape="0">
                 <a:blip r:embed="rId4"/>
                 <a:srcRect/>
-                <a:tile tx="0" ty="0" sx="74468" sy="74468" algn="ctr"/>
+                <a:tile tx="0" ty="0" sx="74113" sy="74113" algn="ctr"/>
               </a:blipFill>
               <a:ln w="0">
                 <a:noFill/>
@@ -40648,7 +40649,7 @@
             <p:spPr>
               <a:xfrm flipV="1" rot="21598800">
                 <a:off x="8540280" y="5431320"/>
-                <a:ext cx="182520" cy="182520"/>
+                <a:ext cx="182160" cy="182160"/>
               </a:xfrm>
               <a:prstGeom prst="ellipse">
                 <a:avLst/>
@@ -40656,7 +40657,7 @@
               <a:blipFill rotWithShape="0">
                 <a:blip r:embed="rId5"/>
                 <a:srcRect/>
-                <a:tile tx="0" ty="0" sx="74468" sy="74468" algn="ctr"/>
+                <a:tile tx="0" ty="0" sx="74113" sy="74113" algn="ctr"/>
               </a:blipFill>
               <a:ln w="0">
                 <a:noFill/>
@@ -40704,7 +40705,7 @@
             <p:spPr>
               <a:xfrm flipV="1" rot="21598800">
                 <a:off x="8540280" y="5065200"/>
-                <a:ext cx="182520" cy="182520"/>
+                <a:ext cx="182160" cy="182160"/>
               </a:xfrm>
               <a:prstGeom prst="ellipse">
                 <a:avLst/>
@@ -40712,7 +40713,7 @@
               <a:blipFill rotWithShape="0">
                 <a:blip r:embed="rId6"/>
                 <a:srcRect/>
-                <a:tile tx="0" ty="0" sx="74468" sy="74468" algn="ctr"/>
+                <a:tile tx="0" ty="0" sx="74113" sy="74113" algn="ctr"/>
               </a:blipFill>
               <a:ln w="0">
                 <a:noFill/>
@@ -40760,7 +40761,7 @@
             <p:spPr>
               <a:xfrm flipV="1" rot="21598800">
                 <a:off x="8906040" y="5065200"/>
-                <a:ext cx="182520" cy="182520"/>
+                <a:ext cx="182160" cy="182160"/>
               </a:xfrm>
               <a:prstGeom prst="ellipse">
                 <a:avLst/>
@@ -40768,7 +40769,7 @@
               <a:blipFill rotWithShape="0">
                 <a:blip r:embed="rId7"/>
                 <a:srcRect/>
-                <a:tile tx="0" ty="0" sx="74468" sy="74468" algn="ctr"/>
+                <a:tile tx="0" ty="0" sx="74113" sy="74113" algn="ctr"/>
               </a:blipFill>
               <a:ln w="0">
                 <a:noFill/>
@@ -40816,7 +40817,7 @@
             <p:spPr>
               <a:xfrm flipV="1" rot="21598800">
                 <a:off x="9271800" y="5065560"/>
-                <a:ext cx="182520" cy="182520"/>
+                <a:ext cx="182160" cy="182160"/>
               </a:xfrm>
               <a:prstGeom prst="ellipse">
                 <a:avLst/>
@@ -40824,7 +40825,7 @@
               <a:blipFill rotWithShape="0">
                 <a:blip r:embed="rId8"/>
                 <a:srcRect/>
-                <a:tile tx="0" ty="0" sx="74468" sy="74468" algn="ctr"/>
+                <a:tile tx="0" ty="0" sx="74113" sy="74113" algn="ctr"/>
               </a:blipFill>
               <a:ln w="0">
                 <a:noFill/>
@@ -40872,7 +40873,7 @@
             <p:spPr>
               <a:xfrm flipV="1" rot="21598800">
                 <a:off x="9637920" y="5065200"/>
-                <a:ext cx="182520" cy="182520"/>
+                <a:ext cx="182160" cy="182160"/>
               </a:xfrm>
               <a:prstGeom prst="ellipse">
                 <a:avLst/>
@@ -40880,7 +40881,7 @@
               <a:blipFill rotWithShape="0">
                 <a:blip r:embed="rId9"/>
                 <a:srcRect/>
-                <a:tile tx="0" ty="0" sx="74468" sy="74468" algn="ctr"/>
+                <a:tile tx="0" ty="0" sx="74113" sy="74113" algn="ctr"/>
               </a:blipFill>
               <a:ln w="0">
                 <a:noFill/>
@@ -40928,7 +40929,7 @@
             <p:spPr>
               <a:xfrm flipV="1" rot="21598800">
                 <a:off x="9637560" y="5796720"/>
-                <a:ext cx="182520" cy="182520"/>
+                <a:ext cx="182160" cy="182160"/>
               </a:xfrm>
               <a:prstGeom prst="ellipse">
                 <a:avLst/>
@@ -40936,7 +40937,7 @@
               <a:blipFill rotWithShape="0">
                 <a:blip r:embed="rId10"/>
                 <a:srcRect/>
-                <a:tile tx="0" ty="0" sx="74468" sy="74468" algn="ctr"/>
+                <a:tile tx="0" ty="0" sx="74113" sy="74113" algn="ctr"/>
               </a:blipFill>
               <a:ln w="0">
                 <a:noFill/>
@@ -40984,7 +40985,7 @@
             <p:spPr>
               <a:xfrm flipV="1" rot="21598800">
                 <a:off x="9272160" y="5797080"/>
-                <a:ext cx="182520" cy="182520"/>
+                <a:ext cx="182160" cy="182160"/>
               </a:xfrm>
               <a:prstGeom prst="ellipse">
                 <a:avLst/>
@@ -40992,7 +40993,7 @@
               <a:blipFill rotWithShape="0">
                 <a:blip r:embed="rId11"/>
                 <a:srcRect/>
-                <a:tile tx="0" ty="0" sx="74468" sy="74468" algn="ctr"/>
+                <a:tile tx="0" ty="0" sx="74113" sy="74113" algn="ctr"/>
               </a:blipFill>
               <a:ln w="0">
                 <a:noFill/>
@@ -41040,7 +41041,7 @@
             <p:spPr>
               <a:xfrm flipV="1" rot="21598800">
                 <a:off x="8906040" y="5796720"/>
-                <a:ext cx="182520" cy="182520"/>
+                <a:ext cx="182160" cy="182160"/>
               </a:xfrm>
               <a:prstGeom prst="ellipse">
                 <a:avLst/>
@@ -41048,7 +41049,7 @@
               <a:blipFill rotWithShape="0">
                 <a:blip r:embed="rId12"/>
                 <a:srcRect/>
-                <a:tile tx="0" ty="0" sx="74468" sy="74468" algn="ctr"/>
+                <a:tile tx="0" ty="0" sx="74113" sy="74113" algn="ctr"/>
               </a:blipFill>
               <a:ln w="0">
                 <a:noFill/>
@@ -41096,7 +41097,7 @@
             <p:spPr>
               <a:xfrm flipV="1" rot="21598800">
                 <a:off x="8540280" y="5796720"/>
-                <a:ext cx="182520" cy="182520"/>
+                <a:ext cx="182160" cy="182160"/>
               </a:xfrm>
               <a:prstGeom prst="ellipse">
                 <a:avLst/>
@@ -41104,7 +41105,7 @@
               <a:blipFill rotWithShape="0">
                 <a:blip r:embed="rId13"/>
                 <a:srcRect/>
-                <a:tile tx="0" ty="0" sx="74468" sy="74468" algn="ctr"/>
+                <a:tile tx="0" ty="0" sx="74113" sy="74113" algn="ctr"/>
               </a:blipFill>
               <a:ln w="0">
                 <a:noFill/>
@@ -41154,7 +41155,7 @@
         <p:spPr>
           <a:xfrm>
             <a:off x="1499760" y="1774080"/>
-            <a:ext cx="2925720" cy="2925720"/>
+            <a:ext cx="2925360" cy="2925360"/>
           </a:xfrm>
           <a:prstGeom prst="ellipse">
             <a:avLst/>
@@ -41203,7 +41204,7 @@
         <p:spPr>
           <a:xfrm>
             <a:off x="1225080" y="1134360"/>
-            <a:ext cx="1188720" cy="1188000"/>
+            <a:ext cx="1188360" cy="1187640"/>
           </a:xfrm>
           <a:prstGeom prst="ellipse">
             <a:avLst/>
@@ -41252,7 +41253,7 @@
         <p:spPr>
           <a:xfrm>
             <a:off x="3420000" y="4242960"/>
-            <a:ext cx="639720" cy="639720"/>
+            <a:ext cx="639360" cy="639360"/>
           </a:xfrm>
           <a:prstGeom prst="ellipse">
             <a:avLst/>
@@ -41305,7 +41306,7 @@
         <p:spPr>
           <a:xfrm>
             <a:off x="468000" y="468000"/>
-            <a:ext cx="9071640" cy="946080"/>
+            <a:ext cx="9071280" cy="945720"/>
           </a:xfrm>
           <a:prstGeom prst="rect">
             <a:avLst/>
@@ -41354,7 +41355,7 @@
         <p:spPr>
           <a:xfrm>
             <a:off x="468000" y="1800000"/>
-            <a:ext cx="9071640" cy="3287880"/>
+            <a:ext cx="9071280" cy="3287520"/>
           </a:xfrm>
           <a:prstGeom prst="rect">
             <a:avLst/>
@@ -41579,7 +41580,7 @@
         <p:spPr>
           <a:xfrm>
             <a:off x="3442680" y="5166000"/>
-            <a:ext cx="3194640" cy="390240"/>
+            <a:ext cx="3194280" cy="389880"/>
           </a:xfrm>
           <a:prstGeom prst="rect">
             <a:avLst/>
@@ -41651,7 +41652,7 @@
         <p:spPr>
           <a:xfrm>
             <a:off x="7227360" y="5166000"/>
-            <a:ext cx="2347920" cy="390240"/>
+            <a:ext cx="2347560" cy="389880"/>
           </a:xfrm>
           <a:prstGeom prst="rect">
             <a:avLst/>
@@ -41692,7 +41693,7 @@
                 <a:tab algn="l" pos="0"/>
               </a:tabLst>
             </a:pPr>
-            <a:fld id="{089225EC-C007-4752-BCF6-AF39784245F9}" type="slidenum">
+            <a:fld id="{759341E0-E953-48D2-9C6F-6A10DAD56CFD}" type="slidenum">
               <a:rPr b="0" lang="en-US" sz="1400" spc="-1" strike="noStrike">
                 <a:solidFill>
                   <a:srgbClr val="000000"/>
@@ -41723,7 +41724,7 @@
         <p:spPr>
           <a:xfrm>
             <a:off x="468000" y="5166000"/>
-            <a:ext cx="2347920" cy="390240"/>
+            <a:ext cx="2347560" cy="389880"/>
           </a:xfrm>
           <a:prstGeom prst="rect">
             <a:avLst/>
@@ -41805,9 +41806,9 @@
         <p:grpSpPr>
           <a:xfrm>
             <a:off x="7406640" y="3566160"/>
-            <a:ext cx="2377080" cy="4297320"/>
+            <a:ext cx="2376720" cy="4296960"/>
             <a:chOff x="7406640" y="3566160"/>
-            <a:chExt cx="2377080" cy="4297320"/>
+            <a:chExt cx="2376720" cy="4296960"/>
           </a:xfrm>
         </p:grpSpPr>
         <p:sp>
@@ -41819,7 +41820,7 @@
           <p:spPr>
             <a:xfrm>
               <a:off x="8138160" y="4754880"/>
-              <a:ext cx="456840" cy="2559960"/>
+              <a:ext cx="456480" cy="2559600"/>
             </a:xfrm>
             <a:prstGeom prst="rect">
               <a:avLst/>
@@ -41827,7 +41828,7 @@
             <a:blipFill rotWithShape="0">
               <a:blip r:embed="rId2"/>
               <a:srcRect/>
-              <a:tile tx="0" ty="0" sx="74468" sy="74468" algn="ctr"/>
+              <a:tile tx="0" ty="0" sx="74113" sy="74113" algn="ctr"/>
             </a:blipFill>
             <a:ln w="0">
               <a:noFill/>
@@ -41868,7 +41869,7 @@
           <p:spPr>
             <a:xfrm>
               <a:off x="8961120" y="3566160"/>
-              <a:ext cx="456840" cy="2559960"/>
+              <a:ext cx="456480" cy="2559600"/>
             </a:xfrm>
             <a:prstGeom prst="rect">
               <a:avLst/>
@@ -41876,7 +41877,7 @@
             <a:blipFill rotWithShape="0">
               <a:blip r:embed="rId3"/>
               <a:srcRect/>
-              <a:tile tx="0" ty="0" sx="74468" sy="74468" algn="ctr"/>
+              <a:tile tx="0" ty="0" sx="74113" sy="74113" algn="ctr"/>
             </a:blipFill>
             <a:ln w="0">
               <a:noFill/>
@@ -41917,7 +41918,7 @@
           <p:spPr>
             <a:xfrm>
               <a:off x="8503920" y="5120640"/>
-              <a:ext cx="1279800" cy="91080"/>
+              <a:ext cx="1279440" cy="90720"/>
             </a:xfrm>
             <a:prstGeom prst="rect">
               <a:avLst/>
@@ -41966,7 +41967,7 @@
           <p:spPr>
             <a:xfrm>
               <a:off x="8321040" y="5303520"/>
-              <a:ext cx="914040" cy="91080"/>
+              <a:ext cx="913680" cy="90720"/>
             </a:xfrm>
             <a:prstGeom prst="rect">
               <a:avLst/>
@@ -42015,7 +42016,7 @@
           <p:spPr>
             <a:xfrm>
               <a:off x="8869680" y="5486400"/>
-              <a:ext cx="914040" cy="91080"/>
+              <a:ext cx="913680" cy="90720"/>
             </a:xfrm>
             <a:prstGeom prst="rect">
               <a:avLst/>
@@ -42064,7 +42065,7 @@
           <p:spPr>
             <a:xfrm>
               <a:off x="7406640" y="5303520"/>
-              <a:ext cx="456840" cy="2559960"/>
+              <a:ext cx="456480" cy="2559600"/>
             </a:xfrm>
             <a:prstGeom prst="rect">
               <a:avLst/>
@@ -42072,7 +42073,7 @@
             <a:blipFill rotWithShape="0">
               <a:blip r:embed="rId4"/>
               <a:srcRect/>
-              <a:tile tx="0" ty="0" sx="74468" sy="74468" algn="ctr"/>
+              <a:tile tx="0" ty="0" sx="74113" sy="74113" algn="ctr"/>
             </a:blipFill>
             <a:ln w="0">
               <a:noFill/>
@@ -42113,8 +42114,8 @@
         </p:nvSpPr>
         <p:spPr>
           <a:xfrm flipH="1" flipV="1">
-            <a:off x="1461600" y="-1555200"/>
-            <a:ext cx="456840" cy="2559960"/>
+            <a:off x="1461240" y="-1555200"/>
+            <a:ext cx="456480" cy="2559600"/>
           </a:xfrm>
           <a:prstGeom prst="rect">
             <a:avLst/>
@@ -42122,7 +42123,7 @@
           <a:blipFill rotWithShape="0">
             <a:blip r:embed="rId5"/>
             <a:srcRect/>
-            <a:tile tx="0" ty="0" sx="74468" sy="74468" algn="ctr"/>
+            <a:tile tx="0" ty="0" sx="74113" sy="74113" algn="ctr"/>
           </a:blipFill>
           <a:ln w="0">
             <a:noFill/>
@@ -42162,8 +42163,8 @@
         </p:nvSpPr>
         <p:spPr>
           <a:xfrm flipH="1" flipV="1">
-            <a:off x="638640" y="-365760"/>
-            <a:ext cx="456840" cy="2559960"/>
+            <a:off x="638280" y="-365400"/>
+            <a:ext cx="456480" cy="2559600"/>
           </a:xfrm>
           <a:prstGeom prst="rect">
             <a:avLst/>
@@ -42171,7 +42172,7 @@
           <a:blipFill rotWithShape="0">
             <a:blip r:embed="rId6"/>
             <a:srcRect/>
-            <a:tile tx="0" ty="0" sx="74468" sy="74468" algn="ctr"/>
+            <a:tile tx="0" ty="0" sx="74113" sy="74113" algn="ctr"/>
           </a:blipFill>
           <a:ln w="0">
             <a:noFill/>
@@ -42212,7 +42213,7 @@
         <p:spPr>
           <a:xfrm flipH="1" flipV="1">
             <a:off x="273600" y="547920"/>
-            <a:ext cx="1279800" cy="91080"/>
+            <a:ext cx="1279440" cy="90720"/>
           </a:xfrm>
           <a:prstGeom prst="rect">
             <a:avLst/>
@@ -42261,7 +42262,7 @@
         <p:spPr>
           <a:xfrm flipH="1" flipV="1">
             <a:off x="822240" y="365040"/>
-            <a:ext cx="914040" cy="91080"/>
+            <a:ext cx="913680" cy="90720"/>
           </a:xfrm>
           <a:prstGeom prst="rect">
             <a:avLst/>
@@ -42310,7 +42311,7 @@
         <p:spPr>
           <a:xfrm flipH="1" flipV="1">
             <a:off x="273600" y="182160"/>
-            <a:ext cx="914040" cy="91080"/>
+            <a:ext cx="913680" cy="90720"/>
           </a:xfrm>
           <a:prstGeom prst="rect">
             <a:avLst/>
@@ -42359,7 +42360,7 @@
         <p:spPr>
           <a:xfrm flipH="1" flipV="1">
             <a:off x="2193840" y="-2103840"/>
-            <a:ext cx="456840" cy="2559960"/>
+            <a:ext cx="456480" cy="2559600"/>
           </a:xfrm>
           <a:prstGeom prst="rect">
             <a:avLst/>
@@ -42367,7 +42368,7 @@
           <a:blipFill rotWithShape="0">
             <a:blip r:embed="rId7"/>
             <a:srcRect/>
-            <a:tile tx="0" ty="0" sx="74468" sy="74468" algn="ctr"/>
+            <a:tile tx="0" ty="0" sx="74113" sy="74113" algn="ctr"/>
           </a:blipFill>
           <a:ln w="0">
             <a:noFill/>
@@ -42408,7 +42409,7 @@
         <p:spPr>
           <a:xfrm>
             <a:off x="3474720" y="2560320"/>
-            <a:ext cx="2742840" cy="2742840"/>
+            <a:ext cx="2742480" cy="2742480"/>
           </a:xfrm>
           <a:prstGeom prst="ellipse">
             <a:avLst/>
@@ -42461,7 +42462,7 @@
         <p:spPr>
           <a:xfrm>
             <a:off x="468000" y="468000"/>
-            <a:ext cx="9071640" cy="946080"/>
+            <a:ext cx="9071280" cy="945720"/>
           </a:xfrm>
           <a:prstGeom prst="rect">
             <a:avLst/>
@@ -42486,7 +42487,16 @@
                 </a:solidFill>
                 <a:latin typeface="Arial"/>
               </a:rPr>
-              <a:t>Click to edit the title text format</a:t>
+              <a:t>Click to edit the </a:t>
+            </a:r>
+            <a:r>
+              <a:rPr b="0" lang="en-US" sz="1800" spc="-1" strike="noStrike">
+                <a:solidFill>
+                  <a:srgbClr val="000000"/>
+                </a:solidFill>
+                <a:latin typeface="Arial"/>
+              </a:rPr>
+              <a:t>title text format</a:t>
             </a:r>
             <a:endParaRPr b="0" lang="en-US" sz="1800" spc="-1" strike="noStrike">
               <a:solidFill>
@@ -42510,7 +42520,7 @@
         <p:spPr>
           <a:xfrm>
             <a:off x="468000" y="1800000"/>
-            <a:ext cx="9071640" cy="3287880"/>
+            <a:ext cx="9071280" cy="3287520"/>
           </a:xfrm>
           <a:prstGeom prst="rect">
             <a:avLst/>
@@ -42735,7 +42745,7 @@
         <p:spPr>
           <a:xfrm>
             <a:off x="3442680" y="5166000"/>
-            <a:ext cx="3194640" cy="390240"/>
+            <a:ext cx="3194280" cy="389880"/>
           </a:xfrm>
           <a:prstGeom prst="rect">
             <a:avLst/>
@@ -42807,7 +42817,7 @@
         <p:spPr>
           <a:xfrm>
             <a:off x="7227360" y="5166000"/>
-            <a:ext cx="2347920" cy="390240"/>
+            <a:ext cx="2347560" cy="389880"/>
           </a:xfrm>
           <a:prstGeom prst="rect">
             <a:avLst/>
@@ -42848,7 +42858,7 @@
                 <a:tab algn="l" pos="0"/>
               </a:tabLst>
             </a:pPr>
-            <a:fld id="{0B840D6A-204C-4E43-849E-1A8193A10098}" type="slidenum">
+            <a:fld id="{F1A29A53-9BBC-4A67-A603-3145FAF62B7B}" type="slidenum">
               <a:rPr b="0" lang="en-US" sz="1400" spc="-1" strike="noStrike">
                 <a:solidFill>
                   <a:srgbClr val="000000"/>
@@ -42879,7 +42889,7 @@
         <p:spPr>
           <a:xfrm>
             <a:off x="468000" y="5166000"/>
-            <a:ext cx="2347920" cy="390240"/>
+            <a:ext cx="2347560" cy="389880"/>
           </a:xfrm>
           <a:prstGeom prst="rect">
             <a:avLst/>
@@ -42961,7 +42971,7 @@
         <p:spPr>
           <a:xfrm>
             <a:off x="822960" y="2468880"/>
-            <a:ext cx="1462680" cy="1462680"/>
+            <a:ext cx="1462320" cy="1462320"/>
           </a:xfrm>
           <a:prstGeom prst="ellipse">
             <a:avLst/>
@@ -43015,7 +43025,7 @@
         <p:spPr>
           <a:xfrm>
             <a:off x="4480560" y="1554480"/>
-            <a:ext cx="1462680" cy="1462680"/>
+            <a:ext cx="1462320" cy="1462320"/>
           </a:xfrm>
           <a:prstGeom prst="ellipse">
             <a:avLst/>
@@ -43069,7 +43079,7 @@
         <p:spPr>
           <a:xfrm>
             <a:off x="6583680" y="3108960"/>
-            <a:ext cx="1462680" cy="1462680"/>
+            <a:ext cx="1462320" cy="1462320"/>
           </a:xfrm>
           <a:prstGeom prst="ellipse">
             <a:avLst/>
@@ -43123,15 +43133,15 @@
         <p:spPr>
           <a:xfrm>
             <a:off x="1554480" y="4114800"/>
-            <a:ext cx="914040" cy="657000"/>
+            <a:ext cx="913680" cy="656640"/>
           </a:xfrm>
           <a:custGeom>
             <a:avLst/>
             <a:gdLst>
-              <a:gd name="textAreaLeft" fmla="*/ 0 w 914040"/>
-              <a:gd name="textAreaRight" fmla="*/ 914400 w 914040"/>
-              <a:gd name="textAreaTop" fmla="*/ 0 h 657000"/>
-              <a:gd name="textAreaBottom" fmla="*/ 657360 h 657000"/>
+              <a:gd name="textAreaLeft" fmla="*/ 0 w 913680"/>
+              <a:gd name="textAreaRight" fmla="*/ 914400 w 913680"/>
+              <a:gd name="textAreaTop" fmla="*/ 0 h 656640"/>
+              <a:gd name="textAreaBottom" fmla="*/ 657360 h 656640"/>
             </a:gdLst>
             <a:ahLst/>
             <a:rect l="textAreaLeft" t="textAreaTop" r="textAreaRight" b="textAreaBottom"/>
@@ -43180,6 +43190,7 @@
                 <a:srgbClr val="000000"/>
               </a:solidFill>
               <a:latin typeface="Noto Sans"/>
+              <a:ea typeface="DejaVu Sans"/>
             </a:endParaRPr>
           </a:p>
         </p:txBody>
@@ -43193,15 +43204,15 @@
         <p:spPr>
           <a:xfrm>
             <a:off x="3657600" y="1188720"/>
-            <a:ext cx="822600" cy="639720"/>
+            <a:ext cx="822240" cy="639360"/>
           </a:xfrm>
           <a:custGeom>
             <a:avLst/>
             <a:gdLst>
-              <a:gd name="textAreaLeft" fmla="*/ 0 w 822600"/>
-              <a:gd name="textAreaRight" fmla="*/ 822960 w 822600"/>
-              <a:gd name="textAreaTop" fmla="*/ 0 h 639720"/>
-              <a:gd name="textAreaBottom" fmla="*/ 640080 h 639720"/>
+              <a:gd name="textAreaLeft" fmla="*/ 0 w 822240"/>
+              <a:gd name="textAreaRight" fmla="*/ 822960 w 822240"/>
+              <a:gd name="textAreaTop" fmla="*/ 0 h 639360"/>
+              <a:gd name="textAreaBottom" fmla="*/ 640080 h 639360"/>
             </a:gdLst>
             <a:ahLst/>
             <a:rect l="textAreaLeft" t="textAreaTop" r="textAreaRight" b="textAreaBottom"/>
@@ -43250,6 +43261,7 @@
                 <a:srgbClr val="000000"/>
               </a:solidFill>
               <a:latin typeface="Noto Sans"/>
+              <a:ea typeface="DejaVu Sans"/>
             </a:endParaRPr>
           </a:p>
         </p:txBody>
@@ -43263,15 +43275,15 @@
         <p:spPr>
           <a:xfrm>
             <a:off x="7955280" y="2011680"/>
-            <a:ext cx="1463760" cy="1188360"/>
+            <a:ext cx="1463400" cy="1188000"/>
           </a:xfrm>
           <a:custGeom>
             <a:avLst/>
             <a:gdLst>
-              <a:gd name="textAreaLeft" fmla="*/ 0 w 1463760"/>
-              <a:gd name="textAreaRight" fmla="*/ 1464120 w 1463760"/>
-              <a:gd name="textAreaTop" fmla="*/ 0 h 1188360"/>
-              <a:gd name="textAreaBottom" fmla="*/ 1188720 h 1188360"/>
+              <a:gd name="textAreaLeft" fmla="*/ 0 w 1463400"/>
+              <a:gd name="textAreaRight" fmla="*/ 1464120 w 1463400"/>
+              <a:gd name="textAreaTop" fmla="*/ 0 h 1188000"/>
+              <a:gd name="textAreaBottom" fmla="*/ 1188720 h 1188000"/>
             </a:gdLst>
             <a:ahLst/>
             <a:rect l="textAreaLeft" t="textAreaTop" r="textAreaRight" b="textAreaBottom"/>
@@ -43325,6 +43337,7 @@
                 <a:srgbClr val="000000"/>
               </a:solidFill>
               <a:latin typeface="Noto Sans"/>
+              <a:ea typeface="DejaVu Sans"/>
             </a:endParaRPr>
           </a:p>
         </p:txBody>
@@ -43338,7 +43351,7 @@
         <p:spPr>
           <a:xfrm>
             <a:off x="2468880" y="822960"/>
-            <a:ext cx="1410120" cy="1371240"/>
+            <a:ext cx="1409760" cy="1370880"/>
           </a:xfrm>
           <a:prstGeom prst="ellipse">
             <a:avLst/>
@@ -43387,7 +43400,7 @@
         <p:spPr>
           <a:xfrm>
             <a:off x="3931920" y="4663440"/>
-            <a:ext cx="1684440" cy="1645560"/>
+            <a:ext cx="1684080" cy="1645200"/>
           </a:xfrm>
           <a:prstGeom prst="ellipse">
             <a:avLst/>
@@ -43436,7 +43449,7 @@
         <p:spPr>
           <a:xfrm>
             <a:off x="8412480" y="1280160"/>
-            <a:ext cx="1096920" cy="1005480"/>
+            <a:ext cx="1096560" cy="1005120"/>
           </a:xfrm>
           <a:prstGeom prst="ellipse">
             <a:avLst/>
@@ -43489,7 +43502,7 @@
         <p:spPr>
           <a:xfrm>
             <a:off x="468000" y="468000"/>
-            <a:ext cx="9071640" cy="946080"/>
+            <a:ext cx="9071280" cy="945720"/>
           </a:xfrm>
           <a:prstGeom prst="rect">
             <a:avLst/>
@@ -43538,7 +43551,7 @@
         <p:spPr>
           <a:xfrm>
             <a:off x="468000" y="1800000"/>
-            <a:ext cx="9071640" cy="3287880"/>
+            <a:ext cx="9071280" cy="3287520"/>
           </a:xfrm>
           <a:prstGeom prst="rect">
             <a:avLst/>
@@ -43763,7 +43776,7 @@
         <p:spPr>
           <a:xfrm>
             <a:off x="3442680" y="5166000"/>
-            <a:ext cx="3194640" cy="390240"/>
+            <a:ext cx="3194280" cy="389880"/>
           </a:xfrm>
           <a:prstGeom prst="rect">
             <a:avLst/>
@@ -43835,7 +43848,7 @@
         <p:spPr>
           <a:xfrm>
             <a:off x="7227360" y="5166000"/>
-            <a:ext cx="2347920" cy="390240"/>
+            <a:ext cx="2347560" cy="389880"/>
           </a:xfrm>
           <a:prstGeom prst="rect">
             <a:avLst/>
@@ -43876,7 +43889,7 @@
                 <a:tab algn="l" pos="0"/>
               </a:tabLst>
             </a:pPr>
-            <a:fld id="{73F9D47D-6E45-4BCF-A090-FC0E0B444E72}" type="slidenum">
+            <a:fld id="{CE67289E-9A81-48D6-89A5-3070F31F6EEF}" type="slidenum">
               <a:rPr b="0" lang="en-US" sz="1400" spc="-1" strike="noStrike">
                 <a:solidFill>
                   <a:srgbClr val="000000"/>
@@ -43907,7 +43920,7 @@
         <p:spPr>
           <a:xfrm>
             <a:off x="468000" y="5166000"/>
-            <a:ext cx="2347920" cy="390240"/>
+            <a:ext cx="2347560" cy="389880"/>
           </a:xfrm>
           <a:prstGeom prst="rect">
             <a:avLst/>
@@ -43989,7 +44002,7 @@
         <p:spPr>
           <a:xfrm>
             <a:off x="822960" y="2468880"/>
-            <a:ext cx="1462680" cy="1462680"/>
+            <a:ext cx="1462320" cy="1462320"/>
           </a:xfrm>
           <a:prstGeom prst="ellipse">
             <a:avLst/>
@@ -44043,7 +44056,7 @@
         <p:spPr>
           <a:xfrm>
             <a:off x="4480560" y="1554480"/>
-            <a:ext cx="1462680" cy="1462680"/>
+            <a:ext cx="1462320" cy="1462320"/>
           </a:xfrm>
           <a:prstGeom prst="ellipse">
             <a:avLst/>
@@ -44097,7 +44110,7 @@
         <p:spPr>
           <a:xfrm>
             <a:off x="6583680" y="3108960"/>
-            <a:ext cx="1462680" cy="1462680"/>
+            <a:ext cx="1462320" cy="1462320"/>
           </a:xfrm>
           <a:prstGeom prst="ellipse">
             <a:avLst/>
@@ -44151,15 +44164,15 @@
         <p:spPr>
           <a:xfrm>
             <a:off x="1554480" y="4114800"/>
-            <a:ext cx="914040" cy="657000"/>
+            <a:ext cx="913680" cy="656640"/>
           </a:xfrm>
           <a:custGeom>
             <a:avLst/>
             <a:gdLst>
-              <a:gd name="textAreaLeft" fmla="*/ 0 w 914040"/>
-              <a:gd name="textAreaRight" fmla="*/ 914400 w 914040"/>
-              <a:gd name="textAreaTop" fmla="*/ 0 h 657000"/>
-              <a:gd name="textAreaBottom" fmla="*/ 657360 h 657000"/>
+              <a:gd name="textAreaLeft" fmla="*/ 0 w 913680"/>
+              <a:gd name="textAreaRight" fmla="*/ 914400 w 913680"/>
+              <a:gd name="textAreaTop" fmla="*/ 0 h 656640"/>
+              <a:gd name="textAreaBottom" fmla="*/ 657360 h 656640"/>
             </a:gdLst>
             <a:ahLst/>
             <a:rect l="textAreaLeft" t="textAreaTop" r="textAreaRight" b="textAreaBottom"/>
@@ -44208,6 +44221,7 @@
                 <a:srgbClr val="000000"/>
               </a:solidFill>
               <a:latin typeface="Noto Sans"/>
+              <a:ea typeface="DejaVu Sans"/>
             </a:endParaRPr>
           </a:p>
         </p:txBody>
@@ -44221,15 +44235,15 @@
         <p:spPr>
           <a:xfrm>
             <a:off x="3657600" y="1188720"/>
-            <a:ext cx="822600" cy="639720"/>
+            <a:ext cx="822240" cy="639360"/>
           </a:xfrm>
           <a:custGeom>
             <a:avLst/>
             <a:gdLst>
-              <a:gd name="textAreaLeft" fmla="*/ 0 w 822600"/>
-              <a:gd name="textAreaRight" fmla="*/ 822960 w 822600"/>
-              <a:gd name="textAreaTop" fmla="*/ 0 h 639720"/>
-              <a:gd name="textAreaBottom" fmla="*/ 640080 h 639720"/>
+              <a:gd name="textAreaLeft" fmla="*/ 0 w 822240"/>
+              <a:gd name="textAreaRight" fmla="*/ 822960 w 822240"/>
+              <a:gd name="textAreaTop" fmla="*/ 0 h 639360"/>
+              <a:gd name="textAreaBottom" fmla="*/ 640080 h 639360"/>
             </a:gdLst>
             <a:ahLst/>
             <a:rect l="textAreaLeft" t="textAreaTop" r="textAreaRight" b="textAreaBottom"/>
@@ -44278,6 +44292,7 @@
                 <a:srgbClr val="000000"/>
               </a:solidFill>
               <a:latin typeface="Noto Sans"/>
+              <a:ea typeface="DejaVu Sans"/>
             </a:endParaRPr>
           </a:p>
         </p:txBody>
@@ -44291,15 +44306,15 @@
         <p:spPr>
           <a:xfrm>
             <a:off x="7955280" y="2011680"/>
-            <a:ext cx="1463760" cy="1188360"/>
+            <a:ext cx="1463400" cy="1188000"/>
           </a:xfrm>
           <a:custGeom>
             <a:avLst/>
             <a:gdLst>
-              <a:gd name="textAreaLeft" fmla="*/ 0 w 1463760"/>
-              <a:gd name="textAreaRight" fmla="*/ 1464120 w 1463760"/>
-              <a:gd name="textAreaTop" fmla="*/ 0 h 1188360"/>
-              <a:gd name="textAreaBottom" fmla="*/ 1188720 h 1188360"/>
+              <a:gd name="textAreaLeft" fmla="*/ 0 w 1463400"/>
+              <a:gd name="textAreaRight" fmla="*/ 1464120 w 1463400"/>
+              <a:gd name="textAreaTop" fmla="*/ 0 h 1188000"/>
+              <a:gd name="textAreaBottom" fmla="*/ 1188720 h 1188000"/>
             </a:gdLst>
             <a:ahLst/>
             <a:rect l="textAreaLeft" t="textAreaTop" r="textAreaRight" b="textAreaBottom"/>
@@ -44353,6 +44368,7 @@
                 <a:srgbClr val="000000"/>
               </a:solidFill>
               <a:latin typeface="Noto Sans"/>
+              <a:ea typeface="DejaVu Sans"/>
             </a:endParaRPr>
           </a:p>
         </p:txBody>
@@ -44366,7 +44382,7 @@
         <p:spPr>
           <a:xfrm>
             <a:off x="2468880" y="822960"/>
-            <a:ext cx="1410120" cy="1371240"/>
+            <a:ext cx="1409760" cy="1370880"/>
           </a:xfrm>
           <a:prstGeom prst="ellipse">
             <a:avLst/>
@@ -44415,7 +44431,7 @@
         <p:spPr>
           <a:xfrm>
             <a:off x="3931920" y="4663440"/>
-            <a:ext cx="1684440" cy="1645560"/>
+            <a:ext cx="1684080" cy="1645200"/>
           </a:xfrm>
           <a:prstGeom prst="ellipse">
             <a:avLst/>
@@ -44464,7 +44480,7 @@
         <p:spPr>
           <a:xfrm>
             <a:off x="8412480" y="1280160"/>
-            <a:ext cx="1096920" cy="1005480"/>
+            <a:ext cx="1096560" cy="1005120"/>
           </a:xfrm>
           <a:prstGeom prst="ellipse">
             <a:avLst/>
@@ -44517,7 +44533,7 @@
         <p:spPr>
           <a:xfrm>
             <a:off x="3442680" y="5166000"/>
-            <a:ext cx="3194640" cy="390240"/>
+            <a:ext cx="3194280" cy="389880"/>
           </a:xfrm>
           <a:prstGeom prst="rect">
             <a:avLst/>
@@ -44589,7 +44605,7 @@
         <p:spPr>
           <a:xfrm>
             <a:off x="7227360" y="5166000"/>
-            <a:ext cx="2347920" cy="390240"/>
+            <a:ext cx="2347560" cy="389880"/>
           </a:xfrm>
           <a:prstGeom prst="rect">
             <a:avLst/>
@@ -44630,7 +44646,7 @@
                 <a:tab algn="l" pos="0"/>
               </a:tabLst>
             </a:pPr>
-            <a:fld id="{43A55B74-440B-4D1E-BC79-16BF98D78030}" type="slidenum">
+            <a:fld id="{0A4880FE-0977-4F75-B1AF-63E78F22B76B}" type="slidenum">
               <a:rPr b="0" lang="en-US" sz="1400" spc="-1" strike="noStrike">
                 <a:solidFill>
                   <a:srgbClr val="000000"/>
@@ -44661,7 +44677,7 @@
         <p:spPr>
           <a:xfrm>
             <a:off x="468000" y="5166000"/>
-            <a:ext cx="2347920" cy="390240"/>
+            <a:ext cx="2347560" cy="389880"/>
           </a:xfrm>
           <a:prstGeom prst="rect">
             <a:avLst/>
@@ -45017,7 +45033,7 @@
         <p:spPr>
           <a:xfrm>
             <a:off x="2103480" y="3658320"/>
-            <a:ext cx="1645560" cy="1645560"/>
+            <a:ext cx="1645200" cy="1645200"/>
           </a:xfrm>
           <a:prstGeom prst="ellipse">
             <a:avLst/>
@@ -45066,7 +45082,7 @@
         <p:spPr>
           <a:xfrm>
             <a:off x="823320" y="-273240"/>
-            <a:ext cx="2194200" cy="2194200"/>
+            <a:ext cx="2193840" cy="2193840"/>
           </a:xfrm>
           <a:prstGeom prst="ellipse">
             <a:avLst/>
@@ -45115,7 +45131,7 @@
         <p:spPr>
           <a:xfrm>
             <a:off x="7955640" y="3109680"/>
-            <a:ext cx="2194200" cy="2194200"/>
+            <a:ext cx="2193840" cy="2193840"/>
           </a:xfrm>
           <a:prstGeom prst="ellipse">
             <a:avLst/>
@@ -45164,7 +45180,7 @@
         <p:spPr>
           <a:xfrm>
             <a:off x="9601560" y="915120"/>
-            <a:ext cx="1645560" cy="1645560"/>
+            <a:ext cx="1645200" cy="1645200"/>
           </a:xfrm>
           <a:prstGeom prst="ellipse">
             <a:avLst/>
@@ -45212,10 +45228,10 @@
         </p:nvGrpSpPr>
         <p:grpSpPr>
           <a:xfrm>
-            <a:off x="3917880" y="1135800"/>
-            <a:ext cx="2433240" cy="4338720"/>
-            <a:chOff x="3917880" y="1135800"/>
-            <a:chExt cx="2433240" cy="4338720"/>
+            <a:off x="3917520" y="1135080"/>
+            <a:ext cx="2432880" cy="4338360"/>
+            <a:chOff x="3917520" y="1135080"/>
+            <a:chExt cx="2432880" cy="4338360"/>
           </a:xfrm>
         </p:grpSpPr>
         <p:sp>
@@ -45226,8 +45242,8 @@
           </p:nvSpPr>
           <p:spPr>
             <a:xfrm flipH="1" flipV="1" rot="5330400">
-              <a:off x="4853160" y="3738600"/>
-              <a:ext cx="1371240" cy="1462680"/>
+              <a:off x="4853160" y="3737520"/>
+              <a:ext cx="1370880" cy="1462320"/>
             </a:xfrm>
             <a:prstGeom prst="parallelogram">
               <a:avLst>
@@ -45275,8 +45291,8 @@
           </p:nvSpPr>
           <p:spPr>
             <a:xfrm flipH="1" flipV="1" rot="5330400">
-              <a:off x="4022640" y="2700360"/>
-              <a:ext cx="1371240" cy="1462680"/>
+              <a:off x="4022640" y="2699280"/>
+              <a:ext cx="1370880" cy="1462320"/>
             </a:xfrm>
             <a:prstGeom prst="parallelogram">
               <a:avLst>
@@ -45324,8 +45340,8 @@
           </p:nvSpPr>
           <p:spPr>
             <a:xfrm flipH="1" flipV="1" rot="5330400">
-              <a:off x="4919760" y="2436120"/>
-              <a:ext cx="1371240" cy="1462680"/>
+              <a:off x="4919760" y="2435040"/>
+              <a:ext cx="1370880" cy="1462320"/>
             </a:xfrm>
             <a:prstGeom prst="parallelogram">
               <a:avLst>
@@ -45373,8 +45389,8 @@
           </p:nvSpPr>
           <p:spPr>
             <a:xfrm flipH="1" flipV="1" rot="5330400">
-              <a:off x="3976560" y="1342440"/>
-              <a:ext cx="1371240" cy="1462680"/>
+              <a:off x="3976560" y="1341360"/>
+              <a:ext cx="1370880" cy="1462320"/>
             </a:xfrm>
             <a:prstGeom prst="parallelogram">
               <a:avLst>
@@ -45422,8 +45438,8 @@
           </p:nvSpPr>
           <p:spPr>
             <a:xfrm flipH="1" flipV="1" rot="5330400">
-              <a:off x="4910760" y="1104480"/>
-              <a:ext cx="1371240" cy="1462680"/>
+              <a:off x="4910760" y="1103400"/>
+              <a:ext cx="1370880" cy="1462320"/>
             </a:xfrm>
             <a:prstGeom prst="parallelogram">
               <a:avLst>
@@ -45471,8 +45487,8 @@
           </p:nvSpPr>
           <p:spPr>
             <a:xfrm flipH="1" flipV="1" rot="5330400">
-              <a:off x="4031280" y="4042800"/>
-              <a:ext cx="1371240" cy="1462680"/>
+              <a:off x="4031280" y="4041720"/>
+              <a:ext cx="1370880" cy="1462320"/>
             </a:xfrm>
             <a:prstGeom prst="parallelogram">
               <a:avLst>
@@ -45526,7 +45542,7 @@
         <p:spPr>
           <a:xfrm>
             <a:off x="468000" y="468000"/>
-            <a:ext cx="9071640" cy="946080"/>
+            <a:ext cx="9071280" cy="945720"/>
           </a:xfrm>
           <a:prstGeom prst="rect">
             <a:avLst/>
@@ -45575,7 +45591,7 @@
         <p:spPr>
           <a:xfrm>
             <a:off x="468000" y="1800000"/>
-            <a:ext cx="9071640" cy="3287880"/>
+            <a:ext cx="9071280" cy="3287520"/>
           </a:xfrm>
           <a:prstGeom prst="rect">
             <a:avLst/>
@@ -45800,7 +45816,7 @@
         <p:spPr>
           <a:xfrm>
             <a:off x="3442680" y="5166000"/>
-            <a:ext cx="3194640" cy="390240"/>
+            <a:ext cx="3194280" cy="389880"/>
           </a:xfrm>
           <a:prstGeom prst="rect">
             <a:avLst/>
@@ -45872,7 +45888,7 @@
         <p:spPr>
           <a:xfrm>
             <a:off x="7227360" y="5166000"/>
-            <a:ext cx="2347920" cy="390240"/>
+            <a:ext cx="2347560" cy="389880"/>
           </a:xfrm>
           <a:prstGeom prst="rect">
             <a:avLst/>
@@ -45913,7 +45929,7 @@
                 <a:tab algn="l" pos="0"/>
               </a:tabLst>
             </a:pPr>
-            <a:fld id="{B4316AC6-71B1-428A-8B7D-0CB115A980EB}" type="slidenum">
+            <a:fld id="{238BA25A-CD65-4584-B235-53474CC6ABEA}" type="slidenum">
               <a:rPr b="0" lang="en-US" sz="1400" spc="-1" strike="noStrike">
                 <a:solidFill>
                   <a:srgbClr val="000000"/>
@@ -45944,7 +45960,7 @@
         <p:spPr>
           <a:xfrm>
             <a:off x="468000" y="5166000"/>
-            <a:ext cx="2347920" cy="390240"/>
+            <a:ext cx="2347560" cy="389880"/>
           </a:xfrm>
           <a:prstGeom prst="rect">
             <a:avLst/>
@@ -46026,7 +46042,7 @@
         <p:spPr>
           <a:xfrm>
             <a:off x="2103480" y="3658320"/>
-            <a:ext cx="1645560" cy="1645560"/>
+            <a:ext cx="1645200" cy="1645200"/>
           </a:xfrm>
           <a:prstGeom prst="ellipse">
             <a:avLst/>
@@ -46075,7 +46091,7 @@
         <p:spPr>
           <a:xfrm>
             <a:off x="823320" y="-273240"/>
-            <a:ext cx="2194200" cy="2194200"/>
+            <a:ext cx="2193840" cy="2193840"/>
           </a:xfrm>
           <a:prstGeom prst="ellipse">
             <a:avLst/>
@@ -46124,7 +46140,7 @@
         <p:spPr>
           <a:xfrm>
             <a:off x="7955640" y="3109680"/>
-            <a:ext cx="2194200" cy="2194200"/>
+            <a:ext cx="2193840" cy="2193840"/>
           </a:xfrm>
           <a:prstGeom prst="ellipse">
             <a:avLst/>
@@ -46173,7 +46189,7 @@
         <p:spPr>
           <a:xfrm>
             <a:off x="9601560" y="915120"/>
-            <a:ext cx="1645560" cy="1645560"/>
+            <a:ext cx="1645200" cy="1645200"/>
           </a:xfrm>
           <a:prstGeom prst="ellipse">
             <a:avLst/>
@@ -46221,10 +46237,10 @@
         </p:nvGrpSpPr>
         <p:grpSpPr>
           <a:xfrm>
-            <a:off x="3917880" y="1135800"/>
-            <a:ext cx="2433240" cy="4338720"/>
-            <a:chOff x="3917880" y="1135800"/>
-            <a:chExt cx="2433240" cy="4338720"/>
+            <a:off x="3917520" y="1135080"/>
+            <a:ext cx="2432880" cy="4338360"/>
+            <a:chOff x="3917520" y="1135080"/>
+            <a:chExt cx="2432880" cy="4338360"/>
           </a:xfrm>
         </p:grpSpPr>
         <p:sp>
@@ -46235,8 +46251,8 @@
           </p:nvSpPr>
           <p:spPr>
             <a:xfrm flipH="1" flipV="1" rot="5330400">
-              <a:off x="4853160" y="3738600"/>
-              <a:ext cx="1371240" cy="1462680"/>
+              <a:off x="4853160" y="3737520"/>
+              <a:ext cx="1370880" cy="1462320"/>
             </a:xfrm>
             <a:prstGeom prst="parallelogram">
               <a:avLst>
@@ -46284,8 +46300,8 @@
           </p:nvSpPr>
           <p:spPr>
             <a:xfrm flipH="1" flipV="1" rot="5330400">
-              <a:off x="4022640" y="2700360"/>
-              <a:ext cx="1371240" cy="1462680"/>
+              <a:off x="4022640" y="2699280"/>
+              <a:ext cx="1370880" cy="1462320"/>
             </a:xfrm>
             <a:prstGeom prst="parallelogram">
               <a:avLst>
@@ -46333,8 +46349,8 @@
           </p:nvSpPr>
           <p:spPr>
             <a:xfrm flipH="1" flipV="1" rot="5330400">
-              <a:off x="4919760" y="2436120"/>
-              <a:ext cx="1371240" cy="1462680"/>
+              <a:off x="4919760" y="2435040"/>
+              <a:ext cx="1370880" cy="1462320"/>
             </a:xfrm>
             <a:prstGeom prst="parallelogram">
               <a:avLst>
@@ -46382,8 +46398,8 @@
           </p:nvSpPr>
           <p:spPr>
             <a:xfrm flipH="1" flipV="1" rot="5330400">
-              <a:off x="3976560" y="1342440"/>
-              <a:ext cx="1371240" cy="1462680"/>
+              <a:off x="3976560" y="1341360"/>
+              <a:ext cx="1370880" cy="1462320"/>
             </a:xfrm>
             <a:prstGeom prst="parallelogram">
               <a:avLst>
@@ -46431,8 +46447,8 @@
           </p:nvSpPr>
           <p:spPr>
             <a:xfrm flipH="1" flipV="1" rot="5330400">
-              <a:off x="4910760" y="1104480"/>
-              <a:ext cx="1371240" cy="1462680"/>
+              <a:off x="4910760" y="1103400"/>
+              <a:ext cx="1370880" cy="1462320"/>
             </a:xfrm>
             <a:prstGeom prst="parallelogram">
               <a:avLst>
@@ -46480,8 +46496,8 @@
           </p:nvSpPr>
           <p:spPr>
             <a:xfrm flipH="1" flipV="1" rot="5330400">
-              <a:off x="4031280" y="4042800"/>
-              <a:ext cx="1371240" cy="1462680"/>
+              <a:off x="4031280" y="4041720"/>
+              <a:ext cx="1370880" cy="1462320"/>
             </a:xfrm>
             <a:prstGeom prst="parallelogram">
               <a:avLst>
@@ -46535,7 +46551,7 @@
         <p:spPr>
           <a:xfrm>
             <a:off x="3442680" y="5166000"/>
-            <a:ext cx="3194640" cy="390240"/>
+            <a:ext cx="3194280" cy="389880"/>
           </a:xfrm>
           <a:prstGeom prst="rect">
             <a:avLst/>
@@ -46607,7 +46623,7 @@
         <p:spPr>
           <a:xfrm>
             <a:off x="7227360" y="5166000"/>
-            <a:ext cx="2347920" cy="390240"/>
+            <a:ext cx="2347560" cy="389880"/>
           </a:xfrm>
           <a:prstGeom prst="rect">
             <a:avLst/>
@@ -46648,7 +46664,7 @@
                 <a:tab algn="l" pos="0"/>
               </a:tabLst>
             </a:pPr>
-            <a:fld id="{84D1C2F6-CA4D-4A57-A7F2-C3B1D867181B}" type="slidenum">
+            <a:fld id="{43548581-B196-4024-9A5F-BCCB3E7FB3C6}" type="slidenum">
               <a:rPr b="0" lang="en-US" sz="1400" spc="-1" strike="noStrike">
                 <a:solidFill>
                   <a:srgbClr val="000000"/>
@@ -46679,7 +46695,7 @@
         <p:spPr>
           <a:xfrm>
             <a:off x="468000" y="5166000"/>
-            <a:ext cx="2347920" cy="390240"/>
+            <a:ext cx="2347560" cy="389880"/>
           </a:xfrm>
           <a:prstGeom prst="rect">
             <a:avLst/>
@@ -47035,7 +47051,7 @@
         <p:spPr>
           <a:xfrm>
             <a:off x="6771960" y="1300320"/>
-            <a:ext cx="861480" cy="182520"/>
+            <a:ext cx="861120" cy="182160"/>
           </a:xfrm>
           <a:prstGeom prst="rect">
             <a:avLst/>
@@ -47089,7 +47105,7 @@
         <p:spPr>
           <a:xfrm>
             <a:off x="5813280" y="3854880"/>
-            <a:ext cx="861480" cy="182520"/>
+            <a:ext cx="861120" cy="182160"/>
           </a:xfrm>
           <a:prstGeom prst="rect">
             <a:avLst/>
@@ -47143,7 +47159,7 @@
         <p:spPr>
           <a:xfrm>
             <a:off x="7589520" y="2560320"/>
-            <a:ext cx="2194200" cy="2194200"/>
+            <a:ext cx="2193840" cy="2193840"/>
           </a:xfrm>
           <a:prstGeom prst="ellipse">
             <a:avLst/>
@@ -47192,7 +47208,7 @@
         <p:spPr>
           <a:xfrm>
             <a:off x="3200400" y="731520"/>
-            <a:ext cx="1684440" cy="1645560"/>
+            <a:ext cx="1684080" cy="1645200"/>
           </a:xfrm>
           <a:prstGeom prst="ellipse">
             <a:avLst/>
@@ -47241,7 +47257,7 @@
         <p:spPr>
           <a:xfrm>
             <a:off x="1424160" y="3489120"/>
-            <a:ext cx="1684440" cy="1645560"/>
+            <a:ext cx="1684080" cy="1645200"/>
           </a:xfrm>
           <a:prstGeom prst="ellipse">
             <a:avLst/>
@@ -47290,15 +47306,15 @@
         <p:spPr>
           <a:xfrm>
             <a:off x="700920" y="1900080"/>
-            <a:ext cx="1401840" cy="1848600"/>
+            <a:ext cx="1401480" cy="1848240"/>
           </a:xfrm>
           <a:custGeom>
             <a:avLst/>
             <a:gdLst>
-              <a:gd name="textAreaLeft" fmla="*/ 0 w 1401840"/>
-              <a:gd name="textAreaRight" fmla="*/ 1402200 w 1401840"/>
-              <a:gd name="textAreaTop" fmla="*/ 0 h 1848600"/>
-              <a:gd name="textAreaBottom" fmla="*/ 1848960 h 1848600"/>
+              <a:gd name="textAreaLeft" fmla="*/ 0 w 1401480"/>
+              <a:gd name="textAreaRight" fmla="*/ 1402200 w 1401480"/>
+              <a:gd name="textAreaTop" fmla="*/ 0 h 1848240"/>
+              <a:gd name="textAreaBottom" fmla="*/ 1848960 h 1848240"/>
             </a:gdLst>
             <a:ahLst/>
             <a:rect l="textAreaLeft" t="textAreaTop" r="textAreaRight" b="textAreaBottom"/>
@@ -47349,6 +47365,7 @@
                 <a:srgbClr val="000000"/>
               </a:solidFill>
               <a:latin typeface="Noto Sans"/>
+              <a:ea typeface="DejaVu Sans"/>
             </a:endParaRPr>
           </a:p>
         </p:txBody>
@@ -47362,15 +47379,15 @@
         <p:spPr>
           <a:xfrm>
             <a:off x="3931920" y="2011680"/>
-            <a:ext cx="975600" cy="1371240"/>
+            <a:ext cx="975240" cy="1370880"/>
           </a:xfrm>
           <a:custGeom>
             <a:avLst/>
             <a:gdLst>
-              <a:gd name="textAreaLeft" fmla="*/ 0 w 975600"/>
-              <a:gd name="textAreaRight" fmla="*/ 975960 w 975600"/>
-              <a:gd name="textAreaTop" fmla="*/ 0 h 1371240"/>
-              <a:gd name="textAreaBottom" fmla="*/ 1371600 h 1371240"/>
+              <a:gd name="textAreaLeft" fmla="*/ 0 w 975240"/>
+              <a:gd name="textAreaRight" fmla="*/ 975960 w 975240"/>
+              <a:gd name="textAreaTop" fmla="*/ 0 h 1370880"/>
+              <a:gd name="textAreaBottom" fmla="*/ 1371600 h 1370880"/>
             </a:gdLst>
             <a:ahLst/>
             <a:rect l="textAreaLeft" t="textAreaTop" r="textAreaRight" b="textAreaBottom"/>
@@ -47431,6 +47448,7 @@
                 <a:srgbClr val="000000"/>
               </a:solidFill>
               <a:latin typeface="Noto Sans"/>
+              <a:ea typeface="DejaVu Sans"/>
             </a:endParaRPr>
           </a:p>
         </p:txBody>
@@ -47444,15 +47462,15 @@
         <p:spPr>
           <a:xfrm>
             <a:off x="7724880" y="2103120"/>
-            <a:ext cx="778680" cy="1462680"/>
+            <a:ext cx="778320" cy="1462320"/>
           </a:xfrm>
           <a:custGeom>
             <a:avLst/>
             <a:gdLst>
-              <a:gd name="textAreaLeft" fmla="*/ 0 w 778680"/>
-              <a:gd name="textAreaRight" fmla="*/ 779040 w 778680"/>
-              <a:gd name="textAreaTop" fmla="*/ 0 h 1462680"/>
-              <a:gd name="textAreaBottom" fmla="*/ 1463040 h 1462680"/>
+              <a:gd name="textAreaLeft" fmla="*/ 0 w 778320"/>
+              <a:gd name="textAreaRight" fmla="*/ 779040 w 778320"/>
+              <a:gd name="textAreaTop" fmla="*/ 0 h 1462320"/>
+              <a:gd name="textAreaBottom" fmla="*/ 1463040 h 1462320"/>
             </a:gdLst>
             <a:ahLst/>
             <a:rect l="textAreaLeft" t="textAreaTop" r="textAreaRight" b="textAreaBottom"/>
@@ -47513,6 +47531,7 @@
                 <a:srgbClr val="000000"/>
               </a:solidFill>
               <a:latin typeface="Noto Sans"/>
+              <a:ea typeface="DejaVu Sans"/>
             </a:endParaRPr>
           </a:p>
         </p:txBody>
@@ -47526,7 +47545,7 @@
         <p:spPr>
           <a:xfrm>
             <a:off x="1424160" y="4754880"/>
-            <a:ext cx="861480" cy="182520"/>
+            <a:ext cx="861120" cy="182160"/>
           </a:xfrm>
           <a:prstGeom prst="rect">
             <a:avLst/>
@@ -47580,7 +47599,7 @@
         <p:spPr>
           <a:xfrm>
             <a:off x="2887200" y="1300320"/>
-            <a:ext cx="861480" cy="182520"/>
+            <a:ext cx="861120" cy="182160"/>
           </a:xfrm>
           <a:prstGeom prst="rect">
             <a:avLst/>
@@ -47638,7 +47657,7 @@
         <p:spPr>
           <a:xfrm>
             <a:off x="468000" y="468000"/>
-            <a:ext cx="9071640" cy="946080"/>
+            <a:ext cx="9071280" cy="945720"/>
           </a:xfrm>
           <a:prstGeom prst="rect">
             <a:avLst/>
@@ -47687,7 +47706,7 @@
         <p:spPr>
           <a:xfrm>
             <a:off x="468000" y="1800000"/>
-            <a:ext cx="9071640" cy="3287880"/>
+            <a:ext cx="9071280" cy="3287520"/>
           </a:xfrm>
           <a:prstGeom prst="rect">
             <a:avLst/>
@@ -47912,7 +47931,7 @@
         <p:spPr>
           <a:xfrm>
             <a:off x="3442680" y="5166000"/>
-            <a:ext cx="3194640" cy="390240"/>
+            <a:ext cx="3194280" cy="389880"/>
           </a:xfrm>
           <a:prstGeom prst="rect">
             <a:avLst/>
@@ -47984,7 +48003,7 @@
         <p:spPr>
           <a:xfrm>
             <a:off x="7227360" y="5166000"/>
-            <a:ext cx="2347920" cy="390240"/>
+            <a:ext cx="2347560" cy="389880"/>
           </a:xfrm>
           <a:prstGeom prst="rect">
             <a:avLst/>
@@ -48025,7 +48044,7 @@
                 <a:tab algn="l" pos="0"/>
               </a:tabLst>
             </a:pPr>
-            <a:fld id="{A20C7A8B-D516-4B0C-A1C9-C8424141D3F3}" type="slidenum">
+            <a:fld id="{FD876AC1-2247-46B9-80AC-0A48F65A3C55}" type="slidenum">
               <a:rPr b="0" lang="en-US" sz="1400" spc="-1" strike="noStrike">
                 <a:solidFill>
                   <a:srgbClr val="000000"/>
@@ -48056,7 +48075,7 @@
         <p:spPr>
           <a:xfrm>
             <a:off x="468000" y="5166000"/>
-            <a:ext cx="2347920" cy="390240"/>
+            <a:ext cx="2347560" cy="389880"/>
           </a:xfrm>
           <a:prstGeom prst="rect">
             <a:avLst/>
@@ -48138,7 +48157,7 @@
         <p:spPr>
           <a:xfrm>
             <a:off x="7315200" y="4629240"/>
-            <a:ext cx="2377080" cy="717840"/>
+            <a:ext cx="2376720" cy="717480"/>
           </a:xfrm>
           <a:prstGeom prst="rect">
             <a:avLst/>
@@ -48170,6 +48189,7 @@
                   <a:srgbClr val="000000"/>
                 </a:solidFill>
                 <a:latin typeface="Noto Sans"/>
+                <a:ea typeface="DejaVu Sans"/>
               </a:rPr>
               <a:t>Badre Munir</a:t>
             </a:r>
@@ -48192,6 +48212,7 @@
                   <a:srgbClr val="000000"/>
                 </a:solidFill>
                 <a:latin typeface="Noto Sans"/>
+                <a:ea typeface="DejaVu Sans"/>
               </a:rPr>
               <a:t>Taj Muhammad Khan</a:t>
             </a:r>
@@ -48214,6 +48235,7 @@
                   <a:srgbClr val="000000"/>
                 </a:solidFill>
                 <a:latin typeface="Noto Sans"/>
+                <a:ea typeface="DejaVu Sans"/>
               </a:rPr>
               <a:t>03 December 2024</a:t>
             </a:r>
@@ -48239,7 +48261,7 @@
         <p:spPr>
           <a:xfrm>
             <a:off x="45720" y="3886200"/>
-            <a:ext cx="7086240" cy="1524240"/>
+            <a:ext cx="7085880" cy="1523880"/>
           </a:xfrm>
           <a:prstGeom prst="rect">
             <a:avLst/>
@@ -48294,7 +48316,7 @@
         <p:spPr>
           <a:xfrm>
             <a:off x="182880" y="5198400"/>
-            <a:ext cx="1371240" cy="300600"/>
+            <a:ext cx="1370880" cy="300240"/>
           </a:xfrm>
           <a:prstGeom prst="rect">
             <a:avLst/>
@@ -48359,7 +48381,7 @@
         <p:spPr>
           <a:xfrm>
             <a:off x="1600200" y="4994280"/>
-            <a:ext cx="5295240" cy="553320"/>
+            <a:ext cx="5294880" cy="552960"/>
           </a:xfrm>
           <a:prstGeom prst="rect">
             <a:avLst/>
@@ -48440,7 +48462,7 @@
         <p:spPr>
           <a:xfrm>
             <a:off x="228600" y="196560"/>
-            <a:ext cx="6171840" cy="946080"/>
+            <a:ext cx="6171480" cy="945720"/>
           </a:xfrm>
           <a:prstGeom prst="rect">
             <a:avLst/>
@@ -48495,7 +48517,7 @@
         <p:spPr>
           <a:xfrm>
             <a:off x="6400800" y="390600"/>
-            <a:ext cx="3499920" cy="5279040"/>
+            <a:ext cx="3499560" cy="5278680"/>
           </a:xfrm>
           <a:prstGeom prst="rect">
             <a:avLst/>
@@ -48514,7 +48536,7 @@
         <p:spPr>
           <a:xfrm>
             <a:off x="457200" y="1143000"/>
-            <a:ext cx="5714640" cy="4444560"/>
+            <a:ext cx="5714280" cy="4444200"/>
           </a:xfrm>
           <a:prstGeom prst="rect">
             <a:avLst/>
@@ -48546,6 +48568,7 @@
                   <a:srgbClr val="000000"/>
                 </a:solidFill>
                 <a:latin typeface="Noto Sans"/>
+                <a:ea typeface="DejaVu Sans"/>
               </a:rPr>
               <a:t> </a:t>
             </a:r>
@@ -48555,6 +48578,7 @@
                   <a:srgbClr val="000000"/>
                 </a:solidFill>
                 <a:latin typeface="Noto Sans"/>
+                <a:ea typeface="DejaVu Sans"/>
               </a:rPr>
               <a:t>Variables associated with a region can be:</a:t>
             </a:r>
@@ -48596,6 +48620,7 @@
                   <a:srgbClr val="000000"/>
                 </a:solidFill>
                 <a:latin typeface="Noto Sans"/>
+                <a:ea typeface="DejaVu Sans"/>
               </a:rPr>
               <a:t>Shared</a:t>
             </a:r>
@@ -48624,6 +48649,7 @@
                   <a:srgbClr val="000000"/>
                 </a:solidFill>
                 <a:latin typeface="Noto Sans"/>
+                <a:ea typeface="DejaVu Sans"/>
               </a:rPr>
               <a:t>Accessible by all threads executing the region</a:t>
             </a:r>
@@ -48652,6 +48678,7 @@
                   <a:srgbClr val="000000"/>
                 </a:solidFill>
                 <a:latin typeface="Noto Sans"/>
+                <a:ea typeface="DejaVu Sans"/>
               </a:rPr>
               <a:t>Global variables</a:t>
             </a:r>
@@ -48680,6 +48707,7 @@
                   <a:srgbClr val="000000"/>
                 </a:solidFill>
                 <a:latin typeface="Noto Sans"/>
+                <a:ea typeface="DejaVu Sans"/>
               </a:rPr>
               <a:t>Local variables outside the construct</a:t>
             </a:r>
@@ -48721,6 +48749,7 @@
                   <a:srgbClr val="000000"/>
                 </a:solidFill>
                 <a:latin typeface="Noto Sans"/>
+                <a:ea typeface="DejaVu Sans"/>
               </a:rPr>
               <a:t>Private</a:t>
             </a:r>
@@ -48749,6 +48778,7 @@
                   <a:srgbClr val="000000"/>
                 </a:solidFill>
                 <a:latin typeface="Noto Sans"/>
+                <a:ea typeface="DejaVu Sans"/>
               </a:rPr>
               <a:t>Each thread has its own copy not accessible by other threads in the region</a:t>
             </a:r>
@@ -48777,6 +48807,7 @@
                   <a:srgbClr val="000000"/>
                 </a:solidFill>
                 <a:latin typeface="Noto Sans"/>
+                <a:ea typeface="DejaVu Sans"/>
               </a:rPr>
               <a:t>Variables declared inside the construct</a:t>
             </a:r>
@@ -48805,6 +48836,7 @@
                   <a:srgbClr val="000000"/>
                 </a:solidFill>
                 <a:latin typeface="Noto Sans"/>
+                <a:ea typeface="DejaVu Sans"/>
               </a:rPr>
               <a:t>Variables local to functions called in construct</a:t>
             </a:r>
@@ -48860,7 +48892,7 @@
         <p:spPr>
           <a:xfrm>
             <a:off x="468000" y="468000"/>
-            <a:ext cx="9071640" cy="946080"/>
+            <a:ext cx="9071280" cy="945720"/>
           </a:xfrm>
           <a:prstGeom prst="rect">
             <a:avLst/>
@@ -48891,7 +48923,7 @@
                 </a:solidFill>
                 <a:latin typeface="Noto Sans"/>
               </a:rPr>
-              <a:t>Exercise 1</a:t>
+              <a:t>Continue with</a:t>
             </a:r>
             <a:endParaRPr b="0" lang="en-US" sz="4400" spc="-1" strike="noStrike">
               <a:solidFill>
@@ -48915,7 +48947,7 @@
         <p:spPr>
           <a:xfrm>
             <a:off x="468000" y="1800000"/>
-            <a:ext cx="9132840" cy="3287880"/>
+            <a:ext cx="9132480" cy="3287520"/>
           </a:xfrm>
           <a:prstGeom prst="rect">
             <a:avLst/>
@@ -48947,27 +48979,9 @@
                 <a:solidFill>
                   <a:srgbClr val="000000"/>
                 </a:solidFill>
-                <a:latin typeface="Noto Sans"/>
+                <a:latin typeface="Arial"/>
               </a:rPr>
-              <a:t>Compile </a:t>
-            </a:r>
-            <a:r>
-              <a:rPr b="0" lang="en-US" sz="3200" spc="-1" strike="noStrike">
-                <a:solidFill>
-                  <a:srgbClr val="000000"/>
-                </a:solidFill>
-                <a:latin typeface="Courier New"/>
-              </a:rPr>
-              <a:t>code_1a.c</a:t>
-            </a:r>
-            <a:r>
-              <a:rPr b="0" lang="en-US" sz="3200" spc="-1" strike="noStrike">
-                <a:solidFill>
-                  <a:srgbClr val="000000"/>
-                </a:solidFill>
-                <a:latin typeface="Noto Sans"/>
-              </a:rPr>
-              <a:t> </a:t>
+              <a:t>code_2*.c</a:t>
             </a:r>
             <a:endParaRPr b="0" lang="en-US" sz="3200" spc="-1" strike="noStrike">
               <a:solidFill>
@@ -48994,256 +49008,9 @@
                 <a:solidFill>
                   <a:srgbClr val="000000"/>
                 </a:solidFill>
-                <a:latin typeface="Noto Sans"/>
+                <a:latin typeface="Arial"/>
               </a:rPr>
-              <a:t>Play with:</a:t>
-            </a:r>
-            <a:endParaRPr b="0" lang="en-US" sz="3200" spc="-1" strike="noStrike">
-              <a:solidFill>
-                <a:srgbClr val="000000"/>
-              </a:solidFill>
-              <a:latin typeface="Arial"/>
-            </a:endParaRPr>
-          </a:p>
-          <a:p>
-            <a:pPr lvl="1" marL="864000" indent="-324000">
-              <a:lnSpc>
-                <a:spcPct val="100000"/>
-              </a:lnSpc>
-              <a:spcBef>
-                <a:spcPts val="1134"/>
-              </a:spcBef>
-              <a:buClr>
-                <a:srgbClr val="000000"/>
-              </a:buClr>
-              <a:buSzPct val="75000"/>
-              <a:buFont typeface="Symbol" charset="2"/>
-              <a:buChar char=""/>
-              <a:tabLst>
-                <a:tab algn="l" pos="0"/>
-              </a:tabLst>
-            </a:pPr>
-            <a:r>
-              <a:rPr b="0" lang="en-US" sz="2800" spc="-1" strike="noStrike">
-                <a:solidFill>
-                  <a:srgbClr val="000000"/>
-                </a:solidFill>
-                <a:latin typeface="Noto Sans"/>
-              </a:rPr>
-              <a:t> </a:t>
-            </a:r>
-            <a:r>
-              <a:rPr b="0" lang="en-US" sz="2800" spc="-1" strike="noStrike">
-                <a:solidFill>
-                  <a:srgbClr val="000000"/>
-                </a:solidFill>
-                <a:latin typeface="Noto Sans"/>
-              </a:rPr>
-              <a:t>the parallel directive</a:t>
-            </a:r>
-            <a:endParaRPr b="0" lang="en-US" sz="2800" spc="-1" strike="noStrike">
-              <a:solidFill>
-                <a:srgbClr val="000000"/>
-              </a:solidFill>
-              <a:latin typeface="Arial"/>
-            </a:endParaRPr>
-          </a:p>
-          <a:p>
-            <a:pPr lvl="1" marL="864000" indent="-324000">
-              <a:lnSpc>
-                <a:spcPct val="100000"/>
-              </a:lnSpc>
-              <a:spcBef>
-                <a:spcPts val="1134"/>
-              </a:spcBef>
-              <a:buClr>
-                <a:srgbClr val="000000"/>
-              </a:buClr>
-              <a:buSzPct val="75000"/>
-              <a:buFont typeface="Symbol" charset="2"/>
-              <a:buChar char=""/>
-              <a:tabLst>
-                <a:tab algn="l" pos="0"/>
-              </a:tabLst>
-            </a:pPr>
-            <a:r>
-              <a:rPr b="0" lang="en-US" sz="2800" spc="-1" strike="noStrike">
-                <a:solidFill>
-                  <a:srgbClr val="000000"/>
-                </a:solidFill>
-                <a:latin typeface="Noto Sans"/>
-              </a:rPr>
-              <a:t> </a:t>
-            </a:r>
-            <a:r>
-              <a:rPr b="0" lang="en-US" sz="2800" spc="-1" strike="noStrike">
-                <a:solidFill>
-                  <a:srgbClr val="000000"/>
-                </a:solidFill>
-                <a:latin typeface="Noto Sans"/>
-              </a:rPr>
-              <a:t>num_threads</a:t>
-            </a:r>
-            <a:endParaRPr b="0" lang="en-US" sz="2800" spc="-1" strike="noStrike">
-              <a:solidFill>
-                <a:srgbClr val="000000"/>
-              </a:solidFill>
-              <a:latin typeface="Arial"/>
-            </a:endParaRPr>
-          </a:p>
-        </p:txBody>
-      </p:sp>
-    </p:spTree>
-  </p:cSld>
-  <mc:AlternateContent>
-    <mc:Choice Requires="p14">
-      <p:transition spd="slow" p14:dur="2000"/>
-    </mc:Choice>
-    <mc:Fallback>
-      <p:transition spd="slow"/>
-    </mc:Fallback>
-  </mc:AlternateContent>
-</p:sld>
-</file>
-
-<file path=ppt/slides/slide12.xml><?xml version="1.0" encoding="utf-8"?>
-<p:sld xmlns:a="http://schemas.openxmlformats.org/drawingml/2006/main" xmlns:p="http://schemas.openxmlformats.org/presentationml/2006/main" xmlns:r="http://schemas.openxmlformats.org/officeDocument/2006/relationships" xmlns:p14="http://schemas.microsoft.com/office/powerpoint/2010/main" xmlns:p15="http://schemas.microsoft.com/office/powerpoint/2012/main" xmlns:mc="http://schemas.openxmlformats.org/markup-compatibility/2006">
-  <p:cSld>
-    <p:spTree>
-      <p:nvGrpSpPr>
-        <p:cNvPr id="1" name=""/>
-        <p:cNvGrpSpPr/>
-        <p:nvPr/>
-      </p:nvGrpSpPr>
-      <p:grpSpPr>
-        <a:xfrm>
-          <a:off x="0" y="0"/>
-          <a:ext cx="0" cy="0"/>
-          <a:chOff x="0" y="0"/>
-          <a:chExt cx="0" cy="0"/>
-        </a:xfrm>
-      </p:grpSpPr>
-      <p:sp>
-        <p:nvSpPr>
-          <p:cNvPr id="407" name="PlaceHolder 1"/>
-          <p:cNvSpPr>
-            <a:spLocks noGrp="1"/>
-          </p:cNvSpPr>
-          <p:nvPr>
-            <p:ph type="title"/>
-          </p:nvPr>
-        </p:nvSpPr>
-        <p:spPr>
-          <a:xfrm>
-            <a:off x="468000" y="468000"/>
-            <a:ext cx="9071640" cy="946080"/>
-          </a:xfrm>
-          <a:prstGeom prst="rect">
-            <a:avLst/>
-          </a:prstGeom>
-          <a:noFill/>
-          <a:ln w="0">
-            <a:noFill/>
-          </a:ln>
-        </p:spPr>
-        <p:txBody>
-          <a:bodyPr lIns="0" rIns="0" tIns="0" bIns="0" anchor="ctr">
-            <a:noAutofit/>
-          </a:bodyPr>
-          <a:p>
-            <a:pPr indent="0" algn="ctr">
-              <a:lnSpc>
-                <a:spcPct val="100000"/>
-              </a:lnSpc>
-              <a:buNone/>
-              <a:tabLst>
-                <a:tab algn="l" pos="0"/>
-              </a:tabLst>
-            </a:pPr>
-            <a:r>
-              <a:rPr b="1" lang="en-US" sz="4400" spc="-1" strike="noStrike">
-                <a:solidFill>
-                  <a:srgbClr val="000000"/>
-                </a:solidFill>
-                <a:latin typeface="Noto Sans"/>
-              </a:rPr>
-              <a:t>Exercise 1</a:t>
-            </a:r>
-            <a:endParaRPr b="0" lang="en-US" sz="4400" spc="-1" strike="noStrike">
-              <a:solidFill>
-                <a:srgbClr val="000000"/>
-              </a:solidFill>
-              <a:latin typeface="Arial"/>
-            </a:endParaRPr>
-          </a:p>
-        </p:txBody>
-      </p:sp>
-      <p:sp>
-        <p:nvSpPr>
-          <p:cNvPr id="408" name="PlaceHolder 2"/>
-          <p:cNvSpPr>
-            <a:spLocks noGrp="1"/>
-          </p:cNvSpPr>
-          <p:nvPr>
-            <p:ph/>
-          </p:nvPr>
-        </p:nvSpPr>
-        <p:spPr>
-          <a:xfrm>
-            <a:off x="468000" y="1800000"/>
-            <a:ext cx="9132840" cy="3287880"/>
-          </a:xfrm>
-          <a:prstGeom prst="rect">
-            <a:avLst/>
-          </a:prstGeom>
-          <a:noFill/>
-          <a:ln w="0">
-            <a:noFill/>
-          </a:ln>
-        </p:spPr>
-        <p:txBody>
-          <a:bodyPr lIns="0" rIns="0" tIns="0" bIns="0" anchor="t">
-            <a:normAutofit/>
-          </a:bodyPr>
-          <a:p>
-            <a:pPr marL="432000" indent="0">
-              <a:lnSpc>
-                <a:spcPct val="100000"/>
-              </a:lnSpc>
-              <a:spcBef>
-                <a:spcPts val="1417"/>
-              </a:spcBef>
-              <a:buNone/>
-              <a:tabLst>
-                <a:tab algn="l" pos="0"/>
-              </a:tabLst>
-            </a:pPr>
-            <a:r>
-              <a:rPr b="0" lang="en-US" sz="3200" spc="-1" strike="noStrike">
-                <a:solidFill>
-                  <a:srgbClr val="000000"/>
-                </a:solidFill>
-                <a:latin typeface="Noto Sans"/>
-              </a:rPr>
-              <a:t>Compile </a:t>
-            </a:r>
-            <a:r>
-              <a:rPr b="0" lang="en-US" sz="3200" spc="-1" strike="noStrike">
-                <a:solidFill>
-                  <a:srgbClr val="000000"/>
-                </a:solidFill>
-                <a:latin typeface="Courier New"/>
-              </a:rPr>
-              <a:t>code_1a.c</a:t>
-            </a:r>
-            <a:r>
-              <a:rPr b="0" lang="en-US" sz="3200" spc="-1" strike="noStrike">
-                <a:solidFill>
-                  <a:srgbClr val="000000"/>
-                </a:solidFill>
-                <a:latin typeface="Noto Sans"/>
-              </a:rPr>
-              <a:t> </a:t>
+              <a:t>code_3*.c</a:t>
             </a:r>
             <a:endParaRPr b="0" lang="en-US" sz="3200" spc="-1" strike="noStrike">
               <a:solidFill>
@@ -49270,9 +49037,9 @@
                 <a:solidFill>
                   <a:srgbClr val="000000"/>
                 </a:solidFill>
-                <a:latin typeface="Noto Sans"/>
+                <a:latin typeface="Arial"/>
               </a:rPr>
-              <a:t>Play with:</a:t>
+              <a:t>array_sum.c</a:t>
             </a:r>
             <a:endParaRPr b="0" lang="en-US" sz="3200" spc="-1" strike="noStrike">
               <a:solidFill>
@@ -49282,3370 +49049,19 @@
             </a:endParaRPr>
           </a:p>
           <a:p>
-            <a:pPr lvl="1" marL="864000" indent="-324000">
+            <a:pPr marL="432000" indent="0">
               <a:lnSpc>
                 <a:spcPct val="100000"/>
               </a:lnSpc>
               <a:spcBef>
-                <a:spcPts val="1134"/>
+                <a:spcPts val="1417"/>
               </a:spcBef>
-              <a:buClr>
-                <a:srgbClr val="000000"/>
-              </a:buClr>
-              <a:buSzPct val="75000"/>
-              <a:buFont typeface="Symbol" charset="2"/>
-              <a:buChar char=""/>
+              <a:buNone/>
               <a:tabLst>
                 <a:tab algn="l" pos="0"/>
               </a:tabLst>
             </a:pPr>
-            <a:r>
-              <a:rPr b="0" lang="en-US" sz="2800" spc="-1" strike="noStrike">
-                <a:solidFill>
-                  <a:srgbClr val="000000"/>
-                </a:solidFill>
-                <a:latin typeface="Noto Sans"/>
-              </a:rPr>
-              <a:t> </a:t>
-            </a:r>
-            <a:r>
-              <a:rPr b="0" lang="en-US" sz="2800" spc="-1" strike="noStrike">
-                <a:solidFill>
-                  <a:srgbClr val="000000"/>
-                </a:solidFill>
-                <a:latin typeface="Noto Sans"/>
-              </a:rPr>
-              <a:t>the parallel directive</a:t>
-            </a:r>
-            <a:endParaRPr b="0" lang="en-US" sz="2800" spc="-1" strike="noStrike">
-              <a:solidFill>
-                <a:srgbClr val="000000"/>
-              </a:solidFill>
-              <a:latin typeface="Arial"/>
-            </a:endParaRPr>
-          </a:p>
-          <a:p>
-            <a:pPr lvl="1" marL="864000" indent="-324000">
-              <a:lnSpc>
-                <a:spcPct val="100000"/>
-              </a:lnSpc>
-              <a:spcBef>
-                <a:spcPts val="1134"/>
-              </a:spcBef>
-              <a:buClr>
-                <a:srgbClr val="000000"/>
-              </a:buClr>
-              <a:buSzPct val="75000"/>
-              <a:buFont typeface="Symbol" charset="2"/>
-              <a:buChar char=""/>
-              <a:tabLst>
-                <a:tab algn="l" pos="0"/>
-              </a:tabLst>
-            </a:pPr>
-            <a:r>
-              <a:rPr b="0" lang="en-US" sz="2800" spc="-1" strike="noStrike">
-                <a:solidFill>
-                  <a:srgbClr val="000000"/>
-                </a:solidFill>
-                <a:latin typeface="Noto Sans"/>
-              </a:rPr>
-              <a:t> </a:t>
-            </a:r>
-            <a:r>
-              <a:rPr b="0" lang="en-US" sz="2800" spc="-1" strike="noStrike">
-                <a:solidFill>
-                  <a:srgbClr val="000000"/>
-                </a:solidFill>
-                <a:latin typeface="Noto Sans"/>
-              </a:rPr>
-              <a:t>num_threads</a:t>
-            </a:r>
-            <a:endParaRPr b="0" lang="en-US" sz="2800" spc="-1" strike="noStrike">
-              <a:solidFill>
-                <a:srgbClr val="000000"/>
-              </a:solidFill>
-              <a:latin typeface="Arial"/>
-            </a:endParaRPr>
-          </a:p>
-        </p:txBody>
-      </p:sp>
-    </p:spTree>
-  </p:cSld>
-  <mc:AlternateContent>
-    <mc:Choice Requires="p14">
-      <p:transition spd="slow" p14:dur="2000"/>
-    </mc:Choice>
-    <mc:Fallback>
-      <p:transition spd="slow"/>
-    </mc:Fallback>
-  </mc:AlternateContent>
-</p:sld>
-</file>
-
-<file path=ppt/slides/slide13.xml><?xml version="1.0" encoding="utf-8"?>
-<p:sld xmlns:a="http://schemas.openxmlformats.org/drawingml/2006/main" xmlns:p="http://schemas.openxmlformats.org/presentationml/2006/main" xmlns:r="http://schemas.openxmlformats.org/officeDocument/2006/relationships" xmlns:p14="http://schemas.microsoft.com/office/powerpoint/2010/main" xmlns:p15="http://schemas.microsoft.com/office/powerpoint/2012/main" xmlns:mc="http://schemas.openxmlformats.org/markup-compatibility/2006">
-  <p:cSld>
-    <p:spTree>
-      <p:nvGrpSpPr>
-        <p:cNvPr id="1" name=""/>
-        <p:cNvGrpSpPr/>
-        <p:nvPr/>
-      </p:nvGrpSpPr>
-      <p:grpSpPr>
-        <a:xfrm>
-          <a:off x="0" y="0"/>
-          <a:ext cx="0" cy="0"/>
-          <a:chOff x="0" y="0"/>
-          <a:chExt cx="0" cy="0"/>
-        </a:xfrm>
-      </p:grpSpPr>
-      <p:sp>
-        <p:nvSpPr>
-          <p:cNvPr id="409" name=""/>
-          <p:cNvSpPr/>
-          <p:nvPr/>
-        </p:nvSpPr>
-        <p:spPr>
-          <a:xfrm>
-            <a:off x="822960" y="2273400"/>
-            <a:ext cx="2375640" cy="401040"/>
-          </a:xfrm>
-          <a:prstGeom prst="rect">
-            <a:avLst/>
-          </a:prstGeom>
-          <a:noFill/>
-          <a:ln w="0">
-            <a:noFill/>
-          </a:ln>
-        </p:spPr>
-        <p:style>
-          <a:lnRef idx="0"/>
-          <a:fillRef idx="0"/>
-          <a:effectRef idx="0"/>
-          <a:fontRef idx="minor"/>
-        </p:style>
-        <p:txBody>
-          <a:bodyPr lIns="90000" rIns="90000" tIns="45000" bIns="45000" anchor="t">
-            <a:noAutofit/>
-          </a:bodyPr>
-          <a:p>
-            <a:pPr>
-              <a:lnSpc>
-                <a:spcPct val="100000"/>
-              </a:lnSpc>
-            </a:pPr>
-            <a:r>
-              <a:rPr b="1" lang="en-US" sz="1800" spc="-1" strike="noStrike">
-                <a:solidFill>
-                  <a:srgbClr val="000000"/>
-                </a:solidFill>
-                <a:latin typeface="Noto Sans"/>
-              </a:rPr>
-              <a:t>Lorem Ipsum Dolor</a:t>
-            </a:r>
-            <a:endParaRPr b="0" lang="en-US" sz="1800" spc="-1" strike="noStrike">
-              <a:solidFill>
-                <a:srgbClr val="000000"/>
-              </a:solidFill>
-              <a:latin typeface="Arial"/>
-            </a:endParaRPr>
-          </a:p>
-        </p:txBody>
-      </p:sp>
-      <p:sp>
-        <p:nvSpPr>
-          <p:cNvPr id="410" name=""/>
-          <p:cNvSpPr/>
-          <p:nvPr/>
-        </p:nvSpPr>
-        <p:spPr>
-          <a:xfrm>
-            <a:off x="1097280" y="2885400"/>
-            <a:ext cx="5851800" cy="1531800"/>
-          </a:xfrm>
-          <a:prstGeom prst="rect">
-            <a:avLst/>
-          </a:prstGeom>
-          <a:noFill/>
-          <a:ln w="0">
-            <a:noFill/>
-          </a:ln>
-        </p:spPr>
-        <p:style>
-          <a:lnRef idx="0"/>
-          <a:fillRef idx="0"/>
-          <a:effectRef idx="0"/>
-          <a:fontRef idx="minor"/>
-        </p:style>
-        <p:txBody>
-          <a:bodyPr lIns="90000" rIns="90000" tIns="45000" bIns="45000" anchor="t">
-            <a:noAutofit/>
-          </a:bodyPr>
-          <a:p>
-            <a:pPr>
-              <a:lnSpc>
-                <a:spcPct val="100000"/>
-              </a:lnSpc>
-            </a:pPr>
-            <a:r>
-              <a:rPr b="0" lang="en-US" sz="1600" spc="-1" strike="noStrike">
-                <a:solidFill>
-                  <a:srgbClr val="999999"/>
-                </a:solidFill>
-                <a:latin typeface="Noto Sans"/>
-              </a:rPr>
-              <a:t>Id volutpat lacus laoreet non curabitur gravida arcu. Felis bibendum ut tristique et egestas quis ipsum suspendisse. Quam viverra orci sagittis eu. Risus commodo viverra maecenas accumsan lacus. Sit amet est placerat in egestas. Semper auctor neque vitae tempus quam pellentesque</a:t>
-            </a:r>
-            <a:endParaRPr b="0" lang="en-US" sz="1600" spc="-1" strike="noStrike">
-              <a:solidFill>
-                <a:srgbClr val="000000"/>
-              </a:solidFill>
-              <a:latin typeface="Arial"/>
-            </a:endParaRPr>
-          </a:p>
-        </p:txBody>
-      </p:sp>
-      <p:sp>
-        <p:nvSpPr>
-          <p:cNvPr id="411" name=""/>
-          <p:cNvSpPr/>
-          <p:nvPr/>
-        </p:nvSpPr>
-        <p:spPr>
-          <a:xfrm>
-            <a:off x="914400" y="2835000"/>
-            <a:ext cx="91080" cy="1645560"/>
-          </a:xfrm>
-          <a:prstGeom prst="rect">
-            <a:avLst/>
-          </a:prstGeom>
-          <a:solidFill>
-            <a:srgbClr val="ced4da">
-              <a:alpha val="50000"/>
-            </a:srgbClr>
-          </a:solidFill>
-          <a:ln w="0">
-            <a:noFill/>
-          </a:ln>
-        </p:spPr>
-        <p:style>
-          <a:lnRef idx="0"/>
-          <a:fillRef idx="0"/>
-          <a:effectRef idx="0"/>
-          <a:fontRef idx="minor"/>
-        </p:style>
-        <p:txBody>
-          <a:bodyPr wrap="none" lIns="90000" rIns="90000" tIns="45000" bIns="45000" anchor="ctr">
-            <a:noAutofit/>
-          </a:bodyPr>
-          <a:p>
-            <a:pPr>
-              <a:lnSpc>
-                <a:spcPct val="100000"/>
-              </a:lnSpc>
-            </a:pPr>
-            <a:endParaRPr b="0" lang="en-US" sz="1800" spc="-1" strike="noStrike">
-              <a:solidFill>
-                <a:srgbClr val="000000"/>
-              </a:solidFill>
-              <a:latin typeface="Noto Sans"/>
-              <a:ea typeface="DejaVu Sans"/>
-            </a:endParaRPr>
-          </a:p>
-        </p:txBody>
-      </p:sp>
-      <p:sp>
-        <p:nvSpPr>
-          <p:cNvPr id="412" name="PlaceHolder 1"/>
-          <p:cNvSpPr>
-            <a:spLocks noGrp="1"/>
-          </p:cNvSpPr>
-          <p:nvPr>
-            <p:ph type="title"/>
-          </p:nvPr>
-        </p:nvSpPr>
-        <p:spPr>
-          <a:xfrm>
-            <a:off x="468000" y="468000"/>
-            <a:ext cx="9071640" cy="946080"/>
-          </a:xfrm>
-          <a:prstGeom prst="rect">
-            <a:avLst/>
-          </a:prstGeom>
-          <a:noFill/>
-          <a:ln w="0">
-            <a:noFill/>
-          </a:ln>
-        </p:spPr>
-        <p:txBody>
-          <a:bodyPr lIns="0" rIns="0" tIns="0" bIns="0" anchor="ctr">
-            <a:noAutofit/>
-          </a:bodyPr>
-          <a:p>
-            <a:pPr indent="0" algn="ctr">
-              <a:buNone/>
-            </a:pPr>
-            <a:endParaRPr b="0" lang="en-US" sz="1800" spc="-1" strike="noStrike">
-              <a:solidFill>
-                <a:srgbClr val="000000"/>
-              </a:solidFill>
-              <a:latin typeface="Arial"/>
-            </a:endParaRPr>
-          </a:p>
-        </p:txBody>
-      </p:sp>
-    </p:spTree>
-  </p:cSld>
-  <mc:AlternateContent>
-    <mc:Choice Requires="p14">
-      <p:transition spd="slow" p14:dur="2000"/>
-    </mc:Choice>
-    <mc:Fallback>
-      <p:transition spd="slow"/>
-    </mc:Fallback>
-  </mc:AlternateContent>
-</p:sld>
-</file>
-
-<file path=ppt/slides/slide14.xml><?xml version="1.0" encoding="utf-8"?>
-<p:sld xmlns:a="http://schemas.openxmlformats.org/drawingml/2006/main" xmlns:p="http://schemas.openxmlformats.org/presentationml/2006/main" xmlns:r="http://schemas.openxmlformats.org/officeDocument/2006/relationships" xmlns:p14="http://schemas.microsoft.com/office/powerpoint/2010/main" xmlns:p15="http://schemas.microsoft.com/office/powerpoint/2012/main" xmlns:mc="http://schemas.openxmlformats.org/markup-compatibility/2006">
-  <p:cSld>
-    <p:spTree>
-      <p:nvGrpSpPr>
-        <p:cNvPr id="1" name=""/>
-        <p:cNvGrpSpPr/>
-        <p:nvPr/>
-      </p:nvGrpSpPr>
-      <p:grpSpPr>
-        <a:xfrm>
-          <a:off x="0" y="0"/>
-          <a:ext cx="0" cy="0"/>
-          <a:chOff x="0" y="0"/>
-          <a:chExt cx="0" cy="0"/>
-        </a:xfrm>
-      </p:grpSpPr>
-      <p:sp>
-        <p:nvSpPr>
-          <p:cNvPr id="413" name=""/>
-          <p:cNvSpPr/>
-          <p:nvPr/>
-        </p:nvSpPr>
-        <p:spPr>
-          <a:xfrm>
-            <a:off x="91440" y="1158840"/>
-            <a:ext cx="3382920" cy="748080"/>
-          </a:xfrm>
-          <a:prstGeom prst="rect">
-            <a:avLst/>
-          </a:prstGeom>
-          <a:noFill/>
-          <a:ln w="0">
-            <a:noFill/>
-          </a:ln>
-        </p:spPr>
-        <p:style>
-          <a:lnRef idx="0"/>
-          <a:fillRef idx="0"/>
-          <a:effectRef idx="0"/>
-          <a:fontRef idx="minor"/>
-        </p:style>
-        <p:txBody>
-          <a:bodyPr lIns="90000" rIns="90000" tIns="45000" bIns="45000" anchor="t">
-            <a:noAutofit/>
-          </a:bodyPr>
-          <a:p>
-            <a:pPr algn="r">
-              <a:lnSpc>
-                <a:spcPct val="100000"/>
-              </a:lnSpc>
-              <a:spcBef>
-                <a:spcPts val="1191"/>
-              </a:spcBef>
-              <a:spcAft>
-                <a:spcPts val="992"/>
-              </a:spcAft>
-            </a:pPr>
-            <a:r>
-              <a:rPr b="0" lang="en-US" sz="1200" spc="-1" strike="noStrike">
-                <a:solidFill>
-                  <a:srgbClr val="666666"/>
-                </a:solidFill>
-                <a:latin typeface="Noto Sans"/>
-              </a:rPr>
-              <a:t>Lorem ipsum dolor sit amet, consectetur adipiscing elit, sed do eiusmod tempor incididunt ut labore et dolore magna aliqua. </a:t>
-            </a:r>
-            <a:endParaRPr b="0" lang="en-US" sz="1200" spc="-1" strike="noStrike">
-              <a:solidFill>
-                <a:srgbClr val="000000"/>
-              </a:solidFill>
-              <a:latin typeface="Arial"/>
-            </a:endParaRPr>
-          </a:p>
-        </p:txBody>
-      </p:sp>
-      <p:sp>
-        <p:nvSpPr>
-          <p:cNvPr id="414" name=""/>
-          <p:cNvSpPr/>
-          <p:nvPr/>
-        </p:nvSpPr>
-        <p:spPr>
-          <a:xfrm>
-            <a:off x="1463040" y="731520"/>
-            <a:ext cx="2011320" cy="401040"/>
-          </a:xfrm>
-          <a:prstGeom prst="rect">
-            <a:avLst/>
-          </a:prstGeom>
-          <a:noFill/>
-          <a:ln w="0">
-            <a:noFill/>
-          </a:ln>
-        </p:spPr>
-        <p:style>
-          <a:lnRef idx="0"/>
-          <a:fillRef idx="0"/>
-          <a:effectRef idx="0"/>
-          <a:fontRef idx="minor"/>
-        </p:style>
-        <p:txBody>
-          <a:bodyPr lIns="90000" rIns="90000" tIns="45000" bIns="45000" anchor="t">
-            <a:noAutofit/>
-          </a:bodyPr>
-          <a:p>
-            <a:pPr algn="r">
-              <a:lnSpc>
-                <a:spcPct val="100000"/>
-              </a:lnSpc>
-            </a:pPr>
-            <a:r>
-              <a:rPr b="1" lang="en-US" sz="1800" spc="-1" strike="noStrike">
-                <a:solidFill>
-                  <a:srgbClr val="000000"/>
-                </a:solidFill>
-                <a:latin typeface="Noto Sans"/>
-              </a:rPr>
-              <a:t>Lorem</a:t>
-            </a:r>
-            <a:endParaRPr b="0" lang="en-US" sz="1800" spc="-1" strike="noStrike">
-              <a:solidFill>
-                <a:srgbClr val="000000"/>
-              </a:solidFill>
-              <a:latin typeface="Arial"/>
-            </a:endParaRPr>
-          </a:p>
-        </p:txBody>
-      </p:sp>
-      <p:sp>
-        <p:nvSpPr>
-          <p:cNvPr id="415" name=""/>
-          <p:cNvSpPr/>
-          <p:nvPr/>
-        </p:nvSpPr>
-        <p:spPr>
-          <a:xfrm>
-            <a:off x="109800" y="2639520"/>
-            <a:ext cx="3382920" cy="1060560"/>
-          </a:xfrm>
-          <a:prstGeom prst="rect">
-            <a:avLst/>
-          </a:prstGeom>
-          <a:noFill/>
-          <a:ln w="0">
-            <a:noFill/>
-          </a:ln>
-        </p:spPr>
-        <p:style>
-          <a:lnRef idx="0"/>
-          <a:fillRef idx="0"/>
-          <a:effectRef idx="0"/>
-          <a:fontRef idx="minor"/>
-        </p:style>
-        <p:txBody>
-          <a:bodyPr lIns="90000" rIns="90000" tIns="45000" bIns="45000" anchor="t">
-            <a:noAutofit/>
-          </a:bodyPr>
-          <a:p>
-            <a:pPr algn="r">
-              <a:lnSpc>
-                <a:spcPct val="100000"/>
-              </a:lnSpc>
-              <a:spcBef>
-                <a:spcPts val="1191"/>
-              </a:spcBef>
-              <a:spcAft>
-                <a:spcPts val="992"/>
-              </a:spcAft>
-            </a:pPr>
-            <a:r>
-              <a:rPr b="0" lang="en-US" sz="1200" spc="-1" strike="noStrike">
-                <a:solidFill>
-                  <a:srgbClr val="666666"/>
-                </a:solidFill>
-                <a:latin typeface="Noto Sans"/>
-              </a:rPr>
-              <a:t>Lorem ipsum dolor sit amet, consectetur adipiscing elit, sed do eiusmod tempor incididunt ut labore et dolore magna aliqua. </a:t>
-            </a:r>
-            <a:endParaRPr b="0" lang="en-US" sz="1200" spc="-1" strike="noStrike">
-              <a:solidFill>
-                <a:srgbClr val="000000"/>
-              </a:solidFill>
-              <a:latin typeface="Arial"/>
-            </a:endParaRPr>
-          </a:p>
-        </p:txBody>
-      </p:sp>
-      <p:sp>
-        <p:nvSpPr>
-          <p:cNvPr id="416" name=""/>
-          <p:cNvSpPr/>
-          <p:nvPr/>
-        </p:nvSpPr>
-        <p:spPr>
-          <a:xfrm>
-            <a:off x="1481400" y="2212200"/>
-            <a:ext cx="2011320" cy="401040"/>
-          </a:xfrm>
-          <a:prstGeom prst="rect">
-            <a:avLst/>
-          </a:prstGeom>
-          <a:noFill/>
-          <a:ln w="0">
-            <a:noFill/>
-          </a:ln>
-        </p:spPr>
-        <p:style>
-          <a:lnRef idx="0"/>
-          <a:fillRef idx="0"/>
-          <a:effectRef idx="0"/>
-          <a:fontRef idx="minor"/>
-        </p:style>
-        <p:txBody>
-          <a:bodyPr lIns="90000" rIns="90000" tIns="45000" bIns="45000" anchor="t">
-            <a:noAutofit/>
-          </a:bodyPr>
-          <a:p>
-            <a:pPr algn="r">
-              <a:lnSpc>
-                <a:spcPct val="100000"/>
-              </a:lnSpc>
-            </a:pPr>
-            <a:r>
-              <a:rPr b="1" lang="en-US" sz="1800" spc="-1" strike="noStrike">
-                <a:solidFill>
-                  <a:srgbClr val="000000"/>
-                </a:solidFill>
-                <a:latin typeface="Noto Sans"/>
-              </a:rPr>
-              <a:t>Ipsum</a:t>
-            </a:r>
-            <a:endParaRPr b="0" lang="en-US" sz="1800" spc="-1" strike="noStrike">
-              <a:solidFill>
-                <a:srgbClr val="000000"/>
-              </a:solidFill>
-              <a:latin typeface="Arial"/>
-            </a:endParaRPr>
-          </a:p>
-        </p:txBody>
-      </p:sp>
-      <p:sp>
-        <p:nvSpPr>
-          <p:cNvPr id="417" name=""/>
-          <p:cNvSpPr/>
-          <p:nvPr/>
-        </p:nvSpPr>
-        <p:spPr>
-          <a:xfrm>
-            <a:off x="91440" y="4097880"/>
-            <a:ext cx="3382920" cy="748080"/>
-          </a:xfrm>
-          <a:prstGeom prst="rect">
-            <a:avLst/>
-          </a:prstGeom>
-          <a:noFill/>
-          <a:ln w="0">
-            <a:noFill/>
-          </a:ln>
-        </p:spPr>
-        <p:style>
-          <a:lnRef idx="0"/>
-          <a:fillRef idx="0"/>
-          <a:effectRef idx="0"/>
-          <a:fontRef idx="minor"/>
-        </p:style>
-        <p:txBody>
-          <a:bodyPr lIns="90000" rIns="90000" tIns="45000" bIns="45000" anchor="t">
-            <a:noAutofit/>
-          </a:bodyPr>
-          <a:p>
-            <a:pPr algn="r">
-              <a:lnSpc>
-                <a:spcPct val="100000"/>
-              </a:lnSpc>
-              <a:spcBef>
-                <a:spcPts val="1191"/>
-              </a:spcBef>
-              <a:spcAft>
-                <a:spcPts val="992"/>
-              </a:spcAft>
-            </a:pPr>
-            <a:r>
-              <a:rPr b="0" lang="en-US" sz="1200" spc="-1" strike="noStrike">
-                <a:solidFill>
-                  <a:srgbClr val="666666"/>
-                </a:solidFill>
-                <a:latin typeface="Noto Sans"/>
-              </a:rPr>
-              <a:t>Lorem ipsum dolor sit amet, consectetur adipiscing elit, sed do eiusmod tempor incididunt ut labore et dolore magna aliqua. </a:t>
-            </a:r>
-            <a:endParaRPr b="0" lang="en-US" sz="1200" spc="-1" strike="noStrike">
-              <a:solidFill>
-                <a:srgbClr val="000000"/>
-              </a:solidFill>
-              <a:latin typeface="Arial"/>
-            </a:endParaRPr>
-          </a:p>
-        </p:txBody>
-      </p:sp>
-      <p:sp>
-        <p:nvSpPr>
-          <p:cNvPr id="418" name=""/>
-          <p:cNvSpPr/>
-          <p:nvPr/>
-        </p:nvSpPr>
-        <p:spPr>
-          <a:xfrm>
-            <a:off x="1463040" y="3670560"/>
-            <a:ext cx="2011320" cy="401040"/>
-          </a:xfrm>
-          <a:prstGeom prst="rect">
-            <a:avLst/>
-          </a:prstGeom>
-          <a:noFill/>
-          <a:ln w="0">
-            <a:noFill/>
-          </a:ln>
-        </p:spPr>
-        <p:style>
-          <a:lnRef idx="0"/>
-          <a:fillRef idx="0"/>
-          <a:effectRef idx="0"/>
-          <a:fontRef idx="minor"/>
-        </p:style>
-        <p:txBody>
-          <a:bodyPr lIns="90000" rIns="90000" tIns="45000" bIns="45000" anchor="t">
-            <a:noAutofit/>
-          </a:bodyPr>
-          <a:p>
-            <a:pPr algn="r">
-              <a:lnSpc>
-                <a:spcPct val="100000"/>
-              </a:lnSpc>
-            </a:pPr>
-            <a:r>
-              <a:rPr b="1" lang="en-US" sz="1800" spc="-1" strike="noStrike">
-                <a:solidFill>
-                  <a:srgbClr val="000000"/>
-                </a:solidFill>
-                <a:latin typeface="Noto Sans"/>
-              </a:rPr>
-              <a:t>Dolor</a:t>
-            </a:r>
-            <a:endParaRPr b="0" lang="en-US" sz="1800" spc="-1" strike="noStrike">
-              <a:solidFill>
-                <a:srgbClr val="000000"/>
-              </a:solidFill>
-              <a:latin typeface="Arial"/>
-            </a:endParaRPr>
-          </a:p>
-        </p:txBody>
-      </p:sp>
-      <p:sp>
-        <p:nvSpPr>
-          <p:cNvPr id="419" name=""/>
-          <p:cNvSpPr/>
-          <p:nvPr/>
-        </p:nvSpPr>
-        <p:spPr>
-          <a:xfrm>
-            <a:off x="6672240" y="4447080"/>
-            <a:ext cx="3382920" cy="748080"/>
-          </a:xfrm>
-          <a:prstGeom prst="rect">
-            <a:avLst/>
-          </a:prstGeom>
-          <a:noFill/>
-          <a:ln w="0">
-            <a:noFill/>
-          </a:ln>
-        </p:spPr>
-        <p:style>
-          <a:lnRef idx="0"/>
-          <a:fillRef idx="0"/>
-          <a:effectRef idx="0"/>
-          <a:fontRef idx="minor"/>
-        </p:style>
-        <p:txBody>
-          <a:bodyPr lIns="90000" rIns="90000" tIns="45000" bIns="45000" anchor="t">
-            <a:noAutofit/>
-          </a:bodyPr>
-          <a:p>
-            <a:pPr>
-              <a:lnSpc>
-                <a:spcPct val="100000"/>
-              </a:lnSpc>
-              <a:spcBef>
-                <a:spcPts val="1191"/>
-              </a:spcBef>
-              <a:spcAft>
-                <a:spcPts val="992"/>
-              </a:spcAft>
-            </a:pPr>
-            <a:r>
-              <a:rPr b="0" lang="en-US" sz="1200" spc="-1" strike="noStrike">
-                <a:solidFill>
-                  <a:srgbClr val="666666"/>
-                </a:solidFill>
-                <a:latin typeface="Noto Sans"/>
-              </a:rPr>
-              <a:t>Lorem ipsum dolor sit amet, consectetur adipiscing elit, sed do eiusmod tempor incididunt ut labore et dolore magna aliqua. </a:t>
-            </a:r>
-            <a:endParaRPr b="0" lang="en-US" sz="1200" spc="-1" strike="noStrike">
-              <a:solidFill>
-                <a:srgbClr val="000000"/>
-              </a:solidFill>
-              <a:latin typeface="Arial"/>
-            </a:endParaRPr>
-          </a:p>
-        </p:txBody>
-      </p:sp>
-      <p:sp>
-        <p:nvSpPr>
-          <p:cNvPr id="420" name=""/>
-          <p:cNvSpPr/>
-          <p:nvPr/>
-        </p:nvSpPr>
-        <p:spPr>
-          <a:xfrm>
-            <a:off x="6672240" y="4019760"/>
-            <a:ext cx="2011320" cy="401040"/>
-          </a:xfrm>
-          <a:prstGeom prst="rect">
-            <a:avLst/>
-          </a:prstGeom>
-          <a:noFill/>
-          <a:ln w="0">
-            <a:noFill/>
-          </a:ln>
-        </p:spPr>
-        <p:style>
-          <a:lnRef idx="0"/>
-          <a:fillRef idx="0"/>
-          <a:effectRef idx="0"/>
-          <a:fontRef idx="minor"/>
-        </p:style>
-        <p:txBody>
-          <a:bodyPr lIns="90000" rIns="90000" tIns="45000" bIns="45000" anchor="t">
-            <a:noAutofit/>
-          </a:bodyPr>
-          <a:p>
-            <a:pPr>
-              <a:lnSpc>
-                <a:spcPct val="100000"/>
-              </a:lnSpc>
-            </a:pPr>
-            <a:r>
-              <a:rPr b="1" lang="en-US" sz="1800" spc="-1" strike="noStrike">
-                <a:solidFill>
-                  <a:srgbClr val="000000"/>
-                </a:solidFill>
-                <a:latin typeface="Noto Sans"/>
-              </a:rPr>
-              <a:t>Consectetur</a:t>
-            </a:r>
-            <a:endParaRPr b="0" lang="en-US" sz="1800" spc="-1" strike="noStrike">
-              <a:solidFill>
-                <a:srgbClr val="000000"/>
-              </a:solidFill>
-              <a:latin typeface="Arial"/>
-            </a:endParaRPr>
-          </a:p>
-        </p:txBody>
-      </p:sp>
-      <p:sp>
-        <p:nvSpPr>
-          <p:cNvPr id="421" name=""/>
-          <p:cNvSpPr/>
-          <p:nvPr/>
-        </p:nvSpPr>
-        <p:spPr>
-          <a:xfrm>
-            <a:off x="6672240" y="2990520"/>
-            <a:ext cx="3382920" cy="748080"/>
-          </a:xfrm>
-          <a:prstGeom prst="rect">
-            <a:avLst/>
-          </a:prstGeom>
-          <a:noFill/>
-          <a:ln w="0">
-            <a:noFill/>
-          </a:ln>
-        </p:spPr>
-        <p:style>
-          <a:lnRef idx="0"/>
-          <a:fillRef idx="0"/>
-          <a:effectRef idx="0"/>
-          <a:fontRef idx="minor"/>
-        </p:style>
-        <p:txBody>
-          <a:bodyPr lIns="90000" rIns="90000" tIns="45000" bIns="45000" anchor="t">
-            <a:noAutofit/>
-          </a:bodyPr>
-          <a:p>
-            <a:pPr>
-              <a:lnSpc>
-                <a:spcPct val="100000"/>
-              </a:lnSpc>
-              <a:spcBef>
-                <a:spcPts val="1191"/>
-              </a:spcBef>
-              <a:spcAft>
-                <a:spcPts val="992"/>
-              </a:spcAft>
-            </a:pPr>
-            <a:r>
-              <a:rPr b="0" lang="en-US" sz="1200" spc="-1" strike="noStrike">
-                <a:solidFill>
-                  <a:srgbClr val="666666"/>
-                </a:solidFill>
-                <a:latin typeface="Noto Sans"/>
-              </a:rPr>
-              <a:t>Lorem ipsum dolor sit amet, consectetur adipiscing elit, sed do eiusmod tempor incididunt ut labore et dolore magna aliqua. </a:t>
-            </a:r>
-            <a:endParaRPr b="0" lang="en-US" sz="1200" spc="-1" strike="noStrike">
-              <a:solidFill>
-                <a:srgbClr val="000000"/>
-              </a:solidFill>
-              <a:latin typeface="Arial"/>
-            </a:endParaRPr>
-          </a:p>
-        </p:txBody>
-      </p:sp>
-      <p:sp>
-        <p:nvSpPr>
-          <p:cNvPr id="422" name=""/>
-          <p:cNvSpPr/>
-          <p:nvPr/>
-        </p:nvSpPr>
-        <p:spPr>
-          <a:xfrm>
-            <a:off x="6672240" y="2563200"/>
-            <a:ext cx="2011320" cy="401040"/>
-          </a:xfrm>
-          <a:prstGeom prst="rect">
-            <a:avLst/>
-          </a:prstGeom>
-          <a:noFill/>
-          <a:ln w="0">
-            <a:noFill/>
-          </a:ln>
-        </p:spPr>
-        <p:style>
-          <a:lnRef idx="0"/>
-          <a:fillRef idx="0"/>
-          <a:effectRef idx="0"/>
-          <a:fontRef idx="minor"/>
-        </p:style>
-        <p:txBody>
-          <a:bodyPr lIns="90000" rIns="90000" tIns="45000" bIns="45000" anchor="t">
-            <a:noAutofit/>
-          </a:bodyPr>
-          <a:p>
-            <a:pPr>
-              <a:lnSpc>
-                <a:spcPct val="100000"/>
-              </a:lnSpc>
-            </a:pPr>
-            <a:r>
-              <a:rPr b="1" lang="en-US" sz="1800" spc="-1" strike="noStrike">
-                <a:solidFill>
-                  <a:srgbClr val="000000"/>
-                </a:solidFill>
-                <a:latin typeface="Noto Sans"/>
-              </a:rPr>
-              <a:t>Amet</a:t>
-            </a:r>
-            <a:endParaRPr b="0" lang="en-US" sz="1800" spc="-1" strike="noStrike">
-              <a:solidFill>
-                <a:srgbClr val="000000"/>
-              </a:solidFill>
-              <a:latin typeface="Arial"/>
-            </a:endParaRPr>
-          </a:p>
-        </p:txBody>
-      </p:sp>
-      <p:sp>
-        <p:nvSpPr>
-          <p:cNvPr id="423" name=""/>
-          <p:cNvSpPr/>
-          <p:nvPr/>
-        </p:nvSpPr>
-        <p:spPr>
-          <a:xfrm>
-            <a:off x="6672240" y="1433160"/>
-            <a:ext cx="3382920" cy="748080"/>
-          </a:xfrm>
-          <a:prstGeom prst="rect">
-            <a:avLst/>
-          </a:prstGeom>
-          <a:noFill/>
-          <a:ln w="0">
-            <a:noFill/>
-          </a:ln>
-        </p:spPr>
-        <p:style>
-          <a:lnRef idx="0"/>
-          <a:fillRef idx="0"/>
-          <a:effectRef idx="0"/>
-          <a:fontRef idx="minor"/>
-        </p:style>
-        <p:txBody>
-          <a:bodyPr lIns="90000" rIns="90000" tIns="45000" bIns="45000" anchor="t">
-            <a:noAutofit/>
-          </a:bodyPr>
-          <a:p>
-            <a:pPr>
-              <a:lnSpc>
-                <a:spcPct val="100000"/>
-              </a:lnSpc>
-              <a:spcBef>
-                <a:spcPts val="1191"/>
-              </a:spcBef>
-              <a:spcAft>
-                <a:spcPts val="992"/>
-              </a:spcAft>
-            </a:pPr>
-            <a:r>
-              <a:rPr b="0" lang="en-US" sz="1200" spc="-1" strike="noStrike">
-                <a:solidFill>
-                  <a:srgbClr val="666666"/>
-                </a:solidFill>
-                <a:latin typeface="Noto Sans"/>
-              </a:rPr>
-              <a:t>Lorem ipsum dolor sit amet, consectetur adipiscing elit, sed do eiusmod tempor incididunt ut labore et dolore magna aliqua. </a:t>
-            </a:r>
-            <a:endParaRPr b="0" lang="en-US" sz="1200" spc="-1" strike="noStrike">
-              <a:solidFill>
-                <a:srgbClr val="000000"/>
-              </a:solidFill>
-              <a:latin typeface="Arial"/>
-            </a:endParaRPr>
-          </a:p>
-        </p:txBody>
-      </p:sp>
-      <p:sp>
-        <p:nvSpPr>
-          <p:cNvPr id="424" name=""/>
-          <p:cNvSpPr/>
-          <p:nvPr/>
-        </p:nvSpPr>
-        <p:spPr>
-          <a:xfrm>
-            <a:off x="6672240" y="1005840"/>
-            <a:ext cx="2011320" cy="401040"/>
-          </a:xfrm>
-          <a:prstGeom prst="rect">
-            <a:avLst/>
-          </a:prstGeom>
-          <a:noFill/>
-          <a:ln w="0">
-            <a:noFill/>
-          </a:ln>
-        </p:spPr>
-        <p:style>
-          <a:lnRef idx="0"/>
-          <a:fillRef idx="0"/>
-          <a:effectRef idx="0"/>
-          <a:fontRef idx="minor"/>
-        </p:style>
-        <p:txBody>
-          <a:bodyPr lIns="90000" rIns="90000" tIns="45000" bIns="45000" anchor="t">
-            <a:noAutofit/>
-          </a:bodyPr>
-          <a:p>
-            <a:pPr>
-              <a:lnSpc>
-                <a:spcPct val="100000"/>
-              </a:lnSpc>
-            </a:pPr>
-            <a:r>
-              <a:rPr b="1" lang="en-US" sz="1800" spc="-1" strike="noStrike">
-                <a:solidFill>
-                  <a:srgbClr val="000000"/>
-                </a:solidFill>
-                <a:latin typeface="Noto Sans"/>
-              </a:rPr>
-              <a:t>Sit</a:t>
-            </a:r>
-            <a:endParaRPr b="0" lang="en-US" sz="1800" spc="-1" strike="noStrike">
-              <a:solidFill>
-                <a:srgbClr val="000000"/>
-              </a:solidFill>
-              <a:latin typeface="Arial"/>
-            </a:endParaRPr>
-          </a:p>
-        </p:txBody>
-      </p:sp>
-    </p:spTree>
-  </p:cSld>
-  <mc:AlternateContent>
-    <mc:Choice Requires="p14">
-      <p:transition spd="slow" p14:dur="2000"/>
-    </mc:Choice>
-    <mc:Fallback>
-      <p:transition spd="slow"/>
-    </mc:Fallback>
-  </mc:AlternateContent>
-</p:sld>
-</file>
-
-<file path=ppt/slides/slide15.xml><?xml version="1.0" encoding="utf-8"?>
-<p:sld xmlns:a="http://schemas.openxmlformats.org/drawingml/2006/main" xmlns:p="http://schemas.openxmlformats.org/presentationml/2006/main" xmlns:r="http://schemas.openxmlformats.org/officeDocument/2006/relationships" xmlns:p14="http://schemas.microsoft.com/office/powerpoint/2010/main" xmlns:p15="http://schemas.microsoft.com/office/powerpoint/2012/main" xmlns:mc="http://schemas.openxmlformats.org/markup-compatibility/2006">
-  <p:cSld>
-    <p:spTree>
-      <p:nvGrpSpPr>
-        <p:cNvPr id="1" name=""/>
-        <p:cNvGrpSpPr/>
-        <p:nvPr/>
-      </p:nvGrpSpPr>
-      <p:grpSpPr>
-        <a:xfrm>
-          <a:off x="0" y="0"/>
-          <a:ext cx="0" cy="0"/>
-          <a:chOff x="0" y="0"/>
-          <a:chExt cx="0" cy="0"/>
-        </a:xfrm>
-      </p:grpSpPr>
-      <p:pic>
-        <p:nvPicPr>
-          <p:cNvPr id="425" name="" descr=""/>
-          <p:cNvPicPr/>
-          <p:nvPr/>
-        </p:nvPicPr>
-        <p:blipFill>
-          <a:blip r:embed="rId1">
-            <a:extLst>
-              <a:ext uri="{96DAC541-7B7A-43D3-8B79-37D633B846F1}">
-                <asvg:svgBlip xmlns:asvg="http://schemas.microsoft.com/office/drawing/2016/SVG/main" r:embed="rId2"/>
-              </a:ext>
-            </a:extLst>
-          </a:blip>
-          <a:stretch/>
-        </p:blipFill>
-        <p:spPr>
-          <a:xfrm>
-            <a:off x="1188720" y="2783880"/>
-            <a:ext cx="781920" cy="781920"/>
-          </a:xfrm>
-          <a:prstGeom prst="rect">
-            <a:avLst/>
-          </a:prstGeom>
-          <a:ln w="0">
-            <a:noFill/>
-          </a:ln>
-          <a:effectLst>
-            <a:outerShdw blurRad="0" dir="2700000" dist="102841" rotWithShape="0">
-              <a:srgbClr val="808080">
-                <a:alpha val="20000"/>
-              </a:srgbClr>
-            </a:outerShdw>
-          </a:effectLst>
-        </p:spPr>
-      </p:pic>
-      <p:sp>
-        <p:nvSpPr>
-          <p:cNvPr id="426" name=""/>
-          <p:cNvSpPr/>
-          <p:nvPr/>
-        </p:nvSpPr>
-        <p:spPr>
-          <a:xfrm>
-            <a:off x="2651760" y="4467600"/>
-            <a:ext cx="3382920" cy="748080"/>
-          </a:xfrm>
-          <a:prstGeom prst="rect">
-            <a:avLst/>
-          </a:prstGeom>
-          <a:noFill/>
-          <a:ln w="0">
-            <a:noFill/>
-          </a:ln>
-        </p:spPr>
-        <p:style>
-          <a:lnRef idx="0"/>
-          <a:fillRef idx="0"/>
-          <a:effectRef idx="0"/>
-          <a:fontRef idx="minor"/>
-        </p:style>
-        <p:txBody>
-          <a:bodyPr lIns="90000" rIns="90000" tIns="45000" bIns="45000" anchor="t">
-            <a:noAutofit/>
-          </a:bodyPr>
-          <a:p>
-            <a:pPr>
-              <a:lnSpc>
-                <a:spcPct val="100000"/>
-              </a:lnSpc>
-              <a:spcBef>
-                <a:spcPts val="1191"/>
-              </a:spcBef>
-              <a:spcAft>
-                <a:spcPts val="992"/>
-              </a:spcAft>
-            </a:pPr>
-            <a:r>
-              <a:rPr b="0" lang="en-US" sz="1200" spc="-1" strike="noStrike">
-                <a:solidFill>
-                  <a:srgbClr val="666666"/>
-                </a:solidFill>
-                <a:latin typeface="Noto Sans"/>
-              </a:rPr>
-              <a:t>Lorem ipsum dolor sit amet, consectetur adipiscing elit, sed do eiusmod tempor incididunt ut labore et dolore magna aliqua. </a:t>
-            </a:r>
-            <a:endParaRPr b="0" lang="en-US" sz="1200" spc="-1" strike="noStrike">
-              <a:solidFill>
-                <a:srgbClr val="000000"/>
-              </a:solidFill>
-              <a:latin typeface="Arial"/>
-            </a:endParaRPr>
-          </a:p>
-        </p:txBody>
-      </p:sp>
-      <p:sp>
-        <p:nvSpPr>
-          <p:cNvPr id="427" name=""/>
-          <p:cNvSpPr/>
-          <p:nvPr/>
-        </p:nvSpPr>
-        <p:spPr>
-          <a:xfrm>
-            <a:off x="2651760" y="4040280"/>
-            <a:ext cx="2011320" cy="401040"/>
-          </a:xfrm>
-          <a:prstGeom prst="rect">
-            <a:avLst/>
-          </a:prstGeom>
-          <a:noFill/>
-          <a:ln w="0">
-            <a:noFill/>
-          </a:ln>
-        </p:spPr>
-        <p:style>
-          <a:lnRef idx="0"/>
-          <a:fillRef idx="0"/>
-          <a:effectRef idx="0"/>
-          <a:fontRef idx="minor"/>
-        </p:style>
-        <p:txBody>
-          <a:bodyPr lIns="90000" rIns="90000" tIns="45000" bIns="45000" anchor="t">
-            <a:noAutofit/>
-          </a:bodyPr>
-          <a:p>
-            <a:pPr>
-              <a:lnSpc>
-                <a:spcPct val="100000"/>
-              </a:lnSpc>
-            </a:pPr>
-            <a:r>
-              <a:rPr b="1" lang="en-US" sz="1800" spc="-1" strike="noStrike">
-                <a:solidFill>
-                  <a:srgbClr val="000000"/>
-                </a:solidFill>
-                <a:latin typeface="Noto Sans"/>
-              </a:rPr>
-              <a:t>03 Dolor</a:t>
-            </a:r>
-            <a:endParaRPr b="0" lang="en-US" sz="1800" spc="-1" strike="noStrike">
-              <a:solidFill>
-                <a:srgbClr val="000000"/>
-              </a:solidFill>
-              <a:latin typeface="Arial"/>
-            </a:endParaRPr>
-          </a:p>
-        </p:txBody>
-      </p:sp>
-      <p:sp>
-        <p:nvSpPr>
-          <p:cNvPr id="428" name=""/>
-          <p:cNvSpPr/>
-          <p:nvPr/>
-        </p:nvSpPr>
-        <p:spPr>
-          <a:xfrm>
-            <a:off x="180000" y="1250280"/>
-            <a:ext cx="3477240" cy="985680"/>
-          </a:xfrm>
-          <a:prstGeom prst="rect">
-            <a:avLst/>
-          </a:prstGeom>
-          <a:noFill/>
-          <a:ln w="0">
-            <a:noFill/>
-          </a:ln>
-        </p:spPr>
-        <p:style>
-          <a:lnRef idx="0"/>
-          <a:fillRef idx="0"/>
-          <a:effectRef idx="0"/>
-          <a:fontRef idx="minor"/>
-        </p:style>
-        <p:txBody>
-          <a:bodyPr lIns="90000" rIns="90000" tIns="45000" bIns="45000" anchor="t">
-            <a:noAutofit/>
-          </a:bodyPr>
-          <a:p>
-            <a:pPr algn="r">
-              <a:lnSpc>
-                <a:spcPct val="100000"/>
-              </a:lnSpc>
-              <a:spcBef>
-                <a:spcPts val="1191"/>
-              </a:spcBef>
-              <a:spcAft>
-                <a:spcPts val="992"/>
-              </a:spcAft>
-            </a:pPr>
-            <a:r>
-              <a:rPr b="0" lang="en-US" sz="1200" spc="-1" strike="noStrike">
-                <a:solidFill>
-                  <a:srgbClr val="666666"/>
-                </a:solidFill>
-                <a:latin typeface="Noto Sans"/>
-              </a:rPr>
-              <a:t>Lorem ipsum dolor sit amet, consectetur adipiscing elit, sed do eiusmod tempor incididunt ut labore et dolore magna aliqua. </a:t>
-            </a:r>
-            <a:endParaRPr b="0" lang="en-US" sz="1200" spc="-1" strike="noStrike">
-              <a:solidFill>
-                <a:srgbClr val="000000"/>
-              </a:solidFill>
-              <a:latin typeface="Arial"/>
-            </a:endParaRPr>
-          </a:p>
-        </p:txBody>
-      </p:sp>
-      <p:sp>
-        <p:nvSpPr>
-          <p:cNvPr id="429" name=""/>
-          <p:cNvSpPr/>
-          <p:nvPr/>
-        </p:nvSpPr>
-        <p:spPr>
-          <a:xfrm>
-            <a:off x="2468880" y="822960"/>
-            <a:ext cx="1410120" cy="1371240"/>
-          </a:xfrm>
-          <a:prstGeom prst="ellipse">
-            <a:avLst/>
-          </a:prstGeom>
-          <a:solidFill>
-            <a:srgbClr val="8d99ae">
-              <a:alpha val="10000"/>
-            </a:srgbClr>
-          </a:solidFill>
-          <a:ln w="0">
-            <a:noFill/>
-          </a:ln>
-        </p:spPr>
-        <p:style>
-          <a:lnRef idx="0"/>
-          <a:fillRef idx="0"/>
-          <a:effectRef idx="0"/>
-          <a:fontRef idx="minor"/>
-        </p:style>
-        <p:txBody>
-          <a:bodyPr wrap="none" lIns="90000" rIns="90000" tIns="45000" bIns="45000" anchor="ctr">
-            <a:noAutofit/>
-          </a:bodyPr>
-          <a:p>
-            <a:pPr>
-              <a:lnSpc>
-                <a:spcPct val="100000"/>
-              </a:lnSpc>
-            </a:pPr>
-            <a:endParaRPr b="0" lang="en-US" sz="1800" spc="-1" strike="noStrike">
-              <a:solidFill>
-                <a:srgbClr val="ffffff"/>
-              </a:solidFill>
-              <a:latin typeface="Noto Sans"/>
-              <a:ea typeface="DejaVu Sans"/>
-            </a:endParaRPr>
-          </a:p>
-        </p:txBody>
-      </p:sp>
-      <p:sp>
-        <p:nvSpPr>
-          <p:cNvPr id="430" name=""/>
-          <p:cNvSpPr/>
-          <p:nvPr/>
-        </p:nvSpPr>
-        <p:spPr>
-          <a:xfrm>
-            <a:off x="1645920" y="822960"/>
-            <a:ext cx="2011320" cy="401040"/>
-          </a:xfrm>
-          <a:prstGeom prst="rect">
-            <a:avLst/>
-          </a:prstGeom>
-          <a:noFill/>
-          <a:ln w="0">
-            <a:noFill/>
-          </a:ln>
-        </p:spPr>
-        <p:style>
-          <a:lnRef idx="0"/>
-          <a:fillRef idx="0"/>
-          <a:effectRef idx="0"/>
-          <a:fontRef idx="minor"/>
-        </p:style>
-        <p:txBody>
-          <a:bodyPr lIns="90000" rIns="90000" tIns="45000" bIns="45000" anchor="t">
-            <a:noAutofit/>
-          </a:bodyPr>
-          <a:p>
-            <a:pPr algn="r">
-              <a:lnSpc>
-                <a:spcPct val="100000"/>
-              </a:lnSpc>
-            </a:pPr>
-            <a:r>
-              <a:rPr b="1" lang="en-US" sz="1800" spc="-1" strike="noStrike">
-                <a:solidFill>
-                  <a:srgbClr val="000000"/>
-                </a:solidFill>
-                <a:latin typeface="Noto Sans"/>
-              </a:rPr>
-              <a:t>01 Lorem</a:t>
-            </a:r>
-            <a:endParaRPr b="0" lang="en-US" sz="1800" spc="-1" strike="noStrike">
-              <a:solidFill>
-                <a:srgbClr val="000000"/>
-              </a:solidFill>
-              <a:latin typeface="Arial"/>
-            </a:endParaRPr>
-          </a:p>
-        </p:txBody>
-      </p:sp>
-      <p:pic>
-        <p:nvPicPr>
-          <p:cNvPr id="431" name="" descr=""/>
-          <p:cNvPicPr/>
-          <p:nvPr/>
-        </p:nvPicPr>
-        <p:blipFill>
-          <a:blip r:embed="rId3">
-            <a:extLst>
-              <a:ext uri="{96DAC541-7B7A-43D3-8B79-37D633B846F1}">
-                <asvg:svgBlip xmlns:asvg="http://schemas.microsoft.com/office/drawing/2016/SVG/main" r:embed="rId4"/>
-              </a:ext>
-            </a:extLst>
-          </a:blip>
-          <a:stretch/>
-        </p:blipFill>
-        <p:spPr>
-          <a:xfrm>
-            <a:off x="4854240" y="1774080"/>
-            <a:ext cx="942840" cy="1045080"/>
-          </a:xfrm>
-          <a:prstGeom prst="rect">
-            <a:avLst/>
-          </a:prstGeom>
-          <a:ln w="0">
-            <a:noFill/>
-          </a:ln>
-          <a:effectLst>
-            <a:outerShdw blurRad="0" dir="2700000" dist="102841" rotWithShape="0">
-              <a:srgbClr val="808080">
-                <a:alpha val="20000"/>
-              </a:srgbClr>
-            </a:outerShdw>
-          </a:effectLst>
-        </p:spPr>
-      </p:pic>
-      <p:pic>
-        <p:nvPicPr>
-          <p:cNvPr id="432" name="" descr=""/>
-          <p:cNvPicPr/>
-          <p:nvPr/>
-        </p:nvPicPr>
-        <p:blipFill>
-          <a:blip r:embed="rId5">
-            <a:extLst>
-              <a:ext uri="{96DAC541-7B7A-43D3-8B79-37D633B846F1}">
-                <asvg:svgBlip xmlns:asvg="http://schemas.microsoft.com/office/drawing/2016/SVG/main" r:embed="rId6"/>
-              </a:ext>
-            </a:extLst>
-          </a:blip>
-          <a:stretch/>
-        </p:blipFill>
-        <p:spPr>
-          <a:xfrm>
-            <a:off x="6884640" y="3486960"/>
-            <a:ext cx="924120" cy="847080"/>
-          </a:xfrm>
-          <a:prstGeom prst="rect">
-            <a:avLst/>
-          </a:prstGeom>
-          <a:ln w="0">
-            <a:noFill/>
-          </a:ln>
-          <a:effectLst>
-            <a:outerShdw blurRad="0" dir="2700000" dist="102841" rotWithShape="0">
-              <a:srgbClr val="808080">
-                <a:alpha val="20000"/>
-              </a:srgbClr>
-            </a:outerShdw>
-          </a:effectLst>
-        </p:spPr>
-      </p:pic>
-      <p:sp>
-        <p:nvSpPr>
-          <p:cNvPr id="433" name=""/>
-          <p:cNvSpPr/>
-          <p:nvPr/>
-        </p:nvSpPr>
-        <p:spPr>
-          <a:xfrm>
-            <a:off x="6309360" y="1856520"/>
-            <a:ext cx="2742840" cy="919440"/>
-          </a:xfrm>
-          <a:prstGeom prst="rect">
-            <a:avLst/>
-          </a:prstGeom>
-          <a:noFill/>
-          <a:ln w="0">
-            <a:noFill/>
-          </a:ln>
-        </p:spPr>
-        <p:style>
-          <a:lnRef idx="0"/>
-          <a:fillRef idx="0"/>
-          <a:effectRef idx="0"/>
-          <a:fontRef idx="minor"/>
-        </p:style>
-        <p:txBody>
-          <a:bodyPr lIns="90000" rIns="90000" tIns="45000" bIns="45000" anchor="t">
-            <a:noAutofit/>
-          </a:bodyPr>
-          <a:p>
-            <a:pPr algn="r">
-              <a:lnSpc>
-                <a:spcPct val="100000"/>
-              </a:lnSpc>
-              <a:spcBef>
-                <a:spcPts val="1191"/>
-              </a:spcBef>
-              <a:spcAft>
-                <a:spcPts val="992"/>
-              </a:spcAft>
-            </a:pPr>
-            <a:r>
-              <a:rPr b="0" lang="en-US" sz="1200" spc="-1" strike="noStrike">
-                <a:solidFill>
-                  <a:srgbClr val="666666"/>
-                </a:solidFill>
-                <a:latin typeface="Noto Sans"/>
-              </a:rPr>
-              <a:t>Lorem ipsum dolor sit amet, consectetur adipiscing elit, sed do eiusmod tempor incididunt ut labore et dolore magna aliqua. </a:t>
-            </a:r>
-            <a:endParaRPr b="0" lang="en-US" sz="1200" spc="-1" strike="noStrike">
-              <a:solidFill>
-                <a:srgbClr val="000000"/>
-              </a:solidFill>
-              <a:latin typeface="Arial"/>
-            </a:endParaRPr>
-          </a:p>
-        </p:txBody>
-      </p:sp>
-      <p:sp>
-        <p:nvSpPr>
-          <p:cNvPr id="434" name=""/>
-          <p:cNvSpPr/>
-          <p:nvPr/>
-        </p:nvSpPr>
-        <p:spPr>
-          <a:xfrm>
-            <a:off x="7040880" y="1429200"/>
-            <a:ext cx="2011320" cy="401040"/>
-          </a:xfrm>
-          <a:prstGeom prst="rect">
-            <a:avLst/>
-          </a:prstGeom>
-          <a:noFill/>
-          <a:ln w="0">
-            <a:noFill/>
-          </a:ln>
-        </p:spPr>
-        <p:style>
-          <a:lnRef idx="0"/>
-          <a:fillRef idx="0"/>
-          <a:effectRef idx="0"/>
-          <a:fontRef idx="minor"/>
-        </p:style>
-        <p:txBody>
-          <a:bodyPr lIns="90000" rIns="90000" tIns="45000" bIns="45000" anchor="t">
-            <a:noAutofit/>
-          </a:bodyPr>
-          <a:p>
-            <a:pPr algn="r">
-              <a:lnSpc>
-                <a:spcPct val="100000"/>
-              </a:lnSpc>
-            </a:pPr>
-            <a:r>
-              <a:rPr b="1" lang="en-US" sz="1800" spc="-1" strike="noStrike">
-                <a:solidFill>
-                  <a:srgbClr val="000000"/>
-                </a:solidFill>
-                <a:latin typeface="Noto Sans"/>
-              </a:rPr>
-              <a:t>02 Ipsum</a:t>
-            </a:r>
-            <a:endParaRPr b="0" lang="en-US" sz="1800" spc="-1" strike="noStrike">
-              <a:solidFill>
-                <a:srgbClr val="000000"/>
-              </a:solidFill>
-              <a:latin typeface="Arial"/>
-            </a:endParaRPr>
-          </a:p>
-        </p:txBody>
-      </p:sp>
-    </p:spTree>
-  </p:cSld>
-  <mc:AlternateContent>
-    <mc:Choice Requires="p14">
-      <p:transition spd="slow" p14:dur="2000"/>
-    </mc:Choice>
-    <mc:Fallback>
-      <p:transition spd="slow"/>
-    </mc:Fallback>
-  </mc:AlternateContent>
-</p:sld>
-</file>
-
-<file path=ppt/slides/slide16.xml><?xml version="1.0" encoding="utf-8"?>
-<p:sld xmlns:a="http://schemas.openxmlformats.org/drawingml/2006/main" xmlns:p="http://schemas.openxmlformats.org/presentationml/2006/main" xmlns:r="http://schemas.openxmlformats.org/officeDocument/2006/relationships" xmlns:p14="http://schemas.microsoft.com/office/powerpoint/2010/main" xmlns:p15="http://schemas.microsoft.com/office/powerpoint/2012/main" xmlns:mc="http://schemas.openxmlformats.org/markup-compatibility/2006">
-  <p:cSld>
-    <p:spTree>
-      <p:nvGrpSpPr>
-        <p:cNvPr id="1" name=""/>
-        <p:cNvGrpSpPr/>
-        <p:nvPr/>
-      </p:nvGrpSpPr>
-      <p:grpSpPr>
-        <a:xfrm>
-          <a:off x="0" y="0"/>
-          <a:ext cx="0" cy="0"/>
-          <a:chOff x="0" y="0"/>
-          <a:chExt cx="0" cy="0"/>
-        </a:xfrm>
-      </p:grpSpPr>
-      <p:sp>
-        <p:nvSpPr>
-          <p:cNvPr id="435" name=""/>
-          <p:cNvSpPr/>
-          <p:nvPr/>
-        </p:nvSpPr>
-        <p:spPr>
-          <a:xfrm>
-            <a:off x="953280" y="1524240"/>
-            <a:ext cx="3200040" cy="1132560"/>
-          </a:xfrm>
-          <a:prstGeom prst="rect">
-            <a:avLst/>
-          </a:prstGeom>
-          <a:noFill/>
-          <a:ln w="0">
-            <a:noFill/>
-          </a:ln>
-        </p:spPr>
-        <p:style>
-          <a:lnRef idx="0"/>
-          <a:fillRef idx="0"/>
-          <a:effectRef idx="0"/>
-          <a:fontRef idx="minor"/>
-        </p:style>
-        <p:txBody>
-          <a:bodyPr lIns="90000" rIns="90000" tIns="45000" bIns="45000" anchor="t">
-            <a:noAutofit/>
-          </a:bodyPr>
-          <a:p>
-            <a:pPr>
-              <a:lnSpc>
-                <a:spcPct val="100000"/>
-              </a:lnSpc>
-            </a:pPr>
-            <a:r>
-              <a:rPr b="0" lang="en-US" sz="1500" spc="-1" strike="noStrike">
-                <a:solidFill>
-                  <a:srgbClr val="666666"/>
-                </a:solidFill>
-                <a:latin typeface="Noto Sans"/>
-              </a:rPr>
-              <a:t>Lorem ipsum dolor sit amet, consectetur adipiscing elit, sed do eiusmod tempor incididunt ut labore et dolore magna aliqua. </a:t>
-            </a:r>
-            <a:endParaRPr b="0" lang="en-US" sz="1500" spc="-1" strike="noStrike">
-              <a:solidFill>
-                <a:srgbClr val="000000"/>
-              </a:solidFill>
-              <a:latin typeface="Arial"/>
-            </a:endParaRPr>
-          </a:p>
-        </p:txBody>
-      </p:sp>
-      <p:sp>
-        <p:nvSpPr>
-          <p:cNvPr id="436" name=""/>
-          <p:cNvSpPr/>
-          <p:nvPr/>
-        </p:nvSpPr>
-        <p:spPr>
-          <a:xfrm>
-            <a:off x="1604520" y="1113840"/>
-            <a:ext cx="1554120" cy="471240"/>
-          </a:xfrm>
-          <a:prstGeom prst="rect">
-            <a:avLst/>
-          </a:prstGeom>
-          <a:noFill/>
-          <a:ln w="0">
-            <a:noFill/>
-          </a:ln>
-        </p:spPr>
-        <p:style>
-          <a:lnRef idx="0"/>
-          <a:fillRef idx="0"/>
-          <a:effectRef idx="0"/>
-          <a:fontRef idx="minor"/>
-        </p:style>
-        <p:txBody>
-          <a:bodyPr lIns="90000" rIns="90000" tIns="45000" bIns="45000" anchor="t">
-            <a:noAutofit/>
-          </a:bodyPr>
-          <a:p>
-            <a:pPr>
-              <a:lnSpc>
-                <a:spcPct val="100000"/>
-              </a:lnSpc>
-            </a:pPr>
-            <a:r>
-              <a:rPr b="1" lang="en-US" sz="2200" spc="-1" strike="noStrike">
-                <a:solidFill>
-                  <a:srgbClr val="000000"/>
-                </a:solidFill>
-                <a:latin typeface="Noto Sans"/>
-              </a:rPr>
-              <a:t>Lorem</a:t>
-            </a:r>
-            <a:endParaRPr b="0" lang="en-US" sz="2200" spc="-1" strike="noStrike">
-              <a:solidFill>
-                <a:srgbClr val="000000"/>
-              </a:solidFill>
-              <a:latin typeface="Arial"/>
-            </a:endParaRPr>
-          </a:p>
-        </p:txBody>
-      </p:sp>
-      <p:sp>
-        <p:nvSpPr>
-          <p:cNvPr id="437" name=""/>
-          <p:cNvSpPr/>
-          <p:nvPr/>
-        </p:nvSpPr>
-        <p:spPr>
-          <a:xfrm>
-            <a:off x="2873520" y="4037760"/>
-            <a:ext cx="3200040" cy="1132560"/>
-          </a:xfrm>
-          <a:prstGeom prst="rect">
-            <a:avLst/>
-          </a:prstGeom>
-          <a:noFill/>
-          <a:ln w="0">
-            <a:noFill/>
-          </a:ln>
-        </p:spPr>
-        <p:style>
-          <a:lnRef idx="0"/>
-          <a:fillRef idx="0"/>
-          <a:effectRef idx="0"/>
-          <a:fontRef idx="minor"/>
-        </p:style>
-        <p:txBody>
-          <a:bodyPr lIns="90000" rIns="90000" tIns="45000" bIns="45000" anchor="t">
-            <a:noAutofit/>
-          </a:bodyPr>
-          <a:p>
-            <a:pPr>
-              <a:lnSpc>
-                <a:spcPct val="100000"/>
-              </a:lnSpc>
-            </a:pPr>
-            <a:r>
-              <a:rPr b="0" lang="en-US" sz="1500" spc="-1" strike="noStrike">
-                <a:solidFill>
-                  <a:srgbClr val="666666"/>
-                </a:solidFill>
-                <a:latin typeface="Noto Sans"/>
-              </a:rPr>
-              <a:t>Lorem ipsum dolor sit amet, consectetur adipiscing elit, sed do eiusmod tempor incididunt ut labore et dolore magna aliqua. </a:t>
-            </a:r>
-            <a:endParaRPr b="0" lang="en-US" sz="1500" spc="-1" strike="noStrike">
-              <a:solidFill>
-                <a:srgbClr val="000000"/>
-              </a:solidFill>
-              <a:latin typeface="Arial"/>
-            </a:endParaRPr>
-          </a:p>
-        </p:txBody>
-      </p:sp>
-      <p:sp>
-        <p:nvSpPr>
-          <p:cNvPr id="438" name=""/>
-          <p:cNvSpPr/>
-          <p:nvPr/>
-        </p:nvSpPr>
-        <p:spPr>
-          <a:xfrm>
-            <a:off x="3524760" y="3627360"/>
-            <a:ext cx="1554120" cy="471240"/>
-          </a:xfrm>
-          <a:prstGeom prst="rect">
-            <a:avLst/>
-          </a:prstGeom>
-          <a:noFill/>
-          <a:ln w="0">
-            <a:noFill/>
-          </a:ln>
-        </p:spPr>
-        <p:style>
-          <a:lnRef idx="0"/>
-          <a:fillRef idx="0"/>
-          <a:effectRef idx="0"/>
-          <a:fontRef idx="minor"/>
-        </p:style>
-        <p:txBody>
-          <a:bodyPr lIns="90000" rIns="90000" tIns="45000" bIns="45000" anchor="t">
-            <a:noAutofit/>
-          </a:bodyPr>
-          <a:p>
-            <a:pPr>
-              <a:lnSpc>
-                <a:spcPct val="100000"/>
-              </a:lnSpc>
-            </a:pPr>
-            <a:r>
-              <a:rPr b="1" lang="en-US" sz="2200" spc="-1" strike="noStrike">
-                <a:solidFill>
-                  <a:srgbClr val="000000"/>
-                </a:solidFill>
-                <a:latin typeface="Noto Sans"/>
-              </a:rPr>
-              <a:t>Ipsum</a:t>
-            </a:r>
-            <a:endParaRPr b="0" lang="en-US" sz="2200" spc="-1" strike="noStrike">
-              <a:solidFill>
-                <a:srgbClr val="000000"/>
-              </a:solidFill>
-              <a:latin typeface="Arial"/>
-            </a:endParaRPr>
-          </a:p>
-        </p:txBody>
-      </p:sp>
-      <p:sp>
-        <p:nvSpPr>
-          <p:cNvPr id="439" name=""/>
-          <p:cNvSpPr/>
-          <p:nvPr/>
-        </p:nvSpPr>
-        <p:spPr>
-          <a:xfrm>
-            <a:off x="6714000" y="4084560"/>
-            <a:ext cx="3200040" cy="1132560"/>
-          </a:xfrm>
-          <a:prstGeom prst="rect">
-            <a:avLst/>
-          </a:prstGeom>
-          <a:noFill/>
-          <a:ln w="0">
-            <a:noFill/>
-          </a:ln>
-        </p:spPr>
-        <p:style>
-          <a:lnRef idx="0"/>
-          <a:fillRef idx="0"/>
-          <a:effectRef idx="0"/>
-          <a:fontRef idx="minor"/>
-        </p:style>
-        <p:txBody>
-          <a:bodyPr lIns="90000" rIns="90000" tIns="45000" bIns="45000" anchor="t">
-            <a:noAutofit/>
-          </a:bodyPr>
-          <a:p>
-            <a:pPr>
-              <a:lnSpc>
-                <a:spcPct val="100000"/>
-              </a:lnSpc>
-            </a:pPr>
-            <a:r>
-              <a:rPr b="0" lang="en-US" sz="1500" spc="-1" strike="noStrike">
-                <a:solidFill>
-                  <a:srgbClr val="666666"/>
-                </a:solidFill>
-                <a:latin typeface="Noto Sans"/>
-              </a:rPr>
-              <a:t>Lorem ipsum dolor sit amet, consectetur adipiscing elit, sed do eiusmod tempor incididunt ut labore et dolore magna aliqua. </a:t>
-            </a:r>
-            <a:endParaRPr b="0" lang="en-US" sz="1500" spc="-1" strike="noStrike">
-              <a:solidFill>
-                <a:srgbClr val="000000"/>
-              </a:solidFill>
-              <a:latin typeface="Arial"/>
-            </a:endParaRPr>
-          </a:p>
-        </p:txBody>
-      </p:sp>
-      <p:sp>
-        <p:nvSpPr>
-          <p:cNvPr id="440" name=""/>
-          <p:cNvSpPr/>
-          <p:nvPr/>
-        </p:nvSpPr>
-        <p:spPr>
-          <a:xfrm>
-            <a:off x="7365240" y="3674160"/>
-            <a:ext cx="1554120" cy="471240"/>
-          </a:xfrm>
-          <a:prstGeom prst="rect">
-            <a:avLst/>
-          </a:prstGeom>
-          <a:noFill/>
-          <a:ln w="0">
-            <a:noFill/>
-          </a:ln>
-        </p:spPr>
-        <p:style>
-          <a:lnRef idx="0"/>
-          <a:fillRef idx="0"/>
-          <a:effectRef idx="0"/>
-          <a:fontRef idx="minor"/>
-        </p:style>
-        <p:txBody>
-          <a:bodyPr lIns="90000" rIns="90000" tIns="45000" bIns="45000" anchor="t">
-            <a:noAutofit/>
-          </a:bodyPr>
-          <a:p>
-            <a:pPr>
-              <a:lnSpc>
-                <a:spcPct val="100000"/>
-              </a:lnSpc>
-            </a:pPr>
-            <a:r>
-              <a:rPr b="1" lang="en-US" sz="2200" spc="-1" strike="noStrike">
-                <a:solidFill>
-                  <a:srgbClr val="000000"/>
-                </a:solidFill>
-                <a:latin typeface="Noto Sans"/>
-              </a:rPr>
-              <a:t>Sit</a:t>
-            </a:r>
-            <a:endParaRPr b="0" lang="en-US" sz="2200" spc="-1" strike="noStrike">
-              <a:solidFill>
-                <a:srgbClr val="000000"/>
-              </a:solidFill>
-              <a:latin typeface="Arial"/>
-            </a:endParaRPr>
-          </a:p>
-        </p:txBody>
-      </p:sp>
-      <p:sp>
-        <p:nvSpPr>
-          <p:cNvPr id="441" name=""/>
-          <p:cNvSpPr/>
-          <p:nvPr/>
-        </p:nvSpPr>
-        <p:spPr>
-          <a:xfrm>
-            <a:off x="5068080" y="1524240"/>
-            <a:ext cx="3200040" cy="1132560"/>
-          </a:xfrm>
-          <a:prstGeom prst="rect">
-            <a:avLst/>
-          </a:prstGeom>
-          <a:noFill/>
-          <a:ln w="0">
-            <a:noFill/>
-          </a:ln>
-        </p:spPr>
-        <p:style>
-          <a:lnRef idx="0"/>
-          <a:fillRef idx="0"/>
-          <a:effectRef idx="0"/>
-          <a:fontRef idx="minor"/>
-        </p:style>
-        <p:txBody>
-          <a:bodyPr lIns="90000" rIns="90000" tIns="45000" bIns="45000" anchor="t">
-            <a:noAutofit/>
-          </a:bodyPr>
-          <a:p>
-            <a:pPr>
-              <a:lnSpc>
-                <a:spcPct val="100000"/>
-              </a:lnSpc>
-            </a:pPr>
-            <a:r>
-              <a:rPr b="0" lang="en-US" sz="1500" spc="-1" strike="noStrike">
-                <a:solidFill>
-                  <a:srgbClr val="666666"/>
-                </a:solidFill>
-                <a:latin typeface="Noto Sans"/>
-              </a:rPr>
-              <a:t>Lorem ipsum dolor sit amet, consectetur adipiscing elit, sed do eiusmod tempor incididunt ut labore et dolore magna aliqua. </a:t>
-            </a:r>
-            <a:endParaRPr b="0" lang="en-US" sz="1500" spc="-1" strike="noStrike">
-              <a:solidFill>
-                <a:srgbClr val="000000"/>
-              </a:solidFill>
-              <a:latin typeface="Arial"/>
-            </a:endParaRPr>
-          </a:p>
-        </p:txBody>
-      </p:sp>
-      <p:sp>
-        <p:nvSpPr>
-          <p:cNvPr id="442" name=""/>
-          <p:cNvSpPr/>
-          <p:nvPr/>
-        </p:nvSpPr>
-        <p:spPr>
-          <a:xfrm>
-            <a:off x="5719320" y="1113840"/>
-            <a:ext cx="1554120" cy="471240"/>
-          </a:xfrm>
-          <a:prstGeom prst="rect">
-            <a:avLst/>
-          </a:prstGeom>
-          <a:noFill/>
-          <a:ln w="0">
-            <a:noFill/>
-          </a:ln>
-        </p:spPr>
-        <p:style>
-          <a:lnRef idx="0"/>
-          <a:fillRef idx="0"/>
-          <a:effectRef idx="0"/>
-          <a:fontRef idx="minor"/>
-        </p:style>
-        <p:txBody>
-          <a:bodyPr lIns="90000" rIns="90000" tIns="45000" bIns="45000" anchor="t">
-            <a:noAutofit/>
-          </a:bodyPr>
-          <a:p>
-            <a:pPr>
-              <a:lnSpc>
-                <a:spcPct val="100000"/>
-              </a:lnSpc>
-            </a:pPr>
-            <a:r>
-              <a:rPr b="1" lang="en-US" sz="2200" spc="-1" strike="noStrike">
-                <a:solidFill>
-                  <a:srgbClr val="000000"/>
-                </a:solidFill>
-                <a:latin typeface="Noto Sans"/>
-              </a:rPr>
-              <a:t>Dolor</a:t>
-            </a:r>
-            <a:endParaRPr b="0" lang="en-US" sz="2200" spc="-1" strike="noStrike">
-              <a:solidFill>
-                <a:srgbClr val="000000"/>
-              </a:solidFill>
-              <a:latin typeface="Arial"/>
-            </a:endParaRPr>
-          </a:p>
-        </p:txBody>
-      </p:sp>
-      <p:sp>
-        <p:nvSpPr>
-          <p:cNvPr id="443" name=""/>
-          <p:cNvSpPr/>
-          <p:nvPr/>
-        </p:nvSpPr>
-        <p:spPr>
-          <a:xfrm>
-            <a:off x="496080" y="518400"/>
-            <a:ext cx="1096920" cy="1129320"/>
-          </a:xfrm>
-          <a:prstGeom prst="rect">
-            <a:avLst/>
-          </a:prstGeom>
-          <a:noFill/>
-          <a:ln w="0">
-            <a:noFill/>
-          </a:ln>
-        </p:spPr>
-        <p:style>
-          <a:lnRef idx="0"/>
-          <a:fillRef idx="0"/>
-          <a:effectRef idx="0"/>
-          <a:fontRef idx="minor"/>
-        </p:style>
-        <p:txBody>
-          <a:bodyPr lIns="90000" rIns="90000" tIns="45000" bIns="45000" anchor="t">
-            <a:noAutofit/>
-          </a:bodyPr>
-          <a:p>
-            <a:pPr>
-              <a:lnSpc>
-                <a:spcPct val="100000"/>
-              </a:lnSpc>
-            </a:pPr>
-            <a:r>
-              <a:rPr b="0" lang="en-US" sz="6000" spc="-1" strike="noStrike">
-                <a:solidFill>
-                  <a:srgbClr val="000000"/>
-                </a:solidFill>
-                <a:latin typeface="Noto Sans"/>
-              </a:rPr>
-              <a:t>01</a:t>
-            </a:r>
-            <a:endParaRPr b="0" lang="en-US" sz="6000" spc="-1" strike="noStrike">
-              <a:solidFill>
-                <a:srgbClr val="000000"/>
-              </a:solidFill>
-              <a:latin typeface="Arial"/>
-            </a:endParaRPr>
-          </a:p>
-        </p:txBody>
-      </p:sp>
-      <p:sp>
-        <p:nvSpPr>
-          <p:cNvPr id="444" name=""/>
-          <p:cNvSpPr/>
-          <p:nvPr/>
-        </p:nvSpPr>
-        <p:spPr>
-          <a:xfrm>
-            <a:off x="2416320" y="3078720"/>
-            <a:ext cx="1096920" cy="1129320"/>
-          </a:xfrm>
-          <a:prstGeom prst="rect">
-            <a:avLst/>
-          </a:prstGeom>
-          <a:noFill/>
-          <a:ln w="0">
-            <a:noFill/>
-          </a:ln>
-        </p:spPr>
-        <p:style>
-          <a:lnRef idx="0"/>
-          <a:fillRef idx="0"/>
-          <a:effectRef idx="0"/>
-          <a:fontRef idx="minor"/>
-        </p:style>
-        <p:txBody>
-          <a:bodyPr lIns="90000" rIns="90000" tIns="45000" bIns="45000" anchor="t">
-            <a:noAutofit/>
-          </a:bodyPr>
-          <a:p>
-            <a:pPr>
-              <a:lnSpc>
-                <a:spcPct val="100000"/>
-              </a:lnSpc>
-            </a:pPr>
-            <a:r>
-              <a:rPr b="0" lang="en-US" sz="6000" spc="-1" strike="noStrike">
-                <a:solidFill>
-                  <a:srgbClr val="000000"/>
-                </a:solidFill>
-                <a:latin typeface="Noto Sans"/>
-              </a:rPr>
-              <a:t>02</a:t>
-            </a:r>
-            <a:endParaRPr b="0" lang="en-US" sz="6000" spc="-1" strike="noStrike">
-              <a:solidFill>
-                <a:srgbClr val="000000"/>
-              </a:solidFill>
-              <a:latin typeface="Arial"/>
-            </a:endParaRPr>
-          </a:p>
-        </p:txBody>
-      </p:sp>
-      <p:sp>
-        <p:nvSpPr>
-          <p:cNvPr id="445" name=""/>
-          <p:cNvSpPr/>
-          <p:nvPr/>
-        </p:nvSpPr>
-        <p:spPr>
-          <a:xfrm>
-            <a:off x="4610880" y="577440"/>
-            <a:ext cx="1096920" cy="1129320"/>
-          </a:xfrm>
-          <a:prstGeom prst="rect">
-            <a:avLst/>
-          </a:prstGeom>
-          <a:noFill/>
-          <a:ln w="0">
-            <a:noFill/>
-          </a:ln>
-        </p:spPr>
-        <p:style>
-          <a:lnRef idx="0"/>
-          <a:fillRef idx="0"/>
-          <a:effectRef idx="0"/>
-          <a:fontRef idx="minor"/>
-        </p:style>
-        <p:txBody>
-          <a:bodyPr lIns="90000" rIns="90000" tIns="45000" bIns="45000" anchor="t">
-            <a:noAutofit/>
-          </a:bodyPr>
-          <a:p>
-            <a:pPr>
-              <a:lnSpc>
-                <a:spcPct val="100000"/>
-              </a:lnSpc>
-            </a:pPr>
-            <a:r>
-              <a:rPr b="0" lang="en-US" sz="6000" spc="-1" strike="noStrike">
-                <a:solidFill>
-                  <a:srgbClr val="000000"/>
-                </a:solidFill>
-                <a:latin typeface="Noto Sans"/>
-              </a:rPr>
-              <a:t>03</a:t>
-            </a:r>
-            <a:endParaRPr b="0" lang="en-US" sz="6000" spc="-1" strike="noStrike">
-              <a:solidFill>
-                <a:srgbClr val="000000"/>
-              </a:solidFill>
-              <a:latin typeface="Arial"/>
-            </a:endParaRPr>
-          </a:p>
-        </p:txBody>
-      </p:sp>
-      <p:sp>
-        <p:nvSpPr>
-          <p:cNvPr id="446" name=""/>
-          <p:cNvSpPr/>
-          <p:nvPr/>
-        </p:nvSpPr>
-        <p:spPr>
-          <a:xfrm>
-            <a:off x="6256800" y="3137760"/>
-            <a:ext cx="1096920" cy="1129320"/>
-          </a:xfrm>
-          <a:prstGeom prst="rect">
-            <a:avLst/>
-          </a:prstGeom>
-          <a:noFill/>
-          <a:ln w="0">
-            <a:noFill/>
-          </a:ln>
-        </p:spPr>
-        <p:style>
-          <a:lnRef idx="0"/>
-          <a:fillRef idx="0"/>
-          <a:effectRef idx="0"/>
-          <a:fontRef idx="minor"/>
-        </p:style>
-        <p:txBody>
-          <a:bodyPr lIns="90000" rIns="90000" tIns="45000" bIns="45000" anchor="t">
-            <a:noAutofit/>
-          </a:bodyPr>
-          <a:p>
-            <a:pPr>
-              <a:lnSpc>
-                <a:spcPct val="100000"/>
-              </a:lnSpc>
-            </a:pPr>
-            <a:r>
-              <a:rPr b="0" lang="en-US" sz="6000" spc="-1" strike="noStrike">
-                <a:solidFill>
-                  <a:srgbClr val="000000"/>
-                </a:solidFill>
-                <a:latin typeface="Noto Sans"/>
-              </a:rPr>
-              <a:t>04</a:t>
-            </a:r>
-            <a:endParaRPr b="0" lang="en-US" sz="6000" spc="-1" strike="noStrike">
-              <a:solidFill>
-                <a:srgbClr val="000000"/>
-              </a:solidFill>
-              <a:latin typeface="Arial"/>
-            </a:endParaRPr>
-          </a:p>
-        </p:txBody>
-      </p:sp>
-    </p:spTree>
-  </p:cSld>
-  <mc:AlternateContent>
-    <mc:Choice Requires="p14">
-      <p:transition spd="slow" p14:dur="2000"/>
-    </mc:Choice>
-    <mc:Fallback>
-      <p:transition spd="slow"/>
-    </mc:Fallback>
-  </mc:AlternateContent>
-</p:sld>
-</file>
-
-<file path=ppt/slides/slide17.xml><?xml version="1.0" encoding="utf-8"?>
-<p:sld xmlns:a="http://schemas.openxmlformats.org/drawingml/2006/main" xmlns:p="http://schemas.openxmlformats.org/presentationml/2006/main" xmlns:r="http://schemas.openxmlformats.org/officeDocument/2006/relationships" xmlns:p14="http://schemas.microsoft.com/office/powerpoint/2010/main" xmlns:p15="http://schemas.microsoft.com/office/powerpoint/2012/main" xmlns:mc="http://schemas.openxmlformats.org/markup-compatibility/2006">
-  <p:cSld>
-    <p:spTree>
-      <p:nvGrpSpPr>
-        <p:cNvPr id="1" name=""/>
-        <p:cNvGrpSpPr/>
-        <p:nvPr/>
-      </p:nvGrpSpPr>
-      <p:grpSpPr>
-        <a:xfrm>
-          <a:off x="0" y="0"/>
-          <a:ext cx="0" cy="0"/>
-          <a:chOff x="0" y="0"/>
-          <a:chExt cx="0" cy="0"/>
-        </a:xfrm>
-      </p:grpSpPr>
-      <p:sp>
-        <p:nvSpPr>
-          <p:cNvPr id="447" name=""/>
-          <p:cNvSpPr/>
-          <p:nvPr/>
-        </p:nvSpPr>
-        <p:spPr>
-          <a:xfrm>
-            <a:off x="4297680" y="2371680"/>
-            <a:ext cx="3840120" cy="1334160"/>
-          </a:xfrm>
-          <a:prstGeom prst="rect">
-            <a:avLst/>
-          </a:prstGeom>
-          <a:noFill/>
-          <a:ln w="0">
-            <a:noFill/>
-          </a:ln>
-        </p:spPr>
-        <p:style>
-          <a:lnRef idx="0"/>
-          <a:fillRef idx="0"/>
-          <a:effectRef idx="0"/>
-          <a:fontRef idx="minor"/>
-        </p:style>
-        <p:txBody>
-          <a:bodyPr lIns="90000" rIns="90000" tIns="45000" bIns="45000" anchor="t">
-            <a:noAutofit/>
-          </a:bodyPr>
-          <a:p>
-            <a:pPr>
-              <a:lnSpc>
-                <a:spcPct val="100000"/>
-              </a:lnSpc>
-            </a:pPr>
-            <a:r>
-              <a:rPr b="0" lang="en-US" sz="1800" spc="-1" strike="noStrike">
-                <a:solidFill>
-                  <a:srgbClr val="000000"/>
-                </a:solidFill>
-                <a:latin typeface="Noto Sans"/>
-              </a:rPr>
-              <a:t>Lorem ipsum dolor sit amet, consectetur adipiscing elit, sed do eiusmod tempor incididunt ut labore et dolore magna aliqua. </a:t>
-            </a:r>
-            <a:endParaRPr b="0" lang="en-US" sz="1800" spc="-1" strike="noStrike">
-              <a:solidFill>
-                <a:srgbClr val="000000"/>
-              </a:solidFill>
-              <a:latin typeface="Arial"/>
-            </a:endParaRPr>
-          </a:p>
-        </p:txBody>
-      </p:sp>
-      <p:sp>
-        <p:nvSpPr>
-          <p:cNvPr id="448" name=""/>
-          <p:cNvSpPr/>
-          <p:nvPr/>
-        </p:nvSpPr>
-        <p:spPr>
-          <a:xfrm>
-            <a:off x="4317120" y="3748320"/>
-            <a:ext cx="1554120" cy="365760"/>
-          </a:xfrm>
-          <a:prstGeom prst="rect">
-            <a:avLst/>
-          </a:prstGeom>
-          <a:noFill/>
-          <a:ln w="0">
-            <a:noFill/>
-          </a:ln>
-        </p:spPr>
-        <p:style>
-          <a:lnRef idx="0"/>
-          <a:fillRef idx="0"/>
-          <a:effectRef idx="0"/>
-          <a:fontRef idx="minor"/>
-        </p:style>
-        <p:txBody>
-          <a:bodyPr lIns="90000" rIns="90000" tIns="45000" bIns="45000" anchor="t">
-            <a:noAutofit/>
-          </a:bodyPr>
-          <a:p>
-            <a:pPr>
-              <a:lnSpc>
-                <a:spcPct val="100000"/>
-              </a:lnSpc>
-            </a:pPr>
-            <a:r>
-              <a:rPr b="0" lang="en-US" sz="1600" spc="-1" strike="noStrike">
-                <a:solidFill>
-                  <a:srgbClr val="000000"/>
-                </a:solidFill>
-                <a:latin typeface="Noto Sans"/>
-              </a:rPr>
-              <a:t>- Loremus</a:t>
-            </a:r>
-            <a:endParaRPr b="0" lang="en-US" sz="1600" spc="-1" strike="noStrike">
-              <a:solidFill>
-                <a:srgbClr val="000000"/>
-              </a:solidFill>
-              <a:latin typeface="Arial"/>
-            </a:endParaRPr>
-          </a:p>
-        </p:txBody>
-      </p:sp>
-    </p:spTree>
-  </p:cSld>
-  <mc:AlternateContent>
-    <mc:Choice Requires="p14">
-      <p:transition spd="slow" p14:dur="2000"/>
-    </mc:Choice>
-    <mc:Fallback>
-      <p:transition spd="slow"/>
-    </mc:Fallback>
-  </mc:AlternateContent>
-</p:sld>
-</file>
-
-<file path=ppt/slides/slide18.xml><?xml version="1.0" encoding="utf-8"?>
-<p:sld xmlns:a="http://schemas.openxmlformats.org/drawingml/2006/main" xmlns:p="http://schemas.openxmlformats.org/presentationml/2006/main" xmlns:r="http://schemas.openxmlformats.org/officeDocument/2006/relationships" xmlns:p14="http://schemas.microsoft.com/office/powerpoint/2010/main" xmlns:p15="http://schemas.microsoft.com/office/powerpoint/2012/main" xmlns:mc="http://schemas.openxmlformats.org/markup-compatibility/2006">
-  <p:cSld>
-    <p:spTree>
-      <p:nvGrpSpPr>
-        <p:cNvPr id="1" name=""/>
-        <p:cNvGrpSpPr/>
-        <p:nvPr/>
-      </p:nvGrpSpPr>
-      <p:grpSpPr>
-        <a:xfrm>
-          <a:off x="0" y="0"/>
-          <a:ext cx="0" cy="0"/>
-          <a:chOff x="0" y="0"/>
-          <a:chExt cx="0" cy="0"/>
-        </a:xfrm>
-      </p:grpSpPr>
-      <p:grpSp>
-        <p:nvGrpSpPr>
-          <p:cNvPr id="449" name=""/>
-          <p:cNvGrpSpPr/>
-          <p:nvPr/>
-        </p:nvGrpSpPr>
-        <p:grpSpPr>
-          <a:xfrm>
-            <a:off x="914400" y="2103120"/>
-            <a:ext cx="1462680" cy="1462680"/>
-            <a:chOff x="914400" y="2103120"/>
-            <a:chExt cx="1462680" cy="1462680"/>
-          </a:xfrm>
-        </p:grpSpPr>
-        <p:sp>
-          <p:nvSpPr>
-            <p:cNvPr id="450" name=""/>
-            <p:cNvSpPr/>
-            <p:nvPr/>
-          </p:nvSpPr>
-          <p:spPr>
-            <a:xfrm>
-              <a:off x="914400" y="2103120"/>
-              <a:ext cx="1462680" cy="1462680"/>
-            </a:xfrm>
-            <a:prstGeom prst="ellipse">
-              <a:avLst/>
-            </a:prstGeom>
-            <a:solidFill>
-              <a:srgbClr val="b8dbd9"/>
-            </a:solidFill>
-            <a:ln w="0">
-              <a:noFill/>
-            </a:ln>
-            <a:effectLst>
-              <a:outerShdw blurRad="0" dir="2700000" dist="102841" rotWithShape="0">
-                <a:srgbClr val="808080">
-                  <a:alpha val="20000"/>
-                </a:srgbClr>
-              </a:outerShdw>
-            </a:effectLst>
-          </p:spPr>
-          <p:style>
-            <a:lnRef idx="0"/>
-            <a:fillRef idx="0"/>
-            <a:effectRef idx="0"/>
-            <a:fontRef idx="minor"/>
-          </p:style>
-          <p:txBody>
-            <a:bodyPr wrap="none" lIns="90000" rIns="90000" tIns="45000" bIns="45000" anchor="ctr">
-              <a:noAutofit/>
-            </a:bodyPr>
-            <a:p>
-              <a:pPr>
-                <a:lnSpc>
-                  <a:spcPct val="100000"/>
-                </a:lnSpc>
-              </a:pPr>
-              <a:endParaRPr b="0" lang="en-US" sz="1800" spc="-1" strike="noStrike">
-                <a:solidFill>
-                  <a:srgbClr val="000000"/>
-                </a:solidFill>
-                <a:latin typeface="Noto Sans"/>
-                <a:ea typeface="DejaVu Sans"/>
-              </a:endParaRPr>
-            </a:p>
-          </p:txBody>
-        </p:sp>
-        <p:pic>
-          <p:nvPicPr>
-            <p:cNvPr id="451" name="" descr=""/>
-            <p:cNvPicPr/>
-            <p:nvPr/>
-          </p:nvPicPr>
-          <p:blipFill>
-            <a:blip r:embed="rId1">
-              <a:extLst>
-                <a:ext uri="{96DAC541-7B7A-43D3-8B79-37D633B846F1}">
-                  <asvg:svgBlip xmlns:asvg="http://schemas.microsoft.com/office/drawing/2016/SVG/main" r:embed="rId2"/>
-                </a:ext>
-              </a:extLst>
-            </a:blip>
-            <a:stretch/>
-          </p:blipFill>
-          <p:spPr>
-            <a:xfrm>
-              <a:off x="1188720" y="2377440"/>
-              <a:ext cx="914040" cy="914040"/>
-            </a:xfrm>
-            <a:prstGeom prst="rect">
-              <a:avLst/>
-            </a:prstGeom>
-            <a:ln w="0">
-              <a:noFill/>
-            </a:ln>
-          </p:spPr>
-        </p:pic>
-      </p:grpSp>
-      <p:grpSp>
-        <p:nvGrpSpPr>
-          <p:cNvPr id="452" name=""/>
-          <p:cNvGrpSpPr/>
-          <p:nvPr/>
-        </p:nvGrpSpPr>
-        <p:grpSpPr>
-          <a:xfrm>
-            <a:off x="4297680" y="2103120"/>
-            <a:ext cx="1462680" cy="1462680"/>
-            <a:chOff x="4297680" y="2103120"/>
-            <a:chExt cx="1462680" cy="1462680"/>
-          </a:xfrm>
-        </p:grpSpPr>
-        <p:sp>
-          <p:nvSpPr>
-            <p:cNvPr id="453" name=""/>
-            <p:cNvSpPr/>
-            <p:nvPr/>
-          </p:nvSpPr>
-          <p:spPr>
-            <a:xfrm>
-              <a:off x="4297680" y="2103120"/>
-              <a:ext cx="1462680" cy="1462680"/>
-            </a:xfrm>
-            <a:prstGeom prst="ellipse">
-              <a:avLst/>
-            </a:prstGeom>
-            <a:solidFill>
-              <a:srgbClr val="586f7c"/>
-            </a:solidFill>
-            <a:ln w="0">
-              <a:noFill/>
-            </a:ln>
-            <a:effectLst>
-              <a:outerShdw blurRad="0" dir="2700000" dist="102841" rotWithShape="0">
-                <a:srgbClr val="808080">
-                  <a:alpha val="20000"/>
-                </a:srgbClr>
-              </a:outerShdw>
-            </a:effectLst>
-          </p:spPr>
-          <p:style>
-            <a:lnRef idx="0"/>
-            <a:fillRef idx="0"/>
-            <a:effectRef idx="0"/>
-            <a:fontRef idx="minor"/>
-          </p:style>
-          <p:txBody>
-            <a:bodyPr wrap="none" lIns="90000" rIns="90000" tIns="45000" bIns="45000" anchor="ctr">
-              <a:noAutofit/>
-            </a:bodyPr>
-            <a:p>
-              <a:pPr>
-                <a:lnSpc>
-                  <a:spcPct val="100000"/>
-                </a:lnSpc>
-              </a:pPr>
-              <a:endParaRPr b="0" lang="en-US" sz="1800" spc="-1" strike="noStrike">
-                <a:solidFill>
-                  <a:srgbClr val="ffffff"/>
-                </a:solidFill>
-                <a:latin typeface="Noto Sans"/>
-                <a:ea typeface="DejaVu Sans"/>
-              </a:endParaRPr>
-            </a:p>
-          </p:txBody>
-        </p:sp>
-        <p:pic>
-          <p:nvPicPr>
-            <p:cNvPr id="454" name="" descr=""/>
-            <p:cNvPicPr/>
-            <p:nvPr/>
-          </p:nvPicPr>
-          <p:blipFill>
-            <a:blip r:embed="rId3">
-              <a:extLst>
-                <a:ext uri="{96DAC541-7B7A-43D3-8B79-37D633B846F1}">
-                  <asvg:svgBlip xmlns:asvg="http://schemas.microsoft.com/office/drawing/2016/SVG/main" r:embed="rId4"/>
-                </a:ext>
-              </a:extLst>
-            </a:blip>
-            <a:stretch/>
-          </p:blipFill>
-          <p:spPr>
-            <a:xfrm>
-              <a:off x="4572000" y="2370600"/>
-              <a:ext cx="920880" cy="920880"/>
-            </a:xfrm>
-            <a:prstGeom prst="rect">
-              <a:avLst/>
-            </a:prstGeom>
-            <a:ln w="0">
-              <a:noFill/>
-            </a:ln>
-          </p:spPr>
-        </p:pic>
-      </p:grpSp>
-      <p:grpSp>
-        <p:nvGrpSpPr>
-          <p:cNvPr id="455" name=""/>
-          <p:cNvGrpSpPr/>
-          <p:nvPr/>
-        </p:nvGrpSpPr>
-        <p:grpSpPr>
-          <a:xfrm>
-            <a:off x="7570080" y="2103120"/>
-            <a:ext cx="1462680" cy="1462680"/>
-            <a:chOff x="7570080" y="2103120"/>
-            <a:chExt cx="1462680" cy="1462680"/>
-          </a:xfrm>
-        </p:grpSpPr>
-        <p:sp>
-          <p:nvSpPr>
-            <p:cNvPr id="456" name=""/>
-            <p:cNvSpPr/>
-            <p:nvPr/>
-          </p:nvSpPr>
-          <p:spPr>
-            <a:xfrm>
-              <a:off x="7570080" y="2103120"/>
-              <a:ext cx="1462680" cy="1462680"/>
-            </a:xfrm>
-            <a:prstGeom prst="ellipse">
-              <a:avLst/>
-            </a:prstGeom>
-            <a:solidFill>
-              <a:srgbClr val="2f4550"/>
-            </a:solidFill>
-            <a:ln w="0">
-              <a:noFill/>
-            </a:ln>
-            <a:effectLst>
-              <a:outerShdw blurRad="0" dir="2700000" dist="102841" rotWithShape="0">
-                <a:srgbClr val="808080">
-                  <a:alpha val="20000"/>
-                </a:srgbClr>
-              </a:outerShdw>
-            </a:effectLst>
-          </p:spPr>
-          <p:style>
-            <a:lnRef idx="0"/>
-            <a:fillRef idx="0"/>
-            <a:effectRef idx="0"/>
-            <a:fontRef idx="minor"/>
-          </p:style>
-          <p:txBody>
-            <a:bodyPr wrap="none" lIns="90000" rIns="90000" tIns="45000" bIns="45000" anchor="ctr">
-              <a:noAutofit/>
-            </a:bodyPr>
-            <a:p>
-              <a:pPr>
-                <a:lnSpc>
-                  <a:spcPct val="100000"/>
-                </a:lnSpc>
-              </a:pPr>
-              <a:endParaRPr b="0" lang="en-US" sz="1800" spc="-1" strike="noStrike">
-                <a:solidFill>
-                  <a:srgbClr val="ffffff"/>
-                </a:solidFill>
-                <a:latin typeface="Noto Sans"/>
-                <a:ea typeface="DejaVu Sans"/>
-              </a:endParaRPr>
-            </a:p>
-          </p:txBody>
-        </p:sp>
-        <p:pic>
-          <p:nvPicPr>
-            <p:cNvPr id="457" name="" descr=""/>
-            <p:cNvPicPr/>
-            <p:nvPr/>
-          </p:nvPicPr>
-          <p:blipFill>
-            <a:blip r:embed="rId5">
-              <a:extLst>
-                <a:ext uri="{96DAC541-7B7A-43D3-8B79-37D633B846F1}">
-                  <asvg:svgBlip xmlns:asvg="http://schemas.microsoft.com/office/drawing/2016/SVG/main" r:embed="rId6"/>
-                </a:ext>
-              </a:extLst>
-            </a:blip>
-            <a:stretch/>
-          </p:blipFill>
-          <p:spPr>
-            <a:xfrm>
-              <a:off x="7844400" y="2286000"/>
-              <a:ext cx="992880" cy="992880"/>
-            </a:xfrm>
-            <a:prstGeom prst="rect">
-              <a:avLst/>
-            </a:prstGeom>
-            <a:ln w="0">
-              <a:noFill/>
-            </a:ln>
-          </p:spPr>
-        </p:pic>
-      </p:grpSp>
-      <p:sp>
-        <p:nvSpPr>
-          <p:cNvPr id="458" name=""/>
-          <p:cNvSpPr/>
-          <p:nvPr/>
-        </p:nvSpPr>
-        <p:spPr>
-          <a:xfrm>
-            <a:off x="1005840" y="3736440"/>
-            <a:ext cx="1279800" cy="401040"/>
-          </a:xfrm>
-          <a:prstGeom prst="rect">
-            <a:avLst/>
-          </a:prstGeom>
-          <a:noFill/>
-          <a:ln w="0">
-            <a:noFill/>
-          </a:ln>
-        </p:spPr>
-        <p:style>
-          <a:lnRef idx="0"/>
-          <a:fillRef idx="0"/>
-          <a:effectRef idx="0"/>
-          <a:fontRef idx="minor"/>
-        </p:style>
-        <p:txBody>
-          <a:bodyPr lIns="90000" rIns="90000" tIns="45000" bIns="45000" anchor="t">
-            <a:noAutofit/>
-          </a:bodyPr>
-          <a:p>
-            <a:pPr algn="ctr">
-              <a:lnSpc>
-                <a:spcPct val="100000"/>
-              </a:lnSpc>
-            </a:pPr>
-            <a:r>
-              <a:rPr b="1" lang="en-US" sz="1800" spc="-1" strike="noStrike">
-                <a:solidFill>
-                  <a:srgbClr val="000000"/>
-                </a:solidFill>
-                <a:latin typeface="Noto Sans"/>
-              </a:rPr>
-              <a:t>Lorem</a:t>
-            </a:r>
-            <a:endParaRPr b="0" lang="en-US" sz="1800" spc="-1" strike="noStrike">
-              <a:solidFill>
-                <a:srgbClr val="000000"/>
-              </a:solidFill>
-              <a:latin typeface="Arial"/>
-            </a:endParaRPr>
-          </a:p>
-        </p:txBody>
-      </p:sp>
-      <p:sp>
-        <p:nvSpPr>
-          <p:cNvPr id="459" name=""/>
-          <p:cNvSpPr/>
-          <p:nvPr/>
-        </p:nvSpPr>
-        <p:spPr>
-          <a:xfrm>
-            <a:off x="4389120" y="3768480"/>
-            <a:ext cx="1279800" cy="401040"/>
-          </a:xfrm>
-          <a:prstGeom prst="rect">
-            <a:avLst/>
-          </a:prstGeom>
-          <a:noFill/>
-          <a:ln w="0">
-            <a:noFill/>
-          </a:ln>
-        </p:spPr>
-        <p:style>
-          <a:lnRef idx="0"/>
-          <a:fillRef idx="0"/>
-          <a:effectRef idx="0"/>
-          <a:fontRef idx="minor"/>
-        </p:style>
-        <p:txBody>
-          <a:bodyPr lIns="90000" rIns="90000" tIns="45000" bIns="45000" anchor="t">
-            <a:noAutofit/>
-          </a:bodyPr>
-          <a:p>
-            <a:pPr algn="ctr">
-              <a:lnSpc>
-                <a:spcPct val="100000"/>
-              </a:lnSpc>
-            </a:pPr>
-            <a:r>
-              <a:rPr b="1" lang="en-US" sz="1800" spc="-1" strike="noStrike">
-                <a:solidFill>
-                  <a:srgbClr val="000000"/>
-                </a:solidFill>
-                <a:latin typeface="Noto Sans"/>
-              </a:rPr>
-              <a:t>Ipsum</a:t>
-            </a:r>
-            <a:endParaRPr b="0" lang="en-US" sz="1800" spc="-1" strike="noStrike">
-              <a:solidFill>
-                <a:srgbClr val="000000"/>
-              </a:solidFill>
-              <a:latin typeface="Arial"/>
-            </a:endParaRPr>
-          </a:p>
-        </p:txBody>
-      </p:sp>
-      <p:sp>
-        <p:nvSpPr>
-          <p:cNvPr id="460" name=""/>
-          <p:cNvSpPr/>
-          <p:nvPr/>
-        </p:nvSpPr>
-        <p:spPr>
-          <a:xfrm>
-            <a:off x="7661520" y="3749040"/>
-            <a:ext cx="1279800" cy="401040"/>
-          </a:xfrm>
-          <a:prstGeom prst="rect">
-            <a:avLst/>
-          </a:prstGeom>
-          <a:noFill/>
-          <a:ln w="0">
-            <a:noFill/>
-          </a:ln>
-        </p:spPr>
-        <p:style>
-          <a:lnRef idx="0"/>
-          <a:fillRef idx="0"/>
-          <a:effectRef idx="0"/>
-          <a:fontRef idx="minor"/>
-        </p:style>
-        <p:txBody>
-          <a:bodyPr lIns="90000" rIns="90000" tIns="45000" bIns="45000" anchor="t">
-            <a:noAutofit/>
-          </a:bodyPr>
-          <a:p>
-            <a:pPr algn="ctr">
-              <a:lnSpc>
-                <a:spcPct val="100000"/>
-              </a:lnSpc>
-            </a:pPr>
-            <a:r>
-              <a:rPr b="1" lang="en-US" sz="1800" spc="-1" strike="noStrike">
-                <a:solidFill>
-                  <a:srgbClr val="000000"/>
-                </a:solidFill>
-                <a:latin typeface="Noto Sans"/>
-              </a:rPr>
-              <a:t>Dolor</a:t>
-            </a:r>
-            <a:endParaRPr b="0" lang="en-US" sz="1800" spc="-1" strike="noStrike">
-              <a:solidFill>
-                <a:srgbClr val="000000"/>
-              </a:solidFill>
-              <a:latin typeface="Arial"/>
-            </a:endParaRPr>
-          </a:p>
-        </p:txBody>
-      </p:sp>
-      <p:sp>
-        <p:nvSpPr>
-          <p:cNvPr id="461" name=""/>
-          <p:cNvSpPr/>
-          <p:nvPr/>
-        </p:nvSpPr>
-        <p:spPr>
-          <a:xfrm>
-            <a:off x="365760" y="4088520"/>
-            <a:ext cx="2873880" cy="1653840"/>
-          </a:xfrm>
-          <a:prstGeom prst="rect">
-            <a:avLst/>
-          </a:prstGeom>
-          <a:noFill/>
-          <a:ln w="0">
-            <a:noFill/>
-          </a:ln>
-        </p:spPr>
-        <p:style>
-          <a:lnRef idx="0"/>
-          <a:fillRef idx="0"/>
-          <a:effectRef idx="0"/>
-          <a:fontRef idx="minor"/>
-        </p:style>
-        <p:txBody>
-          <a:bodyPr lIns="90000" rIns="90000" tIns="45000" bIns="45000" anchor="t">
-            <a:noAutofit/>
-          </a:bodyPr>
-          <a:p>
-            <a:pPr algn="ctr">
-              <a:lnSpc>
-                <a:spcPct val="100000"/>
-              </a:lnSpc>
-            </a:pPr>
-            <a:r>
-              <a:rPr b="0" lang="en-US" sz="1500" spc="-1" strike="noStrike">
-                <a:solidFill>
-                  <a:srgbClr val="666666"/>
-                </a:solidFill>
-                <a:latin typeface="Noto Sans"/>
-              </a:rPr>
-              <a:t>Lorem ipsum dolor sit amet, consectetur adipiscing elit, sed do eiusmod tempor incididunt ut labore et dolore magna aliqua. </a:t>
-            </a:r>
-            <a:endParaRPr b="0" lang="en-US" sz="1500" spc="-1" strike="noStrike">
-              <a:solidFill>
-                <a:srgbClr val="000000"/>
-              </a:solidFill>
-              <a:latin typeface="Arial"/>
-            </a:endParaRPr>
-          </a:p>
-        </p:txBody>
-      </p:sp>
-      <p:sp>
-        <p:nvSpPr>
-          <p:cNvPr id="462" name=""/>
-          <p:cNvSpPr/>
-          <p:nvPr/>
-        </p:nvSpPr>
-        <p:spPr>
-          <a:xfrm>
-            <a:off x="3600000" y="4088880"/>
-            <a:ext cx="2781720" cy="1653840"/>
-          </a:xfrm>
-          <a:prstGeom prst="rect">
-            <a:avLst/>
-          </a:prstGeom>
-          <a:noFill/>
-          <a:ln w="0">
-            <a:noFill/>
-          </a:ln>
-        </p:spPr>
-        <p:style>
-          <a:lnRef idx="0"/>
-          <a:fillRef idx="0"/>
-          <a:effectRef idx="0"/>
-          <a:fontRef idx="minor"/>
-        </p:style>
-        <p:txBody>
-          <a:bodyPr lIns="90000" rIns="90000" tIns="45000" bIns="45000" anchor="t">
-            <a:noAutofit/>
-          </a:bodyPr>
-          <a:p>
-            <a:pPr algn="ctr">
-              <a:lnSpc>
-                <a:spcPct val="100000"/>
-              </a:lnSpc>
-            </a:pPr>
-            <a:r>
-              <a:rPr b="0" lang="en-US" sz="1500" spc="-1" strike="noStrike">
-                <a:solidFill>
-                  <a:srgbClr val="666666"/>
-                </a:solidFill>
-                <a:latin typeface="Noto Sans"/>
-              </a:rPr>
-              <a:t>Lorem ipsum dolor sit amet, consectetur adipiscing elit, sed do eiusmod tempor incididunt ut labore et dolore magna aliqua. </a:t>
-            </a:r>
-            <a:endParaRPr b="0" lang="en-US" sz="1500" spc="-1" strike="noStrike">
-              <a:solidFill>
-                <a:srgbClr val="000000"/>
-              </a:solidFill>
-              <a:latin typeface="Arial"/>
-            </a:endParaRPr>
-          </a:p>
-        </p:txBody>
-      </p:sp>
-      <p:sp>
-        <p:nvSpPr>
-          <p:cNvPr id="463" name=""/>
-          <p:cNvSpPr/>
-          <p:nvPr/>
-        </p:nvSpPr>
-        <p:spPr>
-          <a:xfrm>
-            <a:off x="6840000" y="4089240"/>
-            <a:ext cx="2817720" cy="1653840"/>
-          </a:xfrm>
-          <a:prstGeom prst="rect">
-            <a:avLst/>
-          </a:prstGeom>
-          <a:noFill/>
-          <a:ln w="0">
-            <a:noFill/>
-          </a:ln>
-        </p:spPr>
-        <p:style>
-          <a:lnRef idx="0"/>
-          <a:fillRef idx="0"/>
-          <a:effectRef idx="0"/>
-          <a:fontRef idx="minor"/>
-        </p:style>
-        <p:txBody>
-          <a:bodyPr lIns="90000" rIns="90000" tIns="45000" bIns="45000" anchor="t">
-            <a:noAutofit/>
-          </a:bodyPr>
-          <a:p>
-            <a:pPr algn="ctr">
-              <a:lnSpc>
-                <a:spcPct val="100000"/>
-              </a:lnSpc>
-            </a:pPr>
-            <a:r>
-              <a:rPr b="0" lang="en-US" sz="1500" spc="-1" strike="noStrike">
-                <a:solidFill>
-                  <a:srgbClr val="666666"/>
-                </a:solidFill>
-                <a:latin typeface="Noto Sans"/>
-              </a:rPr>
-              <a:t>Lorem ipsum dolor sit amet, consectetur adipiscing elit, sed do eiusmod tempor incididunt ut labore et dolore magna aliqua. </a:t>
-            </a:r>
-            <a:endParaRPr b="0" lang="en-US" sz="1500" spc="-1" strike="noStrike">
-              <a:solidFill>
-                <a:srgbClr val="000000"/>
-              </a:solidFill>
-              <a:latin typeface="Arial"/>
-            </a:endParaRPr>
-          </a:p>
-        </p:txBody>
-      </p:sp>
-      <p:grpSp>
-        <p:nvGrpSpPr>
-          <p:cNvPr id="464" name=""/>
-          <p:cNvGrpSpPr/>
-          <p:nvPr/>
-        </p:nvGrpSpPr>
-        <p:grpSpPr>
-          <a:xfrm>
-            <a:off x="4445640" y="1542960"/>
-            <a:ext cx="1188360" cy="273960"/>
-            <a:chOff x="4445640" y="1542960"/>
-            <a:chExt cx="1188360" cy="273960"/>
-          </a:xfrm>
-        </p:grpSpPr>
-        <p:sp>
-          <p:nvSpPr>
-            <p:cNvPr id="465" name=""/>
-            <p:cNvSpPr/>
-            <p:nvPr/>
-          </p:nvSpPr>
-          <p:spPr>
-            <a:xfrm>
-              <a:off x="4445640" y="1542960"/>
-              <a:ext cx="273960" cy="273960"/>
-            </a:xfrm>
-            <a:prstGeom prst="ellipse">
-              <a:avLst/>
-            </a:prstGeom>
-            <a:solidFill>
-              <a:srgbClr val="b8dbd9"/>
-            </a:solidFill>
-            <a:ln w="0">
-              <a:noFill/>
-            </a:ln>
-          </p:spPr>
-          <p:style>
-            <a:lnRef idx="0"/>
-            <a:fillRef idx="0"/>
-            <a:effectRef idx="0"/>
-            <a:fontRef idx="minor"/>
-          </p:style>
-          <p:txBody>
-            <a:bodyPr wrap="none" lIns="90000" rIns="90000" tIns="45000" bIns="45000" anchor="ctr">
-              <a:noAutofit/>
-            </a:bodyPr>
-            <a:p>
-              <a:pPr>
-                <a:lnSpc>
-                  <a:spcPct val="100000"/>
-                </a:lnSpc>
-              </a:pPr>
-              <a:endParaRPr b="0" lang="en-US" sz="1800" spc="-1" strike="noStrike">
-                <a:solidFill>
-                  <a:srgbClr val="000000"/>
-                </a:solidFill>
-                <a:latin typeface="Noto Sans"/>
-                <a:ea typeface="DejaVu Sans"/>
-              </a:endParaRPr>
-            </a:p>
-          </p:txBody>
-        </p:sp>
-        <p:sp>
-          <p:nvSpPr>
-            <p:cNvPr id="466" name=""/>
-            <p:cNvSpPr/>
-            <p:nvPr/>
-          </p:nvSpPr>
-          <p:spPr>
-            <a:xfrm>
-              <a:off x="4902840" y="1542960"/>
-              <a:ext cx="273960" cy="273960"/>
-            </a:xfrm>
-            <a:prstGeom prst="ellipse">
-              <a:avLst/>
-            </a:prstGeom>
-            <a:solidFill>
-              <a:srgbClr val="586f7c"/>
-            </a:solidFill>
-            <a:ln w="0">
-              <a:noFill/>
-            </a:ln>
-          </p:spPr>
-          <p:style>
-            <a:lnRef idx="0"/>
-            <a:fillRef idx="0"/>
-            <a:effectRef idx="0"/>
-            <a:fontRef idx="minor"/>
-          </p:style>
-          <p:txBody>
-            <a:bodyPr wrap="none" lIns="90000" rIns="90000" tIns="45000" bIns="45000" anchor="ctr">
-              <a:noAutofit/>
-            </a:bodyPr>
-            <a:p>
-              <a:pPr>
-                <a:lnSpc>
-                  <a:spcPct val="100000"/>
-                </a:lnSpc>
-              </a:pPr>
-              <a:endParaRPr b="0" lang="en-US" sz="1800" spc="-1" strike="noStrike">
-                <a:solidFill>
-                  <a:srgbClr val="ffffff"/>
-                </a:solidFill>
-                <a:latin typeface="Noto Sans"/>
-                <a:ea typeface="DejaVu Sans"/>
-              </a:endParaRPr>
-            </a:p>
-          </p:txBody>
-        </p:sp>
-        <p:sp>
-          <p:nvSpPr>
-            <p:cNvPr id="467" name=""/>
-            <p:cNvSpPr/>
-            <p:nvPr/>
-          </p:nvSpPr>
-          <p:spPr>
-            <a:xfrm>
-              <a:off x="5360040" y="1542960"/>
-              <a:ext cx="273960" cy="273960"/>
-            </a:xfrm>
-            <a:prstGeom prst="ellipse">
-              <a:avLst/>
-            </a:prstGeom>
-            <a:solidFill>
-              <a:srgbClr val="2f4550"/>
-            </a:solidFill>
-            <a:ln w="0">
-              <a:noFill/>
-            </a:ln>
-          </p:spPr>
-          <p:style>
-            <a:lnRef idx="0"/>
-            <a:fillRef idx="0"/>
-            <a:effectRef idx="0"/>
-            <a:fontRef idx="minor"/>
-          </p:style>
-          <p:txBody>
-            <a:bodyPr wrap="none" lIns="90000" rIns="90000" tIns="45000" bIns="45000" anchor="ctr">
-              <a:noAutofit/>
-            </a:bodyPr>
-            <a:p>
-              <a:pPr>
-                <a:lnSpc>
-                  <a:spcPct val="100000"/>
-                </a:lnSpc>
-              </a:pPr>
-              <a:endParaRPr b="0" lang="en-US" sz="1800" spc="-1" strike="noStrike">
-                <a:solidFill>
-                  <a:srgbClr val="ffffff"/>
-                </a:solidFill>
-                <a:latin typeface="Noto Sans"/>
-                <a:ea typeface="DejaVu Sans"/>
-              </a:endParaRPr>
-            </a:p>
-          </p:txBody>
-        </p:sp>
-      </p:grpSp>
-      <p:sp>
-        <p:nvSpPr>
-          <p:cNvPr id="468" name="PlaceHolder 1"/>
-          <p:cNvSpPr>
-            <a:spLocks noGrp="1"/>
-          </p:cNvSpPr>
-          <p:nvPr>
-            <p:ph type="title"/>
-          </p:nvPr>
-        </p:nvSpPr>
-        <p:spPr>
-          <a:xfrm>
-            <a:off x="468000" y="468000"/>
-            <a:ext cx="9071640" cy="946080"/>
-          </a:xfrm>
-          <a:prstGeom prst="rect">
-            <a:avLst/>
-          </a:prstGeom>
-          <a:noFill/>
-          <a:ln w="0">
-            <a:noFill/>
-          </a:ln>
-        </p:spPr>
-        <p:txBody>
-          <a:bodyPr lIns="0" rIns="0" tIns="0" bIns="0" anchor="ctr">
-            <a:noAutofit/>
-          </a:bodyPr>
-          <a:p>
-            <a:pPr indent="0" algn="ctr">
-              <a:buNone/>
-            </a:pPr>
-            <a:endParaRPr b="0" lang="en-US" sz="1800" spc="-1" strike="noStrike">
-              <a:solidFill>
-                <a:srgbClr val="000000"/>
-              </a:solidFill>
-              <a:latin typeface="Arial"/>
-            </a:endParaRPr>
-          </a:p>
-        </p:txBody>
-      </p:sp>
-    </p:spTree>
-  </p:cSld>
-  <mc:AlternateContent>
-    <mc:Choice Requires="p14">
-      <p:transition spd="slow" p14:dur="2000"/>
-    </mc:Choice>
-    <mc:Fallback>
-      <p:transition spd="slow"/>
-    </mc:Fallback>
-  </mc:AlternateContent>
-</p:sld>
-</file>
-
-<file path=ppt/slides/slide19.xml><?xml version="1.0" encoding="utf-8"?>
-<p:sld xmlns:a="http://schemas.openxmlformats.org/drawingml/2006/main" xmlns:p="http://schemas.openxmlformats.org/presentationml/2006/main" xmlns:r="http://schemas.openxmlformats.org/officeDocument/2006/relationships" xmlns:p14="http://schemas.microsoft.com/office/powerpoint/2010/main" xmlns:p15="http://schemas.microsoft.com/office/powerpoint/2012/main" xmlns:mc="http://schemas.openxmlformats.org/markup-compatibility/2006">
-  <p:cSld>
-    <p:spTree>
-      <p:nvGrpSpPr>
-        <p:cNvPr id="1" name=""/>
-        <p:cNvGrpSpPr/>
-        <p:nvPr/>
-      </p:nvGrpSpPr>
-      <p:grpSpPr>
-        <a:xfrm>
-          <a:off x="0" y="0"/>
-          <a:ext cx="0" cy="0"/>
-          <a:chOff x="0" y="0"/>
-          <a:chExt cx="0" cy="0"/>
-        </a:xfrm>
-      </p:grpSpPr>
-      <p:sp>
-        <p:nvSpPr>
-          <p:cNvPr id="469" name=""/>
-          <p:cNvSpPr/>
-          <p:nvPr/>
-        </p:nvSpPr>
-        <p:spPr>
-          <a:xfrm>
-            <a:off x="5873400" y="1190520"/>
-            <a:ext cx="4093920" cy="4093920"/>
-          </a:xfrm>
-          <a:custGeom>
-            <a:avLst/>
-            <a:gdLst>
-              <a:gd name="textAreaLeft" fmla="*/ 0 w 4093920"/>
-              <a:gd name="textAreaRight" fmla="*/ 4094280 w 4093920"/>
-              <a:gd name="textAreaTop" fmla="*/ 0 h 4093920"/>
-              <a:gd name="textAreaBottom" fmla="*/ 4094280 h 4093920"/>
-            </a:gdLst>
-            <a:ahLst/>
-            <a:rect l="textAreaLeft" t="textAreaTop" r="textAreaRight" b="textAreaBottom"/>
-            <a:pathLst>
-              <a:path w="11373" h="11373">
-                <a:moveTo>
-                  <a:pt x="0" y="5726"/>
-                </a:moveTo>
-                <a:lnTo>
-                  <a:pt x="5646" y="0"/>
-                </a:lnTo>
-                <a:lnTo>
-                  <a:pt x="11373" y="5648"/>
-                </a:lnTo>
-                <a:lnTo>
-                  <a:pt x="5727" y="11373"/>
-                </a:lnTo>
-                <a:lnTo>
-                  <a:pt x="5725" y="11373"/>
-                </a:lnTo>
-                <a:lnTo>
-                  <a:pt x="0" y="5728"/>
-                </a:lnTo>
-                <a:lnTo>
-                  <a:pt x="0" y="5726"/>
-                </a:lnTo>
-                <a:close/>
-              </a:path>
-            </a:pathLst>
-          </a:custGeom>
-          <a:blipFill rotWithShape="0">
-            <a:blip r:embed="rId1"/>
-            <a:srcRect/>
-            <a:stretch/>
-          </a:blipFill>
-          <a:ln w="0">
-            <a:noFill/>
-          </a:ln>
-        </p:spPr>
-        <p:style>
-          <a:lnRef idx="0"/>
-          <a:fillRef idx="0"/>
-          <a:effectRef idx="0"/>
-          <a:fontRef idx="minor"/>
-        </p:style>
-        <p:txBody>
-          <a:bodyPr lIns="90000" rIns="90000" tIns="45000" bIns="45000" anchor="ctr" anchorCtr="1">
-            <a:noAutofit/>
-          </a:bodyPr>
-          <a:p>
-            <a:pPr>
-              <a:lnSpc>
-                <a:spcPct val="100000"/>
-              </a:lnSpc>
-            </a:pPr>
-            <a:endParaRPr b="0" lang="en-US" sz="1800" spc="-1" strike="noStrike">
-              <a:solidFill>
-                <a:srgbClr val="000000"/>
-              </a:solidFill>
-              <a:latin typeface="Noto Sans"/>
-            </a:endParaRPr>
-          </a:p>
-        </p:txBody>
-      </p:sp>
-      <p:sp>
-        <p:nvSpPr>
-          <p:cNvPr id="470" name="PlaceHolder 1"/>
-          <p:cNvSpPr>
-            <a:spLocks noGrp="1"/>
-          </p:cNvSpPr>
-          <p:nvPr>
-            <p:ph type="title"/>
-          </p:nvPr>
-        </p:nvSpPr>
-        <p:spPr>
-          <a:xfrm>
-            <a:off x="468000" y="468000"/>
-            <a:ext cx="9071640" cy="946080"/>
-          </a:xfrm>
-          <a:prstGeom prst="rect">
-            <a:avLst/>
-          </a:prstGeom>
-          <a:noFill/>
-          <a:ln w="0">
-            <a:noFill/>
-          </a:ln>
-        </p:spPr>
-        <p:txBody>
-          <a:bodyPr lIns="0" rIns="0" tIns="0" bIns="0" anchor="ctr">
-            <a:noAutofit/>
-          </a:bodyPr>
-          <a:p>
-            <a:pPr indent="0" algn="ctr">
-              <a:buNone/>
-            </a:pPr>
-            <a:endParaRPr b="0" lang="en-US" sz="1800" spc="-1" strike="noStrike">
-              <a:solidFill>
-                <a:srgbClr val="000000"/>
-              </a:solidFill>
-              <a:latin typeface="Arial"/>
-            </a:endParaRPr>
-          </a:p>
-        </p:txBody>
-      </p:sp>
-      <p:sp>
-        <p:nvSpPr>
-          <p:cNvPr id="471" name="PlaceHolder 2"/>
-          <p:cNvSpPr>
-            <a:spLocks noGrp="1"/>
-          </p:cNvSpPr>
-          <p:nvPr>
-            <p:ph/>
-          </p:nvPr>
-        </p:nvSpPr>
-        <p:spPr>
-          <a:xfrm>
-            <a:off x="468000" y="1800000"/>
-            <a:ext cx="6162840" cy="3287880"/>
-          </a:xfrm>
-          <a:prstGeom prst="rect">
-            <a:avLst/>
-          </a:prstGeom>
-          <a:noFill/>
-          <a:ln w="0">
-            <a:noFill/>
-          </a:ln>
-        </p:spPr>
-        <p:txBody>
-          <a:bodyPr lIns="0" rIns="0" tIns="0" bIns="0" anchor="t">
-            <a:normAutofit/>
-          </a:bodyPr>
-          <a:p>
-            <a:pPr indent="0">
-              <a:spcBef>
-                <a:spcPts val="1417"/>
-              </a:spcBef>
-              <a:buNone/>
-            </a:pPr>
-            <a:endParaRPr b="0" lang="en-US" sz="1800" spc="-1" strike="noStrike">
+            <a:endParaRPr b="0" lang="en-US" sz="3200" spc="-1" strike="noStrike">
               <a:solidFill>
                 <a:srgbClr val="000000"/>
               </a:solidFill>
@@ -52697,7 +49113,7 @@
         <p:spPr>
           <a:xfrm>
             <a:off x="468000" y="468000"/>
-            <a:ext cx="9071640" cy="946080"/>
+            <a:ext cx="9071280" cy="945720"/>
           </a:xfrm>
           <a:prstGeom prst="rect">
             <a:avLst/>
@@ -52752,7 +49168,7 @@
         <p:spPr>
           <a:xfrm>
             <a:off x="468000" y="1800000"/>
-            <a:ext cx="6846840" cy="3287880"/>
+            <a:ext cx="6846480" cy="3287520"/>
           </a:xfrm>
           <a:prstGeom prst="rect">
             <a:avLst/>
@@ -52935,7 +49351,7 @@
         <p:spPr>
           <a:xfrm>
             <a:off x="468000" y="468000"/>
-            <a:ext cx="9071640" cy="946080"/>
+            <a:ext cx="9071280" cy="945720"/>
           </a:xfrm>
           <a:prstGeom prst="rect">
             <a:avLst/>
@@ -52990,7 +49406,7 @@
         <p:spPr>
           <a:xfrm>
             <a:off x="623520" y="1594440"/>
-            <a:ext cx="8905320" cy="3328200"/>
+            <a:ext cx="8904960" cy="3327840"/>
           </a:xfrm>
           <a:prstGeom prst="rect">
             <a:avLst/>
@@ -53043,7 +49459,7 @@
         <p:spPr>
           <a:xfrm>
             <a:off x="468000" y="468000"/>
-            <a:ext cx="9071640" cy="946080"/>
+            <a:ext cx="9071280" cy="945720"/>
           </a:xfrm>
           <a:prstGeom prst="rect">
             <a:avLst/>
@@ -53098,7 +49514,7 @@
         <p:spPr>
           <a:xfrm>
             <a:off x="468000" y="1800000"/>
-            <a:ext cx="8904240" cy="3287880"/>
+            <a:ext cx="8903880" cy="3287520"/>
           </a:xfrm>
           <a:prstGeom prst="rect">
             <a:avLst/>
@@ -53291,7 +49707,7 @@
         <p:spPr>
           <a:xfrm>
             <a:off x="468000" y="468000"/>
-            <a:ext cx="9071640" cy="946080"/>
+            <a:ext cx="9071280" cy="945720"/>
           </a:xfrm>
           <a:prstGeom prst="rect">
             <a:avLst/>
@@ -53346,7 +49762,7 @@
         <p:spPr>
           <a:xfrm>
             <a:off x="468000" y="1800000"/>
-            <a:ext cx="8447040" cy="3287880"/>
+            <a:ext cx="8446680" cy="3287520"/>
           </a:xfrm>
           <a:prstGeom prst="rect">
             <a:avLst/>
@@ -53529,7 +49945,7 @@
         <p:spPr>
           <a:xfrm>
             <a:off x="5257800" y="914400"/>
-            <a:ext cx="4737960" cy="4617000"/>
+            <a:ext cx="4737600" cy="4616640"/>
           </a:xfrm>
           <a:prstGeom prst="rect">
             <a:avLst/>
@@ -53552,7 +49968,7 @@
         <p:spPr>
           <a:xfrm>
             <a:off x="0" y="425160"/>
-            <a:ext cx="6400440" cy="946080"/>
+            <a:ext cx="6400080" cy="945720"/>
           </a:xfrm>
           <a:prstGeom prst="rect">
             <a:avLst/>
@@ -53607,7 +50023,7 @@
         <p:spPr>
           <a:xfrm>
             <a:off x="468000" y="1800000"/>
-            <a:ext cx="8447040" cy="3287880"/>
+            <a:ext cx="8446680" cy="3287520"/>
           </a:xfrm>
           <a:prstGeom prst="rect">
             <a:avLst/>
@@ -53896,7 +50312,7 @@
         <p:spPr>
           <a:xfrm>
             <a:off x="468000" y="468000"/>
-            <a:ext cx="9071640" cy="946080"/>
+            <a:ext cx="9071280" cy="945720"/>
           </a:xfrm>
           <a:prstGeom prst="rect">
             <a:avLst/>
@@ -53951,7 +50367,7 @@
         <p:spPr>
           <a:xfrm>
             <a:off x="468000" y="1800000"/>
-            <a:ext cx="8447040" cy="3287880"/>
+            <a:ext cx="8446680" cy="3287520"/>
           </a:xfrm>
           <a:prstGeom prst="rect">
             <a:avLst/>
@@ -54286,7 +50702,7 @@
         <p:spPr>
           <a:xfrm>
             <a:off x="468000" y="468000"/>
-            <a:ext cx="9071640" cy="946080"/>
+            <a:ext cx="9071280" cy="945720"/>
           </a:xfrm>
           <a:prstGeom prst="rect">
             <a:avLst/>
@@ -54341,7 +50757,7 @@
         <p:spPr>
           <a:xfrm>
             <a:off x="468000" y="1800000"/>
-            <a:ext cx="8447040" cy="3287880"/>
+            <a:ext cx="8446680" cy="3287520"/>
           </a:xfrm>
           <a:prstGeom prst="rect">
             <a:avLst/>
@@ -54436,7 +50852,7 @@
               <a:t>#pragma</a:t>
             </a:r>
             <a:r>
-              <a:rPr b="0" lang="en-US" sz="1600" spc="7" strike="noStrike">
+              <a:rPr b="0" lang="en-US" sz="1600" spc="4" strike="noStrike">
                 <a:solidFill>
                   <a:srgbClr val="0000ff"/>
                 </a:solidFill>
@@ -54454,7 +50870,7 @@
               <a:t>omp</a:t>
             </a:r>
             <a:r>
-              <a:rPr b="0" lang="en-US" sz="1600" spc="1" strike="noStrike">
+              <a:rPr b="0" lang="en-US" sz="1600" spc="-1" strike="noStrike">
                 <a:solidFill>
                   <a:schemeClr val="dk1"/>
                 </a:solidFill>
@@ -54472,7 +50888,7 @@
               <a:t>parallel</a:t>
             </a:r>
             <a:r>
-              <a:rPr b="0" lang="en-US" sz="1600" spc="1" strike="noStrike">
+              <a:rPr b="0" lang="en-US" sz="1600" spc="-1" strike="noStrike">
                 <a:solidFill>
                   <a:schemeClr val="dk1"/>
                 </a:solidFill>
@@ -54560,7 +50976,7 @@
               <a:t>thread</a:t>
             </a:r>
             <a:r>
-              <a:rPr b="0" lang="en-US" sz="1600" spc="1" strike="noStrike">
+              <a:rPr b="0" lang="en-US" sz="1600" spc="-1" strike="noStrike">
                 <a:solidFill>
                   <a:schemeClr val="dk1"/>
                 </a:solidFill>
@@ -54622,7 +51038,7 @@
               <a:t>int</a:t>
             </a:r>
             <a:r>
-              <a:rPr b="0" lang="en-US" sz="1600" spc="1" strike="noStrike">
+              <a:rPr b="0" lang="en-US" sz="1600" spc="-1" strike="noStrike">
                 <a:solidFill>
                   <a:srgbClr val="0000ff"/>
                 </a:solidFill>
@@ -54640,7 +51056,7 @@
               <a:t>max_threads</a:t>
             </a:r>
             <a:r>
-              <a:rPr b="0" lang="en-US" sz="1600" spc="15" strike="noStrike">
+              <a:rPr b="0" lang="en-US" sz="1600" spc="12" strike="noStrike">
                 <a:solidFill>
                   <a:schemeClr val="dk1"/>
                 </a:solidFill>
@@ -54696,7 +51112,7 @@
               <a:t>"Hello</a:t>
             </a:r>
             <a:r>
-              <a:rPr b="0" lang="en-US" sz="1600" spc="1" strike="noStrike">
+              <a:rPr b="0" lang="en-US" sz="1600" spc="-1" strike="noStrike">
                 <a:solidFill>
                   <a:srgbClr val="a21515"/>
                 </a:solidFill>
@@ -54714,7 +51130,7 @@
               <a:t>World</a:t>
             </a:r>
             <a:r>
-              <a:rPr b="0" lang="en-US" sz="1600" spc="7" strike="noStrike">
+              <a:rPr b="0" lang="en-US" sz="1600" spc="4" strike="noStrike">
                 <a:solidFill>
                   <a:srgbClr val="a21515"/>
                 </a:solidFill>
@@ -54732,7 +51148,7 @@
               <a:t>(Thread</a:t>
             </a:r>
             <a:r>
-              <a:rPr b="0" lang="en-US" sz="1600" spc="9" strike="noStrike">
+              <a:rPr b="0" lang="en-US" sz="1600" spc="7" strike="noStrike">
                 <a:solidFill>
                   <a:srgbClr val="a21515"/>
                 </a:solidFill>
@@ -54750,7 +51166,7 @@
               <a:t>%d</a:t>
             </a:r>
             <a:r>
-              <a:rPr b="0" lang="en-US" sz="1600" spc="7" strike="noStrike">
+              <a:rPr b="0" lang="en-US" sz="1600" spc="4" strike="noStrike">
                 <a:solidFill>
                   <a:srgbClr val="a21515"/>
                 </a:solidFill>
@@ -54768,7 +51184,7 @@
               <a:t>of</a:t>
             </a:r>
             <a:r>
-              <a:rPr b="0" lang="en-US" sz="1600" spc="7" strike="noStrike">
+              <a:rPr b="0" lang="en-US" sz="1600" spc="4" strike="noStrike">
                 <a:solidFill>
                   <a:srgbClr val="a21515"/>
                 </a:solidFill>
@@ -54792,16 +51208,7 @@
                 </a:solidFill>
                 <a:latin typeface="Courier New"/>
               </a:rPr>
-              <a:t>,</a:t>
-            </a:r>
-            <a:r>
-              <a:rPr b="0" lang="en-US" sz="1600" spc="1" strike="noStrike">
-                <a:solidFill>
-                  <a:schemeClr val="dk1"/>
-                </a:solidFill>
-                <a:latin typeface="Courier New"/>
-              </a:rPr>
-              <a:t> </a:t>
+              <a:t>, </a:t>
             </a:r>
             <a:r>
               <a:rPr b="0" lang="en-US" sz="1600" spc="-7" strike="noStrike">
@@ -54813,7 +51220,7 @@
               <a:t>thread,</a:t>
             </a:r>
             <a:r>
-              <a:rPr b="0" lang="en-US" sz="1600" spc="15" strike="noStrike">
+              <a:rPr b="0" lang="en-US" sz="1600" spc="12" strike="noStrike">
                 <a:solidFill>
                   <a:schemeClr val="dk1"/>
                 </a:solidFill>
@@ -54908,7 +51315,7 @@
         <p:spPr>
           <a:xfrm>
             <a:off x="468000" y="468000"/>
-            <a:ext cx="9071640" cy="946080"/>
+            <a:ext cx="9071280" cy="945720"/>
           </a:xfrm>
           <a:prstGeom prst="rect">
             <a:avLst/>
@@ -54963,7 +51370,7 @@
         <p:spPr>
           <a:xfrm>
             <a:off x="468000" y="1800000"/>
-            <a:ext cx="9132840" cy="3287880"/>
+            <a:ext cx="9132480" cy="3287520"/>
           </a:xfrm>
           <a:prstGeom prst="rect">
             <a:avLst/>
